--- a/trunk/TodoMundo/Presentación/Presentacion.pptx
+++ b/trunk/TodoMundo/Presentación/Presentacion.pptx
@@ -1652,7 +1652,7 @@
       </dgm:t>
     </dgm:pt>
     <dgm:pt modelId="{08607BFF-5977-4D1F-B72D-D7C704DD49CC}" type="pres">
-      <dgm:prSet presAssocID="{6099C24C-12A6-43F9-A726-E53080D841CF}" presName="base" presStyleLbl="dkBgShp" presStyleIdx="1" presStyleCnt="2"/>
+      <dgm:prSet presAssocID="{6099C24C-12A6-43F9-A726-E53080D841CF}" presName="base" presStyleLbl="dkBgShp" presStyleIdx="1" presStyleCnt="2" custLinFactNeighborX="-313" custLinFactNeighborY="1794"/>
       <dgm:spPr/>
     </dgm:pt>
   </dgm:ptLst>
@@ -1684,9 +1684,9 @@
     <dgm:cxn modelId="{8D90936B-588F-4878-9F09-443FA0AB48CC}" type="presOf" srcId="{794F3E27-C02F-43EB-BB87-3BB32B972093}" destId="{F9B45773-AEDC-4709-9FD2-ED5D18B7C2C6}" srcOrd="0" destOrd="0" presId="urn:microsoft.com/office/officeart/2005/8/layout/hList3"/>
     <dgm:cxn modelId="{8AD3841A-638D-4937-84F0-2C83464B4C80}" type="presOf" srcId="{9FEDEA84-1978-4510-BEC2-46429310148C}" destId="{555023A0-0C75-4234-B56E-BE3693D1D0E4}" srcOrd="0" destOrd="3" presId="urn:microsoft.com/office/officeart/2005/8/layout/hList3"/>
     <dgm:cxn modelId="{AA9AD4E0-223E-4DEF-B9E6-31B5A6289BE9}" srcId="{9C6AE864-0578-495D-BCF5-E0F9F3FC7F3D}" destId="{724F98F4-D5C3-4B47-B47B-9CDB04924D30}" srcOrd="5" destOrd="0" parTransId="{2CD8BFD4-E7C9-4253-BA96-BD63C00DBAB9}" sibTransId="{6E9C90A7-4A3F-4937-9213-34B873542250}"/>
+    <dgm:cxn modelId="{16CFF280-2E9D-487D-BB54-A3EB344F8E90}" srcId="{9C6AE864-0578-495D-BCF5-E0F9F3FC7F3D}" destId="{9FEDEA84-1978-4510-BEC2-46429310148C}" srcOrd="2" destOrd="0" parTransId="{04712D8D-6A72-4D09-866D-FA93371A59E8}" sibTransId="{FEB71D72-F91C-4928-8C25-41CA51D95FB1}"/>
+    <dgm:cxn modelId="{CA0B1D53-F5E0-4F4E-8653-AECFE568619F}" srcId="{AC594B83-455D-42D1-9659-899920411875}" destId="{C49DA879-8C74-4FD0-96F9-1DC19AAC4401}" srcOrd="3" destOrd="0" parTransId="{486587EF-3D94-4004-957E-A6137D83E578}" sibTransId="{9E813524-0DB3-474D-A032-CA374AA6E38F}"/>
     <dgm:cxn modelId="{EEBF63EB-57DD-4990-8C8C-1A7EE6F9374C}" type="presOf" srcId="{2D3E8EE7-B26E-4483-BDF5-5FE72E282F85}" destId="{B8C9D060-50A3-4A8C-8965-8D1B754D9E9B}" srcOrd="0" destOrd="5" presId="urn:microsoft.com/office/officeart/2005/8/layout/hList3"/>
-    <dgm:cxn modelId="{CA0B1D53-F5E0-4F4E-8653-AECFE568619F}" srcId="{AC594B83-455D-42D1-9659-899920411875}" destId="{C49DA879-8C74-4FD0-96F9-1DC19AAC4401}" srcOrd="3" destOrd="0" parTransId="{486587EF-3D94-4004-957E-A6137D83E578}" sibTransId="{9E813524-0DB3-474D-A032-CA374AA6E38F}"/>
-    <dgm:cxn modelId="{16CFF280-2E9D-487D-BB54-A3EB344F8E90}" srcId="{9C6AE864-0578-495D-BCF5-E0F9F3FC7F3D}" destId="{9FEDEA84-1978-4510-BEC2-46429310148C}" srcOrd="2" destOrd="0" parTransId="{04712D8D-6A72-4D09-866D-FA93371A59E8}" sibTransId="{FEB71D72-F91C-4928-8C25-41CA51D95FB1}"/>
     <dgm:cxn modelId="{7DE6609D-4060-42DD-9631-187ACE5EC15F}" srcId="{AC594B83-455D-42D1-9659-899920411875}" destId="{2D3E8EE7-B26E-4483-BDF5-5FE72E282F85}" srcOrd="4" destOrd="0" parTransId="{248E07FF-A971-4DEE-A763-E88CC9F75750}" sibTransId="{481C0EAD-B780-4D69-BD86-CA72C0E4EF49}"/>
     <dgm:cxn modelId="{0C8E655F-8877-47C4-B2B9-66AC32E11FD5}" type="presOf" srcId="{6099C24C-12A6-43F9-A726-E53080D841CF}" destId="{39AFFEE0-44E2-424A-BF6C-12DAAE1E84C5}" srcOrd="0" destOrd="0" presId="urn:microsoft.com/office/officeart/2005/8/layout/hList3"/>
     <dgm:cxn modelId="{094206E6-8835-451B-87C4-0E3816644DEF}" srcId="{8A42BD3A-8099-4EF0-8180-805BF10D20AB}" destId="{2DA4FE64-806F-4866-BA1F-FFAA2641EC78}" srcOrd="3" destOrd="0" parTransId="{F3CC7A28-90A1-4C81-9677-705399FB5237}" sibTransId="{87F26749-470D-4410-A6DF-4F0544FA552D}"/>
@@ -3707,7 +3707,7 @@
             <a:fld id="{A5EEFDE4-20F3-400B-B586-D1755F1D251F}" type="datetimeFigureOut">
               <a:rPr lang="en-US" smtClean="0"/>
               <a:pPr/>
-              <a:t>12/1/2009</a:t>
+              <a:t>12/2/2009</a:t>
             </a:fld>
             <a:endParaRPr lang="en-US"/>
           </a:p>
@@ -4558,7 +4558,11 @@
             </a:r>
             <a:r>
               <a:rPr lang="es-AR" baseline="0" dirty="0" smtClean="0"/>
-              <a:t> ( refrigerado, </a:t>
+              <a:t> </a:t>
+            </a:r>
+            <a:r>
+              <a:rPr lang="es-AR" baseline="0" dirty="0" smtClean="0"/>
+              <a:t>( refrigerado, </a:t>
             </a:r>
             <a:r>
               <a:rPr lang="es-AR" baseline="0" dirty="0" err="1" smtClean="0"/>
@@ -4568,6 +4572,292 @@
               <a:rPr lang="es-AR" baseline="0" dirty="0" smtClean="0"/>
               <a:t>)</a:t>
             </a:r>
+          </a:p>
+          <a:p>
+            <a:endParaRPr lang="es-AR" baseline="0" dirty="0" smtClean="0"/>
+          </a:p>
+          <a:p>
+            <a:pPr lvl="0"/>
+            <a:r>
+              <a:rPr lang="es-AR" sz="1200" kern="1200" dirty="0" smtClean="0">
+                <a:solidFill>
+                  <a:schemeClr val="tx1"/>
+                </a:solidFill>
+                <a:latin typeface="+mn-lt"/>
+                <a:ea typeface="+mn-ea"/>
+                <a:cs typeface="+mn-cs"/>
+              </a:rPr>
+              <a:t>Unidad indivisible a ser enviada.</a:t>
+            </a:r>
+          </a:p>
+          <a:p>
+            <a:pPr lvl="0"/>
+            <a:r>
+              <a:rPr lang="es-AR" sz="1200" kern="1200" dirty="0" smtClean="0">
+                <a:solidFill>
+                  <a:schemeClr val="tx1"/>
+                </a:solidFill>
+                <a:latin typeface="+mn-lt"/>
+                <a:ea typeface="+mn-ea"/>
+                <a:cs typeface="+mn-cs"/>
+              </a:rPr>
+              <a:t>Se obtiene de la división del pedido.</a:t>
+            </a:r>
+          </a:p>
+          <a:p>
+            <a:pPr lvl="0"/>
+            <a:r>
+              <a:rPr lang="es-AR" sz="1200" kern="1200" dirty="0" smtClean="0">
+                <a:solidFill>
+                  <a:schemeClr val="tx1"/>
+                </a:solidFill>
+                <a:latin typeface="+mn-lt"/>
+                <a:ea typeface="+mn-ea"/>
+                <a:cs typeface="+mn-cs"/>
+              </a:rPr>
+              <a:t>Se lo tipifica.</a:t>
+            </a:r>
+          </a:p>
+          <a:p>
+            <a:pPr lvl="0"/>
+            <a:r>
+              <a:rPr lang="es-AR" sz="1200" kern="1200" dirty="0" smtClean="0">
+                <a:solidFill>
+                  <a:schemeClr val="tx1"/>
+                </a:solidFill>
+                <a:latin typeface="+mn-lt"/>
+                <a:ea typeface="+mn-ea"/>
+                <a:cs typeface="+mn-cs"/>
+              </a:rPr>
+              <a:t>Se le asigna prioridad. </a:t>
+            </a:r>
+          </a:p>
+          <a:p>
+            <a:pPr lvl="0"/>
+            <a:r>
+              <a:rPr lang="es-AR" sz="1200" kern="1200" dirty="0" smtClean="0">
+                <a:solidFill>
+                  <a:schemeClr val="tx1"/>
+                </a:solidFill>
+                <a:latin typeface="+mn-lt"/>
+                <a:ea typeface="+mn-ea"/>
+                <a:cs typeface="+mn-cs"/>
+              </a:rPr>
+              <a:t>Se le asigna transporte.</a:t>
+            </a:r>
+          </a:p>
+          <a:p>
+            <a:pPr lvl="0"/>
+            <a:r>
+              <a:rPr lang="es-AR" sz="1200" kern="1200" dirty="0" smtClean="0">
+                <a:solidFill>
+                  <a:schemeClr val="tx1"/>
+                </a:solidFill>
+                <a:latin typeface="+mn-lt"/>
+                <a:ea typeface="+mn-ea"/>
+                <a:cs typeface="+mn-cs"/>
+              </a:rPr>
+              <a:t>Se le asocia un tramo.</a:t>
+            </a:r>
+          </a:p>
+          <a:p>
+            <a:pPr lvl="0"/>
+            <a:r>
+              <a:rPr lang="es-AR" sz="1200" kern="1200" dirty="0" smtClean="0">
+                <a:solidFill>
+                  <a:schemeClr val="tx1"/>
+                </a:solidFill>
+                <a:latin typeface="+mn-lt"/>
+                <a:ea typeface="+mn-ea"/>
+                <a:cs typeface="+mn-cs"/>
+              </a:rPr>
+              <a:t>Se lo puedo almacenar.</a:t>
+            </a:r>
+          </a:p>
+          <a:p>
+            <a:pPr lvl="0"/>
+            <a:r>
+              <a:rPr lang="es-AR" sz="1200" kern="1200" dirty="0" smtClean="0">
+                <a:solidFill>
+                  <a:schemeClr val="tx1"/>
+                </a:solidFill>
+                <a:latin typeface="+mn-lt"/>
+                <a:ea typeface="+mn-ea"/>
+                <a:cs typeface="+mn-cs"/>
+              </a:rPr>
+              <a:t>Se puede consultar la ultima</a:t>
+            </a:r>
+            <a:br>
+              <a:rPr lang="es-AR" sz="1200" kern="1200" dirty="0" smtClean="0">
+                <a:solidFill>
+                  <a:schemeClr val="tx1"/>
+                </a:solidFill>
+                <a:latin typeface="+mn-lt"/>
+                <a:ea typeface="+mn-ea"/>
+                <a:cs typeface="+mn-cs"/>
+              </a:rPr>
+            </a:br>
+            <a:r>
+              <a:rPr lang="es-AR" sz="1200" kern="1200" dirty="0" smtClean="0">
+                <a:solidFill>
+                  <a:schemeClr val="tx1"/>
+                </a:solidFill>
+                <a:latin typeface="+mn-lt"/>
+                <a:ea typeface="+mn-ea"/>
+                <a:cs typeface="+mn-cs"/>
+              </a:rPr>
+              <a:t> </a:t>
+            </a:r>
+            <a:r>
+              <a:rPr lang="es-AR" sz="1200" kern="1200" dirty="0" err="1" smtClean="0">
+                <a:solidFill>
+                  <a:schemeClr val="tx1"/>
+                </a:solidFill>
+                <a:latin typeface="+mn-lt"/>
+                <a:ea typeface="+mn-ea"/>
+                <a:cs typeface="+mn-cs"/>
+              </a:rPr>
+              <a:t>úbicacion</a:t>
+            </a:r>
+            <a:r>
+              <a:rPr lang="es-AR" sz="1200" kern="1200" dirty="0" smtClean="0">
+                <a:solidFill>
+                  <a:schemeClr val="tx1"/>
+                </a:solidFill>
+                <a:latin typeface="+mn-lt"/>
+                <a:ea typeface="+mn-ea"/>
+                <a:cs typeface="+mn-cs"/>
+              </a:rPr>
+              <a:t> </a:t>
+            </a:r>
+          </a:p>
+          <a:p>
+            <a:r>
+              <a:rPr lang="es-AR" sz="1200" kern="1200" dirty="0" smtClean="0">
+                <a:solidFill>
+                  <a:schemeClr val="tx1"/>
+                </a:solidFill>
+                <a:latin typeface="+mn-lt"/>
+                <a:ea typeface="+mn-ea"/>
+                <a:cs typeface="+mn-cs"/>
+              </a:rPr>
+              <a:t> </a:t>
+            </a:r>
+          </a:p>
+          <a:p>
+            <a:r>
+              <a:rPr lang="es-AR" sz="1200" kern="1200" dirty="0" smtClean="0">
+                <a:solidFill>
+                  <a:schemeClr val="tx1"/>
+                </a:solidFill>
+                <a:latin typeface="+mn-lt"/>
+                <a:ea typeface="+mn-ea"/>
+                <a:cs typeface="+mn-cs"/>
+              </a:rPr>
+              <a:t>Separación de la carga en bulto.</a:t>
+            </a:r>
+          </a:p>
+          <a:p>
+            <a:r>
+              <a:rPr lang="es-AR" sz="1200" kern="1200" dirty="0" smtClean="0">
+                <a:solidFill>
+                  <a:schemeClr val="tx1"/>
+                </a:solidFill>
+                <a:latin typeface="+mn-lt"/>
+                <a:ea typeface="+mn-ea"/>
+                <a:cs typeface="+mn-cs"/>
+              </a:rPr>
+              <a:t>El problema que se nos presentó con las cargas es la forma  en que se éstas iban a ser transportadas. Dado que  la carga provista por el cliente puede estar conformada  de varias partes divisibles y  quizás las mismas requieran de distintos tipos de transporte o ir por caminos diferentes, una decisión que tomamos con respecto a esto  es  trabajar con unidades indivisibles, el área de operaciones(es el área que se encarga del transporte de la logística) separa la carga en </a:t>
+            </a:r>
+            <a:r>
+              <a:rPr lang="es-AR" sz="1200" b="1" kern="1200" dirty="0" smtClean="0">
+                <a:solidFill>
+                  <a:schemeClr val="tx1"/>
+                </a:solidFill>
+                <a:latin typeface="+mn-lt"/>
+                <a:ea typeface="+mn-ea"/>
+                <a:cs typeface="+mn-cs"/>
+              </a:rPr>
+              <a:t>bultos</a:t>
+            </a:r>
+            <a:r>
+              <a:rPr lang="es-AR" sz="1200" kern="1200" dirty="0" smtClean="0">
+                <a:solidFill>
+                  <a:schemeClr val="tx1"/>
+                </a:solidFill>
+                <a:latin typeface="+mn-lt"/>
+                <a:ea typeface="+mn-ea"/>
+                <a:cs typeface="+mn-cs"/>
+              </a:rPr>
+              <a:t>.  Una vez hecha esta separación se procede a clasificar las distintas partes de la carga, según las características que nos brinda el cliente emisor. A cada bulto se le asigna  una especificación de ruta, es decir los tramos por los que va a transitar el mismo. </a:t>
+            </a:r>
+          </a:p>
+          <a:p>
+            <a:r>
+              <a:rPr lang="es-AR" sz="1200" kern="1200" dirty="0" smtClean="0">
+                <a:solidFill>
+                  <a:schemeClr val="tx1"/>
+                </a:solidFill>
+                <a:latin typeface="+mn-lt"/>
+                <a:ea typeface="+mn-ea"/>
+                <a:cs typeface="+mn-cs"/>
+              </a:rPr>
+              <a:t>Los bultos pueden tener distintos estados, los mismos son actualizados por el área de operaciones. Dichos estados puede ser en almacenamiento, en tránsito o entregado (este tema se verá  más en detalle). Algo que habría que recalcar  es que el sistema permite la consulta al cliente sobre la el estado de cualquiera de los bultos que conforma su carga. </a:t>
+            </a:r>
+          </a:p>
+          <a:p>
+            <a:r>
+              <a:rPr lang="es-AR" sz="1200" kern="1200" dirty="0" smtClean="0">
+                <a:solidFill>
+                  <a:schemeClr val="tx1"/>
+                </a:solidFill>
+                <a:latin typeface="+mn-lt"/>
+                <a:ea typeface="+mn-ea"/>
+                <a:cs typeface="+mn-cs"/>
+              </a:rPr>
+              <a:t> </a:t>
+            </a:r>
+          </a:p>
+          <a:p>
+            <a:r>
+              <a:rPr lang="es-AR" sz="1200" kern="1200" dirty="0" smtClean="0">
+                <a:solidFill>
+                  <a:schemeClr val="tx1"/>
+                </a:solidFill>
+                <a:latin typeface="+mn-lt"/>
+                <a:ea typeface="+mn-ea"/>
+                <a:cs typeface="+mn-cs"/>
+              </a:rPr>
+              <a:t>Otro punto interesante es que los bultos poseen prioridades, lo cual se verá cuando se aborde el tema de la sobre-carga. </a:t>
+            </a:r>
+          </a:p>
+          <a:p>
+            <a:r>
+              <a:rPr lang="es-AR" sz="1200" kern="1200" dirty="0" smtClean="0">
+                <a:solidFill>
+                  <a:schemeClr val="tx1"/>
+                </a:solidFill>
+                <a:latin typeface="+mn-lt"/>
+                <a:ea typeface="+mn-ea"/>
+                <a:cs typeface="+mn-cs"/>
+              </a:rPr>
+              <a:t> </a:t>
+            </a:r>
+          </a:p>
+          <a:p>
+            <a:r>
+              <a:rPr lang="es-AR" sz="1200" kern="1200" dirty="0" smtClean="0">
+                <a:solidFill>
+                  <a:schemeClr val="tx1"/>
+                </a:solidFill>
+                <a:latin typeface="+mn-lt"/>
+                <a:ea typeface="+mn-ea"/>
+                <a:cs typeface="+mn-cs"/>
+              </a:rPr>
+              <a:t>De tratar el traslado de todos los bultos juntos y que todos tengan la misma especificación de ruta,  no resultaría para nada conveniente para el sistema dado que  llevar bultos que requieren o no refrigeración juntos, desaprovecharía capacidad en un  transporte con condicionamientos.  Otro punto que vimos a favor, es que el manejo de bultos da mayor flexibilidad a la hora de la reprogramación de la ruta, dado que resulta más fácil modificar la especificación de ruta para un bulto en particular que para toda la carga completa.</a:t>
+            </a:r>
+          </a:p>
+          <a:p>
             <a:endParaRPr lang="es-AR" dirty="0"/>
           </a:p>
         </p:txBody>
@@ -5035,7 +5325,7 @@
             <a:fld id="{FE1C9E8C-5C2F-489A-9AA4-2270366A0013}" type="datetimeFigureOut">
               <a:rPr lang="es-AR" smtClean="0"/>
               <a:pPr/>
-              <a:t>01/12/2009</a:t>
+              <a:t>02/12/2009</a:t>
             </a:fld>
             <a:endParaRPr lang="es-AR"/>
           </a:p>
@@ -5222,7 +5512,7 @@
             <a:fld id="{FE1C9E8C-5C2F-489A-9AA4-2270366A0013}" type="datetimeFigureOut">
               <a:rPr lang="es-AR" smtClean="0"/>
               <a:pPr/>
-              <a:t>01/12/2009</a:t>
+              <a:t>02/12/2009</a:t>
             </a:fld>
             <a:endParaRPr lang="es-AR"/>
           </a:p>
@@ -5409,7 +5699,7 @@
             <a:fld id="{FE1C9E8C-5C2F-489A-9AA4-2270366A0013}" type="datetimeFigureOut">
               <a:rPr lang="es-AR" smtClean="0"/>
               <a:pPr/>
-              <a:t>01/12/2009</a:t>
+              <a:t>02/12/2009</a:t>
             </a:fld>
             <a:endParaRPr lang="es-AR"/>
           </a:p>
@@ -5596,7 +5886,7 @@
             <a:fld id="{FE1C9E8C-5C2F-489A-9AA4-2270366A0013}" type="datetimeFigureOut">
               <a:rPr lang="es-AR" smtClean="0"/>
               <a:pPr/>
-              <a:t>01/12/2009</a:t>
+              <a:t>02/12/2009</a:t>
             </a:fld>
             <a:endParaRPr lang="es-AR"/>
           </a:p>
@@ -5979,7 +6269,7 @@
             <a:fld id="{FE1C9E8C-5C2F-489A-9AA4-2270366A0013}" type="datetimeFigureOut">
               <a:rPr lang="es-AR" smtClean="0"/>
               <a:pPr/>
-              <a:t>01/12/2009</a:t>
+              <a:t>02/12/2009</a:t>
             </a:fld>
             <a:endParaRPr lang="es-AR"/>
           </a:p>
@@ -6250,7 +6540,7 @@
             <a:fld id="{FE1C9E8C-5C2F-489A-9AA4-2270366A0013}" type="datetimeFigureOut">
               <a:rPr lang="es-AR" smtClean="0"/>
               <a:pPr/>
-              <a:t>01/12/2009</a:t>
+              <a:t>02/12/2009</a:t>
             </a:fld>
             <a:endParaRPr lang="es-AR"/>
           </a:p>
@@ -6637,7 +6927,7 @@
             <a:fld id="{FE1C9E8C-5C2F-489A-9AA4-2270366A0013}" type="datetimeFigureOut">
               <a:rPr lang="es-AR" smtClean="0"/>
               <a:pPr/>
-              <a:t>01/12/2009</a:t>
+              <a:t>02/12/2009</a:t>
             </a:fld>
             <a:endParaRPr lang="es-AR"/>
           </a:p>
@@ -6760,7 +7050,7 @@
             <a:fld id="{FE1C9E8C-5C2F-489A-9AA4-2270366A0013}" type="datetimeFigureOut">
               <a:rPr lang="es-AR" smtClean="0"/>
               <a:pPr/>
-              <a:t>01/12/2009</a:t>
+              <a:t>02/12/2009</a:t>
             </a:fld>
             <a:endParaRPr lang="es-AR"/>
           </a:p>
@@ -6942,7 +7232,7 @@
             <a:fld id="{FE1C9E8C-5C2F-489A-9AA4-2270366A0013}" type="datetimeFigureOut">
               <a:rPr lang="es-AR" smtClean="0"/>
               <a:pPr/>
-              <a:t>01/12/2009</a:t>
+              <a:t>02/12/2009</a:t>
             </a:fld>
             <a:endParaRPr lang="es-AR"/>
           </a:p>
@@ -7278,7 +7568,7 @@
             <a:fld id="{FE1C9E8C-5C2F-489A-9AA4-2270366A0013}" type="datetimeFigureOut">
               <a:rPr lang="es-AR" smtClean="0"/>
               <a:pPr/>
-              <a:t>01/12/2009</a:t>
+              <a:t>02/12/2009</a:t>
             </a:fld>
             <a:endParaRPr lang="es-AR"/>
           </a:p>
@@ -7649,7 +7939,7 @@
             <a:fld id="{FE1C9E8C-5C2F-489A-9AA4-2270366A0013}" type="datetimeFigureOut">
               <a:rPr lang="es-AR" smtClean="0"/>
               <a:pPr/>
-              <a:t>01/12/2009</a:t>
+              <a:t>02/12/2009</a:t>
             </a:fld>
             <a:endParaRPr lang="es-AR"/>
           </a:p>
@@ -8069,7 +8359,7 @@
             <a:fld id="{FE1C9E8C-5C2F-489A-9AA4-2270366A0013}" type="datetimeFigureOut">
               <a:rPr lang="es-AR" smtClean="0"/>
               <a:pPr/>
-              <a:t>01/12/2009</a:t>
+              <a:t>02/12/2009</a:t>
             </a:fld>
             <a:endParaRPr lang="es-AR"/>
           </a:p>
@@ -8629,25 +8919,8 @@
                   </a:schemeClr>
                 </a:solidFill>
               </a:rPr>
-              <a:t>, Pablo			</a:t>
-            </a:r>
-            <a:r>
-              <a:rPr lang="es-AR" sz="1500" dirty="0" smtClean="0">
-                <a:solidFill>
-                  <a:schemeClr val="bg1">
-                    <a:lumMod val="65000"/>
-                  </a:schemeClr>
-                </a:solidFill>
-              </a:rPr>
-              <a:t>84371</a:t>
-            </a:r>
-            <a:endParaRPr lang="es-AR" sz="1500" dirty="0" smtClean="0">
-              <a:solidFill>
-                <a:schemeClr val="bg1">
-                  <a:lumMod val="65000"/>
-                </a:schemeClr>
-              </a:solidFill>
-            </a:endParaRPr>
+              <a:t>, Pablo			84371</a:t>
+            </a:r>
           </a:p>
           <a:p>
             <a:pPr marL="0" lvl="0" algn="l">
@@ -8694,25 +8967,8 @@
                   </a:schemeClr>
                 </a:solidFill>
               </a:rPr>
-              <a:t>Ferro, Flavio Edgardo		</a:t>
-            </a:r>
-            <a:r>
-              <a:rPr lang="es-AR" sz="1500" dirty="0" smtClean="0">
-                <a:solidFill>
-                  <a:schemeClr val="bg1">
-                    <a:lumMod val="65000"/>
-                  </a:schemeClr>
-                </a:solidFill>
-              </a:rPr>
-              <a:t>87187</a:t>
-            </a:r>
-            <a:endParaRPr lang="es-AR" sz="1500" dirty="0" smtClean="0">
-              <a:solidFill>
-                <a:schemeClr val="bg1">
-                  <a:lumMod val="65000"/>
-                </a:schemeClr>
-              </a:solidFill>
-            </a:endParaRPr>
+              <a:t>Ferro, Flavio Edgardo		87187</a:t>
+            </a:r>
           </a:p>
           <a:p>
             <a:pPr marL="0" lvl="0" algn="l">
@@ -8779,8 +9035,17 @@
                   </a:schemeClr>
                 </a:solidFill>
               </a:rPr>
-              <a:t>, Darío		</a:t>
-            </a:r>
+              <a:t>, Darío		83514</a:t>
+            </a:r>
+          </a:p>
+          <a:p>
+            <a:pPr marL="0" lvl="0" algn="l">
+              <a:spcBef>
+                <a:spcPts val="600"/>
+              </a:spcBef>
+              <a:buSzPct val="70000"/>
+              <a:defRPr/>
+            </a:pPr>
             <a:r>
               <a:rPr lang="es-AR" sz="1500" dirty="0" smtClean="0">
                 <a:solidFill>
@@ -8789,51 +9054,8 @@
                   </a:schemeClr>
                 </a:solidFill>
               </a:rPr>
-              <a:t>83514</a:t>
-            </a:r>
-            <a:endParaRPr lang="es-AR" sz="1500" dirty="0" smtClean="0">
-              <a:solidFill>
-                <a:schemeClr val="bg1">
-                  <a:lumMod val="65000"/>
-                </a:schemeClr>
-              </a:solidFill>
-            </a:endParaRPr>
-          </a:p>
-          <a:p>
-            <a:pPr marL="0" lvl="0" algn="l">
-              <a:spcBef>
-                <a:spcPts val="600"/>
-              </a:spcBef>
-              <a:buSzPct val="70000"/>
-              <a:defRPr/>
-            </a:pPr>
-            <a:r>
-              <a:rPr lang="es-AR" sz="1500" dirty="0" smtClean="0">
-                <a:solidFill>
-                  <a:schemeClr val="bg1">
-                    <a:lumMod val="65000"/>
-                  </a:schemeClr>
-                </a:solidFill>
-              </a:rPr>
-              <a:t>Rodríguez, Laura Guillermina	</a:t>
-            </a:r>
-            <a:r>
-              <a:rPr lang="es-AR" sz="1500" dirty="0" smtClean="0">
-                <a:solidFill>
-                  <a:schemeClr val="bg1">
-                    <a:lumMod val="65000"/>
-                  </a:schemeClr>
-                </a:solidFill>
-              </a:rPr>
-              <a:t>79958</a:t>
-            </a:r>
-            <a:endParaRPr lang="es-AR" sz="1500" dirty="0" smtClean="0">
-              <a:solidFill>
-                <a:schemeClr val="bg1">
-                  <a:lumMod val="65000"/>
-                </a:schemeClr>
-              </a:solidFill>
-            </a:endParaRPr>
+              <a:t>Rodríguez, Laura Guillermina	79958</a:t>
+            </a:r>
           </a:p>
           <a:p>
             <a:pPr algn="l"/>
@@ -9214,15 +9436,7 @@
             <a:pPr lvl="1"/>
             <a:r>
               <a:rPr lang="es-AR" dirty="0" smtClean="0"/>
-              <a:t>Objetivo – Alcance </a:t>
-            </a:r>
-            <a:r>
-              <a:rPr lang="es-AR" dirty="0" smtClean="0"/>
-              <a:t>– Fuera de Alcance – Hipótesis </a:t>
-            </a:r>
-            <a:r>
-              <a:rPr lang="es-AR" dirty="0" smtClean="0"/>
-              <a:t>(</a:t>
+              <a:t>Objetivo – Alcance – Fuera de Alcance – Hipótesis (</a:t>
             </a:r>
             <a:r>
               <a:rPr lang="es-AR" dirty="0" err="1" smtClean="0"/>
@@ -9240,7 +9454,6 @@
               <a:rPr lang="es-AR" dirty="0" smtClean="0"/>
               <a:t>)</a:t>
             </a:r>
-            <a:endParaRPr lang="es-AR" dirty="0" smtClean="0"/>
           </a:p>
           <a:p>
             <a:pPr lvl="1"/>
@@ -9250,11 +9463,7 @@
             <a:pPr lvl="1"/>
             <a:r>
               <a:rPr lang="es-AR" dirty="0" smtClean="0"/>
-              <a:t>Modelo de </a:t>
-            </a:r>
-            <a:r>
-              <a:rPr lang="es-AR" dirty="0" smtClean="0"/>
-              <a:t>Negocio (</a:t>
+              <a:t>Modelo de Negocio (</a:t>
             </a:r>
             <a:r>
               <a:rPr lang="es-AR" dirty="0" err="1" smtClean="0"/>
@@ -9264,7 +9473,6 @@
               <a:rPr lang="es-AR" dirty="0" smtClean="0"/>
               <a:t>)</a:t>
             </a:r>
-            <a:endParaRPr lang="es-AR" dirty="0" smtClean="0"/>
           </a:p>
           <a:p>
             <a:pPr lvl="1"/>
@@ -9274,11 +9482,7 @@
             <a:pPr lvl="1"/>
             <a:r>
               <a:rPr lang="es-AR" dirty="0" smtClean="0"/>
-              <a:t>Casos de </a:t>
-            </a:r>
-            <a:r>
-              <a:rPr lang="es-AR" dirty="0" smtClean="0"/>
-              <a:t>Uso (</a:t>
+              <a:t>Casos de Uso (</a:t>
             </a:r>
             <a:r>
               <a:rPr lang="es-AR" dirty="0" err="1" smtClean="0"/>
@@ -9288,7 +9492,6 @@
               <a:rPr lang="es-AR" dirty="0" smtClean="0"/>
               <a:t>)</a:t>
             </a:r>
-            <a:endParaRPr lang="es-AR" dirty="0" smtClean="0"/>
           </a:p>
           <a:p>
             <a:pPr lvl="1"/>
@@ -9319,7 +9522,6 @@
               <a:rPr lang="es-AR" dirty="0" smtClean="0"/>
               <a:t>)</a:t>
             </a:r>
-            <a:endParaRPr lang="es-AR" dirty="0" smtClean="0"/>
           </a:p>
           <a:p>
             <a:pPr lvl="2"/>
@@ -9343,7 +9545,6 @@
               <a:rPr lang="es-AR" dirty="0" smtClean="0"/>
               <a:t>)</a:t>
             </a:r>
-            <a:endParaRPr lang="es-AR" dirty="0" smtClean="0"/>
           </a:p>
           <a:p>
             <a:pPr lvl="2"/>
@@ -9366,7 +9567,6 @@
               <a:rPr lang="es-AR" dirty="0" smtClean="0"/>
               <a:t>)</a:t>
             </a:r>
-            <a:endParaRPr lang="es-AR" dirty="0" smtClean="0"/>
           </a:p>
           <a:p>
             <a:pPr lvl="2"/>
@@ -9395,7 +9595,6 @@
               <a:rPr lang="es-AR" dirty="0" smtClean="0"/>
               <a:t>Conclusiones (dependiendo como nos quede el discurso)</a:t>
             </a:r>
-            <a:endParaRPr lang="es-AR" dirty="0" smtClean="0"/>
           </a:p>
           <a:p>
             <a:pPr lvl="2">
@@ -9407,11 +9606,7 @@
             <a:pPr lvl="1"/>
             <a:r>
               <a:rPr lang="es-AR" dirty="0" smtClean="0"/>
-              <a:t>Preguntas </a:t>
-            </a:r>
-            <a:r>
-              <a:rPr lang="es-AR" dirty="0" smtClean="0"/>
-              <a:t>y Respuestas </a:t>
+              <a:t>Preguntas y Respuestas </a:t>
             </a:r>
           </a:p>
           <a:p>
@@ -10822,11 +11017,7 @@
           <a:p>
             <a:r>
               <a:rPr lang="es-AR" dirty="0" smtClean="0"/>
-              <a:t>Se </a:t>
-            </a:r>
-            <a:r>
-              <a:rPr lang="es-AR" dirty="0" smtClean="0"/>
-              <a:t>le asigna transporte.</a:t>
+              <a:t>Se le asigna transporte.</a:t>
             </a:r>
           </a:p>
           <a:p>

--- a/trunk/TodoMundo/Presentación/Presentacion.pptx
+++ b/trunk/TodoMundo/Presentación/Presentacion.pptx
@@ -14,8 +14,8 @@
     <p:sldId id="265" r:id="rId5"/>
     <p:sldId id="266" r:id="rId6"/>
     <p:sldId id="261" r:id="rId7"/>
-    <p:sldId id="262" r:id="rId8"/>
-    <p:sldId id="263" r:id="rId9"/>
+    <p:sldId id="263" r:id="rId8"/>
+    <p:sldId id="262" r:id="rId9"/>
     <p:sldId id="268" r:id="rId10"/>
     <p:sldId id="264" r:id="rId11"/>
     <p:sldId id="270" r:id="rId12"/>
@@ -883,17 +883,17 @@
       </dgm:t>
     </dgm:pt>
     <dgm:pt modelId="{6099C24C-12A6-43F9-A726-E53080D841CF}">
-      <dgm:prSet phldrT="[Text]"/>
+      <dgm:prSet phldrT="[Text]" custT="1"/>
       <dgm:spPr/>
       <dgm:t>
         <a:bodyPr/>
         <a:lstStyle/>
         <a:p>
           <a:r>
-            <a:rPr lang="es-AR" dirty="0" smtClean="0"/>
+            <a:rPr lang="es-AR" sz="3600" dirty="0" smtClean="0"/>
             <a:t>Objetivo</a:t>
           </a:r>
-          <a:endParaRPr lang="en-US" dirty="0"/>
+          <a:endParaRPr lang="en-US" sz="3600" dirty="0"/>
         </a:p>
       </dgm:t>
     </dgm:pt>
@@ -926,12 +926,18 @@
         <a:bodyPr/>
         <a:lstStyle/>
         <a:p>
+          <a:pPr algn="ctr"/>
           <a:r>
             <a:rPr lang="es-AR" sz="2100" b="1" dirty="0" smtClean="0"/>
             <a:t>Alcance</a:t>
           </a:r>
         </a:p>
         <a:p>
+          <a:pPr algn="l"/>
+          <a:endParaRPr lang="es-AR" sz="2100" b="1" dirty="0" smtClean="0"/>
+        </a:p>
+        <a:p>
+          <a:pPr algn="l"/>
           <a:endParaRPr lang="en-US" sz="2100" b="1" dirty="0"/>
         </a:p>
       </dgm:t>
@@ -965,12 +971,22 @@
         <a:bodyPr/>
         <a:lstStyle/>
         <a:p>
+          <a:pPr algn="ctr"/>
           <a:r>
-            <a:rPr lang="es-AR" sz="1400" b="1" dirty="0" smtClean="0"/>
+            <a:rPr lang="es-AR" sz="2100" b="1" dirty="0" smtClean="0"/>
             <a:t>Fuera de Alcance</a:t>
           </a:r>
         </a:p>
         <a:p>
+          <a:pPr algn="l"/>
+          <a:endParaRPr lang="es-AR" sz="1400" b="1" dirty="0" smtClean="0"/>
+        </a:p>
+        <a:p>
+          <a:pPr algn="l"/>
+          <a:endParaRPr lang="es-AR" sz="1400" b="1" dirty="0" smtClean="0"/>
+        </a:p>
+        <a:p>
+          <a:pPr algn="l"/>
           <a:endParaRPr lang="en-US" sz="1400" b="1" dirty="0"/>
         </a:p>
       </dgm:t>
@@ -1004,12 +1020,18 @@
         <a:bodyPr/>
         <a:lstStyle/>
         <a:p>
+          <a:pPr algn="ctr"/>
           <a:r>
             <a:rPr lang="es-AR" sz="2100" b="1" dirty="0" smtClean="0"/>
             <a:t>Hipótesis</a:t>
           </a:r>
         </a:p>
         <a:p>
+          <a:pPr algn="l"/>
+          <a:endParaRPr lang="es-AR" sz="2100" b="1" dirty="0" smtClean="0"/>
+        </a:p>
+        <a:p>
+          <a:pPr algn="l"/>
           <a:endParaRPr lang="en-US" sz="2100" b="1" dirty="0"/>
         </a:p>
       </dgm:t>
@@ -1043,21 +1065,36 @@
         <a:bodyPr/>
         <a:lstStyle/>
         <a:p>
+          <a:pPr algn="l"/>
           <a:r>
-            <a:rPr lang="es-AR" sz="1200" dirty="0" smtClean="0"/>
-            <a:t>Contabilidad.</a:t>
+            <a:rPr lang="es-AR" sz="1600" dirty="0" smtClean="0"/>
+            <a:t>Contabilidad</a:t>
           </a:r>
-          <a:endParaRPr lang="en-US" sz="1200" dirty="0"/>
+          <a:endParaRPr lang="en-US" sz="1600" dirty="0"/>
         </a:p>
       </dgm:t>
     </dgm:pt>
     <dgm:pt modelId="{6C17FCFF-B8F9-4DCE-B056-6AFC597136A8}" type="parTrans" cxnId="{5760E634-C8AA-4BBC-B8E1-E40CEFED97DF}">
       <dgm:prSet/>
       <dgm:spPr/>
+      <dgm:t>
+        <a:bodyPr/>
+        <a:lstStyle/>
+        <a:p>
+          <a:endParaRPr lang="en-US"/>
+        </a:p>
+      </dgm:t>
     </dgm:pt>
     <dgm:pt modelId="{CDE14E50-D6AC-4E12-B3F3-0F7DC40BD729}" type="sibTrans" cxnId="{5760E634-C8AA-4BBC-B8E1-E40CEFED97DF}">
       <dgm:prSet/>
       <dgm:spPr/>
+      <dgm:t>
+        <a:bodyPr/>
+        <a:lstStyle/>
+        <a:p>
+          <a:endParaRPr lang="en-US"/>
+        </a:p>
+      </dgm:t>
     </dgm:pt>
     <dgm:pt modelId="{8872A6C7-0471-4A2B-8230-C6EFFC341014}">
       <dgm:prSet custT="1"/>
@@ -1066,9 +1103,10 @@
         <a:bodyPr/>
         <a:lstStyle/>
         <a:p>
+          <a:pPr algn="l"/>
           <a:r>
-            <a:rPr lang="es-AR" sz="1200" dirty="0" smtClean="0"/>
-            <a:t>Estadísticas.</a:t>
+            <a:rPr lang="es-AR" sz="1600" dirty="0" smtClean="0"/>
+            <a:t>Estadísticas</a:t>
           </a:r>
         </a:p>
       </dgm:t>
@@ -1102,9 +1140,10 @@
         <a:bodyPr/>
         <a:lstStyle/>
         <a:p>
+          <a:pPr algn="l"/>
           <a:r>
-            <a:rPr lang="es-AR" sz="1200" dirty="0" smtClean="0"/>
-            <a:t>Pago a proveedores.</a:t>
+            <a:rPr lang="es-AR" sz="1600" dirty="0" smtClean="0"/>
+            <a:t>Pago a proveedores</a:t>
           </a:r>
         </a:p>
       </dgm:t>
@@ -1138,9 +1177,10 @@
         <a:bodyPr/>
         <a:lstStyle/>
         <a:p>
+          <a:pPr algn="l"/>
           <a:r>
-            <a:rPr lang="es-AR" sz="1200" dirty="0" smtClean="0"/>
-            <a:t>Seguimiento en tiempo real.</a:t>
+            <a:rPr lang="es-AR" sz="1600" dirty="0" smtClean="0"/>
+            <a:t>Seguimiento en tiempo real</a:t>
           </a:r>
         </a:p>
       </dgm:t>
@@ -1174,9 +1214,10 @@
         <a:bodyPr/>
         <a:lstStyle/>
         <a:p>
+          <a:pPr algn="l"/>
           <a:r>
-            <a:rPr lang="es-AR" sz="1200" dirty="0" smtClean="0"/>
-            <a:t>Servicio post-venta.</a:t>
+            <a:rPr lang="es-AR" sz="1600" dirty="0" smtClean="0"/>
+            <a:t>Servicio de post-venta</a:t>
           </a:r>
         </a:p>
       </dgm:t>
@@ -1210,9 +1251,10 @@
         <a:bodyPr/>
         <a:lstStyle/>
         <a:p>
+          <a:pPr algn="l"/>
           <a:r>
-            <a:rPr lang="es-AR" sz="1200" dirty="0" smtClean="0"/>
-            <a:t>Gestión del pago.</a:t>
+            <a:rPr lang="es-AR" sz="1600" dirty="0" smtClean="0"/>
+            <a:t>Gestión del pago</a:t>
           </a:r>
         </a:p>
       </dgm:t>
@@ -1246,11 +1288,12 @@
         <a:bodyPr/>
         <a:lstStyle/>
         <a:p>
+          <a:pPr algn="l"/>
           <a:r>
-            <a:rPr lang="es-AR" sz="1200" dirty="0" smtClean="0"/>
-            <a:t>Seguimiento envió factura.</a:t>
+            <a:rPr lang="es-AR" sz="1600" dirty="0" smtClean="0"/>
+            <a:t>Seguimiento de envío factura</a:t>
           </a:r>
-          <a:endParaRPr lang="es-AR" sz="1200" dirty="0"/>
+          <a:endParaRPr lang="es-AR" sz="1600" dirty="0"/>
         </a:p>
       </dgm:t>
     </dgm:pt>
@@ -1283,8 +1326,9 @@
         <a:bodyPr/>
         <a:lstStyle/>
         <a:p>
+          <a:pPr algn="l"/>
           <a:r>
-            <a:rPr lang="es-AR" sz="1200" dirty="0" smtClean="0"/>
+            <a:rPr lang="es-AR" sz="1600" dirty="0" smtClean="0"/>
             <a:t>Seguimiento</a:t>
           </a:r>
         </a:p>
@@ -1319,8 +1363,9 @@
         <a:bodyPr/>
         <a:lstStyle/>
         <a:p>
+          <a:pPr algn="l"/>
           <a:r>
-            <a:rPr lang="es-AR" sz="1200" dirty="0" smtClean="0"/>
+            <a:rPr lang="es-AR" sz="1600" dirty="0" smtClean="0"/>
             <a:t>Pedidos similares</a:t>
           </a:r>
         </a:p>
@@ -1355,8 +1400,9 @@
         <a:bodyPr/>
         <a:lstStyle/>
         <a:p>
+          <a:pPr algn="l"/>
           <a:r>
-            <a:rPr lang="es-AR" sz="1200" dirty="0" smtClean="0"/>
+            <a:rPr lang="es-AR" sz="1600" dirty="0" smtClean="0"/>
             <a:t>Presupuesto</a:t>
           </a:r>
         </a:p>
@@ -1391,8 +1437,9 @@
         <a:bodyPr/>
         <a:lstStyle/>
         <a:p>
+          <a:pPr algn="l"/>
           <a:r>
-            <a:rPr lang="es-AR" sz="1200" dirty="0" smtClean="0"/>
+            <a:rPr lang="es-AR" sz="1600" dirty="0" smtClean="0"/>
             <a:t>Reprogramación  de ruta</a:t>
           </a:r>
         </a:p>
@@ -1427,21 +1474,36 @@
         <a:bodyPr/>
         <a:lstStyle/>
         <a:p>
+          <a:pPr algn="l"/>
           <a:r>
-            <a:rPr lang="es-AR" sz="1200" b="0" dirty="0" smtClean="0"/>
+            <a:rPr lang="es-AR" sz="1600" b="0" dirty="0" smtClean="0"/>
             <a:t>Separación en Bultos</a:t>
           </a:r>
-          <a:endParaRPr lang="en-US" sz="1200" b="0" dirty="0"/>
+          <a:endParaRPr lang="en-US" sz="1600" b="0" dirty="0"/>
         </a:p>
       </dgm:t>
     </dgm:pt>
     <dgm:pt modelId="{B7F723C9-0E77-4974-AAC8-A6EFA9FC87EF}" type="parTrans" cxnId="{2DD0EDBF-2BF3-44A6-8E35-E42032FF2C27}">
       <dgm:prSet/>
       <dgm:spPr/>
+      <dgm:t>
+        <a:bodyPr/>
+        <a:lstStyle/>
+        <a:p>
+          <a:endParaRPr lang="en-US"/>
+        </a:p>
+      </dgm:t>
     </dgm:pt>
     <dgm:pt modelId="{915D0CAC-84B1-4803-A29E-C6137C28D7F4}" type="sibTrans" cxnId="{2DD0EDBF-2BF3-44A6-8E35-E42032FF2C27}">
       <dgm:prSet/>
       <dgm:spPr/>
+      <dgm:t>
+        <a:bodyPr/>
+        <a:lstStyle/>
+        <a:p>
+          <a:endParaRPr lang="en-US"/>
+        </a:p>
+      </dgm:t>
     </dgm:pt>
     <dgm:pt modelId="{2BE9EF8D-9AF1-4936-964C-673EB86542E1}">
       <dgm:prSet custT="1"/>
@@ -1450,8 +1512,9 @@
         <a:bodyPr/>
         <a:lstStyle/>
         <a:p>
+          <a:pPr algn="l"/>
           <a:r>
-            <a:rPr lang="es-AR" sz="1200" dirty="0" smtClean="0"/>
+            <a:rPr lang="es-AR" sz="1600" dirty="0" smtClean="0"/>
             <a:t>Entrega del Pedido</a:t>
           </a:r>
         </a:p>
@@ -1486,9 +1549,10 @@
         <a:bodyPr/>
         <a:lstStyle/>
         <a:p>
+          <a:pPr algn="l"/>
           <a:r>
-            <a:rPr lang="es-AR" sz="1200" dirty="0" smtClean="0"/>
-            <a:t>Sobre-carga 110%.</a:t>
+            <a:rPr lang="es-AR" sz="1600" dirty="0" smtClean="0"/>
+            <a:t>Sobre-carga 110%</a:t>
           </a:r>
         </a:p>
       </dgm:t>
@@ -1522,9 +1586,10 @@
         <a:bodyPr/>
         <a:lstStyle/>
         <a:p>
+          <a:pPr algn="l"/>
           <a:r>
-            <a:rPr lang="es-AR" sz="1200" dirty="0" smtClean="0"/>
-            <a:t>Disponibilidad Exclusiva.</a:t>
+            <a:rPr lang="es-AR" sz="1600" dirty="0" smtClean="0"/>
+            <a:t>Disponibilidad Exclusiva</a:t>
           </a:r>
         </a:p>
       </dgm:t>
@@ -1558,21 +1623,36 @@
         <a:bodyPr/>
         <a:lstStyle/>
         <a:p>
+          <a:pPr algn="l"/>
           <a:r>
-            <a:rPr lang="es-AR" sz="1200" b="0" dirty="0" smtClean="0"/>
+            <a:rPr lang="es-AR" sz="1600" b="0" dirty="0" smtClean="0"/>
             <a:t>Destino y origen únicos</a:t>
           </a:r>
-          <a:endParaRPr lang="en-US" sz="1200" b="0" dirty="0"/>
+          <a:endParaRPr lang="en-US" sz="1600" b="0" dirty="0"/>
         </a:p>
       </dgm:t>
     </dgm:pt>
     <dgm:pt modelId="{E3B30419-43B3-4E1B-81B6-73A467C2E24C}" type="parTrans" cxnId="{60693029-5889-43A2-A395-B2E9B8B342A5}">
       <dgm:prSet/>
       <dgm:spPr/>
+      <dgm:t>
+        <a:bodyPr/>
+        <a:lstStyle/>
+        <a:p>
+          <a:endParaRPr lang="en-US"/>
+        </a:p>
+      </dgm:t>
     </dgm:pt>
     <dgm:pt modelId="{DF259C8A-0E17-4653-B55C-582E8FC39379}" type="sibTrans" cxnId="{60693029-5889-43A2-A395-B2E9B8B342A5}">
       <dgm:prSet/>
       <dgm:spPr/>
+      <dgm:t>
+        <a:bodyPr/>
+        <a:lstStyle/>
+        <a:p>
+          <a:endParaRPr lang="en-US"/>
+        </a:p>
+      </dgm:t>
     </dgm:pt>
     <dgm:pt modelId="{F9B45773-AEDC-4709-9FD2-ED5D18B7C2C6}" type="pres">
       <dgm:prSet presAssocID="{794F3E27-C02F-43EB-BB87-3BB32B972093}" presName="composite" presStyleCnt="0">
@@ -1592,7 +1672,7 @@
       </dgm:t>
     </dgm:pt>
     <dgm:pt modelId="{39AFFEE0-44E2-424A-BF6C-12DAAE1E84C5}" type="pres">
-      <dgm:prSet presAssocID="{6099C24C-12A6-43F9-A726-E53080D841CF}" presName="roof" presStyleLbl="dkBgShp" presStyleIdx="0" presStyleCnt="2"/>
+      <dgm:prSet presAssocID="{6099C24C-12A6-43F9-A726-E53080D841CF}" presName="roof" presStyleLbl="dkBgShp" presStyleIdx="0" presStyleCnt="2" custScaleY="41479" custLinFactNeighborX="448" custLinFactNeighborY="-14630"/>
       <dgm:spPr/>
       <dgm:t>
         <a:bodyPr/>
@@ -1607,7 +1687,7 @@
       <dgm:spPr/>
     </dgm:pt>
     <dgm:pt modelId="{5C0873C1-9BB8-41F5-885E-336EA621AA0D}" type="pres">
-      <dgm:prSet presAssocID="{6099C24C-12A6-43F9-A726-E53080D841CF}" presName="pillar1" presStyleLbl="node1" presStyleIdx="0" presStyleCnt="3">
+      <dgm:prSet presAssocID="{6099C24C-12A6-43F9-A726-E53080D841CF}" presName="pillar1" presStyleLbl="node1" presStyleIdx="0" presStyleCnt="3" custScaleX="79696" custScaleY="133178">
         <dgm:presLayoutVars>
           <dgm:bulletEnabled val="1"/>
         </dgm:presLayoutVars>
@@ -1622,7 +1702,7 @@
       </dgm:t>
     </dgm:pt>
     <dgm:pt modelId="{555023A0-0C75-4234-B56E-BE3693D1D0E4}" type="pres">
-      <dgm:prSet presAssocID="{9C6AE864-0578-495D-BCF5-E0F9F3FC7F3D}" presName="pillarX" presStyleLbl="node1" presStyleIdx="1" presStyleCnt="3">
+      <dgm:prSet presAssocID="{9C6AE864-0578-495D-BCF5-E0F9F3FC7F3D}" presName="pillarX" presStyleLbl="node1" presStyleIdx="1" presStyleCnt="3" custScaleY="133178" custLinFactNeighborY="-13">
         <dgm:presLayoutVars>
           <dgm:bulletEnabled val="1"/>
         </dgm:presLayoutVars>
@@ -1637,7 +1717,7 @@
       </dgm:t>
     </dgm:pt>
     <dgm:pt modelId="{B8C9D060-50A3-4A8C-8965-8D1B754D9E9B}" type="pres">
-      <dgm:prSet presAssocID="{AC594B83-455D-42D1-9659-899920411875}" presName="pillarX" presStyleLbl="node1" presStyleIdx="2" presStyleCnt="3">
+      <dgm:prSet presAssocID="{AC594B83-455D-42D1-9659-899920411875}" presName="pillarX" presStyleLbl="node1" presStyleIdx="2" presStyleCnt="3" custScaleY="133178">
         <dgm:presLayoutVars>
           <dgm:bulletEnabled val="1"/>
         </dgm:presLayoutVars>
@@ -1653,7 +1733,24 @@
     </dgm:pt>
     <dgm:pt modelId="{08607BFF-5977-4D1F-B72D-D7C704DD49CC}" type="pres">
       <dgm:prSet presAssocID="{6099C24C-12A6-43F9-A726-E53080D841CF}" presName="base" presStyleLbl="dkBgShp" presStyleIdx="1" presStyleCnt="2" custLinFactNeighborX="-313" custLinFactNeighborY="1794"/>
-      <dgm:spPr/>
+      <dgm:spPr>
+        <a:solidFill>
+          <a:schemeClr val="accent1">
+            <a:shade val="80000"/>
+            <a:hueOff val="0"/>
+            <a:satOff val="0"/>
+            <a:lumOff val="0"/>
+            <a:alpha val="0"/>
+          </a:schemeClr>
+        </a:solidFill>
+      </dgm:spPr>
+      <dgm:t>
+        <a:bodyPr/>
+        <a:lstStyle/>
+        <a:p>
+          <a:endParaRPr lang="en-US"/>
+        </a:p>
+      </dgm:t>
     </dgm:pt>
   </dgm:ptLst>
   <dgm:cxnLst>
@@ -1731,7 +1828,7 @@
       <dsp:spPr>
         <a:xfrm>
           <a:off x="0" y="0"/>
-          <a:ext cx="6096000" cy="1219200"/>
+          <a:ext cx="8142399" cy="620885"/>
         </a:xfrm>
         <a:prstGeom prst="rect">
           <a:avLst/>
@@ -1763,12 +1860,12 @@
         <a:fontRef idx="minor"/>
       </dsp:style>
       <dsp:txBody>
-        <a:bodyPr spcFirstLastPara="0" vert="horz" wrap="square" lIns="213360" tIns="213360" rIns="213360" bIns="213360" numCol="1" spcCol="1270" anchor="ctr" anchorCtr="0">
+        <a:bodyPr spcFirstLastPara="0" vert="horz" wrap="square" lIns="137160" tIns="137160" rIns="137160" bIns="137160" numCol="1" spcCol="1270" anchor="ctr" anchorCtr="0">
           <a:noAutofit/>
         </a:bodyPr>
         <a:lstStyle/>
         <a:p>
-          <a:pPr lvl="0" algn="ctr" defTabSz="2489200">
+          <a:pPr lvl="0" algn="ctr" defTabSz="1600200">
             <a:lnSpc>
               <a:spcPct val="90000"/>
             </a:lnSpc>
@@ -1780,15 +1877,15 @@
             </a:spcAft>
           </a:pPr>
           <a:r>
-            <a:rPr lang="es-AR" sz="5600" kern="1200" dirty="0" smtClean="0"/>
+            <a:rPr lang="es-AR" sz="3600" kern="1200" dirty="0" smtClean="0"/>
             <a:t>Objetivo</a:t>
           </a:r>
-          <a:endParaRPr lang="en-US" sz="5600" kern="1200" dirty="0"/>
+          <a:endParaRPr lang="en-US" sz="3600" kern="1200" dirty="0"/>
         </a:p>
       </dsp:txBody>
       <dsp:txXfrm>
         <a:off x="0" y="0"/>
-        <a:ext cx="6096000" cy="1219200"/>
+        <a:ext cx="8142399" cy="620885"/>
       </dsp:txXfrm>
     </dsp:sp>
     <dsp:sp modelId="{5C0873C1-9BB8-41F5-885E-336EA621AA0D}">
@@ -1798,8 +1895,8 @@
       </dsp:nvSpPr>
       <dsp:spPr>
         <a:xfrm>
-          <a:off x="2976" y="1219200"/>
-          <a:ext cx="2030015" cy="2560320"/>
+          <a:off x="1242" y="670312"/>
+          <a:ext cx="2319369" cy="4186341"/>
         </a:xfrm>
         <a:prstGeom prst="rect">
           <a:avLst/>
@@ -1840,12 +1937,12 @@
         </a:fontRef>
       </dsp:style>
       <dsp:txBody>
-        <a:bodyPr spcFirstLastPara="0" vert="horz" wrap="square" lIns="45720" tIns="45720" rIns="45720" bIns="45720" numCol="1" spcCol="1270" anchor="t" anchorCtr="0">
+        <a:bodyPr spcFirstLastPara="0" vert="horz" wrap="square" lIns="60960" tIns="60960" rIns="60960" bIns="60960" numCol="1" spcCol="1270" anchor="t" anchorCtr="0">
           <a:noAutofit/>
         </a:bodyPr>
         <a:lstStyle/>
         <a:p>
-          <a:pPr lvl="0" algn="l" defTabSz="933450">
+          <a:pPr lvl="0" algn="ctr" defTabSz="933450">
             <a:lnSpc>
               <a:spcPct val="90000"/>
             </a:lnSpc>
@@ -1873,10 +1970,24 @@
               <a:spcPct val="35000"/>
             </a:spcAft>
           </a:pPr>
+          <a:endParaRPr lang="es-AR" sz="2100" b="1" kern="1200" dirty="0" smtClean="0"/>
+        </a:p>
+        <a:p>
+          <a:pPr lvl="0" algn="l" defTabSz="933450">
+            <a:lnSpc>
+              <a:spcPct val="90000"/>
+            </a:lnSpc>
+            <a:spcBef>
+              <a:spcPct val="0"/>
+            </a:spcBef>
+            <a:spcAft>
+              <a:spcPct val="35000"/>
+            </a:spcAft>
+          </a:pPr>
           <a:endParaRPr lang="en-US" sz="2100" b="1" kern="1200" dirty="0"/>
         </a:p>
         <a:p>
-          <a:pPr marL="114300" lvl="1" indent="-114300" algn="l" defTabSz="533400">
+          <a:pPr marL="171450" lvl="1" indent="-171450" algn="l" defTabSz="711200">
             <a:lnSpc>
               <a:spcPct val="90000"/>
             </a:lnSpc>
@@ -1889,12 +2000,12 @@
             <a:buChar char="••"/>
           </a:pPr>
           <a:r>
-            <a:rPr lang="es-AR" sz="1200" kern="1200" dirty="0" smtClean="0"/>
+            <a:rPr lang="es-AR" sz="1600" kern="1200" dirty="0" smtClean="0"/>
             <a:t>Seguimiento</a:t>
           </a:r>
         </a:p>
         <a:p>
-          <a:pPr marL="114300" lvl="1" indent="-114300" algn="l" defTabSz="533400">
+          <a:pPr marL="171450" lvl="1" indent="-171450" algn="l" defTabSz="711200">
             <a:lnSpc>
               <a:spcPct val="90000"/>
             </a:lnSpc>
@@ -1907,12 +2018,12 @@
             <a:buChar char="••"/>
           </a:pPr>
           <a:r>
-            <a:rPr lang="es-AR" sz="1200" kern="1200" dirty="0" smtClean="0"/>
+            <a:rPr lang="es-AR" sz="1600" kern="1200" dirty="0" smtClean="0"/>
             <a:t>Pedidos similares</a:t>
           </a:r>
         </a:p>
         <a:p>
-          <a:pPr marL="114300" lvl="1" indent="-114300" algn="l" defTabSz="533400">
+          <a:pPr marL="171450" lvl="1" indent="-171450" algn="l" defTabSz="711200">
             <a:lnSpc>
               <a:spcPct val="90000"/>
             </a:lnSpc>
@@ -1925,12 +2036,12 @@
             <a:buChar char="••"/>
           </a:pPr>
           <a:r>
-            <a:rPr lang="es-AR" sz="1200" kern="1200" dirty="0" smtClean="0"/>
+            <a:rPr lang="es-AR" sz="1600" kern="1200" dirty="0" smtClean="0"/>
             <a:t>Presupuesto</a:t>
           </a:r>
         </a:p>
         <a:p>
-          <a:pPr marL="114300" lvl="1" indent="-114300" algn="l" defTabSz="533400">
+          <a:pPr marL="171450" lvl="1" indent="-171450" algn="l" defTabSz="711200">
             <a:lnSpc>
               <a:spcPct val="90000"/>
             </a:lnSpc>
@@ -1943,14 +2054,14 @@
             <a:buChar char="••"/>
           </a:pPr>
           <a:r>
-            <a:rPr lang="es-AR" sz="1200" kern="1200" dirty="0" smtClean="0"/>
+            <a:rPr lang="es-AR" sz="1600" kern="1200" dirty="0" smtClean="0"/>
             <a:t>Reprogramación  de ruta</a:t>
           </a:r>
         </a:p>
       </dsp:txBody>
       <dsp:txXfrm>
-        <a:off x="2976" y="1219200"/>
-        <a:ext cx="2030015" cy="2560320"/>
+        <a:off x="1242" y="670312"/>
+        <a:ext cx="2319369" cy="4186341"/>
       </dsp:txXfrm>
     </dsp:sp>
     <dsp:sp modelId="{555023A0-0C75-4234-B56E-BE3693D1D0E4}">
@@ -1960,8 +2071,8 @@
       </dsp:nvSpPr>
       <dsp:spPr>
         <a:xfrm>
-          <a:off x="2032992" y="1219200"/>
-          <a:ext cx="2030015" cy="2560320"/>
+          <a:off x="2320612" y="669903"/>
+          <a:ext cx="2910271" cy="4186341"/>
         </a:xfrm>
         <a:prstGeom prst="rect">
           <a:avLst/>
@@ -2002,12 +2113,12 @@
         </a:fontRef>
       </dsp:style>
       <dsp:txBody>
-        <a:bodyPr spcFirstLastPara="0" vert="horz" wrap="square" lIns="53340" tIns="53340" rIns="53340" bIns="53340" numCol="1" spcCol="1270" anchor="t" anchorCtr="0">
+        <a:bodyPr spcFirstLastPara="0" vert="horz" wrap="square" lIns="80010" tIns="80010" rIns="80010" bIns="80010" numCol="1" spcCol="1270" anchor="t" anchorCtr="0">
           <a:noAutofit/>
         </a:bodyPr>
         <a:lstStyle/>
         <a:p>
-          <a:pPr lvl="0" algn="l" defTabSz="622300">
+          <a:pPr lvl="0" algn="ctr" defTabSz="933450">
             <a:lnSpc>
               <a:spcPct val="90000"/>
             </a:lnSpc>
@@ -2019,12 +2130,40 @@
             </a:spcAft>
           </a:pPr>
           <a:r>
-            <a:rPr lang="es-AR" sz="1400" b="1" kern="1200" dirty="0" smtClean="0"/>
+            <a:rPr lang="es-AR" sz="2100" b="1" kern="1200" dirty="0" smtClean="0"/>
             <a:t>Fuera de Alcance</a:t>
           </a:r>
         </a:p>
         <a:p>
-          <a:pPr lvl="0" algn="l" defTabSz="622300">
+          <a:pPr lvl="0" algn="l" defTabSz="933450">
+            <a:lnSpc>
+              <a:spcPct val="90000"/>
+            </a:lnSpc>
+            <a:spcBef>
+              <a:spcPct val="0"/>
+            </a:spcBef>
+            <a:spcAft>
+              <a:spcPct val="35000"/>
+            </a:spcAft>
+          </a:pPr>
+          <a:endParaRPr lang="es-AR" sz="1400" b="1" kern="1200" dirty="0" smtClean="0"/>
+        </a:p>
+        <a:p>
+          <a:pPr lvl="0" algn="l" defTabSz="933450">
+            <a:lnSpc>
+              <a:spcPct val="90000"/>
+            </a:lnSpc>
+            <a:spcBef>
+              <a:spcPct val="0"/>
+            </a:spcBef>
+            <a:spcAft>
+              <a:spcPct val="35000"/>
+            </a:spcAft>
+          </a:pPr>
+          <a:endParaRPr lang="es-AR" sz="1400" b="1" kern="1200" dirty="0" smtClean="0"/>
+        </a:p>
+        <a:p>
+          <a:pPr lvl="0" algn="l" defTabSz="933450">
             <a:lnSpc>
               <a:spcPct val="90000"/>
             </a:lnSpc>
@@ -2038,7 +2177,7 @@
           <a:endParaRPr lang="en-US" sz="1400" b="1" kern="1200" dirty="0"/>
         </a:p>
         <a:p>
-          <a:pPr marL="114300" lvl="1" indent="-114300" algn="l" defTabSz="533400">
+          <a:pPr marL="171450" lvl="1" indent="-171450" algn="l" defTabSz="711200">
             <a:lnSpc>
               <a:spcPct val="90000"/>
             </a:lnSpc>
@@ -2051,13 +2190,13 @@
             <a:buChar char="••"/>
           </a:pPr>
           <a:r>
-            <a:rPr lang="es-AR" sz="1200" kern="1200" dirty="0" smtClean="0"/>
-            <a:t>Contabilidad.</a:t>
+            <a:rPr lang="es-AR" sz="1600" kern="1200" dirty="0" smtClean="0"/>
+            <a:t>Contabilidad</a:t>
           </a:r>
-          <a:endParaRPr lang="en-US" sz="1200" kern="1200" dirty="0"/>
+          <a:endParaRPr lang="en-US" sz="1600" kern="1200" dirty="0"/>
         </a:p>
         <a:p>
-          <a:pPr marL="114300" lvl="1" indent="-114300" algn="l" defTabSz="533400">
+          <a:pPr marL="171450" lvl="1" indent="-171450" algn="l" defTabSz="711200">
             <a:lnSpc>
               <a:spcPct val="90000"/>
             </a:lnSpc>
@@ -2070,12 +2209,12 @@
             <a:buChar char="••"/>
           </a:pPr>
           <a:r>
-            <a:rPr lang="es-AR" sz="1200" kern="1200" dirty="0" smtClean="0"/>
-            <a:t>Estadísticas.</a:t>
+            <a:rPr lang="es-AR" sz="1600" kern="1200" dirty="0" smtClean="0"/>
+            <a:t>Estadísticas</a:t>
           </a:r>
         </a:p>
         <a:p>
-          <a:pPr marL="114300" lvl="1" indent="-114300" algn="l" defTabSz="533400">
+          <a:pPr marL="171450" lvl="1" indent="-171450" algn="l" defTabSz="711200">
             <a:lnSpc>
               <a:spcPct val="90000"/>
             </a:lnSpc>
@@ -2088,12 +2227,12 @@
             <a:buChar char="••"/>
           </a:pPr>
           <a:r>
-            <a:rPr lang="es-AR" sz="1200" kern="1200" dirty="0" smtClean="0"/>
-            <a:t>Pago a proveedores.</a:t>
+            <a:rPr lang="es-AR" sz="1600" kern="1200" dirty="0" smtClean="0"/>
+            <a:t>Pago a proveedores</a:t>
           </a:r>
         </a:p>
         <a:p>
-          <a:pPr marL="114300" lvl="1" indent="-114300" algn="l" defTabSz="533400">
+          <a:pPr marL="171450" lvl="1" indent="-171450" algn="l" defTabSz="711200">
             <a:lnSpc>
               <a:spcPct val="90000"/>
             </a:lnSpc>
@@ -2106,12 +2245,12 @@
             <a:buChar char="••"/>
           </a:pPr>
           <a:r>
-            <a:rPr lang="es-AR" sz="1200" kern="1200" dirty="0" smtClean="0"/>
-            <a:t>Seguimiento en tiempo real.</a:t>
+            <a:rPr lang="es-AR" sz="1600" kern="1200" dirty="0" smtClean="0"/>
+            <a:t>Seguimiento en tiempo real</a:t>
           </a:r>
         </a:p>
         <a:p>
-          <a:pPr marL="114300" lvl="1" indent="-114300" algn="l" defTabSz="533400">
+          <a:pPr marL="171450" lvl="1" indent="-171450" algn="l" defTabSz="711200">
             <a:lnSpc>
               <a:spcPct val="90000"/>
             </a:lnSpc>
@@ -2124,12 +2263,12 @@
             <a:buChar char="••"/>
           </a:pPr>
           <a:r>
-            <a:rPr lang="es-AR" sz="1200" kern="1200" dirty="0" smtClean="0"/>
-            <a:t>Servicio post-venta.</a:t>
+            <a:rPr lang="es-AR" sz="1600" kern="1200" dirty="0" smtClean="0"/>
+            <a:t>Servicio de post-venta</a:t>
           </a:r>
         </a:p>
         <a:p>
-          <a:pPr marL="114300" lvl="1" indent="-114300" algn="l" defTabSz="533400">
+          <a:pPr marL="171450" lvl="1" indent="-171450" algn="l" defTabSz="711200">
             <a:lnSpc>
               <a:spcPct val="90000"/>
             </a:lnSpc>
@@ -2142,12 +2281,12 @@
             <a:buChar char="••"/>
           </a:pPr>
           <a:r>
-            <a:rPr lang="es-AR" sz="1200" kern="1200" dirty="0" smtClean="0"/>
-            <a:t>Gestión del pago.</a:t>
+            <a:rPr lang="es-AR" sz="1600" kern="1200" dirty="0" smtClean="0"/>
+            <a:t>Gestión del pago</a:t>
           </a:r>
         </a:p>
         <a:p>
-          <a:pPr marL="114300" lvl="1" indent="-114300" algn="l" defTabSz="533400">
+          <a:pPr marL="171450" lvl="1" indent="-171450" algn="l" defTabSz="711200">
             <a:lnSpc>
               <a:spcPct val="90000"/>
             </a:lnSpc>
@@ -2160,15 +2299,15 @@
             <a:buChar char="••"/>
           </a:pPr>
           <a:r>
-            <a:rPr lang="es-AR" sz="1200" kern="1200" dirty="0" smtClean="0"/>
-            <a:t>Seguimiento envió factura.</a:t>
+            <a:rPr lang="es-AR" sz="1600" kern="1200" dirty="0" smtClean="0"/>
+            <a:t>Seguimiento de envío factura</a:t>
           </a:r>
-          <a:endParaRPr lang="es-AR" sz="1200" kern="1200" dirty="0"/>
+          <a:endParaRPr lang="es-AR" sz="1600" kern="1200" dirty="0"/>
         </a:p>
       </dsp:txBody>
       <dsp:txXfrm>
-        <a:off x="2032992" y="1219200"/>
-        <a:ext cx="2030015" cy="2560320"/>
+        <a:off x="2320612" y="669903"/>
+        <a:ext cx="2910271" cy="4186341"/>
       </dsp:txXfrm>
     </dsp:sp>
     <dsp:sp modelId="{B8C9D060-50A3-4A8C-8965-8D1B754D9E9B}">
@@ -2178,8 +2317,8 @@
       </dsp:nvSpPr>
       <dsp:spPr>
         <a:xfrm>
-          <a:off x="4063007" y="1219200"/>
-          <a:ext cx="2030015" cy="2560320"/>
+          <a:off x="5230884" y="670312"/>
+          <a:ext cx="2910271" cy="4186341"/>
         </a:xfrm>
         <a:prstGeom prst="rect">
           <a:avLst/>
@@ -2220,12 +2359,12 @@
         </a:fontRef>
       </dsp:style>
       <dsp:txBody>
-        <a:bodyPr spcFirstLastPara="0" vert="horz" wrap="square" lIns="45720" tIns="45720" rIns="45720" bIns="45720" numCol="1" spcCol="1270" anchor="t" anchorCtr="0">
+        <a:bodyPr spcFirstLastPara="0" vert="horz" wrap="square" lIns="60960" tIns="60960" rIns="60960" bIns="60960" numCol="1" spcCol="1270" anchor="t" anchorCtr="0">
           <a:noAutofit/>
         </a:bodyPr>
         <a:lstStyle/>
         <a:p>
-          <a:pPr lvl="0" algn="l" defTabSz="933450">
+          <a:pPr lvl="0" algn="ctr" defTabSz="933450">
             <a:lnSpc>
               <a:spcPct val="90000"/>
             </a:lnSpc>
@@ -2253,10 +2392,24 @@
               <a:spcPct val="35000"/>
             </a:spcAft>
           </a:pPr>
+          <a:endParaRPr lang="es-AR" sz="2100" b="1" kern="1200" dirty="0" smtClean="0"/>
+        </a:p>
+        <a:p>
+          <a:pPr lvl="0" algn="l" defTabSz="933450">
+            <a:lnSpc>
+              <a:spcPct val="90000"/>
+            </a:lnSpc>
+            <a:spcBef>
+              <a:spcPct val="0"/>
+            </a:spcBef>
+            <a:spcAft>
+              <a:spcPct val="35000"/>
+            </a:spcAft>
+          </a:pPr>
           <a:endParaRPr lang="en-US" sz="2100" b="1" kern="1200" dirty="0"/>
         </a:p>
         <a:p>
-          <a:pPr marL="114300" lvl="1" indent="-114300" algn="l" defTabSz="533400">
+          <a:pPr marL="171450" lvl="1" indent="-171450" algn="l" defTabSz="711200">
             <a:lnSpc>
               <a:spcPct val="90000"/>
             </a:lnSpc>
@@ -2269,13 +2422,13 @@
             <a:buChar char="••"/>
           </a:pPr>
           <a:r>
-            <a:rPr lang="es-AR" sz="1200" b="0" kern="1200" dirty="0" smtClean="0"/>
+            <a:rPr lang="es-AR" sz="1600" b="0" kern="1200" dirty="0" smtClean="0"/>
             <a:t>Destino y origen únicos</a:t>
           </a:r>
-          <a:endParaRPr lang="en-US" sz="1200" b="0" kern="1200" dirty="0"/>
+          <a:endParaRPr lang="en-US" sz="1600" b="0" kern="1200" dirty="0"/>
         </a:p>
         <a:p>
-          <a:pPr marL="114300" lvl="1" indent="-114300" algn="l" defTabSz="533400">
+          <a:pPr marL="171450" lvl="1" indent="-171450" algn="l" defTabSz="711200">
             <a:lnSpc>
               <a:spcPct val="90000"/>
             </a:lnSpc>
@@ -2288,13 +2441,13 @@
             <a:buChar char="••"/>
           </a:pPr>
           <a:r>
-            <a:rPr lang="es-AR" sz="1200" b="0" kern="1200" dirty="0" smtClean="0"/>
+            <a:rPr lang="es-AR" sz="1600" b="0" kern="1200" dirty="0" smtClean="0"/>
             <a:t>Separación en Bultos</a:t>
           </a:r>
-          <a:endParaRPr lang="en-US" sz="1200" b="0" kern="1200" dirty="0"/>
+          <a:endParaRPr lang="en-US" sz="1600" b="0" kern="1200" dirty="0"/>
         </a:p>
         <a:p>
-          <a:pPr marL="114300" lvl="1" indent="-114300" algn="l" defTabSz="533400">
+          <a:pPr marL="171450" lvl="1" indent="-171450" algn="l" defTabSz="711200">
             <a:lnSpc>
               <a:spcPct val="90000"/>
             </a:lnSpc>
@@ -2307,12 +2460,12 @@
             <a:buChar char="••"/>
           </a:pPr>
           <a:r>
-            <a:rPr lang="es-AR" sz="1200" kern="1200" dirty="0" smtClean="0"/>
+            <a:rPr lang="es-AR" sz="1600" kern="1200" dirty="0" smtClean="0"/>
             <a:t>Entrega del Pedido</a:t>
           </a:r>
         </a:p>
         <a:p>
-          <a:pPr marL="114300" lvl="1" indent="-114300" algn="l" defTabSz="533400">
+          <a:pPr marL="171450" lvl="1" indent="-171450" algn="l" defTabSz="711200">
             <a:lnSpc>
               <a:spcPct val="90000"/>
             </a:lnSpc>
@@ -2325,12 +2478,12 @@
             <a:buChar char="••"/>
           </a:pPr>
           <a:r>
-            <a:rPr lang="es-AR" sz="1200" kern="1200" dirty="0" smtClean="0"/>
-            <a:t>Sobre-carga 110%.</a:t>
+            <a:rPr lang="es-AR" sz="1600" kern="1200" dirty="0" smtClean="0"/>
+            <a:t>Sobre-carga 110%</a:t>
           </a:r>
         </a:p>
         <a:p>
-          <a:pPr marL="114300" lvl="1" indent="-114300" algn="l" defTabSz="533400">
+          <a:pPr marL="171450" lvl="1" indent="-171450" algn="l" defTabSz="711200">
             <a:lnSpc>
               <a:spcPct val="90000"/>
             </a:lnSpc>
@@ -2343,14 +2496,14 @@
             <a:buChar char="••"/>
           </a:pPr>
           <a:r>
-            <a:rPr lang="es-AR" sz="1200" kern="1200" dirty="0" smtClean="0"/>
-            <a:t>Disponibilidad Exclusiva.</a:t>
+            <a:rPr lang="es-AR" sz="1600" kern="1200" dirty="0" smtClean="0"/>
+            <a:t>Disponibilidad Exclusiva</a:t>
           </a:r>
         </a:p>
       </dsp:txBody>
       <dsp:txXfrm>
-        <a:off x="4063007" y="1219200"/>
-        <a:ext cx="2030015" cy="2560320"/>
+        <a:off x="5230884" y="670312"/>
+        <a:ext cx="2910271" cy="4186341"/>
       </dsp:txXfrm>
     </dsp:sp>
     <dsp:sp modelId="{08607BFF-5977-4D1F-B72D-D7C704DD49CC}">
@@ -2360,8 +2513,8 @@
       </dsp:nvSpPr>
       <dsp:spPr>
         <a:xfrm>
-          <a:off x="0" y="3779520"/>
-          <a:ext cx="6096000" cy="284480"/>
+          <a:off x="0" y="4341458"/>
+          <a:ext cx="8142399" cy="349268"/>
         </a:xfrm>
         <a:prstGeom prst="rect">
           <a:avLst/>
@@ -2372,7 +2525,7 @@
             <a:hueOff val="0"/>
             <a:satOff val="0"/>
             <a:lumOff val="0"/>
-            <a:alphaOff val="0"/>
+            <a:alpha val="0"/>
           </a:schemeClr>
         </a:solidFill>
         <a:ln>
@@ -3869,7 +4022,7 @@
             <a:fld id="{6B7DCFDD-9765-4942-8186-4D444FB7394B}" type="slidenum">
               <a:rPr lang="en-US" smtClean="0"/>
               <a:pPr/>
-              <a:t>‹Nº›</a:t>
+              <a:t>‹#›</a:t>
             </a:fld>
             <a:endParaRPr lang="en-US"/>
           </a:p>
@@ -4015,207 +4168,185 @@
         <p:spPr/>
         <p:txBody>
           <a:bodyPr>
-            <a:normAutofit fontScale="25000" lnSpcReduction="20000"/>
+            <a:normAutofit/>
           </a:bodyPr>
           <a:lstStyle/>
           <a:p>
-            <a:pPr marL="252000">
-              <a:spcBef>
-                <a:spcPts val="1200"/>
-              </a:spcBef>
-              <a:spcAft>
-                <a:spcPts val="4200"/>
-              </a:spcAft>
-            </a:pPr>
+            <a:pPr lvl="1"/>
             <a:r>
               <a:rPr lang="es-AR" dirty="0" smtClean="0"/>
-              <a:t>Objetivo</a:t>
-            </a:r>
-          </a:p>
-          <a:p>
-            <a:pPr marL="252000">
-              <a:spcBef>
-                <a:spcPts val="1200"/>
-              </a:spcBef>
-              <a:spcAft>
-                <a:spcPts val="4200"/>
-              </a:spcAft>
+              <a:t>Objetivo – Alcance – Fuera de Alcance – Hipótesis (</a:t>
+            </a:r>
+            <a:r>
+              <a:rPr lang="es-AR" dirty="0" err="1" smtClean="0"/>
+              <a:t>juan</a:t>
+            </a:r>
+            <a:r>
+              <a:rPr lang="es-AR" dirty="0" smtClean="0"/>
+              <a:t> / </a:t>
+            </a:r>
+            <a:r>
+              <a:rPr lang="es-AR" dirty="0" err="1" smtClean="0"/>
+              <a:t>dario</a:t>
+            </a:r>
+            <a:r>
+              <a:rPr lang="es-AR" dirty="0" smtClean="0"/>
+              <a:t>)</a:t>
+            </a:r>
+          </a:p>
+          <a:p>
+            <a:pPr lvl="1"/>
+            <a:endParaRPr lang="es-AR" dirty="0" smtClean="0"/>
+          </a:p>
+          <a:p>
+            <a:pPr lvl="1"/>
+            <a:r>
+              <a:rPr lang="es-AR" dirty="0" smtClean="0"/>
+              <a:t>Modelo de Negocio (</a:t>
+            </a:r>
+            <a:r>
+              <a:rPr lang="es-AR" dirty="0" err="1" smtClean="0"/>
+              <a:t>lau</a:t>
+            </a:r>
+            <a:r>
+              <a:rPr lang="es-AR" dirty="0" smtClean="0"/>
+              <a:t>)</a:t>
+            </a:r>
+          </a:p>
+          <a:p>
+            <a:pPr lvl="1"/>
+            <a:endParaRPr lang="es-AR" dirty="0" smtClean="0"/>
+          </a:p>
+          <a:p>
+            <a:pPr lvl="1"/>
+            <a:r>
+              <a:rPr lang="es-AR" dirty="0" smtClean="0"/>
+              <a:t>Casos de Uso (</a:t>
+            </a:r>
+            <a:r>
+              <a:rPr lang="es-AR" dirty="0" err="1" smtClean="0"/>
+              <a:t>lau</a:t>
+            </a:r>
+            <a:r>
+              <a:rPr lang="es-AR" dirty="0" smtClean="0"/>
+              <a:t>)</a:t>
+            </a:r>
+          </a:p>
+          <a:p>
+            <a:pPr lvl="1"/>
+            <a:endParaRPr lang="es-AR" dirty="0" smtClean="0"/>
+          </a:p>
+          <a:p>
+            <a:pPr lvl="1"/>
+            <a:r>
+              <a:rPr lang="es-AR" dirty="0" smtClean="0"/>
+              <a:t>Problemas Resueltos</a:t>
+            </a:r>
+          </a:p>
+          <a:p>
+            <a:pPr lvl="2"/>
+            <a:endParaRPr lang="es-AR" dirty="0" smtClean="0"/>
+          </a:p>
+          <a:p>
+            <a:pPr lvl="2"/>
+            <a:r>
+              <a:rPr lang="es-AR" dirty="0" smtClean="0"/>
+              <a:t>Manejo de la carga (</a:t>
+            </a:r>
+            <a:r>
+              <a:rPr lang="es-AR" dirty="0" err="1" smtClean="0"/>
+              <a:t>adri</a:t>
+            </a:r>
+            <a:r>
+              <a:rPr lang="es-AR" dirty="0" smtClean="0"/>
+              <a:t>)</a:t>
+            </a:r>
+          </a:p>
+          <a:p>
+            <a:pPr lvl="2"/>
+            <a:r>
+              <a:rPr lang="es-AR" dirty="0" smtClean="0"/>
+              <a:t>Sobrecarga (</a:t>
+            </a:r>
+            <a:r>
+              <a:rPr lang="es-AR" dirty="0" err="1" smtClean="0"/>
+              <a:t>juan</a:t>
+            </a:r>
+            <a:r>
+              <a:rPr lang="es-AR" dirty="0" smtClean="0"/>
+              <a:t> / </a:t>
+            </a:r>
+            <a:r>
+              <a:rPr lang="es-AR" dirty="0" err="1" smtClean="0"/>
+              <a:t>dario</a:t>
+            </a:r>
+            <a:r>
+              <a:rPr lang="es-AR" dirty="0" smtClean="0"/>
+              <a:t>)</a:t>
+            </a:r>
+          </a:p>
+          <a:p>
+            <a:pPr lvl="2"/>
+            <a:r>
+              <a:rPr lang="es-AR" dirty="0" smtClean="0"/>
+              <a:t>Especificación de ruta (pablo)</a:t>
+            </a:r>
+          </a:p>
+          <a:p>
+            <a:pPr lvl="2"/>
+            <a:r>
+              <a:rPr lang="es-AR" dirty="0" smtClean="0"/>
+              <a:t>Seguimiento del pedido (</a:t>
+            </a:r>
+            <a:r>
+              <a:rPr lang="es-AR" dirty="0" err="1" smtClean="0"/>
+              <a:t>nico</a:t>
+            </a:r>
+            <a:r>
+              <a:rPr lang="es-AR" dirty="0" smtClean="0"/>
+              <a:t>)</a:t>
+            </a:r>
+          </a:p>
+          <a:p>
+            <a:pPr lvl="2"/>
+            <a:r>
+              <a:rPr lang="es-AR" dirty="0" smtClean="0"/>
+              <a:t>Facturación, pago y entrega del pedido (</a:t>
+            </a:r>
+            <a:r>
+              <a:rPr lang="es-AR" dirty="0" err="1" smtClean="0"/>
+              <a:t>flavio</a:t>
+            </a:r>
+            <a:r>
+              <a:rPr lang="es-AR" dirty="0" smtClean="0"/>
+              <a:t>)</a:t>
+            </a:r>
+          </a:p>
+          <a:p>
+            <a:pPr lvl="2">
+              <a:buNone/>
             </a:pPr>
             <a:endParaRPr lang="es-AR" dirty="0" smtClean="0"/>
           </a:p>
           <a:p>
-            <a:pPr marL="252000">
-              <a:spcBef>
-                <a:spcPts val="1200"/>
-              </a:spcBef>
-              <a:spcAft>
-                <a:spcPts val="4200"/>
-              </a:spcAft>
+            <a:pPr lvl="1"/>
+            <a:r>
+              <a:rPr lang="es-AR" dirty="0" smtClean="0"/>
+              <a:t>Conclusiones (dependiendo como nos quede el discurso)</a:t>
+            </a:r>
+          </a:p>
+          <a:p>
+            <a:pPr lvl="2">
+              <a:buNone/>
             </a:pPr>
+            <a:endParaRPr lang="es-AR" dirty="0" smtClean="0"/>
+          </a:p>
+          <a:p>
+            <a:pPr lvl="1"/>
             <a:r>
               <a:rPr lang="es-AR" dirty="0" smtClean="0"/>
-              <a:t>Registro anticipado de las cargas.</a:t>
-            </a:r>
-          </a:p>
-          <a:p>
-            <a:pPr marL="252000">
-              <a:spcBef>
-                <a:spcPts val="1200"/>
-              </a:spcBef>
-              <a:spcAft>
-                <a:spcPts val="4200"/>
-              </a:spcAft>
-            </a:pPr>
-            <a:r>
-              <a:rPr lang="es-AR" dirty="0" smtClean="0"/>
-              <a:t>Seguimiento de las cargas.</a:t>
-            </a:r>
-          </a:p>
-          <a:p>
-            <a:pPr marL="252000">
-              <a:spcBef>
-                <a:spcPts val="1200"/>
-              </a:spcBef>
-              <a:spcAft>
-                <a:spcPts val="4200"/>
-              </a:spcAft>
-            </a:pPr>
-            <a:r>
-              <a:rPr lang="es-AR" dirty="0" smtClean="0"/>
-              <a:t>Envío de las facturas.</a:t>
-            </a:r>
-          </a:p>
-          <a:p>
-            <a:endParaRPr lang="es-AR" dirty="0" smtClean="0"/>
-          </a:p>
-          <a:p>
-            <a:r>
-              <a:rPr lang="es-AR" dirty="0" smtClean="0"/>
-              <a:t>Alcance</a:t>
-            </a:r>
-          </a:p>
-          <a:p>
-            <a:endParaRPr lang="es-AR" dirty="0" smtClean="0"/>
-          </a:p>
-          <a:p>
-            <a:r>
-              <a:rPr lang="es-AR" dirty="0" smtClean="0"/>
-              <a:t>Consultar la última </a:t>
-            </a:r>
-            <a:r>
-              <a:rPr lang="es-AR" b="1" dirty="0" smtClean="0"/>
-              <a:t>ubicación</a:t>
-            </a:r>
-            <a:r>
-              <a:rPr lang="es-AR" dirty="0" smtClean="0"/>
-              <a:t> del pedido.</a:t>
-            </a:r>
-          </a:p>
-          <a:p>
-            <a:r>
-              <a:rPr lang="es-AR" dirty="0" smtClean="0"/>
-              <a:t>Generar una </a:t>
-            </a:r>
-            <a:r>
-              <a:rPr lang="es-AR" b="1" dirty="0" smtClean="0"/>
-              <a:t>ruta</a:t>
-            </a:r>
-            <a:r>
-              <a:rPr lang="es-AR" dirty="0" smtClean="0"/>
-              <a:t> para los bultos.</a:t>
-            </a:r>
-          </a:p>
-          <a:p>
-            <a:r>
-              <a:rPr lang="es-AR" dirty="0" smtClean="0"/>
-              <a:t>Permitir reutilizar datos de un </a:t>
-            </a:r>
-            <a:r>
-              <a:rPr lang="es-AR" b="1" dirty="0" smtClean="0"/>
-              <a:t>pedido similar</a:t>
-            </a:r>
-            <a:r>
-              <a:rPr lang="es-AR" dirty="0" smtClean="0"/>
-              <a:t>.</a:t>
-            </a:r>
-          </a:p>
-          <a:p>
-            <a:r>
-              <a:rPr lang="es-AR" dirty="0" smtClean="0"/>
-              <a:t>Generar un </a:t>
-            </a:r>
-            <a:r>
-              <a:rPr lang="es-AR" b="1" dirty="0" smtClean="0"/>
-              <a:t>presupuesto</a:t>
-            </a:r>
-            <a:r>
-              <a:rPr lang="es-AR" dirty="0" smtClean="0"/>
-              <a:t> según costo de transporte.</a:t>
-            </a:r>
-          </a:p>
-          <a:p>
-            <a:r>
-              <a:rPr lang="es-AR" dirty="0" smtClean="0"/>
-              <a:t>Permitir </a:t>
-            </a:r>
-            <a:r>
-              <a:rPr lang="es-AR" b="1" dirty="0" smtClean="0"/>
-              <a:t>reprogramación</a:t>
-            </a:r>
-            <a:r>
-              <a:rPr lang="es-AR" dirty="0" smtClean="0"/>
-              <a:t> de la ruta.</a:t>
-            </a:r>
-          </a:p>
-          <a:p>
-            <a:endParaRPr lang="es-AR" dirty="0" smtClean="0"/>
-          </a:p>
-          <a:p>
-            <a:r>
-              <a:rPr lang="es-AR" dirty="0" smtClean="0"/>
-              <a:t>HIPOTESIS</a:t>
-            </a:r>
-          </a:p>
-          <a:p>
-            <a:endParaRPr lang="es-AR" dirty="0" smtClean="0"/>
-          </a:p>
-          <a:p>
-            <a:r>
-              <a:rPr lang="es-AR" dirty="0" smtClean="0"/>
-              <a:t>Un pedido se separa en bultos.</a:t>
-            </a:r>
-          </a:p>
-          <a:p>
-            <a:r>
-              <a:rPr lang="es-AR" dirty="0" smtClean="0"/>
-              <a:t>Los bultos se entregan todos juntos.</a:t>
-            </a:r>
-          </a:p>
-          <a:p>
-            <a:r>
-              <a:rPr lang="es-AR" dirty="0" smtClean="0"/>
-              <a:t>La entrega no es puerta a puerta.</a:t>
-            </a:r>
-          </a:p>
-          <a:p>
-            <a:r>
-              <a:rPr lang="es-AR" dirty="0" smtClean="0"/>
-              <a:t>Sobre-carga con 110%.</a:t>
-            </a:r>
-          </a:p>
-          <a:p>
-            <a:r>
-              <a:rPr lang="es-AR" dirty="0" smtClean="0"/>
-              <a:t>Transporte y almacenes con disponibilidad exclusiva.</a:t>
-            </a:r>
-          </a:p>
-          <a:p>
-            <a:r>
-              <a:rPr lang="es-AR" dirty="0" smtClean="0"/>
-              <a:t>No se puede retirar un pedido sin haber pagado el mismo.</a:t>
-            </a:r>
-          </a:p>
-          <a:p>
+              <a:t>Preguntas y Respuestas </a:t>
+            </a:r>
             <a:endParaRPr lang="en-US" dirty="0"/>
           </a:p>
         </p:txBody>
@@ -4238,7 +4369,7 @@
             <a:fld id="{6B7DCFDD-9765-4942-8186-4D444FB7394B}" type="slidenum">
               <a:rPr lang="en-US" smtClean="0"/>
               <a:pPr/>
-              <a:t>3</a:t>
+              <a:t>2</a:t>
             </a:fld>
             <a:endParaRPr lang="en-US"/>
           </a:p>
@@ -4294,9 +4425,206 @@
         <p:spPr/>
         <p:txBody>
           <a:bodyPr>
-            <a:normAutofit/>
+            <a:normAutofit fontScale="25000" lnSpcReduction="20000"/>
           </a:bodyPr>
           <a:lstStyle/>
+          <a:p>
+            <a:pPr marL="252000">
+              <a:spcBef>
+                <a:spcPts val="1200"/>
+              </a:spcBef>
+              <a:spcAft>
+                <a:spcPts val="4200"/>
+              </a:spcAft>
+            </a:pPr>
+            <a:r>
+              <a:rPr lang="es-AR" dirty="0" smtClean="0"/>
+              <a:t>Objetivo</a:t>
+            </a:r>
+          </a:p>
+          <a:p>
+            <a:pPr marL="252000">
+              <a:spcBef>
+                <a:spcPts val="1200"/>
+              </a:spcBef>
+              <a:spcAft>
+                <a:spcPts val="4200"/>
+              </a:spcAft>
+            </a:pPr>
+            <a:endParaRPr lang="es-AR" dirty="0" smtClean="0"/>
+          </a:p>
+          <a:p>
+            <a:pPr marL="252000">
+              <a:spcBef>
+                <a:spcPts val="1200"/>
+              </a:spcBef>
+              <a:spcAft>
+                <a:spcPts val="4200"/>
+              </a:spcAft>
+            </a:pPr>
+            <a:r>
+              <a:rPr lang="es-AR" dirty="0" smtClean="0"/>
+              <a:t>Registro anticipado de las cargas.</a:t>
+            </a:r>
+          </a:p>
+          <a:p>
+            <a:pPr marL="252000">
+              <a:spcBef>
+                <a:spcPts val="1200"/>
+              </a:spcBef>
+              <a:spcAft>
+                <a:spcPts val="4200"/>
+              </a:spcAft>
+            </a:pPr>
+            <a:r>
+              <a:rPr lang="es-AR" dirty="0" smtClean="0"/>
+              <a:t>Seguimiento de las cargas.</a:t>
+            </a:r>
+          </a:p>
+          <a:p>
+            <a:pPr marL="252000">
+              <a:spcBef>
+                <a:spcPts val="1200"/>
+              </a:spcBef>
+              <a:spcAft>
+                <a:spcPts val="4200"/>
+              </a:spcAft>
+            </a:pPr>
+            <a:r>
+              <a:rPr lang="es-AR" dirty="0" smtClean="0"/>
+              <a:t>Envío de las facturas.</a:t>
+            </a:r>
+          </a:p>
+          <a:p>
+            <a:endParaRPr lang="es-AR" dirty="0" smtClean="0"/>
+          </a:p>
+          <a:p>
+            <a:r>
+              <a:rPr lang="es-AR" dirty="0" smtClean="0"/>
+              <a:t>Alcance</a:t>
+            </a:r>
+          </a:p>
+          <a:p>
+            <a:endParaRPr lang="es-AR" dirty="0" smtClean="0"/>
+          </a:p>
+          <a:p>
+            <a:r>
+              <a:rPr lang="es-AR" dirty="0" smtClean="0"/>
+              <a:t>Consultar la última </a:t>
+            </a:r>
+            <a:r>
+              <a:rPr lang="es-AR" b="1" dirty="0" smtClean="0"/>
+              <a:t>ubicación</a:t>
+            </a:r>
+            <a:r>
+              <a:rPr lang="es-AR" dirty="0" smtClean="0"/>
+              <a:t> del pedido.</a:t>
+            </a:r>
+          </a:p>
+          <a:p>
+            <a:r>
+              <a:rPr lang="es-AR" dirty="0" smtClean="0"/>
+              <a:t>Generar una </a:t>
+            </a:r>
+            <a:r>
+              <a:rPr lang="es-AR" b="1" dirty="0" smtClean="0"/>
+              <a:t>ruta</a:t>
+            </a:r>
+            <a:r>
+              <a:rPr lang="es-AR" dirty="0" smtClean="0"/>
+              <a:t> para los bultos.</a:t>
+            </a:r>
+          </a:p>
+          <a:p>
+            <a:r>
+              <a:rPr lang="es-AR" dirty="0" smtClean="0"/>
+              <a:t>Permitir reutilizar datos de un </a:t>
+            </a:r>
+            <a:r>
+              <a:rPr lang="es-AR" b="1" dirty="0" smtClean="0"/>
+              <a:t>pedido similar</a:t>
+            </a:r>
+            <a:r>
+              <a:rPr lang="es-AR" dirty="0" smtClean="0"/>
+              <a:t>.</a:t>
+            </a:r>
+          </a:p>
+          <a:p>
+            <a:r>
+              <a:rPr lang="es-AR" dirty="0" smtClean="0"/>
+              <a:t>Generar un </a:t>
+            </a:r>
+            <a:r>
+              <a:rPr lang="es-AR" b="1" dirty="0" smtClean="0"/>
+              <a:t>presupuesto</a:t>
+            </a:r>
+            <a:r>
+              <a:rPr lang="es-AR" dirty="0" smtClean="0"/>
+              <a:t> según costo de transporte.</a:t>
+            </a:r>
+          </a:p>
+          <a:p>
+            <a:r>
+              <a:rPr lang="es-AR" dirty="0" smtClean="0"/>
+              <a:t>Permitir </a:t>
+            </a:r>
+            <a:r>
+              <a:rPr lang="es-AR" b="1" dirty="0" smtClean="0"/>
+              <a:t>reprogramación</a:t>
+            </a:r>
+            <a:r>
+              <a:rPr lang="es-AR" dirty="0" smtClean="0"/>
+              <a:t> de la ruta.</a:t>
+            </a:r>
+          </a:p>
+          <a:p>
+            <a:endParaRPr lang="es-AR" dirty="0" smtClean="0"/>
+          </a:p>
+          <a:p>
+            <a:r>
+              <a:rPr lang="es-AR" dirty="0" smtClean="0"/>
+              <a:t>HIPOTESIS</a:t>
+            </a:r>
+          </a:p>
+          <a:p>
+            <a:endParaRPr lang="es-AR" dirty="0" smtClean="0"/>
+          </a:p>
+          <a:p>
+            <a:r>
+              <a:rPr lang="es-AR" dirty="0" smtClean="0"/>
+              <a:t>Un pedido se separa en bultos.</a:t>
+            </a:r>
+          </a:p>
+          <a:p>
+            <a:r>
+              <a:rPr lang="es-AR" dirty="0" smtClean="0"/>
+              <a:t>Los bultos se entregan todos juntos.</a:t>
+            </a:r>
+          </a:p>
+          <a:p>
+            <a:r>
+              <a:rPr lang="es-AR" dirty="0" smtClean="0"/>
+              <a:t>La entrega no es puerta a puerta.</a:t>
+            </a:r>
+          </a:p>
+          <a:p>
+            <a:r>
+              <a:rPr lang="es-AR" dirty="0" smtClean="0"/>
+              <a:t>Sobre-carga con 110%.</a:t>
+            </a:r>
+          </a:p>
+          <a:p>
+            <a:r>
+              <a:rPr lang="es-AR" dirty="0" smtClean="0"/>
+              <a:t>Transporte y almacenes con disponibilidad exclusiva.</a:t>
+            </a:r>
+          </a:p>
+          <a:p>
+            <a:r>
+              <a:rPr lang="es-AR" dirty="0" smtClean="0"/>
+              <a:t>No se puede retirar un pedido sin haber pagado el mismo.</a:t>
+            </a:r>
+          </a:p>
           <a:p>
             <a:endParaRPr lang="en-US" dirty="0"/>
           </a:p>
@@ -4320,7 +4648,7 @@
             <a:fld id="{6B7DCFDD-9765-4942-8186-4D444FB7394B}" type="slidenum">
               <a:rPr lang="en-US" smtClean="0"/>
               <a:pPr/>
-              <a:t>4</a:t>
+              <a:t>3</a:t>
             </a:fld>
             <a:endParaRPr lang="en-US"/>
           </a:p>
@@ -4353,7 +4681,7 @@
       </p:grpSpPr>
       <p:sp>
         <p:nvSpPr>
-          <p:cNvPr id="2" name="1 Marcador de imagen de diapositiva"/>
+          <p:cNvPr id="2" name="Slide Image Placeholder 1"/>
           <p:cNvSpPr>
             <a:spLocks noGrp="1" noRot="1" noChangeAspect="1"/>
           </p:cNvSpPr>
@@ -4365,7 +4693,7 @@
       </p:sp>
       <p:sp>
         <p:nvSpPr>
-          <p:cNvPr id="3" name="2 Marcador de notas"/>
+          <p:cNvPr id="3" name="Notes Placeholder 2"/>
           <p:cNvSpPr>
             <a:spLocks noGrp="1"/>
           </p:cNvSpPr>
@@ -4380,74 +4708,13 @@
           </a:bodyPr>
           <a:lstStyle/>
           <a:p>
-            <a:r>
-              <a:rPr lang="es-AR" dirty="0" smtClean="0"/>
-              <a:t>DIAGRAMA ORIGINAL (PRIMER VERSION)	DIAGRAMA</a:t>
-            </a:r>
-            <a:r>
-              <a:rPr lang="es-AR" baseline="0" dirty="0" smtClean="0"/>
-              <a:t> FINAL (ULTIMA VERSION)</a:t>
-            </a:r>
-          </a:p>
-          <a:p>
-            <a:endParaRPr lang="es-AR" dirty="0" smtClean="0"/>
-          </a:p>
-          <a:p>
-            <a:r>
-              <a:rPr lang="es-AR" dirty="0" smtClean="0"/>
-              <a:t>El diagrama se fue complejizando pero no presentaba</a:t>
-            </a:r>
-            <a:r>
-              <a:rPr lang="es-AR" baseline="0" dirty="0" smtClean="0"/>
-              <a:t> grandes controversias</a:t>
-            </a:r>
-            <a:endParaRPr lang="es-AR" dirty="0" smtClean="0"/>
-          </a:p>
-          <a:p>
-            <a:pPr>
-              <a:buNone/>
-            </a:pPr>
-            <a:endParaRPr lang="es-AR" dirty="0" smtClean="0"/>
-          </a:p>
-          <a:p>
-            <a:r>
-              <a:rPr lang="es-AR" dirty="0" smtClean="0"/>
-              <a:t>Primer</a:t>
-            </a:r>
-            <a:r>
-              <a:rPr lang="es-AR" baseline="0" dirty="0" smtClean="0"/>
-              <a:t> reunión de CU  gran </a:t>
-            </a:r>
-            <a:r>
-              <a:rPr lang="es-AR" baseline="0" dirty="0" err="1" smtClean="0"/>
-              <a:t>discusion</a:t>
-            </a:r>
-            <a:r>
-              <a:rPr lang="es-AR" baseline="0" dirty="0" smtClean="0"/>
-              <a:t> del e</a:t>
-            </a:r>
-            <a:r>
-              <a:rPr lang="es-AR" dirty="0" smtClean="0"/>
-              <a:t>nfoque de los casos de uso (negocio / sistema)</a:t>
-            </a:r>
-          </a:p>
-          <a:p>
-            <a:endParaRPr lang="es-AR" dirty="0" smtClean="0"/>
-          </a:p>
-          <a:p>
-            <a:r>
-              <a:rPr lang="es-AR" dirty="0" smtClean="0"/>
-              <a:t>Re trabajo continuo (por el nivel de detalle) </a:t>
-            </a:r>
-          </a:p>
-          <a:p>
-            <a:endParaRPr lang="es-AR" dirty="0"/>
+            <a:endParaRPr lang="en-US" dirty="0"/>
           </a:p>
         </p:txBody>
       </p:sp>
       <p:sp>
         <p:nvSpPr>
-          <p:cNvPr id="4" name="3 Marcador de número de diapositiva"/>
+          <p:cNvPr id="4" name="Slide Number Placeholder 3"/>
           <p:cNvSpPr>
             <a:spLocks noGrp="1"/>
           </p:cNvSpPr>
@@ -4463,7 +4730,7 @@
             <a:fld id="{6B7DCFDD-9765-4942-8186-4D444FB7394B}" type="slidenum">
               <a:rPr lang="en-US" smtClean="0"/>
               <a:pPr/>
-              <a:t>5</a:t>
+              <a:t>4</a:t>
             </a:fld>
             <a:endParaRPr lang="en-US"/>
           </a:p>
@@ -4525,336 +4792,62 @@
           <a:p>
             <a:r>
               <a:rPr lang="es-AR" dirty="0" smtClean="0"/>
-              <a:t>Carga</a:t>
+              <a:t>DIAGRAMA ORIGINAL (PRIMER VERSION)	DIAGRAMA</a:t>
             </a:r>
             <a:r>
               <a:rPr lang="es-AR" baseline="0" dirty="0" smtClean="0"/>
-              <a:t> </a:t>
-            </a:r>
-            <a:r>
-              <a:rPr lang="es-AR" baseline="0" dirty="0" smtClean="0">
-                <a:sym typeface="Wingdings" pitchFamily="2" charset="2"/>
-              </a:rPr>
-              <a:t> conjunto de bultos que conforman un pedido</a:t>
-            </a:r>
+              <a:t> FINAL (ULTIMA VERSION)</a:t>
+            </a:r>
+          </a:p>
+          <a:p>
             <a:endParaRPr lang="es-AR" dirty="0" smtClean="0"/>
           </a:p>
           <a:p>
             <a:r>
               <a:rPr lang="es-AR" dirty="0" smtClean="0"/>
-              <a:t>Tipifica ( </a:t>
-            </a:r>
-            <a:r>
-              <a:rPr lang="es-AR" dirty="0" err="1" smtClean="0"/>
-              <a:t>dimension</a:t>
-            </a:r>
+              <a:t>El diagrama se fue complejizando pero no presentaba</a:t>
+            </a:r>
+            <a:r>
+              <a:rPr lang="es-AR" baseline="0" dirty="0" smtClean="0"/>
+              <a:t> grandes controversias</a:t>
+            </a:r>
+            <a:endParaRPr lang="es-AR" dirty="0" smtClean="0"/>
+          </a:p>
+          <a:p>
+            <a:pPr>
+              <a:buNone/>
+            </a:pPr>
+            <a:endParaRPr lang="es-AR" dirty="0" smtClean="0"/>
+          </a:p>
+          <a:p>
             <a:r>
               <a:rPr lang="es-AR" dirty="0" smtClean="0"/>
-              <a:t>, peso, </a:t>
-            </a:r>
-            <a:r>
-              <a:rPr lang="es-AR" dirty="0" err="1" smtClean="0"/>
-              <a:t>caracteristicas</a:t>
+              <a:t>Primer</a:t>
             </a:r>
             <a:r>
               <a:rPr lang="es-AR" baseline="0" dirty="0" smtClean="0"/>
-              <a:t> </a:t>
+              <a:t> reunión de CU  gran </a:t>
+            </a:r>
+            <a:r>
+              <a:rPr lang="es-AR" baseline="0" dirty="0" err="1" smtClean="0"/>
+              <a:t>discusion</a:t>
             </a:r>
             <a:r>
               <a:rPr lang="es-AR" baseline="0" dirty="0" smtClean="0"/>
-              <a:t>( refrigerado, </a:t>
-            </a:r>
-            <a:r>
-              <a:rPr lang="es-AR" baseline="0" dirty="0" err="1" smtClean="0"/>
-              <a:t>fragil</a:t>
-            </a:r>
-            <a:r>
-              <a:rPr lang="es-AR" baseline="0" dirty="0" smtClean="0"/>
-              <a:t>)</a:t>
-            </a:r>
-          </a:p>
-          <a:p>
-            <a:endParaRPr lang="es-AR" baseline="0" dirty="0" smtClean="0"/>
-          </a:p>
-          <a:p>
-            <a:pPr lvl="0"/>
-            <a:r>
-              <a:rPr lang="es-AR" sz="1200" kern="1200" dirty="0" smtClean="0">
-                <a:solidFill>
-                  <a:schemeClr val="tx1"/>
-                </a:solidFill>
-                <a:latin typeface="+mn-lt"/>
-                <a:ea typeface="+mn-ea"/>
-                <a:cs typeface="+mn-cs"/>
-              </a:rPr>
-              <a:t>Unidad indivisible a ser enviada.</a:t>
-            </a:r>
-          </a:p>
-          <a:p>
-            <a:pPr lvl="0"/>
-            <a:r>
-              <a:rPr lang="es-AR" sz="1200" kern="1200" dirty="0" smtClean="0">
-                <a:solidFill>
-                  <a:schemeClr val="tx1"/>
-                </a:solidFill>
-                <a:latin typeface="+mn-lt"/>
-                <a:ea typeface="+mn-ea"/>
-                <a:cs typeface="+mn-cs"/>
-              </a:rPr>
-              <a:t>Se obtiene de la división del pedido.</a:t>
-            </a:r>
-          </a:p>
-          <a:p>
-            <a:pPr lvl="0"/>
-            <a:r>
-              <a:rPr lang="es-AR" sz="1200" kern="1200" dirty="0" smtClean="0">
-                <a:solidFill>
-                  <a:schemeClr val="tx1"/>
-                </a:solidFill>
-                <a:latin typeface="+mn-lt"/>
-                <a:ea typeface="+mn-ea"/>
-                <a:cs typeface="+mn-cs"/>
-              </a:rPr>
-              <a:t>Se lo tipifica.</a:t>
-            </a:r>
-          </a:p>
-          <a:p>
-            <a:pPr lvl="0"/>
-            <a:r>
-              <a:rPr lang="es-AR" sz="1200" kern="1200" dirty="0" smtClean="0">
-                <a:solidFill>
-                  <a:schemeClr val="tx1"/>
-                </a:solidFill>
-                <a:latin typeface="+mn-lt"/>
-                <a:ea typeface="+mn-ea"/>
-                <a:cs typeface="+mn-cs"/>
-              </a:rPr>
-              <a:t>Se le asigna prioridad. </a:t>
-            </a:r>
-          </a:p>
-          <a:p>
-            <a:pPr lvl="0"/>
-            <a:r>
-              <a:rPr lang="es-AR" sz="1200" kern="1200" dirty="0" smtClean="0">
-                <a:solidFill>
-                  <a:schemeClr val="tx1"/>
-                </a:solidFill>
-                <a:latin typeface="+mn-lt"/>
-                <a:ea typeface="+mn-ea"/>
-                <a:cs typeface="+mn-cs"/>
-              </a:rPr>
-              <a:t>Se le asigna transporte.</a:t>
-            </a:r>
-          </a:p>
-          <a:p>
-            <a:pPr lvl="0"/>
-            <a:r>
-              <a:rPr lang="es-AR" sz="1200" kern="1200" dirty="0" smtClean="0">
-                <a:solidFill>
-                  <a:schemeClr val="tx1"/>
-                </a:solidFill>
-                <a:latin typeface="+mn-lt"/>
-                <a:ea typeface="+mn-ea"/>
-                <a:cs typeface="+mn-cs"/>
-              </a:rPr>
-              <a:t>Se le asocia un tramo.</a:t>
-            </a:r>
-          </a:p>
-          <a:p>
-            <a:pPr lvl="0"/>
-            <a:r>
-              <a:rPr lang="es-AR" sz="1200" kern="1200" dirty="0" smtClean="0">
-                <a:solidFill>
-                  <a:schemeClr val="tx1"/>
-                </a:solidFill>
-                <a:latin typeface="+mn-lt"/>
-                <a:ea typeface="+mn-ea"/>
-                <a:cs typeface="+mn-cs"/>
-              </a:rPr>
-              <a:t>Se lo puedo almacenar.</a:t>
-            </a:r>
-          </a:p>
-          <a:p>
-            <a:pPr lvl="0"/>
-            <a:r>
-              <a:rPr lang="es-AR" sz="1200" kern="1200" dirty="0" smtClean="0">
-                <a:solidFill>
-                  <a:schemeClr val="tx1"/>
-                </a:solidFill>
-                <a:latin typeface="+mn-lt"/>
-                <a:ea typeface="+mn-ea"/>
-                <a:cs typeface="+mn-cs"/>
-              </a:rPr>
-              <a:t>Se puede consultar la ultima</a:t>
-            </a:r>
-            <a:br>
-              <a:rPr lang="es-AR" sz="1200" kern="1200" dirty="0" smtClean="0">
-                <a:solidFill>
-                  <a:schemeClr val="tx1"/>
-                </a:solidFill>
-                <a:latin typeface="+mn-lt"/>
-                <a:ea typeface="+mn-ea"/>
-                <a:cs typeface="+mn-cs"/>
-              </a:rPr>
-            </a:br>
-            <a:r>
-              <a:rPr lang="es-AR" sz="1200" kern="1200" dirty="0" smtClean="0">
-                <a:solidFill>
-                  <a:schemeClr val="tx1"/>
-                </a:solidFill>
-                <a:latin typeface="+mn-lt"/>
-                <a:ea typeface="+mn-ea"/>
-                <a:cs typeface="+mn-cs"/>
-              </a:rPr>
-              <a:t> </a:t>
-            </a:r>
-            <a:r>
-              <a:rPr lang="es-AR" sz="1200" kern="1200" dirty="0" err="1" smtClean="0">
-                <a:solidFill>
-                  <a:schemeClr val="tx1"/>
-                </a:solidFill>
-                <a:latin typeface="+mn-lt"/>
-                <a:ea typeface="+mn-ea"/>
-                <a:cs typeface="+mn-cs"/>
-              </a:rPr>
-              <a:t>úbicacion</a:t>
-            </a:r>
-            <a:r>
-              <a:rPr lang="es-AR" sz="1200" kern="1200" dirty="0" smtClean="0">
-                <a:solidFill>
-                  <a:schemeClr val="tx1"/>
-                </a:solidFill>
-                <a:latin typeface="+mn-lt"/>
-                <a:ea typeface="+mn-ea"/>
-                <a:cs typeface="+mn-cs"/>
-              </a:rPr>
-              <a:t> </a:t>
-            </a:r>
-          </a:p>
-          <a:p>
-            <a:r>
-              <a:rPr lang="es-AR" sz="1200" kern="1200" dirty="0" smtClean="0">
-                <a:solidFill>
-                  <a:schemeClr val="tx1"/>
-                </a:solidFill>
-                <a:latin typeface="+mn-lt"/>
-                <a:ea typeface="+mn-ea"/>
-                <a:cs typeface="+mn-cs"/>
-              </a:rPr>
-              <a:t> </a:t>
-            </a:r>
-          </a:p>
-          <a:p>
-            <a:r>
-              <a:rPr lang="es-AR" sz="1200" kern="1200" dirty="0" smtClean="0">
-                <a:solidFill>
-                  <a:schemeClr val="tx1"/>
-                </a:solidFill>
-                <a:latin typeface="+mn-lt"/>
-                <a:ea typeface="+mn-ea"/>
-                <a:cs typeface="+mn-cs"/>
-              </a:rPr>
-              <a:t>Separación de la carga en bulto.</a:t>
-            </a:r>
-          </a:p>
-          <a:p>
-            <a:r>
-              <a:rPr lang="es-AR" sz="1200" kern="1200" dirty="0" smtClean="0">
-                <a:solidFill>
-                  <a:schemeClr val="tx1"/>
-                </a:solidFill>
-                <a:latin typeface="+mn-lt"/>
-                <a:ea typeface="+mn-ea"/>
-                <a:cs typeface="+mn-cs"/>
-              </a:rPr>
-              <a:t>El problema que se nos presentó con las cargas es la forma  en que se éstas iban a ser transportadas. Dado que  la carga provista por el cliente puede estar conformada  de varias partes divisibles y  quizás las mismas requieran de distintos tipos de transporte o ir por caminos diferentes, una decisión que tomamos con respecto a esto  es  trabajar con unidades indivisibles, el área de operaciones(es el área que se encarga del transporte de la logística) separa la carga en </a:t>
-            </a:r>
-            <a:r>
-              <a:rPr lang="es-AR" sz="1200" b="1" kern="1200" dirty="0" smtClean="0">
-                <a:solidFill>
-                  <a:schemeClr val="tx1"/>
-                </a:solidFill>
-                <a:latin typeface="+mn-lt"/>
-                <a:ea typeface="+mn-ea"/>
-                <a:cs typeface="+mn-cs"/>
-              </a:rPr>
-              <a:t>bultos</a:t>
-            </a:r>
-            <a:r>
-              <a:rPr lang="es-AR" sz="1200" kern="1200" dirty="0" smtClean="0">
-                <a:solidFill>
-                  <a:schemeClr val="tx1"/>
-                </a:solidFill>
-                <a:latin typeface="+mn-lt"/>
-                <a:ea typeface="+mn-ea"/>
-                <a:cs typeface="+mn-cs"/>
-              </a:rPr>
-              <a:t>.  Una vez hecha esta separación se procede a clasificar las distintas partes de la carga, según las características que nos brinda el cliente emisor. A cada bulto se le asigna  una especificación de ruta, es decir los tramos por los que va a transitar el mismo. </a:t>
-            </a:r>
-          </a:p>
-          <a:p>
-            <a:r>
-              <a:rPr lang="es-AR" sz="1200" kern="1200" dirty="0" smtClean="0">
-                <a:solidFill>
-                  <a:schemeClr val="tx1"/>
-                </a:solidFill>
-                <a:latin typeface="+mn-lt"/>
-                <a:ea typeface="+mn-ea"/>
-                <a:cs typeface="+mn-cs"/>
-              </a:rPr>
-              <a:t>Los bultos pueden tener distintos estados, los mismos son actualizados por el área de operaciones. Dichos estados puede ser en almacenamiento, en tránsito o entregado (este tema se verá  más en detalle). Algo que habría que recalcar  es que el sistema permite la consulta al cliente sobre la el estado de cualquiera de los bultos que conforma su carga. </a:t>
-            </a:r>
-          </a:p>
-          <a:p>
-            <a:r>
-              <a:rPr lang="es-AR" sz="1200" kern="1200" dirty="0" smtClean="0">
-                <a:solidFill>
-                  <a:schemeClr val="tx1"/>
-                </a:solidFill>
-                <a:latin typeface="+mn-lt"/>
-                <a:ea typeface="+mn-ea"/>
-                <a:cs typeface="+mn-cs"/>
-              </a:rPr>
-              <a:t> </a:t>
-            </a:r>
-          </a:p>
-          <a:p>
-            <a:r>
-              <a:rPr lang="es-AR" sz="1200" kern="1200" dirty="0" smtClean="0">
-                <a:solidFill>
-                  <a:schemeClr val="tx1"/>
-                </a:solidFill>
-                <a:latin typeface="+mn-lt"/>
-                <a:ea typeface="+mn-ea"/>
-                <a:cs typeface="+mn-cs"/>
-              </a:rPr>
-              <a:t>Otro punto interesante es que los bultos poseen prioridades, lo cual se verá cuando se aborde el tema de la sobre-carga. </a:t>
-            </a:r>
-          </a:p>
-          <a:p>
-            <a:r>
-              <a:rPr lang="es-AR" sz="1200" kern="1200" dirty="0" smtClean="0">
-                <a:solidFill>
-                  <a:schemeClr val="tx1"/>
-                </a:solidFill>
-                <a:latin typeface="+mn-lt"/>
-                <a:ea typeface="+mn-ea"/>
-                <a:cs typeface="+mn-cs"/>
-              </a:rPr>
-              <a:t> </a:t>
-            </a:r>
-          </a:p>
-          <a:p>
-            <a:r>
-              <a:rPr lang="es-AR" sz="1200" kern="1200" dirty="0" smtClean="0">
-                <a:solidFill>
-                  <a:schemeClr val="tx1"/>
-                </a:solidFill>
-                <a:latin typeface="+mn-lt"/>
-                <a:ea typeface="+mn-ea"/>
-                <a:cs typeface="+mn-cs"/>
-              </a:rPr>
-              <a:t>De tratar el traslado de todos los bultos juntos y que todos tengan la misma especificación de ruta,  no resultaría para nada conveniente para el sistema dado que  llevar bultos que requieren o no refrigeración juntos, desaprovecharía capacidad en un  transporte con condicionamientos.  Otro punto que vimos a favor, es que el manejo de bultos da mayor flexibilidad a la hora de la reprogramación de la ruta, dado que resulta más fácil modificar la especificación de ruta para un bulto en particular que para toda la carga completa.</a:t>
+              <a:t> del e</a:t>
+            </a:r>
+            <a:r>
+              <a:rPr lang="es-AR" dirty="0" smtClean="0"/>
+              <a:t>nfoque de los casos de uso (negocio / sistema)</a:t>
+            </a:r>
+          </a:p>
+          <a:p>
+            <a:endParaRPr lang="es-AR" dirty="0" smtClean="0"/>
+          </a:p>
+          <a:p>
+            <a:r>
+              <a:rPr lang="es-AR" dirty="0" smtClean="0"/>
+              <a:t>Re trabajo continuo (por el nivel de detalle) </a:t>
             </a:r>
           </a:p>
           <a:p>
@@ -4880,7 +4873,7 @@
             <a:fld id="{6B7DCFDD-9765-4942-8186-4D444FB7394B}" type="slidenum">
               <a:rPr lang="en-US" smtClean="0"/>
               <a:pPr/>
-              <a:t>6</a:t>
+              <a:t>5</a:t>
             </a:fld>
             <a:endParaRPr lang="en-US"/>
           </a:p>
@@ -4895,6 +4888,405 @@
 </file>
 
 <file path=ppt/notesSlides/notesSlide5.xml><?xml version="1.0" encoding="utf-8"?>
+<p:notes xmlns:a="http://schemas.openxmlformats.org/drawingml/2006/main" xmlns:r="http://schemas.openxmlformats.org/officeDocument/2006/relationships" xmlns:p="http://schemas.openxmlformats.org/presentationml/2006/main">
+  <p:cSld>
+    <p:spTree>
+      <p:nvGrpSpPr>
+        <p:cNvPr id="1" name=""/>
+        <p:cNvGrpSpPr/>
+        <p:nvPr/>
+      </p:nvGrpSpPr>
+      <p:grpSpPr>
+        <a:xfrm>
+          <a:off x="0" y="0"/>
+          <a:ext cx="0" cy="0"/>
+          <a:chOff x="0" y="0"/>
+          <a:chExt cx="0" cy="0"/>
+        </a:xfrm>
+      </p:grpSpPr>
+      <p:sp>
+        <p:nvSpPr>
+          <p:cNvPr id="2" name="1 Marcador de imagen de diapositiva"/>
+          <p:cNvSpPr>
+            <a:spLocks noGrp="1" noRot="1" noChangeAspect="1"/>
+          </p:cNvSpPr>
+          <p:nvPr>
+            <p:ph type="sldImg"/>
+          </p:nvPr>
+        </p:nvSpPr>
+        <p:spPr/>
+      </p:sp>
+      <p:sp>
+        <p:nvSpPr>
+          <p:cNvPr id="3" name="2 Marcador de notas"/>
+          <p:cNvSpPr>
+            <a:spLocks noGrp="1"/>
+          </p:cNvSpPr>
+          <p:nvPr>
+            <p:ph type="body" idx="1"/>
+          </p:nvPr>
+        </p:nvSpPr>
+        <p:spPr/>
+        <p:txBody>
+          <a:bodyPr>
+            <a:normAutofit/>
+          </a:bodyPr>
+          <a:lstStyle/>
+          <a:p>
+            <a:r>
+              <a:rPr lang="es-AR" dirty="0" smtClean="0"/>
+              <a:t>Carga</a:t>
+            </a:r>
+            <a:r>
+              <a:rPr lang="es-AR" baseline="0" dirty="0" smtClean="0"/>
+              <a:t> </a:t>
+            </a:r>
+            <a:r>
+              <a:rPr lang="es-AR" baseline="0" dirty="0" smtClean="0">
+                <a:sym typeface="Wingdings" pitchFamily="2" charset="2"/>
+              </a:rPr>
+              <a:t> conjunto de bultos que conforman un pedido</a:t>
+            </a:r>
+            <a:endParaRPr lang="es-AR" dirty="0" smtClean="0"/>
+          </a:p>
+          <a:p>
+            <a:r>
+              <a:rPr lang="es-AR" dirty="0" smtClean="0"/>
+              <a:t>Tipifica ( </a:t>
+            </a:r>
+            <a:r>
+              <a:rPr lang="es-AR" dirty="0" err="1" smtClean="0"/>
+              <a:t>dimension</a:t>
+            </a:r>
+            <a:r>
+              <a:rPr lang="es-AR" dirty="0" smtClean="0"/>
+              <a:t>, peso, </a:t>
+            </a:r>
+            <a:r>
+              <a:rPr lang="es-AR" dirty="0" err="1" smtClean="0"/>
+              <a:t>caracteristicas</a:t>
+            </a:r>
+            <a:r>
+              <a:rPr lang="es-AR" baseline="0" dirty="0" smtClean="0"/>
+              <a:t> ( refrigerado, </a:t>
+            </a:r>
+            <a:r>
+              <a:rPr lang="es-AR" baseline="0" dirty="0" err="1" smtClean="0"/>
+              <a:t>fragil</a:t>
+            </a:r>
+            <a:r>
+              <a:rPr lang="es-AR" baseline="0" dirty="0" smtClean="0"/>
+              <a:t>)</a:t>
+            </a:r>
+          </a:p>
+          <a:p>
+            <a:endParaRPr lang="es-AR" baseline="0" dirty="0" smtClean="0"/>
+          </a:p>
+          <a:p>
+            <a:pPr lvl="0"/>
+            <a:r>
+              <a:rPr lang="es-AR" sz="1200" kern="1200" dirty="0" smtClean="0">
+                <a:solidFill>
+                  <a:schemeClr val="tx1"/>
+                </a:solidFill>
+                <a:latin typeface="+mn-lt"/>
+                <a:ea typeface="+mn-ea"/>
+                <a:cs typeface="+mn-cs"/>
+              </a:rPr>
+              <a:t>Unidad indivisible a ser enviada.</a:t>
+            </a:r>
+          </a:p>
+          <a:p>
+            <a:pPr lvl="0"/>
+            <a:r>
+              <a:rPr lang="es-AR" sz="1200" kern="1200" dirty="0" smtClean="0">
+                <a:solidFill>
+                  <a:schemeClr val="tx1"/>
+                </a:solidFill>
+                <a:latin typeface="+mn-lt"/>
+                <a:ea typeface="+mn-ea"/>
+                <a:cs typeface="+mn-cs"/>
+              </a:rPr>
+              <a:t>Se obtiene de la división del pedido.</a:t>
+            </a:r>
+          </a:p>
+          <a:p>
+            <a:pPr lvl="0"/>
+            <a:r>
+              <a:rPr lang="es-AR" sz="1200" kern="1200" dirty="0" smtClean="0">
+                <a:solidFill>
+                  <a:schemeClr val="tx1"/>
+                </a:solidFill>
+                <a:latin typeface="+mn-lt"/>
+                <a:ea typeface="+mn-ea"/>
+                <a:cs typeface="+mn-cs"/>
+              </a:rPr>
+              <a:t>Se lo tipifica.</a:t>
+            </a:r>
+          </a:p>
+          <a:p>
+            <a:pPr lvl="0"/>
+            <a:r>
+              <a:rPr lang="es-AR" sz="1200" kern="1200" dirty="0" smtClean="0">
+                <a:solidFill>
+                  <a:schemeClr val="tx1"/>
+                </a:solidFill>
+                <a:latin typeface="+mn-lt"/>
+                <a:ea typeface="+mn-ea"/>
+                <a:cs typeface="+mn-cs"/>
+              </a:rPr>
+              <a:t>Se le calcula</a:t>
+            </a:r>
+            <a:r>
+              <a:rPr lang="es-AR" sz="1200" kern="1200" baseline="0" dirty="0" smtClean="0">
+                <a:solidFill>
+                  <a:schemeClr val="tx1"/>
+                </a:solidFill>
+                <a:latin typeface="+mn-lt"/>
+                <a:ea typeface="+mn-ea"/>
+                <a:cs typeface="+mn-cs"/>
+              </a:rPr>
+              <a:t> </a:t>
+            </a:r>
+            <a:r>
+              <a:rPr lang="es-AR" sz="1200" kern="1200" dirty="0" smtClean="0">
+                <a:solidFill>
+                  <a:schemeClr val="tx1"/>
+                </a:solidFill>
+                <a:latin typeface="+mn-lt"/>
+                <a:ea typeface="+mn-ea"/>
+                <a:cs typeface="+mn-cs"/>
+              </a:rPr>
+              <a:t>prioridad. </a:t>
+            </a:r>
+          </a:p>
+          <a:p>
+            <a:pPr lvl="0"/>
+            <a:r>
+              <a:rPr lang="es-AR" sz="1200" kern="1200" dirty="0" smtClean="0">
+                <a:solidFill>
+                  <a:schemeClr val="tx1"/>
+                </a:solidFill>
+                <a:latin typeface="+mn-lt"/>
+                <a:ea typeface="+mn-ea"/>
+                <a:cs typeface="+mn-cs"/>
+              </a:rPr>
+              <a:t>Se le asigna transporte.</a:t>
+            </a:r>
+          </a:p>
+          <a:p>
+            <a:pPr lvl="0"/>
+            <a:r>
+              <a:rPr lang="es-AR" sz="1200" kern="1200" dirty="0" smtClean="0">
+                <a:solidFill>
+                  <a:schemeClr val="tx1"/>
+                </a:solidFill>
+                <a:latin typeface="+mn-lt"/>
+                <a:ea typeface="+mn-ea"/>
+                <a:cs typeface="+mn-cs"/>
+              </a:rPr>
+              <a:t>Se lo puedo almacenar.</a:t>
+            </a:r>
+          </a:p>
+          <a:p>
+            <a:pPr lvl="0"/>
+            <a:r>
+              <a:rPr lang="es-AR" sz="1200" kern="1200" dirty="0" smtClean="0">
+                <a:solidFill>
+                  <a:schemeClr val="tx1"/>
+                </a:solidFill>
+                <a:latin typeface="+mn-lt"/>
+                <a:ea typeface="+mn-ea"/>
+                <a:cs typeface="+mn-cs"/>
+              </a:rPr>
+              <a:t>Se puede consultar la ultima</a:t>
+            </a:r>
+            <a:br>
+              <a:rPr lang="es-AR" sz="1200" kern="1200" dirty="0" smtClean="0">
+                <a:solidFill>
+                  <a:schemeClr val="tx1"/>
+                </a:solidFill>
+                <a:latin typeface="+mn-lt"/>
+                <a:ea typeface="+mn-ea"/>
+                <a:cs typeface="+mn-cs"/>
+              </a:rPr>
+            </a:br>
+            <a:r>
+              <a:rPr lang="es-AR" sz="1200" kern="1200" dirty="0" smtClean="0">
+                <a:solidFill>
+                  <a:schemeClr val="tx1"/>
+                </a:solidFill>
+                <a:latin typeface="+mn-lt"/>
+                <a:ea typeface="+mn-ea"/>
+                <a:cs typeface="+mn-cs"/>
+              </a:rPr>
+              <a:t> ubicación </a:t>
+            </a:r>
+          </a:p>
+          <a:p>
+            <a:r>
+              <a:rPr lang="es-AR" sz="1200" kern="1200" dirty="0" smtClean="0">
+                <a:solidFill>
+                  <a:schemeClr val="tx1"/>
+                </a:solidFill>
+                <a:latin typeface="+mn-lt"/>
+                <a:ea typeface="+mn-ea"/>
+                <a:cs typeface="+mn-cs"/>
+              </a:rPr>
+              <a:t> </a:t>
+            </a:r>
+          </a:p>
+          <a:p>
+            <a:r>
+              <a:rPr lang="es-AR" sz="1200" kern="1200" dirty="0" smtClean="0">
+                <a:solidFill>
+                  <a:schemeClr val="tx1"/>
+                </a:solidFill>
+                <a:latin typeface="+mn-lt"/>
+                <a:ea typeface="+mn-ea"/>
+                <a:cs typeface="+mn-cs"/>
+              </a:rPr>
+              <a:t>Separación de la carga en bulto.</a:t>
+            </a:r>
+          </a:p>
+          <a:p>
+            <a:r>
+              <a:rPr lang="es-AR" sz="1200" kern="1200" dirty="0" smtClean="0">
+                <a:solidFill>
+                  <a:schemeClr val="tx1"/>
+                </a:solidFill>
+                <a:latin typeface="+mn-lt"/>
+                <a:ea typeface="+mn-ea"/>
+                <a:cs typeface="+mn-cs"/>
+              </a:rPr>
+              <a:t>El problema que se nos presentó con las cargas es la forma  en que se éstas iban a ser transportadas. Dado que  la carga provista por el cliente puede estar conformada  de varias partes divisibles y  quizás las mismas requieran de distintos tipos de transporte o ir por caminos diferentes, una decisión que tomamos con respecto a esto  es  trabajar con unidades indivisibles, el área de operaciones(es el área que se encarga del transporte de la logística) separa la carga en </a:t>
+            </a:r>
+            <a:r>
+              <a:rPr lang="es-AR" sz="1200" b="1" kern="1200" dirty="0" smtClean="0">
+                <a:solidFill>
+                  <a:schemeClr val="tx1"/>
+                </a:solidFill>
+                <a:latin typeface="+mn-lt"/>
+                <a:ea typeface="+mn-ea"/>
+                <a:cs typeface="+mn-cs"/>
+              </a:rPr>
+              <a:t>bultos</a:t>
+            </a:r>
+            <a:r>
+              <a:rPr lang="es-AR" sz="1200" kern="1200" dirty="0" smtClean="0">
+                <a:solidFill>
+                  <a:schemeClr val="tx1"/>
+                </a:solidFill>
+                <a:latin typeface="+mn-lt"/>
+                <a:ea typeface="+mn-ea"/>
+                <a:cs typeface="+mn-cs"/>
+              </a:rPr>
+              <a:t>.  Una vez hecha esta separación se procede a clasificar las distintas partes de la carga, según las características que nos brinda el cliente emisor. A cada bulto se le asigna  una especificación de ruta, es decir los tramos por los que va a transitar el mismo. </a:t>
+            </a:r>
+          </a:p>
+          <a:p>
+            <a:r>
+              <a:rPr lang="es-AR" sz="1200" kern="1200" dirty="0" smtClean="0">
+                <a:solidFill>
+                  <a:schemeClr val="tx1"/>
+                </a:solidFill>
+                <a:latin typeface="+mn-lt"/>
+                <a:ea typeface="+mn-ea"/>
+                <a:cs typeface="+mn-cs"/>
+              </a:rPr>
+              <a:t>Los bultos pueden tener distintos estados, los mismos son actualizados por el área de operaciones. Dichos estados puede ser en almacenamiento, en tránsito o entregado (este tema se verá  más en detalle). Algo que habría que recalcar  es que el sistema permite la consulta al cliente sobre la el estado de cualquiera de los bultos que conforma su carga. </a:t>
+            </a:r>
+          </a:p>
+          <a:p>
+            <a:r>
+              <a:rPr lang="es-AR" sz="1200" kern="1200" dirty="0" smtClean="0">
+                <a:solidFill>
+                  <a:schemeClr val="tx1"/>
+                </a:solidFill>
+                <a:latin typeface="+mn-lt"/>
+                <a:ea typeface="+mn-ea"/>
+                <a:cs typeface="+mn-cs"/>
+              </a:rPr>
+              <a:t> </a:t>
+            </a:r>
+          </a:p>
+          <a:p>
+            <a:r>
+              <a:rPr lang="es-AR" sz="1200" kern="1200" dirty="0" smtClean="0">
+                <a:solidFill>
+                  <a:schemeClr val="tx1"/>
+                </a:solidFill>
+                <a:latin typeface="+mn-lt"/>
+                <a:ea typeface="+mn-ea"/>
+                <a:cs typeface="+mn-cs"/>
+              </a:rPr>
+              <a:t>Otro punto interesante es que los bultos poseen prioridades, lo cual se verá cuando se aborde el tema de la sobre-carga. </a:t>
+            </a:r>
+          </a:p>
+          <a:p>
+            <a:r>
+              <a:rPr lang="es-AR" sz="1200" kern="1200" dirty="0" smtClean="0">
+                <a:solidFill>
+                  <a:schemeClr val="tx1"/>
+                </a:solidFill>
+                <a:latin typeface="+mn-lt"/>
+                <a:ea typeface="+mn-ea"/>
+                <a:cs typeface="+mn-cs"/>
+              </a:rPr>
+              <a:t> </a:t>
+            </a:r>
+          </a:p>
+          <a:p>
+            <a:r>
+              <a:rPr lang="es-AR" sz="1200" kern="1200" dirty="0" smtClean="0">
+                <a:solidFill>
+                  <a:schemeClr val="tx1"/>
+                </a:solidFill>
+                <a:latin typeface="+mn-lt"/>
+                <a:ea typeface="+mn-ea"/>
+                <a:cs typeface="+mn-cs"/>
+              </a:rPr>
+              <a:t>De tratar el traslado de todos los bultos juntos y que todos tengan la misma especificación de ruta,  no resultaría para nada conveniente para el sistema dado que  llevar bultos que requieren o no refrigeración juntos, desaprovecharía capacidad en un  transporte con condicionamientos.  Otro punto que vimos a favor, es que el manejo de bultos da mayor flexibilidad a la hora de la reprogramación de la ruta, dado que resulta más fácil modificar la especificación de ruta para un bulto en particular que para toda la carga completa.</a:t>
+            </a:r>
+          </a:p>
+          <a:p>
+            <a:endParaRPr lang="es-AR" dirty="0"/>
+          </a:p>
+        </p:txBody>
+      </p:sp>
+      <p:sp>
+        <p:nvSpPr>
+          <p:cNvPr id="4" name="3 Marcador de número de diapositiva"/>
+          <p:cNvSpPr>
+            <a:spLocks noGrp="1"/>
+          </p:cNvSpPr>
+          <p:nvPr>
+            <p:ph type="sldNum" sz="quarter" idx="10"/>
+          </p:nvPr>
+        </p:nvSpPr>
+        <p:spPr/>
+        <p:txBody>
+          <a:bodyPr/>
+          <a:lstStyle/>
+          <a:p>
+            <a:fld id="{6B7DCFDD-9765-4942-8186-4D444FB7394B}" type="slidenum">
+              <a:rPr lang="en-US" smtClean="0"/>
+              <a:pPr/>
+              <a:t>6</a:t>
+            </a:fld>
+            <a:endParaRPr lang="en-US"/>
+          </a:p>
+        </p:txBody>
+      </p:sp>
+    </p:spTree>
+  </p:cSld>
+  <p:clrMapOvr>
+    <a:masterClrMapping/>
+  </p:clrMapOvr>
+</p:notes>
+</file>
+
+<file path=ppt/notesSlides/notesSlide6.xml><?xml version="1.0" encoding="utf-8"?>
 <p:notes xmlns:a="http://schemas.openxmlformats.org/drawingml/2006/main" xmlns:r="http://schemas.openxmlformats.org/officeDocument/2006/relationships" xmlns:p="http://schemas.openxmlformats.org/presentationml/2006/main">
   <p:cSld>
     <p:spTree>
@@ -5372,7 +5764,7 @@
             <a:fld id="{DEAB1E94-6728-4D22-B98E-AC9E1765F0E2}" type="slidenum">
               <a:rPr lang="es-AR" smtClean="0"/>
               <a:pPr/>
-              <a:t>‹Nº›</a:t>
+              <a:t>‹#›</a:t>
             </a:fld>
             <a:endParaRPr lang="es-AR"/>
           </a:p>
@@ -5559,7 +5951,7 @@
             <a:fld id="{DEAB1E94-6728-4D22-B98E-AC9E1765F0E2}" type="slidenum">
               <a:rPr lang="es-AR" smtClean="0"/>
               <a:pPr/>
-              <a:t>‹Nº›</a:t>
+              <a:t>‹#›</a:t>
             </a:fld>
             <a:endParaRPr lang="es-AR"/>
           </a:p>
@@ -5746,7 +6138,7 @@
             <a:fld id="{DEAB1E94-6728-4D22-B98E-AC9E1765F0E2}" type="slidenum">
               <a:rPr lang="es-AR" smtClean="0"/>
               <a:pPr/>
-              <a:t>‹Nº›</a:t>
+              <a:t>‹#›</a:t>
             </a:fld>
             <a:endParaRPr lang="es-AR"/>
           </a:p>
@@ -5933,7 +6325,7 @@
             <a:fld id="{DEAB1E94-6728-4D22-B98E-AC9E1765F0E2}" type="slidenum">
               <a:rPr lang="es-AR" smtClean="0"/>
               <a:pPr/>
-              <a:t>‹Nº›</a:t>
+              <a:t>‹#›</a:t>
             </a:fld>
             <a:endParaRPr lang="es-AR"/>
           </a:p>
@@ -6316,7 +6708,7 @@
             <a:fld id="{DEAB1E94-6728-4D22-B98E-AC9E1765F0E2}" type="slidenum">
               <a:rPr lang="es-AR" smtClean="0"/>
               <a:pPr/>
-              <a:t>‹Nº›</a:t>
+              <a:t>‹#›</a:t>
             </a:fld>
             <a:endParaRPr lang="es-AR"/>
           </a:p>
@@ -6587,7 +6979,7 @@
             <a:fld id="{DEAB1E94-6728-4D22-B98E-AC9E1765F0E2}" type="slidenum">
               <a:rPr lang="es-AR" smtClean="0"/>
               <a:pPr/>
-              <a:t>‹Nº›</a:t>
+              <a:t>‹#›</a:t>
             </a:fld>
             <a:endParaRPr lang="es-AR"/>
           </a:p>
@@ -6974,7 +7366,7 @@
             <a:fld id="{DEAB1E94-6728-4D22-B98E-AC9E1765F0E2}" type="slidenum">
               <a:rPr lang="es-AR" smtClean="0"/>
               <a:pPr/>
-              <a:t>‹Nº›</a:t>
+              <a:t>‹#›</a:t>
             </a:fld>
             <a:endParaRPr lang="es-AR"/>
           </a:p>
@@ -7097,7 +7489,7 @@
             <a:fld id="{DEAB1E94-6728-4D22-B98E-AC9E1765F0E2}" type="slidenum">
               <a:rPr lang="es-AR" smtClean="0"/>
               <a:pPr/>
-              <a:t>‹Nº›</a:t>
+              <a:t>‹#›</a:t>
             </a:fld>
             <a:endParaRPr lang="es-AR"/>
           </a:p>
@@ -7279,7 +7671,7 @@
             <a:fld id="{DEAB1E94-6728-4D22-B98E-AC9E1765F0E2}" type="slidenum">
               <a:rPr lang="es-AR" smtClean="0"/>
               <a:pPr/>
-              <a:t>‹Nº›</a:t>
+              <a:t>‹#›</a:t>
             </a:fld>
             <a:endParaRPr lang="es-AR"/>
           </a:p>
@@ -7615,7 +8007,7 @@
             <a:fld id="{DEAB1E94-6728-4D22-B98E-AC9E1765F0E2}" type="slidenum">
               <a:rPr lang="es-AR" smtClean="0"/>
               <a:pPr/>
-              <a:t>‹Nº›</a:t>
+              <a:t>‹#›</a:t>
             </a:fld>
             <a:endParaRPr lang="es-AR"/>
           </a:p>
@@ -7986,7 +8378,7 @@
             <a:fld id="{DEAB1E94-6728-4D22-B98E-AC9E1765F0E2}" type="slidenum">
               <a:rPr lang="es-AR" smtClean="0"/>
               <a:pPr/>
-              <a:t>‹Nº›</a:t>
+              <a:t>‹#›</a:t>
             </a:fld>
             <a:endParaRPr lang="es-AR"/>
           </a:p>
@@ -8440,7 +8832,7 @@
             <a:fld id="{DEAB1E94-6728-4D22-B98E-AC9E1765F0E2}" type="slidenum">
               <a:rPr lang="es-AR" smtClean="0"/>
               <a:pPr/>
-              <a:t>‹Nº›</a:t>
+              <a:t>‹#›</a:t>
             </a:fld>
             <a:endParaRPr lang="es-AR"/>
           </a:p>
@@ -8816,8 +9208,8 @@
           <a:lstStyle/>
           <a:p>
             <a:r>
-              <a:rPr lang="es-AR" dirty="0" smtClean="0"/>
-              <a:t>Todo Mundo</a:t>
+              <a:rPr lang="es-AR" dirty="0" err="1" smtClean="0"/>
+              <a:t>Todomundo</a:t>
             </a:r>
             <a:endParaRPr lang="es-AR" dirty="0"/>
           </a:p>
@@ -9135,37 +9527,152 @@
         </p:nvSpPr>
         <p:spPr/>
         <p:txBody>
-          <a:bodyPr/>
+          <a:bodyPr>
+            <a:normAutofit fontScale="92500" lnSpcReduction="10000"/>
+          </a:bodyPr>
           <a:lstStyle/>
           <a:p>
             <a:r>
               <a:rPr lang="es-AR" dirty="0" smtClean="0"/>
-              <a:t>La factura se envía una vez llegado la totalidad de los bultos al punto de llegada.</a:t>
-            </a:r>
-          </a:p>
-          <a:p>
+              <a:t>Emisión de factura</a:t>
+            </a:r>
+          </a:p>
+          <a:p>
+            <a:pPr lvl="1"/>
             <a:r>
               <a:rPr lang="es-AR" dirty="0" smtClean="0"/>
-              <a:t>El pedido se entrega si el receptor ya ha efectuado el pago.</a:t>
-            </a:r>
-          </a:p>
-          <a:p>
+              <a:t>Totalidad de los bultos en el destino</a:t>
+            </a:r>
+          </a:p>
+          <a:p>
+            <a:pPr lvl="1"/>
             <a:r>
               <a:rPr lang="es-AR" dirty="0" smtClean="0"/>
-              <a:t>El receptor debe dar consentimiento de que recibió la carga.</a:t>
-            </a:r>
-          </a:p>
-          <a:p>
-            <a:pPr>
-              <a:buNone/>
-            </a:pPr>
+              <a:t>Sistema de facturación externo</a:t>
+            </a:r>
+          </a:p>
+          <a:p>
+            <a:pPr lvl="1"/>
             <a:endParaRPr lang="es-AR" dirty="0" smtClean="0"/>
+          </a:p>
+          <a:p>
+            <a:r>
+              <a:rPr lang="es-AR" dirty="0" smtClean="0"/>
+              <a:t>Pago </a:t>
+            </a:r>
+          </a:p>
+          <a:p>
+            <a:pPr lvl="1"/>
+            <a:r>
+              <a:rPr lang="es-AR" dirty="0" smtClean="0"/>
+              <a:t>Verificación de validez</a:t>
+            </a:r>
+          </a:p>
+          <a:p>
+            <a:pPr lvl="1"/>
+            <a:r>
+              <a:rPr lang="es-AR" dirty="0" smtClean="0"/>
+              <a:t>Registración</a:t>
+            </a:r>
+          </a:p>
+          <a:p>
+            <a:pPr lvl="1"/>
+            <a:endParaRPr lang="es-AR" dirty="0" smtClean="0"/>
+          </a:p>
+          <a:p>
+            <a:r>
+              <a:rPr lang="es-AR" dirty="0" smtClean="0"/>
+              <a:t>Entrega del pedido</a:t>
+            </a:r>
+          </a:p>
+          <a:p>
+            <a:pPr lvl="1"/>
+            <a:r>
+              <a:rPr lang="es-AR" dirty="0" smtClean="0"/>
+              <a:t>Emisión de factura</a:t>
+            </a:r>
+          </a:p>
+          <a:p>
+            <a:pPr lvl="1"/>
+            <a:r>
+              <a:rPr lang="es-AR" dirty="0" smtClean="0"/>
+              <a:t>Pago</a:t>
+            </a:r>
           </a:p>
           <a:p>
             <a:pPr>
               <a:buNone/>
             </a:pPr>
             <a:endParaRPr lang="es-AR" dirty="0"/>
+          </a:p>
+        </p:txBody>
+      </p:sp>
+      <p:sp>
+        <p:nvSpPr>
+          <p:cNvPr id="4" name="Right Brace 3"/>
+          <p:cNvSpPr/>
+          <p:nvPr/>
+        </p:nvSpPr>
+        <p:spPr>
+          <a:xfrm>
+            <a:off x="4141779" y="3796775"/>
+            <a:ext cx="219077" cy="730260"/>
+          </a:xfrm>
+          <a:prstGeom prst="rightBrace">
+            <a:avLst/>
+          </a:prstGeom>
+          <a:ln w="28575" cmpd="sng"/>
+        </p:spPr>
+        <p:style>
+          <a:lnRef idx="1">
+            <a:schemeClr val="accent1"/>
+          </a:lnRef>
+          <a:fillRef idx="0">
+            <a:schemeClr val="accent1"/>
+          </a:fillRef>
+          <a:effectRef idx="0">
+            <a:schemeClr val="accent1"/>
+          </a:effectRef>
+          <a:fontRef idx="minor">
+            <a:schemeClr val="tx1"/>
+          </a:fontRef>
+        </p:style>
+        <p:txBody>
+          <a:bodyPr rtlCol="0" anchor="ctr"/>
+          <a:lstStyle/>
+          <a:p>
+            <a:pPr algn="ctr"/>
+            <a:endParaRPr lang="en-US"/>
+          </a:p>
+        </p:txBody>
+      </p:sp>
+      <p:sp>
+        <p:nvSpPr>
+          <p:cNvPr id="5" name="TextBox 4"/>
+          <p:cNvSpPr txBox="1"/>
+          <p:nvPr/>
+        </p:nvSpPr>
+        <p:spPr>
+          <a:xfrm>
+            <a:off x="4608513" y="3976695"/>
+            <a:ext cx="1424007" cy="369332"/>
+          </a:xfrm>
+          <a:prstGeom prst="rect">
+            <a:avLst/>
+          </a:prstGeom>
+          <a:noFill/>
+        </p:spPr>
+        <p:txBody>
+          <a:bodyPr wrap="square" rtlCol="0">
+            <a:spAutoFit/>
+          </a:bodyPr>
+          <a:lstStyle/>
+          <a:p>
+            <a:r>
+              <a:rPr lang="es-AR" dirty="0" smtClean="0"/>
+              <a:t>Requisitos</a:t>
+            </a:r>
+            <a:endParaRPr lang="en-US" dirty="0"/>
           </a:p>
         </p:txBody>
       </p:sp>
@@ -9211,11 +9718,17 @@
             <p:ph type="title"/>
           </p:nvPr>
         </p:nvSpPr>
-        <p:spPr/>
+        <p:spPr>
+          <a:xfrm>
+            <a:off x="482544" y="2516175"/>
+            <a:ext cx="8183880" cy="1051560"/>
+          </a:xfrm>
+        </p:spPr>
         <p:txBody>
           <a:bodyPr/>
           <a:lstStyle/>
           <a:p>
+            <a:pPr algn="ctr"/>
             <a:r>
               <a:rPr lang="es-AR" dirty="0" smtClean="0"/>
               <a:t>Conclusiones</a:t>
@@ -9234,7 +9747,12 @@
             <p:ph idx="1"/>
           </p:nvPr>
         </p:nvSpPr>
-        <p:spPr/>
+        <p:spPr>
+          <a:xfrm>
+            <a:off x="502920" y="530352"/>
+            <a:ext cx="8183880" cy="5308506"/>
+          </a:xfrm>
+        </p:spPr>
         <p:txBody>
           <a:bodyPr/>
           <a:lstStyle/>
@@ -9429,30 +9947,14 @@
         </p:spPr>
         <p:txBody>
           <a:bodyPr>
-            <a:normAutofit fontScale="77500" lnSpcReduction="20000"/>
+            <a:normAutofit fontScale="85000" lnSpcReduction="20000"/>
           </a:bodyPr>
           <a:lstStyle/>
           <a:p>
             <a:pPr lvl="1"/>
             <a:r>
               <a:rPr lang="es-AR" dirty="0" smtClean="0"/>
-              <a:t>Objetivo – Alcance – Fuera de Alcance – Hipótesis (</a:t>
-            </a:r>
-            <a:r>
-              <a:rPr lang="es-AR" dirty="0" err="1" smtClean="0"/>
-              <a:t>juan</a:t>
-            </a:r>
-            <a:r>
-              <a:rPr lang="es-AR" dirty="0" smtClean="0"/>
-              <a:t> / </a:t>
-            </a:r>
-            <a:r>
-              <a:rPr lang="es-AR" dirty="0" err="1" smtClean="0"/>
-              <a:t>dario</a:t>
-            </a:r>
-            <a:r>
-              <a:rPr lang="es-AR" dirty="0" smtClean="0"/>
-              <a:t>)</a:t>
+              <a:t>Objetivo – Alcance – Fuera de Alcance – Hipótesis</a:t>
             </a:r>
           </a:p>
           <a:p>
@@ -9463,15 +9965,7 @@
             <a:pPr lvl="1"/>
             <a:r>
               <a:rPr lang="es-AR" dirty="0" smtClean="0"/>
-              <a:t>Modelo de Negocio (</a:t>
-            </a:r>
-            <a:r>
-              <a:rPr lang="es-AR" dirty="0" err="1" smtClean="0"/>
-              <a:t>lau</a:t>
-            </a:r>
-            <a:r>
-              <a:rPr lang="es-AR" dirty="0" smtClean="0"/>
-              <a:t>)</a:t>
+              <a:t>Modelo de Negocio</a:t>
             </a:r>
           </a:p>
           <a:p>
@@ -9482,15 +9976,7 @@
             <a:pPr lvl="1"/>
             <a:r>
               <a:rPr lang="es-AR" dirty="0" smtClean="0"/>
-              <a:t>Casos de Uso (</a:t>
-            </a:r>
-            <a:r>
-              <a:rPr lang="es-AR" dirty="0" err="1" smtClean="0"/>
-              <a:t>lau</a:t>
-            </a:r>
-            <a:r>
-              <a:rPr lang="es-AR" dirty="0" smtClean="0"/>
-              <a:t>)</a:t>
+              <a:t>Casos de Uso</a:t>
             </a:r>
           </a:p>
           <a:p>
@@ -9512,75 +9998,35 @@
             <a:pPr lvl="2"/>
             <a:r>
               <a:rPr lang="es-AR" dirty="0" smtClean="0"/>
-              <a:t>Manejo de la carga (</a:t>
-            </a:r>
-            <a:r>
-              <a:rPr lang="es-AR" dirty="0" err="1" smtClean="0"/>
-              <a:t>adri</a:t>
-            </a:r>
+              <a:t>Manejo de la carga</a:t>
+            </a:r>
+          </a:p>
+          <a:p>
+            <a:pPr lvl="2"/>
             <a:r>
               <a:rPr lang="es-AR" dirty="0" smtClean="0"/>
-              <a:t>)</a:t>
+              <a:t>Especificación de ruta</a:t>
             </a:r>
           </a:p>
           <a:p>
             <a:pPr lvl="2"/>
             <a:r>
               <a:rPr lang="es-AR" dirty="0" smtClean="0"/>
-              <a:t>Sobrecarga (</a:t>
-            </a:r>
-            <a:r>
-              <a:rPr lang="es-AR" dirty="0" err="1" smtClean="0"/>
-              <a:t>juan</a:t>
-            </a:r>
+              <a:t>Reprogramación de ruta</a:t>
+            </a:r>
+          </a:p>
+          <a:p>
+            <a:pPr lvl="2"/>
             <a:r>
               <a:rPr lang="es-AR" dirty="0" smtClean="0"/>
-              <a:t> / </a:t>
-            </a:r>
-            <a:r>
-              <a:rPr lang="es-AR" dirty="0" err="1" smtClean="0"/>
-              <a:t>dario</a:t>
-            </a:r>
+              <a:t>Seguimiento del pedido</a:t>
+            </a:r>
+          </a:p>
+          <a:p>
+            <a:pPr lvl="2"/>
             <a:r>
               <a:rPr lang="es-AR" dirty="0" smtClean="0"/>
-              <a:t>)</a:t>
-            </a:r>
-          </a:p>
-          <a:p>
-            <a:pPr lvl="2"/>
-            <a:r>
-              <a:rPr lang="es-AR" dirty="0" smtClean="0"/>
-              <a:t>Especificación de ruta (pablo)</a:t>
-            </a:r>
-          </a:p>
-          <a:p>
-            <a:pPr lvl="2"/>
-            <a:r>
-              <a:rPr lang="es-AR" dirty="0" smtClean="0"/>
-              <a:t>Seguimiento del pedido (</a:t>
-            </a:r>
-            <a:r>
-              <a:rPr lang="es-AR" dirty="0" err="1" smtClean="0"/>
-              <a:t>nico</a:t>
-            </a:r>
-            <a:r>
-              <a:rPr lang="es-AR" dirty="0" smtClean="0"/>
-              <a:t>)</a:t>
-            </a:r>
-          </a:p>
-          <a:p>
-            <a:pPr lvl="2"/>
-            <a:r>
-              <a:rPr lang="es-AR" dirty="0" smtClean="0"/>
-              <a:t>Facturación, pago y entrega del pedido (</a:t>
-            </a:r>
-            <a:r>
-              <a:rPr lang="es-AR" dirty="0" err="1" smtClean="0"/>
-              <a:t>flavio</a:t>
-            </a:r>
-            <a:r>
-              <a:rPr lang="es-AR" dirty="0" smtClean="0"/>
-              <a:t>)</a:t>
+              <a:t>Facturación, pago y entrega del pedido</a:t>
             </a:r>
           </a:p>
           <a:p>
@@ -9593,7 +10039,7 @@
             <a:pPr lvl="1"/>
             <a:r>
               <a:rPr lang="es-AR" dirty="0" smtClean="0"/>
-              <a:t>Conclusiones (dependiendo como nos quede el discurso)</a:t>
+              <a:t>Conclusiones</a:t>
             </a:r>
           </a:p>
           <a:p>
@@ -9679,8 +10125,8 @@
           <p:nvPr/>
         </p:nvGraphicFramePr>
         <p:xfrm>
-          <a:off x="1524000" y="1397000"/>
-          <a:ext cx="6096000" cy="4064000"/>
+          <a:off x="519057" y="471447"/>
+          <a:ext cx="8142399" cy="4989553"/>
         </p:xfrm>
         <a:graphic>
           <a:graphicData uri="http://schemas.openxmlformats.org/drawingml/2006/diagram">
@@ -9733,8 +10179,8 @@
         </p:nvSpPr>
         <p:spPr>
           <a:xfrm>
-            <a:off x="701622" y="5806440"/>
-            <a:ext cx="8183880" cy="1051560"/>
+            <a:off x="446031" y="5948397"/>
+            <a:ext cx="8183880" cy="654012"/>
           </a:xfrm>
         </p:spPr>
         <p:txBody>
@@ -9743,7 +10189,6 @@
           </a:bodyPr>
           <a:lstStyle/>
           <a:p>
-            <a:pPr algn="r"/>
             <a:r>
               <a:rPr lang="es-AR" dirty="0" smtClean="0"/>
               <a:t>Modelo de Negocio</a:t>
@@ -9752,908 +10197,49 @@
           </a:p>
         </p:txBody>
       </p:sp>
-      <p:sp>
-        <p:nvSpPr>
-          <p:cNvPr id="5" name="4 CuadroTexto"/>
-          <p:cNvSpPr txBox="1"/>
+      <p:pic>
+        <p:nvPicPr>
+          <p:cNvPr id="2051" name="Picture 3"/>
+          <p:cNvPicPr>
+            <a:picLocks noChangeAspect="1" noChangeArrowheads="1"/>
+          </p:cNvPicPr>
           <p:nvPr/>
-        </p:nvSpPr>
-        <p:spPr>
+        </p:nvPicPr>
+        <p:blipFill>
+          <a:blip r:embed="rId3" cstate="print">
+            <a:clrChange>
+              <a:clrFrom>
+                <a:srgbClr val="FFFFFF"/>
+              </a:clrFrom>
+              <a:clrTo>
+                <a:srgbClr val="FFFFFF">
+                  <a:alpha val="0"/>
+                </a:srgbClr>
+              </a:clrTo>
+            </a:clrChange>
+          </a:blip>
+          <a:srcRect/>
+          <a:stretch>
+            <a:fillRect/>
+          </a:stretch>
+        </p:blipFill>
+        <p:spPr bwMode="auto">
           <a:xfrm>
-            <a:off x="1830686" y="-3222"/>
-            <a:ext cx="1000132" cy="369332"/>
+            <a:off x="654102" y="434934"/>
+            <a:ext cx="7715250" cy="5440437"/>
           </a:xfrm>
           <a:prstGeom prst="rect">
             <a:avLst/>
           </a:prstGeom>
           <a:noFill/>
-        </p:spPr>
-        <p:txBody>
-          <a:bodyPr wrap="square" rtlCol="0">
-            <a:spAutoFit/>
-          </a:bodyPr>
-          <a:lstStyle/>
-          <a:p>
-            <a:r>
-              <a:rPr lang="es-AR" dirty="0" smtClean="0"/>
-              <a:t>Ventas</a:t>
-            </a:r>
-            <a:endParaRPr lang="es-AR" dirty="0"/>
-          </a:p>
-        </p:txBody>
-      </p:sp>
-      <p:sp>
-        <p:nvSpPr>
-          <p:cNvPr id="6" name="5 CuadroTexto"/>
-          <p:cNvSpPr txBox="1"/>
-          <p:nvPr/>
-        </p:nvSpPr>
-        <p:spPr>
-          <a:xfrm>
-            <a:off x="723872" y="-3222"/>
-            <a:ext cx="990608" cy="369332"/>
-          </a:xfrm>
-          <a:prstGeom prst="rect">
-            <a:avLst/>
-          </a:prstGeom>
-          <a:noFill/>
-        </p:spPr>
-        <p:txBody>
-          <a:bodyPr wrap="square" rtlCol="0">
-            <a:spAutoFit/>
-          </a:bodyPr>
-          <a:lstStyle/>
-          <a:p>
-            <a:r>
-              <a:rPr lang="es-AR" dirty="0" smtClean="0"/>
-              <a:t>Emisor</a:t>
-            </a:r>
-            <a:endParaRPr lang="es-AR" dirty="0"/>
-          </a:p>
-        </p:txBody>
-      </p:sp>
-      <p:sp>
-        <p:nvSpPr>
-          <p:cNvPr id="7" name="6 CuadroTexto"/>
-          <p:cNvSpPr txBox="1"/>
-          <p:nvPr/>
-        </p:nvSpPr>
-        <p:spPr>
-          <a:xfrm>
-            <a:off x="2947024" y="-3222"/>
-            <a:ext cx="1643075" cy="369332"/>
-          </a:xfrm>
-          <a:prstGeom prst="rect">
-            <a:avLst/>
-          </a:prstGeom>
-          <a:noFill/>
-        </p:spPr>
-        <p:txBody>
-          <a:bodyPr wrap="square" rtlCol="0">
-            <a:spAutoFit/>
-          </a:bodyPr>
-          <a:lstStyle/>
-          <a:p>
-            <a:r>
-              <a:rPr lang="es-AR" dirty="0" smtClean="0"/>
-              <a:t>Operaciones</a:t>
-            </a:r>
-            <a:endParaRPr lang="es-AR" dirty="0"/>
-          </a:p>
-        </p:txBody>
-      </p:sp>
-      <p:sp>
-        <p:nvSpPr>
-          <p:cNvPr id="8" name="7 CuadroTexto"/>
-          <p:cNvSpPr txBox="1"/>
-          <p:nvPr/>
-        </p:nvSpPr>
-        <p:spPr>
-          <a:xfrm>
-            <a:off x="5955995" y="-3222"/>
-            <a:ext cx="1285884" cy="369332"/>
-          </a:xfrm>
-          <a:prstGeom prst="rect">
-            <a:avLst/>
-          </a:prstGeom>
-          <a:noFill/>
-        </p:spPr>
-        <p:txBody>
-          <a:bodyPr wrap="square" rtlCol="0">
-            <a:spAutoFit/>
-          </a:bodyPr>
-          <a:lstStyle/>
-          <a:p>
-            <a:r>
-              <a:rPr lang="es-AR" dirty="0" smtClean="0"/>
-              <a:t>Receptor</a:t>
-            </a:r>
-            <a:endParaRPr lang="es-AR" dirty="0"/>
-          </a:p>
-        </p:txBody>
-      </p:sp>
-      <p:sp>
-        <p:nvSpPr>
-          <p:cNvPr id="9" name="8 CuadroTexto"/>
-          <p:cNvSpPr txBox="1"/>
-          <p:nvPr/>
-        </p:nvSpPr>
-        <p:spPr>
-          <a:xfrm>
-            <a:off x="4706305" y="-3222"/>
-            <a:ext cx="1133484" cy="369332"/>
-          </a:xfrm>
-          <a:prstGeom prst="rect">
-            <a:avLst/>
-          </a:prstGeom>
-          <a:noFill/>
-        </p:spPr>
-        <p:txBody>
-          <a:bodyPr wrap="square" rtlCol="0">
-            <a:spAutoFit/>
-          </a:bodyPr>
-          <a:lstStyle/>
-          <a:p>
-            <a:r>
-              <a:rPr lang="es-AR" dirty="0" smtClean="0"/>
-              <a:t>Central</a:t>
-            </a:r>
-            <a:endParaRPr lang="es-AR" dirty="0"/>
-          </a:p>
-        </p:txBody>
-      </p:sp>
-      <p:sp>
-        <p:nvSpPr>
-          <p:cNvPr id="10" name="9 CuadroTexto"/>
-          <p:cNvSpPr txBox="1"/>
-          <p:nvPr/>
-        </p:nvSpPr>
-        <p:spPr>
-          <a:xfrm>
-            <a:off x="7358081" y="-3222"/>
-            <a:ext cx="1643075" cy="369332"/>
-          </a:xfrm>
-          <a:prstGeom prst="rect">
-            <a:avLst/>
-          </a:prstGeom>
-          <a:noFill/>
-        </p:spPr>
-        <p:txBody>
-          <a:bodyPr wrap="square" rtlCol="0">
-            <a:spAutoFit/>
-          </a:bodyPr>
-          <a:lstStyle/>
-          <a:p>
-            <a:r>
-              <a:rPr lang="es-AR" dirty="0" smtClean="0"/>
-              <a:t>Pagador</a:t>
-            </a:r>
-            <a:endParaRPr lang="es-AR" dirty="0"/>
-          </a:p>
-        </p:txBody>
-      </p:sp>
-      <p:sp>
-        <p:nvSpPr>
-          <p:cNvPr id="11" name="10 Conector"/>
-          <p:cNvSpPr/>
-          <p:nvPr/>
-        </p:nvSpPr>
-        <p:spPr>
-          <a:xfrm>
-            <a:off x="1066752" y="371414"/>
-            <a:ext cx="214315" cy="214314"/>
-          </a:xfrm>
-          <a:prstGeom prst="flowChartConnector">
-            <a:avLst/>
-          </a:prstGeom>
-        </p:spPr>
-        <p:style>
-          <a:lnRef idx="2">
-            <a:schemeClr val="accent1">
-              <a:shade val="50000"/>
-            </a:schemeClr>
-          </a:lnRef>
-          <a:fillRef idx="1">
-            <a:schemeClr val="accent1"/>
-          </a:fillRef>
-          <a:effectRef idx="0">
-            <a:schemeClr val="accent1"/>
-          </a:effectRef>
-          <a:fontRef idx="minor">
-            <a:schemeClr val="lt1"/>
-          </a:fontRef>
-        </p:style>
-        <p:txBody>
-          <a:bodyPr rtlCol="0" anchor="ctr"/>
-          <a:lstStyle/>
-          <a:p>
-            <a:pPr algn="ctr"/>
-            <a:endParaRPr lang="es-AR"/>
-          </a:p>
-        </p:txBody>
-      </p:sp>
-      <p:sp>
-        <p:nvSpPr>
-          <p:cNvPr id="15" name="14 Terminador"/>
-          <p:cNvSpPr/>
-          <p:nvPr/>
-        </p:nvSpPr>
-        <p:spPr>
-          <a:xfrm>
-            <a:off x="628596" y="763551"/>
-            <a:ext cx="1131903" cy="547695"/>
-          </a:xfrm>
-          <a:prstGeom prst="flowChartTerminator">
-            <a:avLst/>
-          </a:prstGeom>
-          <a:noFill/>
-          <a:ln w="9525"/>
-        </p:spPr>
-        <p:style>
-          <a:lnRef idx="2">
-            <a:schemeClr val="accent1">
-              <a:shade val="50000"/>
-            </a:schemeClr>
-          </a:lnRef>
-          <a:fillRef idx="1">
-            <a:schemeClr val="accent1"/>
-          </a:fillRef>
-          <a:effectRef idx="0">
-            <a:schemeClr val="accent1"/>
-          </a:effectRef>
-          <a:fontRef idx="minor">
-            <a:schemeClr val="lt1"/>
-          </a:fontRef>
-        </p:style>
-        <p:txBody>
-          <a:bodyPr rtlCol="0" anchor="ctr"/>
-          <a:lstStyle/>
-          <a:p>
-            <a:pPr algn="ctr"/>
-            <a:r>
-              <a:rPr lang="es-AR" sz="1200" dirty="0" smtClean="0">
-                <a:solidFill>
-                  <a:schemeClr val="tx1"/>
-                </a:solidFill>
-              </a:rPr>
-              <a:t>Solicitar servicio</a:t>
-            </a:r>
-            <a:endParaRPr lang="es-AR" sz="1200" dirty="0">
-              <a:solidFill>
-                <a:schemeClr val="tx1"/>
-              </a:solidFill>
-            </a:endParaRPr>
-          </a:p>
-        </p:txBody>
-      </p:sp>
-      <p:cxnSp>
-        <p:nvCxnSpPr>
-          <p:cNvPr id="18" name="17 Conector recto de flecha"/>
-          <p:cNvCxnSpPr>
-            <a:stCxn id="11" idx="4"/>
-            <a:endCxn id="15" idx="0"/>
-          </p:cNvCxnSpPr>
-          <p:nvPr/>
-        </p:nvCxnSpPr>
-        <p:spPr>
-          <a:xfrm rot="16200000" flipH="1">
-            <a:off x="1095318" y="664320"/>
-            <a:ext cx="177823" cy="20638"/>
-          </a:xfrm>
-          <a:prstGeom prst="straightConnector1">
-            <a:avLst/>
-          </a:prstGeom>
-          <a:ln>
-            <a:tailEnd type="arrow"/>
+          <a:ln w="9525">
+            <a:noFill/>
+            <a:miter lim="800000"/>
+            <a:headEnd/>
+            <a:tailEnd/>
           </a:ln>
         </p:spPr>
-        <p:style>
-          <a:lnRef idx="1">
-            <a:schemeClr val="accent1"/>
-          </a:lnRef>
-          <a:fillRef idx="0">
-            <a:schemeClr val="accent1"/>
-          </a:fillRef>
-          <a:effectRef idx="0">
-            <a:schemeClr val="accent1"/>
-          </a:effectRef>
-          <a:fontRef idx="minor">
-            <a:schemeClr val="tx1"/>
-          </a:fontRef>
-        </p:style>
-      </p:cxnSp>
-      <p:sp>
-        <p:nvSpPr>
-          <p:cNvPr id="25" name="24 Terminador"/>
-          <p:cNvSpPr/>
-          <p:nvPr/>
-        </p:nvSpPr>
-        <p:spPr>
-          <a:xfrm>
-            <a:off x="1760499" y="1566838"/>
-            <a:ext cx="985851" cy="438156"/>
-          </a:xfrm>
-          <a:prstGeom prst="flowChartTerminator">
-            <a:avLst/>
-          </a:prstGeom>
-          <a:noFill/>
-          <a:ln w="3175"/>
-        </p:spPr>
-        <p:style>
-          <a:lnRef idx="2">
-            <a:schemeClr val="accent1">
-              <a:shade val="50000"/>
-            </a:schemeClr>
-          </a:lnRef>
-          <a:fillRef idx="1">
-            <a:schemeClr val="accent1"/>
-          </a:fillRef>
-          <a:effectRef idx="0">
-            <a:schemeClr val="accent1"/>
-          </a:effectRef>
-          <a:fontRef idx="minor">
-            <a:schemeClr val="lt1"/>
-          </a:fontRef>
-        </p:style>
-        <p:txBody>
-          <a:bodyPr rtlCol="0" anchor="ctr"/>
-          <a:lstStyle/>
-          <a:p>
-            <a:pPr algn="ctr"/>
-            <a:r>
-              <a:rPr lang="es-AR" sz="1200" dirty="0" smtClean="0">
-                <a:solidFill>
-                  <a:schemeClr val="tx1"/>
-                </a:solidFill>
-              </a:rPr>
-              <a:t>Acordar precio</a:t>
-            </a:r>
-            <a:endParaRPr lang="es-AR" sz="1200" dirty="0">
-              <a:solidFill>
-                <a:schemeClr val="tx1"/>
-              </a:solidFill>
-            </a:endParaRPr>
-          </a:p>
-        </p:txBody>
-      </p:sp>
-      <p:cxnSp>
-        <p:nvCxnSpPr>
-          <p:cNvPr id="31" name="30 Conector angular"/>
-          <p:cNvCxnSpPr>
-            <a:stCxn id="15" idx="2"/>
-            <a:endCxn id="25" idx="0"/>
-          </p:cNvCxnSpPr>
-          <p:nvPr/>
-        </p:nvCxnSpPr>
-        <p:spPr>
-          <a:xfrm rot="16200000" flipH="1">
-            <a:off x="1596190" y="909603"/>
-            <a:ext cx="255592" cy="1058877"/>
-          </a:xfrm>
-          <a:prstGeom prst="bentConnector3">
-            <a:avLst>
-              <a:gd name="adj1" fmla="val 50000"/>
-            </a:avLst>
-          </a:prstGeom>
-          <a:ln>
-            <a:tailEnd type="arrow"/>
-          </a:ln>
-        </p:spPr>
-        <p:style>
-          <a:lnRef idx="1">
-            <a:schemeClr val="accent1"/>
-          </a:lnRef>
-          <a:fillRef idx="0">
-            <a:schemeClr val="accent1"/>
-          </a:fillRef>
-          <a:effectRef idx="0">
-            <a:schemeClr val="accent1"/>
-          </a:effectRef>
-          <a:fontRef idx="minor">
-            <a:schemeClr val="tx1"/>
-          </a:fontRef>
-        </p:style>
-      </p:cxnSp>
-      <p:sp>
-        <p:nvSpPr>
-          <p:cNvPr id="47" name="46 Terminador"/>
-          <p:cNvSpPr/>
-          <p:nvPr/>
-        </p:nvSpPr>
-        <p:spPr>
-          <a:xfrm>
-            <a:off x="482544" y="3209922"/>
-            <a:ext cx="1204928" cy="547695"/>
-          </a:xfrm>
-          <a:prstGeom prst="flowChartTerminator">
-            <a:avLst/>
-          </a:prstGeom>
-          <a:noFill/>
-          <a:ln w="3175"/>
-        </p:spPr>
-        <p:style>
-          <a:lnRef idx="2">
-            <a:schemeClr val="accent1">
-              <a:shade val="50000"/>
-            </a:schemeClr>
-          </a:lnRef>
-          <a:fillRef idx="1">
-            <a:schemeClr val="accent1"/>
-          </a:fillRef>
-          <a:effectRef idx="0">
-            <a:schemeClr val="accent1"/>
-          </a:effectRef>
-          <a:fontRef idx="minor">
-            <a:schemeClr val="lt1"/>
-          </a:fontRef>
-        </p:style>
-        <p:txBody>
-          <a:bodyPr rtlCol="0" anchor="ctr"/>
-          <a:lstStyle/>
-          <a:p>
-            <a:pPr algn="ctr"/>
-            <a:r>
-              <a:rPr lang="es-AR" sz="1400" dirty="0" smtClean="0">
-                <a:solidFill>
-                  <a:schemeClr val="tx1"/>
-                </a:solidFill>
-              </a:rPr>
-              <a:t>Entregar carga</a:t>
-            </a:r>
-            <a:endParaRPr lang="es-AR" sz="1400" dirty="0">
-              <a:solidFill>
-                <a:schemeClr val="tx1"/>
-              </a:solidFill>
-            </a:endParaRPr>
-          </a:p>
-        </p:txBody>
-      </p:sp>
-      <p:sp>
-        <p:nvSpPr>
-          <p:cNvPr id="48" name="47 Terminador"/>
-          <p:cNvSpPr/>
-          <p:nvPr/>
-        </p:nvSpPr>
-        <p:spPr>
-          <a:xfrm>
-            <a:off x="7127910" y="4232286"/>
-            <a:ext cx="1022363" cy="547695"/>
-          </a:xfrm>
-          <a:prstGeom prst="flowChartTerminator">
-            <a:avLst/>
-          </a:prstGeom>
-          <a:noFill/>
-          <a:ln w="3175"/>
-        </p:spPr>
-        <p:style>
-          <a:lnRef idx="2">
-            <a:schemeClr val="accent1">
-              <a:shade val="50000"/>
-            </a:schemeClr>
-          </a:lnRef>
-          <a:fillRef idx="1">
-            <a:schemeClr val="accent1"/>
-          </a:fillRef>
-          <a:effectRef idx="0">
-            <a:schemeClr val="accent1"/>
-          </a:effectRef>
-          <a:fontRef idx="minor">
-            <a:schemeClr val="lt1"/>
-          </a:fontRef>
-        </p:style>
-        <p:txBody>
-          <a:bodyPr rtlCol="0" anchor="ctr"/>
-          <a:lstStyle/>
-          <a:p>
-            <a:pPr algn="ctr"/>
-            <a:r>
-              <a:rPr lang="es-AR" sz="1400" dirty="0" smtClean="0">
-                <a:solidFill>
-                  <a:schemeClr val="tx1"/>
-                </a:solidFill>
-              </a:rPr>
-              <a:t>Pagar servicio</a:t>
-            </a:r>
-            <a:endParaRPr lang="es-AR" sz="1400" dirty="0">
-              <a:solidFill>
-                <a:schemeClr val="tx1"/>
-              </a:solidFill>
-            </a:endParaRPr>
-          </a:p>
-        </p:txBody>
-      </p:sp>
-      <p:sp>
-        <p:nvSpPr>
-          <p:cNvPr id="49" name="48 Terminador"/>
-          <p:cNvSpPr/>
-          <p:nvPr/>
-        </p:nvSpPr>
-        <p:spPr>
-          <a:xfrm>
-            <a:off x="4827591" y="4232286"/>
-            <a:ext cx="1022363" cy="547695"/>
-          </a:xfrm>
-          <a:prstGeom prst="flowChartTerminator">
-            <a:avLst/>
-          </a:prstGeom>
-          <a:noFill/>
-          <a:ln w="3175"/>
-        </p:spPr>
-        <p:style>
-          <a:lnRef idx="2">
-            <a:schemeClr val="accent1">
-              <a:shade val="50000"/>
-            </a:schemeClr>
-          </a:lnRef>
-          <a:fillRef idx="1">
-            <a:schemeClr val="accent1"/>
-          </a:fillRef>
-          <a:effectRef idx="0">
-            <a:schemeClr val="accent1"/>
-          </a:effectRef>
-          <a:fontRef idx="minor">
-            <a:schemeClr val="lt1"/>
-          </a:fontRef>
-        </p:style>
-        <p:txBody>
-          <a:bodyPr rtlCol="0" anchor="ctr"/>
-          <a:lstStyle/>
-          <a:p>
-            <a:pPr algn="ctr"/>
-            <a:r>
-              <a:rPr lang="es-AR" sz="1400" dirty="0" smtClean="0">
-                <a:solidFill>
-                  <a:schemeClr val="tx1"/>
-                </a:solidFill>
-              </a:rPr>
-              <a:t>Emitir factura</a:t>
-            </a:r>
-            <a:endParaRPr lang="es-AR" sz="1400" dirty="0">
-              <a:solidFill>
-                <a:schemeClr val="tx1"/>
-              </a:solidFill>
-            </a:endParaRPr>
-          </a:p>
-        </p:txBody>
-      </p:sp>
-      <p:sp>
-        <p:nvSpPr>
-          <p:cNvPr id="50" name="49 Terminador"/>
-          <p:cNvSpPr/>
-          <p:nvPr/>
-        </p:nvSpPr>
-        <p:spPr>
-          <a:xfrm>
-            <a:off x="2855889" y="3721104"/>
-            <a:ext cx="1533545" cy="547695"/>
-          </a:xfrm>
-          <a:prstGeom prst="flowChartTerminator">
-            <a:avLst/>
-          </a:prstGeom>
-          <a:noFill/>
-          <a:ln w="3175"/>
-        </p:spPr>
-        <p:style>
-          <a:lnRef idx="2">
-            <a:schemeClr val="accent1">
-              <a:shade val="50000"/>
-            </a:schemeClr>
-          </a:lnRef>
-          <a:fillRef idx="1">
-            <a:schemeClr val="accent1"/>
-          </a:fillRef>
-          <a:effectRef idx="0">
-            <a:schemeClr val="accent1"/>
-          </a:effectRef>
-          <a:fontRef idx="minor">
-            <a:schemeClr val="lt1"/>
-          </a:fontRef>
-        </p:style>
-        <p:txBody>
-          <a:bodyPr rtlCol="0" anchor="ctr"/>
-          <a:lstStyle/>
-          <a:p>
-            <a:pPr algn="ctr"/>
-            <a:r>
-              <a:rPr lang="es-AR" sz="1400" dirty="0" smtClean="0">
-                <a:solidFill>
-                  <a:schemeClr val="tx1"/>
-                </a:solidFill>
-              </a:rPr>
-              <a:t>Transportar carga</a:t>
-            </a:r>
-            <a:endParaRPr lang="es-AR" sz="1400" dirty="0">
-              <a:solidFill>
-                <a:schemeClr val="tx1"/>
-              </a:solidFill>
-            </a:endParaRPr>
-          </a:p>
-        </p:txBody>
-      </p:sp>
-      <p:cxnSp>
-        <p:nvCxnSpPr>
-          <p:cNvPr id="63" name="62 Forma"/>
-          <p:cNvCxnSpPr>
-            <a:stCxn id="47" idx="3"/>
-            <a:endCxn id="50" idx="0"/>
-          </p:cNvCxnSpPr>
-          <p:nvPr/>
-        </p:nvCxnSpPr>
-        <p:spPr>
-          <a:xfrm>
-            <a:off x="1687472" y="3483770"/>
-            <a:ext cx="1935190" cy="237334"/>
-          </a:xfrm>
-          <a:prstGeom prst="bentConnector2">
-            <a:avLst/>
-          </a:prstGeom>
-          <a:ln>
-            <a:tailEnd type="arrow"/>
-          </a:ln>
-        </p:spPr>
-        <p:style>
-          <a:lnRef idx="1">
-            <a:schemeClr val="accent1"/>
-          </a:lnRef>
-          <a:fillRef idx="0">
-            <a:schemeClr val="accent1"/>
-          </a:fillRef>
-          <a:effectRef idx="0">
-            <a:schemeClr val="accent1"/>
-          </a:effectRef>
-          <a:fontRef idx="minor">
-            <a:schemeClr val="tx1"/>
-          </a:fontRef>
-        </p:style>
-      </p:cxnSp>
-      <p:cxnSp>
-        <p:nvCxnSpPr>
-          <p:cNvPr id="104" name="103 Forma"/>
-          <p:cNvCxnSpPr>
-            <a:stCxn id="50" idx="3"/>
-            <a:endCxn id="49" idx="0"/>
-          </p:cNvCxnSpPr>
-          <p:nvPr/>
-        </p:nvCxnSpPr>
-        <p:spPr>
-          <a:xfrm>
-            <a:off x="4389434" y="3994952"/>
-            <a:ext cx="949339" cy="237334"/>
-          </a:xfrm>
-          <a:prstGeom prst="bentConnector2">
-            <a:avLst/>
-          </a:prstGeom>
-          <a:ln>
-            <a:tailEnd type="arrow"/>
-          </a:ln>
-        </p:spPr>
-        <p:style>
-          <a:lnRef idx="1">
-            <a:schemeClr val="accent1"/>
-          </a:lnRef>
-          <a:fillRef idx="0">
-            <a:schemeClr val="accent1"/>
-          </a:fillRef>
-          <a:effectRef idx="0">
-            <a:schemeClr val="accent1"/>
-          </a:effectRef>
-          <a:fontRef idx="minor">
-            <a:schemeClr val="tx1"/>
-          </a:fontRef>
-        </p:style>
-      </p:cxnSp>
-      <p:cxnSp>
-        <p:nvCxnSpPr>
-          <p:cNvPr id="113" name="112 Conector recto de flecha"/>
-          <p:cNvCxnSpPr>
-            <a:stCxn id="25" idx="2"/>
-          </p:cNvCxnSpPr>
-          <p:nvPr/>
-        </p:nvCxnSpPr>
-        <p:spPr>
-          <a:xfrm rot="5400000">
-            <a:off x="2134759" y="2105404"/>
-            <a:ext cx="219077" cy="18257"/>
-          </a:xfrm>
-          <a:prstGeom prst="straightConnector1">
-            <a:avLst/>
-          </a:prstGeom>
-          <a:ln>
-            <a:tailEnd type="arrow"/>
-          </a:ln>
-        </p:spPr>
-        <p:style>
-          <a:lnRef idx="1">
-            <a:schemeClr val="accent1"/>
-          </a:lnRef>
-          <a:fillRef idx="0">
-            <a:schemeClr val="accent1"/>
-          </a:fillRef>
-          <a:effectRef idx="0">
-            <a:schemeClr val="accent1"/>
-          </a:effectRef>
-          <a:fontRef idx="minor">
-            <a:schemeClr val="tx1"/>
-          </a:fontRef>
-        </p:style>
-      </p:cxnSp>
-      <p:sp>
-        <p:nvSpPr>
-          <p:cNvPr id="114" name="113 Decisión"/>
-          <p:cNvSpPr/>
-          <p:nvPr/>
-        </p:nvSpPr>
-        <p:spPr>
-          <a:xfrm>
-            <a:off x="2052603" y="2224071"/>
-            <a:ext cx="365130" cy="320544"/>
-          </a:xfrm>
-          <a:prstGeom prst="flowChartDecision">
-            <a:avLst/>
-          </a:prstGeom>
-        </p:spPr>
-        <p:style>
-          <a:lnRef idx="2">
-            <a:schemeClr val="accent1">
-              <a:shade val="50000"/>
-            </a:schemeClr>
-          </a:lnRef>
-          <a:fillRef idx="1">
-            <a:schemeClr val="accent1"/>
-          </a:fillRef>
-          <a:effectRef idx="0">
-            <a:schemeClr val="accent1"/>
-          </a:effectRef>
-          <a:fontRef idx="minor">
-            <a:schemeClr val="lt1"/>
-          </a:fontRef>
-        </p:style>
-        <p:txBody>
-          <a:bodyPr rtlCol="0" anchor="ctr"/>
-          <a:lstStyle/>
-          <a:p>
-            <a:pPr algn="ctr"/>
-            <a:endParaRPr lang="es-AR"/>
-          </a:p>
-        </p:txBody>
-      </p:sp>
-      <p:cxnSp>
-        <p:nvCxnSpPr>
-          <p:cNvPr id="121" name="120 Conector recto"/>
-          <p:cNvCxnSpPr/>
-          <p:nvPr/>
-        </p:nvCxnSpPr>
-        <p:spPr>
-          <a:xfrm>
-            <a:off x="1541421" y="2698740"/>
-            <a:ext cx="1204929" cy="0"/>
-          </a:xfrm>
-          <a:prstGeom prst="line">
-            <a:avLst/>
-          </a:prstGeom>
-        </p:spPr>
-        <p:style>
-          <a:lnRef idx="1">
-            <a:schemeClr val="accent1"/>
-          </a:lnRef>
-          <a:fillRef idx="0">
-            <a:schemeClr val="accent1"/>
-          </a:fillRef>
-          <a:effectRef idx="0">
-            <a:schemeClr val="accent1"/>
-          </a:effectRef>
-          <a:fontRef idx="minor">
-            <a:schemeClr val="tx1"/>
-          </a:fontRef>
-        </p:style>
-      </p:cxnSp>
-      <p:cxnSp>
-        <p:nvCxnSpPr>
-          <p:cNvPr id="137" name="136 Conector recto de flecha"/>
-          <p:cNvCxnSpPr>
-            <a:stCxn id="114" idx="2"/>
-          </p:cNvCxnSpPr>
-          <p:nvPr/>
-        </p:nvCxnSpPr>
-        <p:spPr>
-          <a:xfrm rot="5400000">
-            <a:off x="2158106" y="2621677"/>
-            <a:ext cx="154125" cy="1588"/>
-          </a:xfrm>
-          <a:prstGeom prst="straightConnector1">
-            <a:avLst/>
-          </a:prstGeom>
-          <a:ln>
-            <a:tailEnd type="arrow"/>
-          </a:ln>
-        </p:spPr>
-        <p:style>
-          <a:lnRef idx="1">
-            <a:schemeClr val="accent1"/>
-          </a:lnRef>
-          <a:fillRef idx="0">
-            <a:schemeClr val="accent1"/>
-          </a:fillRef>
-          <a:effectRef idx="0">
-            <a:schemeClr val="accent1"/>
-          </a:effectRef>
-          <a:fontRef idx="minor">
-            <a:schemeClr val="tx1"/>
-          </a:fontRef>
-        </p:style>
-      </p:cxnSp>
-      <p:cxnSp>
-        <p:nvCxnSpPr>
-          <p:cNvPr id="139" name="138 Forma"/>
-          <p:cNvCxnSpPr>
-            <a:endCxn id="47" idx="0"/>
-          </p:cNvCxnSpPr>
-          <p:nvPr/>
-        </p:nvCxnSpPr>
-        <p:spPr>
-          <a:xfrm rot="5400000">
-            <a:off x="1075880" y="2707868"/>
-            <a:ext cx="511182" cy="492926"/>
-          </a:xfrm>
-          <a:prstGeom prst="bentConnector3">
-            <a:avLst>
-              <a:gd name="adj1" fmla="val 50000"/>
-            </a:avLst>
-          </a:prstGeom>
-          <a:ln>
-            <a:tailEnd type="arrow"/>
-          </a:ln>
-        </p:spPr>
-        <p:style>
-          <a:lnRef idx="1">
-            <a:schemeClr val="accent1"/>
-          </a:lnRef>
-          <a:fillRef idx="0">
-            <a:schemeClr val="accent1"/>
-          </a:fillRef>
-          <a:effectRef idx="0">
-            <a:schemeClr val="accent1"/>
-          </a:effectRef>
-          <a:fontRef idx="minor">
-            <a:schemeClr val="tx1"/>
-          </a:fontRef>
-        </p:style>
-      </p:cxnSp>
-      <p:cxnSp>
-        <p:nvCxnSpPr>
-          <p:cNvPr id="154" name="153 Forma"/>
-          <p:cNvCxnSpPr>
-            <a:endCxn id="48" idx="0"/>
-          </p:cNvCxnSpPr>
-          <p:nvPr/>
-        </p:nvCxnSpPr>
-        <p:spPr>
-          <a:xfrm>
-            <a:off x="2344707" y="2808279"/>
-            <a:ext cx="5294385" cy="1424007"/>
-          </a:xfrm>
-          <a:prstGeom prst="bentConnector2">
-            <a:avLst/>
-          </a:prstGeom>
-          <a:ln>
-            <a:tailEnd type="arrow"/>
-          </a:ln>
-        </p:spPr>
-        <p:style>
-          <a:lnRef idx="1">
-            <a:schemeClr val="accent1"/>
-          </a:lnRef>
-          <a:fillRef idx="0">
-            <a:schemeClr val="accent1"/>
-          </a:fillRef>
-          <a:effectRef idx="0">
-            <a:schemeClr val="accent1"/>
-          </a:effectRef>
-          <a:fontRef idx="minor">
-            <a:schemeClr val="tx1"/>
-          </a:fontRef>
-        </p:style>
-      </p:cxnSp>
+      </p:pic>
     </p:spTree>
   </p:cSld>
   <p:clrMapOvr>
@@ -10709,25 +10295,223 @@
           </a:p>
         </p:txBody>
       </p:sp>
-      <p:sp>
-        <p:nvSpPr>
-          <p:cNvPr id="3" name="Content Placeholder 2"/>
-          <p:cNvSpPr>
-            <a:spLocks noGrp="1"/>
-          </p:cNvSpPr>
+      <p:pic>
+        <p:nvPicPr>
+          <p:cNvPr id="1029" name="Picture 5"/>
+          <p:cNvPicPr>
+            <a:picLocks noGrp="1" noChangeAspect="1" noChangeArrowheads="1"/>
+          </p:cNvPicPr>
           <p:nvPr>
             <p:ph idx="1"/>
           </p:nvPr>
-        </p:nvSpPr>
-        <p:spPr/>
-        <p:txBody>
-          <a:bodyPr/>
-          <a:lstStyle/>
-          <a:p>
-            <a:endParaRPr lang="en-US" dirty="0"/>
-          </a:p>
-        </p:txBody>
-      </p:sp>
+        </p:nvPicPr>
+        <p:blipFill>
+          <a:blip r:embed="rId3" cstate="print">
+            <a:clrChange>
+              <a:clrFrom>
+                <a:srgbClr val="FFFFFF"/>
+              </a:clrFrom>
+              <a:clrTo>
+                <a:srgbClr val="FFFFFF">
+                  <a:alpha val="0"/>
+                </a:srgbClr>
+              </a:clrTo>
+            </a:clrChange>
+          </a:blip>
+          <a:srcRect/>
+          <a:stretch>
+            <a:fillRect/>
+          </a:stretch>
+        </p:blipFill>
+        <p:spPr bwMode="auto">
+          <a:xfrm>
+            <a:off x="1249317" y="580985"/>
+            <a:ext cx="6807450" cy="4746691"/>
+          </a:xfrm>
+          <a:prstGeom prst="rect">
+            <a:avLst/>
+          </a:prstGeom>
+          <a:noFill/>
+          <a:ln w="9525">
+            <a:noFill/>
+            <a:miter lim="800000"/>
+            <a:headEnd/>
+            <a:tailEnd/>
+          </a:ln>
+        </p:spPr>
+      </p:pic>
+      <p:pic>
+        <p:nvPicPr>
+          <p:cNvPr id="1030" name="Picture 6"/>
+          <p:cNvPicPr>
+            <a:picLocks noChangeAspect="1" noChangeArrowheads="1"/>
+          </p:cNvPicPr>
+          <p:nvPr/>
+        </p:nvPicPr>
+        <p:blipFill>
+          <a:blip r:embed="rId4" cstate="print">
+            <a:clrChange>
+              <a:clrFrom>
+                <a:srgbClr val="FFFFFF"/>
+              </a:clrFrom>
+              <a:clrTo>
+                <a:srgbClr val="FFFFFF">
+                  <a:alpha val="0"/>
+                </a:srgbClr>
+              </a:clrTo>
+            </a:clrChange>
+          </a:blip>
+          <a:srcRect/>
+          <a:stretch>
+            <a:fillRect/>
+          </a:stretch>
+        </p:blipFill>
+        <p:spPr bwMode="auto">
+          <a:xfrm>
+            <a:off x="1066752" y="1165194"/>
+            <a:ext cx="7448550" cy="3838575"/>
+          </a:xfrm>
+          <a:prstGeom prst="rect">
+            <a:avLst/>
+          </a:prstGeom>
+          <a:noFill/>
+          <a:ln w="9525">
+            <a:noFill/>
+            <a:miter lim="800000"/>
+            <a:headEnd/>
+            <a:tailEnd/>
+          </a:ln>
+        </p:spPr>
+      </p:pic>
+      <p:pic>
+        <p:nvPicPr>
+          <p:cNvPr id="1031" name="Picture 7"/>
+          <p:cNvPicPr>
+            <a:picLocks noChangeAspect="1" noChangeArrowheads="1"/>
+          </p:cNvPicPr>
+          <p:nvPr/>
+        </p:nvPicPr>
+        <p:blipFill>
+          <a:blip r:embed="rId5" cstate="print">
+            <a:clrChange>
+              <a:clrFrom>
+                <a:srgbClr val="FFFFFF"/>
+              </a:clrFrom>
+              <a:clrTo>
+                <a:srgbClr val="FFFFFF">
+                  <a:alpha val="0"/>
+                </a:srgbClr>
+              </a:clrTo>
+            </a:clrChange>
+          </a:blip>
+          <a:srcRect/>
+          <a:stretch>
+            <a:fillRect/>
+          </a:stretch>
+        </p:blipFill>
+        <p:spPr bwMode="auto">
+          <a:xfrm>
+            <a:off x="1870038" y="2041506"/>
+            <a:ext cx="5505450" cy="2571750"/>
+          </a:xfrm>
+          <a:prstGeom prst="rect">
+            <a:avLst/>
+          </a:prstGeom>
+          <a:noFill/>
+          <a:ln w="9525">
+            <a:noFill/>
+            <a:miter lim="800000"/>
+            <a:headEnd/>
+            <a:tailEnd/>
+          </a:ln>
+        </p:spPr>
+      </p:pic>
+      <p:pic>
+        <p:nvPicPr>
+          <p:cNvPr id="1032" name="Picture 8"/>
+          <p:cNvPicPr>
+            <a:picLocks noChangeAspect="1" noChangeArrowheads="1"/>
+          </p:cNvPicPr>
+          <p:nvPr/>
+        </p:nvPicPr>
+        <p:blipFill>
+          <a:blip r:embed="rId6" cstate="print">
+            <a:clrChange>
+              <a:clrFrom>
+                <a:srgbClr val="FFFFFF"/>
+              </a:clrFrom>
+              <a:clrTo>
+                <a:srgbClr val="FFFFFF">
+                  <a:alpha val="0"/>
+                </a:srgbClr>
+              </a:clrTo>
+            </a:clrChange>
+          </a:blip>
+          <a:srcRect/>
+          <a:stretch>
+            <a:fillRect/>
+          </a:stretch>
+        </p:blipFill>
+        <p:spPr bwMode="auto">
+          <a:xfrm>
+            <a:off x="2636811" y="2370123"/>
+            <a:ext cx="4543425" cy="1457325"/>
+          </a:xfrm>
+          <a:prstGeom prst="rect">
+            <a:avLst/>
+          </a:prstGeom>
+          <a:noFill/>
+          <a:ln w="9525">
+            <a:noFill/>
+            <a:miter lim="800000"/>
+            <a:headEnd/>
+            <a:tailEnd/>
+          </a:ln>
+        </p:spPr>
+      </p:pic>
+      <p:pic>
+        <p:nvPicPr>
+          <p:cNvPr id="1033" name="Picture 9"/>
+          <p:cNvPicPr>
+            <a:picLocks noChangeAspect="1" noChangeArrowheads="1"/>
+          </p:cNvPicPr>
+          <p:nvPr/>
+        </p:nvPicPr>
+        <p:blipFill>
+          <a:blip r:embed="rId7" cstate="print">
+            <a:clrChange>
+              <a:clrFrom>
+                <a:srgbClr val="FFFFFF"/>
+              </a:clrFrom>
+              <a:clrTo>
+                <a:srgbClr val="FFFFFF">
+                  <a:alpha val="0"/>
+                </a:srgbClr>
+              </a:clrTo>
+            </a:clrChange>
+          </a:blip>
+          <a:srcRect/>
+          <a:stretch>
+            <a:fillRect/>
+          </a:stretch>
+        </p:blipFill>
+        <p:spPr bwMode="auto">
+          <a:xfrm>
+            <a:off x="2490759" y="544474"/>
+            <a:ext cx="3797352" cy="4898245"/>
+          </a:xfrm>
+          <a:prstGeom prst="rect">
+            <a:avLst/>
+          </a:prstGeom>
+          <a:noFill/>
+          <a:ln w="9525">
+            <a:noFill/>
+            <a:miter lim="800000"/>
+            <a:headEnd/>
+            <a:tailEnd/>
+          </a:ln>
+        </p:spPr>
+      </p:pic>
     </p:spTree>
   </p:cSld>
   <p:clrMapOvr>
@@ -10736,7 +10520,438 @@
   <p:timing>
     <p:tnLst>
       <p:par>
-        <p:cTn id="1" dur="indefinite" restart="never" nodeType="tmRoot"/>
+        <p:cTn id="1" dur="indefinite" restart="never" nodeType="tmRoot">
+          <p:childTnLst>
+            <p:seq concurrent="1" nextAc="seek">
+              <p:cTn id="2" dur="indefinite" nodeType="mainSeq">
+                <p:childTnLst>
+                  <p:par>
+                    <p:cTn id="3" fill="hold">
+                      <p:stCondLst>
+                        <p:cond delay="indefinite"/>
+                        <p:cond evt="onBegin" delay="0">
+                          <p:tn val="2"/>
+                        </p:cond>
+                      </p:stCondLst>
+                      <p:childTnLst>
+                        <p:par>
+                          <p:cTn id="4" fill="hold">
+                            <p:stCondLst>
+                              <p:cond delay="0"/>
+                            </p:stCondLst>
+                            <p:childTnLst>
+                              <p:par>
+                                <p:cTn id="5" presetID="9" presetClass="entr" presetSubtype="0" fill="hold" nodeType="withEffect">
+                                  <p:stCondLst>
+                                    <p:cond delay="0"/>
+                                  </p:stCondLst>
+                                  <p:childTnLst>
+                                    <p:set>
+                                      <p:cBhvr>
+                                        <p:cTn id="6" dur="1" fill="hold">
+                                          <p:stCondLst>
+                                            <p:cond delay="0"/>
+                                          </p:stCondLst>
+                                        </p:cTn>
+                                        <p:tgtEl>
+                                          <p:spTgt spid="1031"/>
+                                        </p:tgtEl>
+                                        <p:attrNameLst>
+                                          <p:attrName>style.visibility</p:attrName>
+                                        </p:attrNameLst>
+                                      </p:cBhvr>
+                                      <p:to>
+                                        <p:strVal val="visible"/>
+                                      </p:to>
+                                    </p:set>
+                                    <p:animEffect transition="in" filter="dissolve">
+                                      <p:cBhvr>
+                                        <p:cTn id="7" dur="500"/>
+                                        <p:tgtEl>
+                                          <p:spTgt spid="1031"/>
+                                        </p:tgtEl>
+                                      </p:cBhvr>
+                                    </p:animEffect>
+                                  </p:childTnLst>
+                                </p:cTn>
+                              </p:par>
+                            </p:childTnLst>
+                          </p:cTn>
+                        </p:par>
+                      </p:childTnLst>
+                    </p:cTn>
+                  </p:par>
+                  <p:par>
+                    <p:cTn id="8" fill="hold">
+                      <p:stCondLst>
+                        <p:cond delay="indefinite"/>
+                      </p:stCondLst>
+                      <p:childTnLst>
+                        <p:par>
+                          <p:cTn id="9" fill="hold">
+                            <p:stCondLst>
+                              <p:cond delay="0"/>
+                            </p:stCondLst>
+                            <p:childTnLst>
+                              <p:par>
+                                <p:cTn id="10" presetID="9" presetClass="exit" presetSubtype="0" fill="hold" nodeType="clickEffect">
+                                  <p:stCondLst>
+                                    <p:cond delay="0"/>
+                                  </p:stCondLst>
+                                  <p:childTnLst>
+                                    <p:animEffect transition="out" filter="dissolve">
+                                      <p:cBhvr>
+                                        <p:cTn id="11" dur="500"/>
+                                        <p:tgtEl>
+                                          <p:spTgt spid="1031"/>
+                                        </p:tgtEl>
+                                      </p:cBhvr>
+                                    </p:animEffect>
+                                    <p:set>
+                                      <p:cBhvr>
+                                        <p:cTn id="12" dur="1" fill="hold">
+                                          <p:stCondLst>
+                                            <p:cond delay="499"/>
+                                          </p:stCondLst>
+                                        </p:cTn>
+                                        <p:tgtEl>
+                                          <p:spTgt spid="1031"/>
+                                        </p:tgtEl>
+                                        <p:attrNameLst>
+                                          <p:attrName>style.visibility</p:attrName>
+                                        </p:attrNameLst>
+                                      </p:cBhvr>
+                                      <p:to>
+                                        <p:strVal val="hidden"/>
+                                      </p:to>
+                                    </p:set>
+                                  </p:childTnLst>
+                                </p:cTn>
+                              </p:par>
+                              <p:par>
+                                <p:cTn id="13" presetID="9" presetClass="entr" presetSubtype="0" fill="hold" nodeType="withEffect">
+                                  <p:stCondLst>
+                                    <p:cond delay="0"/>
+                                  </p:stCondLst>
+                                  <p:childTnLst>
+                                    <p:set>
+                                      <p:cBhvr>
+                                        <p:cTn id="14" dur="1" fill="hold">
+                                          <p:stCondLst>
+                                            <p:cond delay="0"/>
+                                          </p:stCondLst>
+                                        </p:cTn>
+                                        <p:tgtEl>
+                                          <p:spTgt spid="1030"/>
+                                        </p:tgtEl>
+                                        <p:attrNameLst>
+                                          <p:attrName>style.visibility</p:attrName>
+                                        </p:attrNameLst>
+                                      </p:cBhvr>
+                                      <p:to>
+                                        <p:strVal val="visible"/>
+                                      </p:to>
+                                    </p:set>
+                                    <p:animEffect transition="in" filter="dissolve">
+                                      <p:cBhvr>
+                                        <p:cTn id="15" dur="500"/>
+                                        <p:tgtEl>
+                                          <p:spTgt spid="1030"/>
+                                        </p:tgtEl>
+                                      </p:cBhvr>
+                                    </p:animEffect>
+                                  </p:childTnLst>
+                                </p:cTn>
+                              </p:par>
+                            </p:childTnLst>
+                          </p:cTn>
+                        </p:par>
+                      </p:childTnLst>
+                    </p:cTn>
+                  </p:par>
+                  <p:par>
+                    <p:cTn id="16" fill="hold">
+                      <p:stCondLst>
+                        <p:cond delay="indefinite"/>
+                      </p:stCondLst>
+                      <p:childTnLst>
+                        <p:par>
+                          <p:cTn id="17" fill="hold">
+                            <p:stCondLst>
+                              <p:cond delay="0"/>
+                            </p:stCondLst>
+                            <p:childTnLst>
+                              <p:par>
+                                <p:cTn id="18" presetID="9" presetClass="exit" presetSubtype="0" fill="hold" nodeType="clickEffect">
+                                  <p:stCondLst>
+                                    <p:cond delay="0"/>
+                                  </p:stCondLst>
+                                  <p:childTnLst>
+                                    <p:animEffect transition="out" filter="dissolve">
+                                      <p:cBhvr>
+                                        <p:cTn id="19" dur="500"/>
+                                        <p:tgtEl>
+                                          <p:spTgt spid="1030"/>
+                                        </p:tgtEl>
+                                      </p:cBhvr>
+                                    </p:animEffect>
+                                    <p:set>
+                                      <p:cBhvr>
+                                        <p:cTn id="20" dur="1" fill="hold">
+                                          <p:stCondLst>
+                                            <p:cond delay="499"/>
+                                          </p:stCondLst>
+                                        </p:cTn>
+                                        <p:tgtEl>
+                                          <p:spTgt spid="1030"/>
+                                        </p:tgtEl>
+                                        <p:attrNameLst>
+                                          <p:attrName>style.visibility</p:attrName>
+                                        </p:attrNameLst>
+                                      </p:cBhvr>
+                                      <p:to>
+                                        <p:strVal val="hidden"/>
+                                      </p:to>
+                                    </p:set>
+                                  </p:childTnLst>
+                                </p:cTn>
+                              </p:par>
+                              <p:par>
+                                <p:cTn id="21" presetID="9" presetClass="entr" presetSubtype="0" fill="hold" nodeType="withEffect">
+                                  <p:stCondLst>
+                                    <p:cond delay="0"/>
+                                  </p:stCondLst>
+                                  <p:childTnLst>
+                                    <p:set>
+                                      <p:cBhvr>
+                                        <p:cTn id="22" dur="1" fill="hold">
+                                          <p:stCondLst>
+                                            <p:cond delay="0"/>
+                                          </p:stCondLst>
+                                        </p:cTn>
+                                        <p:tgtEl>
+                                          <p:spTgt spid="1032"/>
+                                        </p:tgtEl>
+                                        <p:attrNameLst>
+                                          <p:attrName>style.visibility</p:attrName>
+                                        </p:attrNameLst>
+                                      </p:cBhvr>
+                                      <p:to>
+                                        <p:strVal val="visible"/>
+                                      </p:to>
+                                    </p:set>
+                                    <p:animEffect transition="in" filter="dissolve">
+                                      <p:cBhvr>
+                                        <p:cTn id="23" dur="500"/>
+                                        <p:tgtEl>
+                                          <p:spTgt spid="1032"/>
+                                        </p:tgtEl>
+                                      </p:cBhvr>
+                                    </p:animEffect>
+                                  </p:childTnLst>
+                                </p:cTn>
+                              </p:par>
+                            </p:childTnLst>
+                          </p:cTn>
+                        </p:par>
+                      </p:childTnLst>
+                    </p:cTn>
+                  </p:par>
+                  <p:par>
+                    <p:cTn id="24" fill="hold">
+                      <p:stCondLst>
+                        <p:cond delay="indefinite"/>
+                      </p:stCondLst>
+                      <p:childTnLst>
+                        <p:par>
+                          <p:cTn id="25" fill="hold">
+                            <p:stCondLst>
+                              <p:cond delay="0"/>
+                            </p:stCondLst>
+                            <p:childTnLst>
+                              <p:par>
+                                <p:cTn id="26" presetID="9" presetClass="exit" presetSubtype="0" fill="hold" nodeType="clickEffect">
+                                  <p:stCondLst>
+                                    <p:cond delay="0"/>
+                                  </p:stCondLst>
+                                  <p:childTnLst>
+                                    <p:animEffect transition="out" filter="dissolve">
+                                      <p:cBhvr>
+                                        <p:cTn id="27" dur="500"/>
+                                        <p:tgtEl>
+                                          <p:spTgt spid="1032"/>
+                                        </p:tgtEl>
+                                      </p:cBhvr>
+                                    </p:animEffect>
+                                    <p:set>
+                                      <p:cBhvr>
+                                        <p:cTn id="28" dur="1" fill="hold">
+                                          <p:stCondLst>
+                                            <p:cond delay="499"/>
+                                          </p:stCondLst>
+                                        </p:cTn>
+                                        <p:tgtEl>
+                                          <p:spTgt spid="1032"/>
+                                        </p:tgtEl>
+                                        <p:attrNameLst>
+                                          <p:attrName>style.visibility</p:attrName>
+                                        </p:attrNameLst>
+                                      </p:cBhvr>
+                                      <p:to>
+                                        <p:strVal val="hidden"/>
+                                      </p:to>
+                                    </p:set>
+                                  </p:childTnLst>
+                                </p:cTn>
+                              </p:par>
+                              <p:par>
+                                <p:cTn id="29" presetID="9" presetClass="entr" presetSubtype="0" fill="hold" nodeType="withEffect">
+                                  <p:stCondLst>
+                                    <p:cond delay="0"/>
+                                  </p:stCondLst>
+                                  <p:childTnLst>
+                                    <p:set>
+                                      <p:cBhvr>
+                                        <p:cTn id="30" dur="1" fill="hold">
+                                          <p:stCondLst>
+                                            <p:cond delay="0"/>
+                                          </p:stCondLst>
+                                        </p:cTn>
+                                        <p:tgtEl>
+                                          <p:spTgt spid="1029"/>
+                                        </p:tgtEl>
+                                        <p:attrNameLst>
+                                          <p:attrName>style.visibility</p:attrName>
+                                        </p:attrNameLst>
+                                      </p:cBhvr>
+                                      <p:to>
+                                        <p:strVal val="visible"/>
+                                      </p:to>
+                                    </p:set>
+                                    <p:animEffect transition="in" filter="dissolve">
+                                      <p:cBhvr>
+                                        <p:cTn id="31" dur="500"/>
+                                        <p:tgtEl>
+                                          <p:spTgt spid="1029"/>
+                                        </p:tgtEl>
+                                      </p:cBhvr>
+                                    </p:animEffect>
+                                  </p:childTnLst>
+                                </p:cTn>
+                              </p:par>
+                            </p:childTnLst>
+                          </p:cTn>
+                        </p:par>
+                      </p:childTnLst>
+                    </p:cTn>
+                  </p:par>
+                  <p:par>
+                    <p:cTn id="32" fill="hold">
+                      <p:stCondLst>
+                        <p:cond delay="indefinite"/>
+                      </p:stCondLst>
+                      <p:childTnLst>
+                        <p:par>
+                          <p:cTn id="33" fill="hold">
+                            <p:stCondLst>
+                              <p:cond delay="0"/>
+                            </p:stCondLst>
+                            <p:childTnLst>
+                              <p:par>
+                                <p:cTn id="34" presetID="9" presetClass="exit" presetSubtype="0" fill="hold" nodeType="clickEffect">
+                                  <p:stCondLst>
+                                    <p:cond delay="0"/>
+                                  </p:stCondLst>
+                                  <p:childTnLst>
+                                    <p:animEffect transition="out" filter="dissolve">
+                                      <p:cBhvr>
+                                        <p:cTn id="35" dur="500"/>
+                                        <p:tgtEl>
+                                          <p:spTgt spid="1029"/>
+                                        </p:tgtEl>
+                                      </p:cBhvr>
+                                    </p:animEffect>
+                                    <p:set>
+                                      <p:cBhvr>
+                                        <p:cTn id="36" dur="1" fill="hold">
+                                          <p:stCondLst>
+                                            <p:cond delay="499"/>
+                                          </p:stCondLst>
+                                        </p:cTn>
+                                        <p:tgtEl>
+                                          <p:spTgt spid="1029"/>
+                                        </p:tgtEl>
+                                        <p:attrNameLst>
+                                          <p:attrName>style.visibility</p:attrName>
+                                        </p:attrNameLst>
+                                      </p:cBhvr>
+                                      <p:to>
+                                        <p:strVal val="hidden"/>
+                                      </p:to>
+                                    </p:set>
+                                  </p:childTnLst>
+                                </p:cTn>
+                              </p:par>
+                              <p:par>
+                                <p:cTn id="37" presetID="9" presetClass="entr" presetSubtype="0" fill="hold" nodeType="withEffect">
+                                  <p:stCondLst>
+                                    <p:cond delay="0"/>
+                                  </p:stCondLst>
+                                  <p:childTnLst>
+                                    <p:set>
+                                      <p:cBhvr>
+                                        <p:cTn id="38" dur="1" fill="hold">
+                                          <p:stCondLst>
+                                            <p:cond delay="0"/>
+                                          </p:stCondLst>
+                                        </p:cTn>
+                                        <p:tgtEl>
+                                          <p:spTgt spid="1033"/>
+                                        </p:tgtEl>
+                                        <p:attrNameLst>
+                                          <p:attrName>style.visibility</p:attrName>
+                                        </p:attrNameLst>
+                                      </p:cBhvr>
+                                      <p:to>
+                                        <p:strVal val="visible"/>
+                                      </p:to>
+                                    </p:set>
+                                    <p:animEffect transition="in" filter="dissolve">
+                                      <p:cBhvr>
+                                        <p:cTn id="39" dur="500"/>
+                                        <p:tgtEl>
+                                          <p:spTgt spid="1033"/>
+                                        </p:tgtEl>
+                                      </p:cBhvr>
+                                    </p:animEffect>
+                                  </p:childTnLst>
+                                </p:cTn>
+                              </p:par>
+                            </p:childTnLst>
+                          </p:cTn>
+                        </p:par>
+                      </p:childTnLst>
+                    </p:cTn>
+                  </p:par>
+                </p:childTnLst>
+              </p:cTn>
+              <p:prevCondLst>
+                <p:cond evt="onPrev" delay="0">
+                  <p:tgtEl>
+                    <p:sldTgt/>
+                  </p:tgtEl>
+                </p:cond>
+              </p:prevCondLst>
+              <p:nextCondLst>
+                <p:cond evt="onNext" delay="0">
+                  <p:tgtEl>
+                    <p:sldTgt/>
+                  </p:tgtEl>
+                </p:cond>
+              </p:nextCondLst>
+            </p:seq>
+          </p:childTnLst>
+        </p:cTn>
       </p:par>
     </p:tnLst>
   </p:timing>
@@ -10999,25 +11214,39 @@
           <a:p>
             <a:r>
               <a:rPr lang="es-AR" dirty="0" smtClean="0"/>
-              <a:t>Unidad indivisible a ser enviada.</a:t>
+              <a:t>Unidad indivisible a ser enviada</a:t>
             </a:r>
           </a:p>
           <a:p>
             <a:r>
               <a:rPr lang="es-AR" dirty="0" smtClean="0"/>
-              <a:t>Se obtiene de la división del pedido.</a:t>
+              <a:t>División del pedido</a:t>
             </a:r>
           </a:p>
           <a:p>
             <a:r>
               <a:rPr lang="es-AR" dirty="0" smtClean="0"/>
-              <a:t>Se lo tipifica.</a:t>
+              <a:t>Tipificación</a:t>
             </a:r>
           </a:p>
           <a:p>
             <a:r>
               <a:rPr lang="es-AR" dirty="0" smtClean="0"/>
-              <a:t>Se le asigna transporte.</a:t>
+              <a:t>Asignación a transporte o almacén</a:t>
+            </a:r>
+          </a:p>
+          <a:p>
+            <a:pPr lvl="0"/>
+            <a:r>
+              <a:rPr lang="es-AR" dirty="0" smtClean="0"/>
+              <a:t>Consulta de ubicación</a:t>
+            </a:r>
+          </a:p>
+          <a:p>
+            <a:pPr lvl="0"/>
+            <a:r>
+              <a:rPr lang="es-AR" dirty="0" smtClean="0"/>
+              <a:t>Cálculo de prioridad</a:t>
             </a:r>
           </a:p>
           <a:p>
@@ -11066,9 +11295,7 @@
   <p:clrMapOvr>
     <a:masterClrMapping/>
   </p:clrMapOvr>
-  <p:transition>
-    <p:dissolve/>
-  </p:transition>
+  <p:transition/>
   <p:timing>
     <p:tnLst>
       <p:par>
@@ -11090,7 +11317,7 @@
                             </p:stCondLst>
                             <p:childTnLst>
                               <p:par>
-                                <p:cTn id="5" presetID="10" presetClass="entr" presetSubtype="0" fill="hold" grpId="0" nodeType="clickEffect">
+                                <p:cTn id="5" presetID="9" presetClass="entr" presetSubtype="0" fill="hold" grpId="0" nodeType="clickEffect">
                                   <p:stCondLst>
                                     <p:cond delay="0"/>
                                   </p:stCondLst>
@@ -11098,250 +11325,6 @@
                                     <p:set>
                                       <p:cBhvr>
                                         <p:cTn id="6" dur="1" fill="hold">
-                                          <p:stCondLst>
-                                            <p:cond delay="0"/>
-                                          </p:stCondLst>
-                                        </p:cTn>
-                                        <p:tgtEl>
-                                          <p:spTgt spid="3">
-                                            <p:txEl>
-                                              <p:pRg st="0" end="0"/>
-                                            </p:txEl>
-                                          </p:spTgt>
-                                        </p:tgtEl>
-                                        <p:attrNameLst>
-                                          <p:attrName>style.visibility</p:attrName>
-                                        </p:attrNameLst>
-                                      </p:cBhvr>
-                                      <p:to>
-                                        <p:strVal val="visible"/>
-                                      </p:to>
-                                    </p:set>
-                                    <p:animEffect transition="in" filter="fade">
-                                      <p:cBhvr>
-                                        <p:cTn id="7" dur="2000"/>
-                                        <p:tgtEl>
-                                          <p:spTgt spid="3">
-                                            <p:txEl>
-                                              <p:pRg st="0" end="0"/>
-                                            </p:txEl>
-                                          </p:spTgt>
-                                        </p:tgtEl>
-                                      </p:cBhvr>
-                                    </p:animEffect>
-                                  </p:childTnLst>
-                                </p:cTn>
-                              </p:par>
-                            </p:childTnLst>
-                          </p:cTn>
-                        </p:par>
-                      </p:childTnLst>
-                    </p:cTn>
-                  </p:par>
-                  <p:par>
-                    <p:cTn id="8" fill="hold">
-                      <p:stCondLst>
-                        <p:cond delay="indefinite"/>
-                      </p:stCondLst>
-                      <p:childTnLst>
-                        <p:par>
-                          <p:cTn id="9" fill="hold">
-                            <p:stCondLst>
-                              <p:cond delay="0"/>
-                            </p:stCondLst>
-                            <p:childTnLst>
-                              <p:par>
-                                <p:cTn id="10" presetID="10" presetClass="entr" presetSubtype="0" fill="hold" grpId="0" nodeType="clickEffect">
-                                  <p:stCondLst>
-                                    <p:cond delay="0"/>
-                                  </p:stCondLst>
-                                  <p:childTnLst>
-                                    <p:set>
-                                      <p:cBhvr>
-                                        <p:cTn id="11" dur="1" fill="hold">
-                                          <p:stCondLst>
-                                            <p:cond delay="0"/>
-                                          </p:stCondLst>
-                                        </p:cTn>
-                                        <p:tgtEl>
-                                          <p:spTgt spid="3">
-                                            <p:txEl>
-                                              <p:pRg st="1" end="1"/>
-                                            </p:txEl>
-                                          </p:spTgt>
-                                        </p:tgtEl>
-                                        <p:attrNameLst>
-                                          <p:attrName>style.visibility</p:attrName>
-                                        </p:attrNameLst>
-                                      </p:cBhvr>
-                                      <p:to>
-                                        <p:strVal val="visible"/>
-                                      </p:to>
-                                    </p:set>
-                                    <p:animEffect transition="in" filter="fade">
-                                      <p:cBhvr>
-                                        <p:cTn id="12" dur="2000"/>
-                                        <p:tgtEl>
-                                          <p:spTgt spid="3">
-                                            <p:txEl>
-                                              <p:pRg st="1" end="1"/>
-                                            </p:txEl>
-                                          </p:spTgt>
-                                        </p:tgtEl>
-                                      </p:cBhvr>
-                                    </p:animEffect>
-                                  </p:childTnLst>
-                                </p:cTn>
-                              </p:par>
-                            </p:childTnLst>
-                          </p:cTn>
-                        </p:par>
-                      </p:childTnLst>
-                    </p:cTn>
-                  </p:par>
-                  <p:par>
-                    <p:cTn id="13" fill="hold">
-                      <p:stCondLst>
-                        <p:cond delay="indefinite"/>
-                      </p:stCondLst>
-                      <p:childTnLst>
-                        <p:par>
-                          <p:cTn id="14" fill="hold">
-                            <p:stCondLst>
-                              <p:cond delay="0"/>
-                            </p:stCondLst>
-                            <p:childTnLst>
-                              <p:par>
-                                <p:cTn id="15" presetID="10" presetClass="entr" presetSubtype="0" fill="hold" grpId="0" nodeType="clickEffect">
-                                  <p:stCondLst>
-                                    <p:cond delay="0"/>
-                                  </p:stCondLst>
-                                  <p:childTnLst>
-                                    <p:set>
-                                      <p:cBhvr>
-                                        <p:cTn id="16" dur="1" fill="hold">
-                                          <p:stCondLst>
-                                            <p:cond delay="0"/>
-                                          </p:stCondLst>
-                                        </p:cTn>
-                                        <p:tgtEl>
-                                          <p:spTgt spid="3">
-                                            <p:txEl>
-                                              <p:pRg st="2" end="2"/>
-                                            </p:txEl>
-                                          </p:spTgt>
-                                        </p:tgtEl>
-                                        <p:attrNameLst>
-                                          <p:attrName>style.visibility</p:attrName>
-                                        </p:attrNameLst>
-                                      </p:cBhvr>
-                                      <p:to>
-                                        <p:strVal val="visible"/>
-                                      </p:to>
-                                    </p:set>
-                                    <p:animEffect transition="in" filter="fade">
-                                      <p:cBhvr>
-                                        <p:cTn id="17" dur="2000"/>
-                                        <p:tgtEl>
-                                          <p:spTgt spid="3">
-                                            <p:txEl>
-                                              <p:pRg st="2" end="2"/>
-                                            </p:txEl>
-                                          </p:spTgt>
-                                        </p:tgtEl>
-                                      </p:cBhvr>
-                                    </p:animEffect>
-                                  </p:childTnLst>
-                                </p:cTn>
-                              </p:par>
-                            </p:childTnLst>
-                          </p:cTn>
-                        </p:par>
-                      </p:childTnLst>
-                    </p:cTn>
-                  </p:par>
-                  <p:par>
-                    <p:cTn id="18" fill="hold">
-                      <p:stCondLst>
-                        <p:cond delay="indefinite"/>
-                      </p:stCondLst>
-                      <p:childTnLst>
-                        <p:par>
-                          <p:cTn id="19" fill="hold">
-                            <p:stCondLst>
-                              <p:cond delay="0"/>
-                            </p:stCondLst>
-                            <p:childTnLst>
-                              <p:par>
-                                <p:cTn id="20" presetID="10" presetClass="entr" presetSubtype="0" fill="hold" grpId="0" nodeType="clickEffect">
-                                  <p:stCondLst>
-                                    <p:cond delay="0"/>
-                                  </p:stCondLst>
-                                  <p:childTnLst>
-                                    <p:set>
-                                      <p:cBhvr>
-                                        <p:cTn id="21" dur="1" fill="hold">
-                                          <p:stCondLst>
-                                            <p:cond delay="0"/>
-                                          </p:stCondLst>
-                                        </p:cTn>
-                                        <p:tgtEl>
-                                          <p:spTgt spid="3">
-                                            <p:txEl>
-                                              <p:pRg st="3" end="3"/>
-                                            </p:txEl>
-                                          </p:spTgt>
-                                        </p:tgtEl>
-                                        <p:attrNameLst>
-                                          <p:attrName>style.visibility</p:attrName>
-                                        </p:attrNameLst>
-                                      </p:cBhvr>
-                                      <p:to>
-                                        <p:strVal val="visible"/>
-                                      </p:to>
-                                    </p:set>
-                                    <p:animEffect transition="in" filter="fade">
-                                      <p:cBhvr>
-                                        <p:cTn id="22" dur="2000"/>
-                                        <p:tgtEl>
-                                          <p:spTgt spid="3">
-                                            <p:txEl>
-                                              <p:pRg st="3" end="3"/>
-                                            </p:txEl>
-                                          </p:spTgt>
-                                        </p:tgtEl>
-                                      </p:cBhvr>
-                                    </p:animEffect>
-                                  </p:childTnLst>
-                                </p:cTn>
-                              </p:par>
-                            </p:childTnLst>
-                          </p:cTn>
-                        </p:par>
-                      </p:childTnLst>
-                    </p:cTn>
-                  </p:par>
-                  <p:par>
-                    <p:cTn id="23" fill="hold">
-                      <p:stCondLst>
-                        <p:cond delay="indefinite"/>
-                      </p:stCondLst>
-                      <p:childTnLst>
-                        <p:par>
-                          <p:cTn id="24" fill="hold">
-                            <p:stCondLst>
-                              <p:cond delay="0"/>
-                            </p:stCondLst>
-                            <p:childTnLst>
-                              <p:par>
-                                <p:cTn id="25" presetID="9" presetClass="entr" presetSubtype="0" fill="hold" grpId="0" nodeType="clickEffect">
-                                  <p:stCondLst>
-                                    <p:cond delay="0"/>
-                                  </p:stCondLst>
-                                  <p:childTnLst>
-                                    <p:set>
-                                      <p:cBhvr>
-                                        <p:cTn id="26" dur="1" fill="hold">
                                           <p:stCondLst>
                                             <p:cond delay="0"/>
                                           </p:stCondLst>
@@ -11359,7 +11342,7 @@
                                     </p:set>
                                     <p:animEffect transition="in" filter="dissolve">
                                       <p:cBhvr>
-                                        <p:cTn id="27" dur="500"/>
+                                        <p:cTn id="7" dur="500"/>
                                         <p:tgtEl>
                                           <p:spTgt spid="39"/>
                                         </p:tgtEl>
@@ -11369,14 +11352,14 @@
                                 </p:cTn>
                               </p:par>
                               <p:par>
-                                <p:cTn id="28" presetID="9" presetClass="entr" presetSubtype="0" fill="hold" grpId="2" nodeType="withEffect">
+                                <p:cTn id="8" presetID="9" presetClass="entr" presetSubtype="0" fill="hold" grpId="2" nodeType="withEffect">
                                   <p:stCondLst>
                                     <p:cond delay="0"/>
                                   </p:stCondLst>
                                   <p:childTnLst>
                                     <p:set>
                                       <p:cBhvr>
-                                        <p:cTn id="29" dur="1" fill="hold">
+                                        <p:cTn id="9" dur="1" fill="hold">
                                           <p:stCondLst>
                                             <p:cond delay="0"/>
                                           </p:stCondLst>
@@ -11394,7 +11377,7 @@
                                     </p:set>
                                     <p:animEffect transition="in" filter="dissolve">
                                       <p:cBhvr>
-                                        <p:cTn id="30" dur="500"/>
+                                        <p:cTn id="10" dur="500"/>
                                         <p:tgtEl>
                                           <p:spTgt spid="16"/>
                                         </p:tgtEl>
@@ -11404,14 +11387,14 @@
                                 </p:cTn>
                               </p:par>
                               <p:par>
-                                <p:cTn id="31" presetID="9" presetClass="entr" presetSubtype="0" fill="hold" grpId="1" nodeType="withEffect">
+                                <p:cTn id="11" presetID="9" presetClass="entr" presetSubtype="0" fill="hold" grpId="1" nodeType="withEffect">
                                   <p:stCondLst>
                                     <p:cond delay="0"/>
                                   </p:stCondLst>
                                   <p:childTnLst>
                                     <p:set>
                                       <p:cBhvr>
-                                        <p:cTn id="32" dur="1" fill="hold">
+                                        <p:cTn id="12" dur="1" fill="hold">
                                           <p:stCondLst>
                                             <p:cond delay="0"/>
                                           </p:stCondLst>
@@ -11429,7 +11412,7 @@
                                     </p:set>
                                     <p:animEffect transition="in" filter="dissolve">
                                       <p:cBhvr>
-                                        <p:cTn id="33" dur="500"/>
+                                        <p:cTn id="13" dur="500"/>
                                         <p:tgtEl>
                                           <p:spTgt spid="24"/>
                                         </p:tgtEl>
@@ -11439,14 +11422,14 @@
                                 </p:cTn>
                               </p:par>
                               <p:par>
-                                <p:cTn id="34" presetID="9" presetClass="entr" presetSubtype="0" fill="hold" grpId="1" nodeType="withEffect">
+                                <p:cTn id="14" presetID="9" presetClass="entr" presetSubtype="0" fill="hold" grpId="1" nodeType="withEffect">
                                   <p:stCondLst>
                                     <p:cond delay="0"/>
                                   </p:stCondLst>
                                   <p:childTnLst>
                                     <p:set>
                                       <p:cBhvr>
-                                        <p:cTn id="35" dur="1" fill="hold">
+                                        <p:cTn id="15" dur="1" fill="hold">
                                           <p:stCondLst>
                                             <p:cond delay="0"/>
                                           </p:stCondLst>
@@ -11464,7 +11447,7 @@
                                     </p:set>
                                     <p:animEffect transition="in" filter="dissolve">
                                       <p:cBhvr>
-                                        <p:cTn id="36" dur="500"/>
+                                        <p:cTn id="16" dur="500"/>
                                         <p:tgtEl>
                                           <p:spTgt spid="26"/>
                                         </p:tgtEl>
@@ -11474,14 +11457,14 @@
                                 </p:cTn>
                               </p:par>
                               <p:par>
-                                <p:cTn id="37" presetID="9" presetClass="entr" presetSubtype="0" fill="hold" grpId="1" nodeType="withEffect">
+                                <p:cTn id="17" presetID="9" presetClass="entr" presetSubtype="0" fill="hold" grpId="1" nodeType="withEffect">
                                   <p:stCondLst>
                                     <p:cond delay="0"/>
                                   </p:stCondLst>
                                   <p:childTnLst>
                                     <p:set>
                                       <p:cBhvr>
-                                        <p:cTn id="38" dur="1" fill="hold">
+                                        <p:cTn id="18" dur="1" fill="hold">
                                           <p:stCondLst>
                                             <p:cond delay="0"/>
                                           </p:stCondLst>
@@ -11499,7 +11482,7 @@
                                     </p:set>
                                     <p:animEffect transition="in" filter="dissolve">
                                       <p:cBhvr>
-                                        <p:cTn id="39" dur="500"/>
+                                        <p:cTn id="19" dur="500"/>
                                         <p:tgtEl>
                                           <p:spTgt spid="25"/>
                                         </p:tgtEl>
@@ -11515,26 +11498,26 @@
                     </p:cTn>
                   </p:par>
                   <p:par>
-                    <p:cTn id="40" fill="hold">
+                    <p:cTn id="20" fill="hold">
                       <p:stCondLst>
                         <p:cond delay="indefinite"/>
                       </p:stCondLst>
                       <p:childTnLst>
                         <p:par>
-                          <p:cTn id="41" fill="hold">
+                          <p:cTn id="21" fill="hold">
                             <p:stCondLst>
                               <p:cond delay="0"/>
                             </p:stCondLst>
                             <p:childTnLst>
                               <p:par>
-                                <p:cTn id="42" presetID="22" presetClass="exit" presetSubtype="4" fill="hold" grpId="1" nodeType="clickEffect">
+                                <p:cTn id="22" presetID="22" presetClass="exit" presetSubtype="4" fill="hold" grpId="1" nodeType="clickEffect">
                                   <p:stCondLst>
                                     <p:cond delay="0"/>
                                   </p:stCondLst>
                                   <p:childTnLst>
                                     <p:animEffect transition="out" filter="wipe(down)">
                                       <p:cBhvr>
-                                        <p:cTn id="43" dur="500"/>
+                                        <p:cTn id="23" dur="500"/>
                                         <p:tgtEl>
                                           <p:spTgt spid="39"/>
                                         </p:tgtEl>
@@ -11542,7 +11525,7 @@
                                     </p:animEffect>
                                     <p:set>
                                       <p:cBhvr>
-                                        <p:cTn id="44" dur="1" fill="hold">
+                                        <p:cTn id="24" dur="1" fill="hold">
                                           <p:stCondLst>
                                             <p:cond delay="499"/>
                                           </p:stCondLst>
@@ -11562,14 +11545,14 @@
                                 </p:cTn>
                               </p:par>
                               <p:par>
-                                <p:cTn id="45" presetID="56" presetClass="path" presetSubtype="0" accel="50000" decel="50000" fill="hold" grpId="1" nodeType="withEffect">
+                                <p:cTn id="25" presetID="56" presetClass="path" presetSubtype="0" accel="50000" decel="50000" fill="hold" grpId="1" nodeType="withEffect">
                                   <p:stCondLst>
                                     <p:cond delay="0"/>
                                   </p:stCondLst>
                                   <p:childTnLst>
                                     <p:animMotion origin="layout" path="M 1.38889E-6 2.59944E-6 L 0.08663 -0.11078 " pathEditMode="relative" rAng="0" ptsTypes="AA">
                                       <p:cBhvr>
-                                        <p:cTn id="46" dur="2000" fill="hold"/>
+                                        <p:cTn id="26" dur="2000" fill="hold"/>
                                         <p:tgtEl>
                                           <p:spTgt spid="16"/>
                                         </p:tgtEl>
@@ -11584,14 +11567,14 @@
                                 </p:cTn>
                               </p:par>
                               <p:par>
-                                <p:cTn id="47" presetID="49" presetClass="path" presetSubtype="0" accel="50000" decel="50000" fill="hold" grpId="0" nodeType="withEffect">
+                                <p:cTn id="27" presetID="49" presetClass="path" presetSubtype="0" accel="50000" decel="50000" fill="hold" grpId="0" nodeType="withEffect">
                                   <p:stCondLst>
                                     <p:cond delay="0"/>
                                   </p:stCondLst>
                                   <p:childTnLst>
                                     <p:animMotion origin="layout" path="M -1.94444E-6 -3.16374E-6 L -0.08298 -0.11054 " pathEditMode="relative" rAng="0" ptsTypes="AA">
                                       <p:cBhvr>
-                                        <p:cTn id="48" dur="2000" fill="hold"/>
+                                        <p:cTn id="28" dur="2000" fill="hold"/>
                                         <p:tgtEl>
                                           <p:spTgt spid="24"/>
                                         </p:tgtEl>
@@ -11606,14 +11589,14 @@
                                 </p:cTn>
                               </p:par>
                               <p:par>
-                                <p:cTn id="49" presetID="56" presetClass="path" presetSubtype="0" accel="50000" decel="50000" fill="hold" grpId="0" nodeType="withEffect">
+                                <p:cTn id="29" presetID="56" presetClass="path" presetSubtype="0" accel="50000" decel="50000" fill="hold" grpId="0" nodeType="withEffect">
                                   <p:stCondLst>
                                     <p:cond delay="0"/>
                                   </p:stCondLst>
                                   <p:childTnLst>
                                     <p:animMotion origin="layout" path="M -0.05937 0.12095 L -4.44444E-6 3.14524E-6 " pathEditMode="relative" rAng="0" ptsTypes="AA">
                                       <p:cBhvr>
-                                        <p:cTn id="50" dur="2000" spd="-100000" fill="hold"/>
+                                        <p:cTn id="30" dur="2000" spd="-100000" fill="hold"/>
                                         <p:tgtEl>
                                           <p:spTgt spid="26"/>
                                         </p:tgtEl>
@@ -11628,14 +11611,14 @@
                                 </p:cTn>
                               </p:par>
                               <p:par>
-                                <p:cTn id="51" presetID="49" presetClass="path" presetSubtype="0" accel="50000" decel="50000" fill="hold" grpId="0" nodeType="withEffect">
+                                <p:cTn id="31" presetID="49" presetClass="path" presetSubtype="0" accel="50000" decel="50000" fill="hold" grpId="0" nodeType="withEffect">
                                   <p:stCondLst>
                                     <p:cond delay="0"/>
                                   </p:stCondLst>
                                   <p:childTnLst>
                                     <p:animMotion origin="layout" path="M -0.00364 0.00555 L 0.07136 0.1265 " pathEditMode="relative" rAng="0" ptsTypes="AA">
                                       <p:cBhvr>
-                                        <p:cTn id="52" dur="2000" fill="hold"/>
+                                        <p:cTn id="32" dur="2000" fill="hold"/>
                                         <p:tgtEl>
                                           <p:spTgt spid="25"/>
                                         </p:tgtEl>
@@ -11650,14 +11633,14 @@
                                 </p:cTn>
                               </p:par>
                               <p:par>
-                                <p:cTn id="53" presetID="3" presetClass="entr" presetSubtype="10" fill="hold" grpId="0" nodeType="withEffect">
+                                <p:cTn id="33" presetID="3" presetClass="entr" presetSubtype="10" fill="hold" grpId="0" nodeType="withEffect">
                                   <p:stCondLst>
                                     <p:cond delay="0"/>
                                   </p:stCondLst>
                                   <p:childTnLst>
                                     <p:set>
                                       <p:cBhvr>
-                                        <p:cTn id="54" dur="1" fill="hold">
+                                        <p:cTn id="34" dur="1" fill="hold">
                                           <p:stCondLst>
                                             <p:cond delay="0"/>
                                           </p:stCondLst>
@@ -11675,7 +11658,7 @@
                                     </p:set>
                                     <p:animEffect transition="in" filter="blinds(horizontal)">
                                       <p:cBhvr>
-                                        <p:cTn id="55" dur="500"/>
+                                        <p:cTn id="35" dur="500"/>
                                         <p:tgtEl>
                                           <p:spTgt spid="23"/>
                                         </p:tgtEl>
@@ -11721,7 +11704,6 @@
       <p:bldP spid="26" grpId="1" animBg="1"/>
       <p:bldP spid="16" grpId="1" animBg="1"/>
       <p:bldP spid="16" grpId="2" animBg="1"/>
-      <p:bldP spid="3" grpId="0" build="p"/>
       <p:bldP spid="39" grpId="0"/>
       <p:bldP spid="39" grpId="1"/>
     </p:bldLst>
@@ -11765,7 +11747,7 @@
           <a:p>
             <a:r>
               <a:rPr lang="es-AR" dirty="0" smtClean="0"/>
-              <a:t>Sobrecarga</a:t>
+              <a:t>Especificación de Ruta</a:t>
             </a:r>
             <a:endParaRPr lang="es-AR" dirty="0"/>
           </a:p>
@@ -11784,343 +11766,59 @@
         <p:spPr>
           <a:xfrm>
             <a:off x="502920" y="530352"/>
-            <a:ext cx="8183880" cy="4970350"/>
-          </a:xfrm>
-        </p:spPr>
-        <p:txBody>
-          <a:bodyPr/>
-          <a:lstStyle/>
-          <a:p>
-            <a:r>
-              <a:rPr lang="es-AR" dirty="0" smtClean="0"/>
-              <a:t>Hasta un 110% de sobre-carga.</a:t>
-            </a:r>
-          </a:p>
-          <a:p>
-            <a:r>
-              <a:rPr lang="es-AR" dirty="0" smtClean="0"/>
-              <a:t>Reprogramación de ruta.</a:t>
-            </a:r>
-          </a:p>
-          <a:p>
-            <a:r>
-              <a:rPr lang="es-AR" dirty="0" smtClean="0"/>
-              <a:t>Prioridad.</a:t>
-            </a:r>
-          </a:p>
-        </p:txBody>
-      </p:sp>
-    </p:spTree>
-  </p:cSld>
-  <p:clrMapOvr>
-    <a:masterClrMapping/>
-  </p:clrMapOvr>
-  <p:timing>
-    <p:tnLst>
-      <p:par>
-        <p:cTn id="1" dur="indefinite" restart="never" nodeType="tmRoot">
-          <p:childTnLst>
-            <p:seq concurrent="1" nextAc="seek">
-              <p:cTn id="2" dur="indefinite" nodeType="mainSeq">
-                <p:childTnLst>
-                  <p:par>
-                    <p:cTn id="3" fill="hold">
-                      <p:stCondLst>
-                        <p:cond delay="indefinite"/>
-                      </p:stCondLst>
-                      <p:childTnLst>
-                        <p:par>
-                          <p:cTn id="4" fill="hold">
-                            <p:stCondLst>
-                              <p:cond delay="0"/>
-                            </p:stCondLst>
-                            <p:childTnLst>
-                              <p:par>
-                                <p:cTn id="5" presetID="10" presetClass="entr" presetSubtype="0" fill="hold" grpId="0" nodeType="clickEffect">
-                                  <p:stCondLst>
-                                    <p:cond delay="0"/>
-                                  </p:stCondLst>
-                                  <p:childTnLst>
-                                    <p:set>
-                                      <p:cBhvr>
-                                        <p:cTn id="6" dur="1" fill="hold">
-                                          <p:stCondLst>
-                                            <p:cond delay="0"/>
-                                          </p:stCondLst>
-                                        </p:cTn>
-                                        <p:tgtEl>
-                                          <p:spTgt spid="3">
-                                            <p:txEl>
-                                              <p:pRg st="0" end="0"/>
-                                            </p:txEl>
-                                          </p:spTgt>
-                                        </p:tgtEl>
-                                        <p:attrNameLst>
-                                          <p:attrName>style.visibility</p:attrName>
-                                        </p:attrNameLst>
-                                      </p:cBhvr>
-                                      <p:to>
-                                        <p:strVal val="visible"/>
-                                      </p:to>
-                                    </p:set>
-                                    <p:animEffect transition="in" filter="fade">
-                                      <p:cBhvr>
-                                        <p:cTn id="7" dur="2000"/>
-                                        <p:tgtEl>
-                                          <p:spTgt spid="3">
-                                            <p:txEl>
-                                              <p:pRg st="0" end="0"/>
-                                            </p:txEl>
-                                          </p:spTgt>
-                                        </p:tgtEl>
-                                      </p:cBhvr>
-                                    </p:animEffect>
-                                  </p:childTnLst>
-                                </p:cTn>
-                              </p:par>
-                            </p:childTnLst>
-                          </p:cTn>
-                        </p:par>
-                      </p:childTnLst>
-                    </p:cTn>
-                  </p:par>
-                  <p:par>
-                    <p:cTn id="8" fill="hold">
-                      <p:stCondLst>
-                        <p:cond delay="indefinite"/>
-                      </p:stCondLst>
-                      <p:childTnLst>
-                        <p:par>
-                          <p:cTn id="9" fill="hold">
-                            <p:stCondLst>
-                              <p:cond delay="0"/>
-                            </p:stCondLst>
-                            <p:childTnLst>
-                              <p:par>
-                                <p:cTn id="10" presetID="10" presetClass="entr" presetSubtype="0" fill="hold" grpId="0" nodeType="clickEffect">
-                                  <p:stCondLst>
-                                    <p:cond delay="0"/>
-                                  </p:stCondLst>
-                                  <p:childTnLst>
-                                    <p:set>
-                                      <p:cBhvr>
-                                        <p:cTn id="11" dur="1" fill="hold">
-                                          <p:stCondLst>
-                                            <p:cond delay="0"/>
-                                          </p:stCondLst>
-                                        </p:cTn>
-                                        <p:tgtEl>
-                                          <p:spTgt spid="3">
-                                            <p:txEl>
-                                              <p:pRg st="1" end="1"/>
-                                            </p:txEl>
-                                          </p:spTgt>
-                                        </p:tgtEl>
-                                        <p:attrNameLst>
-                                          <p:attrName>style.visibility</p:attrName>
-                                        </p:attrNameLst>
-                                      </p:cBhvr>
-                                      <p:to>
-                                        <p:strVal val="visible"/>
-                                      </p:to>
-                                    </p:set>
-                                    <p:animEffect transition="in" filter="fade">
-                                      <p:cBhvr>
-                                        <p:cTn id="12" dur="2000"/>
-                                        <p:tgtEl>
-                                          <p:spTgt spid="3">
-                                            <p:txEl>
-                                              <p:pRg st="1" end="1"/>
-                                            </p:txEl>
-                                          </p:spTgt>
-                                        </p:tgtEl>
-                                      </p:cBhvr>
-                                    </p:animEffect>
-                                  </p:childTnLst>
-                                </p:cTn>
-                              </p:par>
-                            </p:childTnLst>
-                          </p:cTn>
-                        </p:par>
-                      </p:childTnLst>
-                    </p:cTn>
-                  </p:par>
-                  <p:par>
-                    <p:cTn id="13" fill="hold">
-                      <p:stCondLst>
-                        <p:cond delay="indefinite"/>
-                      </p:stCondLst>
-                      <p:childTnLst>
-                        <p:par>
-                          <p:cTn id="14" fill="hold">
-                            <p:stCondLst>
-                              <p:cond delay="0"/>
-                            </p:stCondLst>
-                            <p:childTnLst>
-                              <p:par>
-                                <p:cTn id="15" presetID="10" presetClass="entr" presetSubtype="0" fill="hold" grpId="0" nodeType="clickEffect">
-                                  <p:stCondLst>
-                                    <p:cond delay="0"/>
-                                  </p:stCondLst>
-                                  <p:childTnLst>
-                                    <p:set>
-                                      <p:cBhvr>
-                                        <p:cTn id="16" dur="1" fill="hold">
-                                          <p:stCondLst>
-                                            <p:cond delay="0"/>
-                                          </p:stCondLst>
-                                        </p:cTn>
-                                        <p:tgtEl>
-                                          <p:spTgt spid="3">
-                                            <p:txEl>
-                                              <p:pRg st="2" end="2"/>
-                                            </p:txEl>
-                                          </p:spTgt>
-                                        </p:tgtEl>
-                                        <p:attrNameLst>
-                                          <p:attrName>style.visibility</p:attrName>
-                                        </p:attrNameLst>
-                                      </p:cBhvr>
-                                      <p:to>
-                                        <p:strVal val="visible"/>
-                                      </p:to>
-                                    </p:set>
-                                    <p:animEffect transition="in" filter="fade">
-                                      <p:cBhvr>
-                                        <p:cTn id="17" dur="2000"/>
-                                        <p:tgtEl>
-                                          <p:spTgt spid="3">
-                                            <p:txEl>
-                                              <p:pRg st="2" end="2"/>
-                                            </p:txEl>
-                                          </p:spTgt>
-                                        </p:tgtEl>
-                                      </p:cBhvr>
-                                    </p:animEffect>
-                                  </p:childTnLst>
-                                </p:cTn>
-                              </p:par>
-                            </p:childTnLst>
-                          </p:cTn>
-                        </p:par>
-                      </p:childTnLst>
-                    </p:cTn>
-                  </p:par>
-                </p:childTnLst>
-              </p:cTn>
-              <p:prevCondLst>
-                <p:cond evt="onPrev" delay="0">
-                  <p:tgtEl>
-                    <p:sldTgt/>
-                  </p:tgtEl>
-                </p:cond>
-              </p:prevCondLst>
-              <p:nextCondLst>
-                <p:cond evt="onNext" delay="0">
-                  <p:tgtEl>
-                    <p:sldTgt/>
-                  </p:tgtEl>
-                </p:cond>
-              </p:nextCondLst>
-            </p:seq>
-          </p:childTnLst>
-        </p:cTn>
-      </p:par>
-    </p:tnLst>
-    <p:bldLst>
-      <p:bldP spid="3" grpId="0" uiExpand="1" build="p"/>
-    </p:bldLst>
-  </p:timing>
-</p:sld>
-</file>
-
-<file path=ppt/slides/slide8.xml><?xml version="1.0" encoding="utf-8"?>
-<p:sld xmlns:a="http://schemas.openxmlformats.org/drawingml/2006/main" xmlns:r="http://schemas.openxmlformats.org/officeDocument/2006/relationships" xmlns:p="http://schemas.openxmlformats.org/presentationml/2006/main">
-  <p:cSld>
-    <p:spTree>
-      <p:nvGrpSpPr>
-        <p:cNvPr id="1" name=""/>
-        <p:cNvGrpSpPr/>
-        <p:nvPr/>
-      </p:nvGrpSpPr>
-      <p:grpSpPr>
-        <a:xfrm>
-          <a:off x="0" y="0"/>
-          <a:ext cx="0" cy="0"/>
-          <a:chOff x="0" y="0"/>
-          <a:chExt cx="0" cy="0"/>
-        </a:xfrm>
-      </p:grpSpPr>
-      <p:sp>
-        <p:nvSpPr>
-          <p:cNvPr id="2" name="1 Título"/>
-          <p:cNvSpPr>
-            <a:spLocks noGrp="1"/>
-          </p:cNvSpPr>
-          <p:nvPr>
-            <p:ph type="title"/>
-          </p:nvPr>
-        </p:nvSpPr>
-        <p:spPr/>
-        <p:txBody>
-          <a:bodyPr>
-            <a:normAutofit/>
-          </a:bodyPr>
-          <a:lstStyle/>
-          <a:p>
-            <a:r>
-              <a:rPr lang="es-AR" dirty="0" smtClean="0"/>
-              <a:t>Especificación de Ruta</a:t>
-            </a:r>
-            <a:endParaRPr lang="es-AR" dirty="0"/>
-          </a:p>
-        </p:txBody>
-      </p:sp>
-      <p:sp>
-        <p:nvSpPr>
-          <p:cNvPr id="3" name="2 Marcador de contenido"/>
-          <p:cNvSpPr>
-            <a:spLocks noGrp="1"/>
-          </p:cNvSpPr>
-          <p:nvPr>
-            <p:ph idx="1"/>
-          </p:nvPr>
-        </p:nvSpPr>
-        <p:spPr>
-          <a:xfrm>
-            <a:off x="502920" y="530352"/>
-            <a:ext cx="8183880" cy="1755640"/>
+            <a:ext cx="8183880" cy="2533518"/>
           </a:xfrm>
         </p:spPr>
         <p:txBody>
           <a:bodyPr>
-            <a:normAutofit fontScale="85000" lnSpcReduction="20000"/>
+            <a:normAutofit lnSpcReduction="10000"/>
           </a:bodyPr>
           <a:lstStyle/>
           <a:p>
             <a:r>
-              <a:rPr lang="es-AR" dirty="0" smtClean="0"/>
-              <a:t>La ruta se compone de tramos.</a:t>
-            </a:r>
-          </a:p>
-          <a:p>
-            <a:r>
-              <a:rPr lang="es-AR" dirty="0" smtClean="0"/>
-              <a:t>Los tramos unen a los puntos de operación.</a:t>
-            </a:r>
-          </a:p>
-          <a:p>
-            <a:r>
-              <a:rPr lang="es-AR" dirty="0" smtClean="0"/>
-              <a:t>En los puntos de operación se realiza la descarga, carga y almacenamiento.</a:t>
-            </a:r>
-          </a:p>
-          <a:p>
-            <a:r>
-              <a:rPr lang="es-AR" dirty="0" smtClean="0"/>
-              <a:t>Por cada tramo solo hay un transporte asignado.</a:t>
-            </a:r>
-            <a:endParaRPr lang="es-AR" dirty="0"/>
+              <a:rPr lang="es-ES" sz="2400" dirty="0" smtClean="0"/>
+              <a:t>Compuesta por tramos.</a:t>
+            </a:r>
+          </a:p>
+          <a:p>
+            <a:r>
+              <a:rPr lang="es-ES" sz="2400" dirty="0" smtClean="0"/>
+              <a:t>Los tramos unen puntos de operación.</a:t>
+            </a:r>
+          </a:p>
+          <a:p>
+            <a:r>
+              <a:rPr lang="es-AR" sz="2400" dirty="0" smtClean="0"/>
+              <a:t>Puntos de operación</a:t>
+            </a:r>
+          </a:p>
+          <a:p>
+            <a:pPr lvl="1"/>
+            <a:r>
+              <a:rPr lang="es-AR" sz="1600" dirty="0" smtClean="0"/>
+              <a:t>Carga y descarga</a:t>
+            </a:r>
+          </a:p>
+          <a:p>
+            <a:pPr lvl="1"/>
+            <a:r>
+              <a:rPr lang="es-AR" sz="1600" dirty="0" smtClean="0"/>
+              <a:t>Almacenamiento</a:t>
+            </a:r>
+          </a:p>
+          <a:p>
+            <a:pPr lvl="1"/>
+            <a:r>
+              <a:rPr lang="es-AR" sz="1600" dirty="0" smtClean="0"/>
+              <a:t>Recepción y entrega de los bultos.</a:t>
+            </a:r>
+          </a:p>
+          <a:p>
+            <a:r>
+              <a:rPr lang="es-AR" sz="2400" dirty="0" smtClean="0"/>
+              <a:t>Por cada tramo sólo hay un transporte asignado.</a:t>
+            </a:r>
+            <a:endParaRPr lang="es-AR" sz="2400" dirty="0"/>
           </a:p>
         </p:txBody>
       </p:sp>
@@ -12698,7 +12396,7 @@
         </p:blipFill>
         <p:spPr bwMode="auto">
           <a:xfrm>
-            <a:off x="5572132" y="3929067"/>
+            <a:off x="5667390" y="4122747"/>
             <a:ext cx="1105565" cy="390523"/>
           </a:xfrm>
           <a:prstGeom prst="rect">
@@ -12740,7 +12438,7 @@
                             </p:stCondLst>
                             <p:childTnLst>
                               <p:par>
-                                <p:cTn id="5" presetID="10" presetClass="entr" presetSubtype="0" fill="hold" grpId="0" nodeType="clickEffect">
+                                <p:cTn id="5" presetID="9" presetClass="entr" presetSubtype="0" fill="hold" grpId="0" nodeType="clickEffect">
                                   <p:stCondLst>
                                     <p:cond delay="0"/>
                                   </p:stCondLst>
@@ -12748,250 +12446,6 @@
                                     <p:set>
                                       <p:cBhvr>
                                         <p:cTn id="6" dur="1" fill="hold">
-                                          <p:stCondLst>
-                                            <p:cond delay="0"/>
-                                          </p:stCondLst>
-                                        </p:cTn>
-                                        <p:tgtEl>
-                                          <p:spTgt spid="3">
-                                            <p:txEl>
-                                              <p:pRg st="0" end="0"/>
-                                            </p:txEl>
-                                          </p:spTgt>
-                                        </p:tgtEl>
-                                        <p:attrNameLst>
-                                          <p:attrName>style.visibility</p:attrName>
-                                        </p:attrNameLst>
-                                      </p:cBhvr>
-                                      <p:to>
-                                        <p:strVal val="visible"/>
-                                      </p:to>
-                                    </p:set>
-                                    <p:animEffect transition="in" filter="fade">
-                                      <p:cBhvr>
-                                        <p:cTn id="7" dur="2000"/>
-                                        <p:tgtEl>
-                                          <p:spTgt spid="3">
-                                            <p:txEl>
-                                              <p:pRg st="0" end="0"/>
-                                            </p:txEl>
-                                          </p:spTgt>
-                                        </p:tgtEl>
-                                      </p:cBhvr>
-                                    </p:animEffect>
-                                  </p:childTnLst>
-                                </p:cTn>
-                              </p:par>
-                            </p:childTnLst>
-                          </p:cTn>
-                        </p:par>
-                      </p:childTnLst>
-                    </p:cTn>
-                  </p:par>
-                  <p:par>
-                    <p:cTn id="8" fill="hold">
-                      <p:stCondLst>
-                        <p:cond delay="indefinite"/>
-                      </p:stCondLst>
-                      <p:childTnLst>
-                        <p:par>
-                          <p:cTn id="9" fill="hold">
-                            <p:stCondLst>
-                              <p:cond delay="0"/>
-                            </p:stCondLst>
-                            <p:childTnLst>
-                              <p:par>
-                                <p:cTn id="10" presetID="10" presetClass="entr" presetSubtype="0" fill="hold" grpId="0" nodeType="clickEffect">
-                                  <p:stCondLst>
-                                    <p:cond delay="0"/>
-                                  </p:stCondLst>
-                                  <p:childTnLst>
-                                    <p:set>
-                                      <p:cBhvr>
-                                        <p:cTn id="11" dur="1" fill="hold">
-                                          <p:stCondLst>
-                                            <p:cond delay="0"/>
-                                          </p:stCondLst>
-                                        </p:cTn>
-                                        <p:tgtEl>
-                                          <p:spTgt spid="3">
-                                            <p:txEl>
-                                              <p:pRg st="1" end="1"/>
-                                            </p:txEl>
-                                          </p:spTgt>
-                                        </p:tgtEl>
-                                        <p:attrNameLst>
-                                          <p:attrName>style.visibility</p:attrName>
-                                        </p:attrNameLst>
-                                      </p:cBhvr>
-                                      <p:to>
-                                        <p:strVal val="visible"/>
-                                      </p:to>
-                                    </p:set>
-                                    <p:animEffect transition="in" filter="fade">
-                                      <p:cBhvr>
-                                        <p:cTn id="12" dur="2000"/>
-                                        <p:tgtEl>
-                                          <p:spTgt spid="3">
-                                            <p:txEl>
-                                              <p:pRg st="1" end="1"/>
-                                            </p:txEl>
-                                          </p:spTgt>
-                                        </p:tgtEl>
-                                      </p:cBhvr>
-                                    </p:animEffect>
-                                  </p:childTnLst>
-                                </p:cTn>
-                              </p:par>
-                            </p:childTnLst>
-                          </p:cTn>
-                        </p:par>
-                      </p:childTnLst>
-                    </p:cTn>
-                  </p:par>
-                  <p:par>
-                    <p:cTn id="13" fill="hold">
-                      <p:stCondLst>
-                        <p:cond delay="indefinite"/>
-                      </p:stCondLst>
-                      <p:childTnLst>
-                        <p:par>
-                          <p:cTn id="14" fill="hold">
-                            <p:stCondLst>
-                              <p:cond delay="0"/>
-                            </p:stCondLst>
-                            <p:childTnLst>
-                              <p:par>
-                                <p:cTn id="15" presetID="10" presetClass="entr" presetSubtype="0" fill="hold" grpId="0" nodeType="clickEffect">
-                                  <p:stCondLst>
-                                    <p:cond delay="0"/>
-                                  </p:stCondLst>
-                                  <p:childTnLst>
-                                    <p:set>
-                                      <p:cBhvr>
-                                        <p:cTn id="16" dur="1" fill="hold">
-                                          <p:stCondLst>
-                                            <p:cond delay="0"/>
-                                          </p:stCondLst>
-                                        </p:cTn>
-                                        <p:tgtEl>
-                                          <p:spTgt spid="3">
-                                            <p:txEl>
-                                              <p:pRg st="2" end="2"/>
-                                            </p:txEl>
-                                          </p:spTgt>
-                                        </p:tgtEl>
-                                        <p:attrNameLst>
-                                          <p:attrName>style.visibility</p:attrName>
-                                        </p:attrNameLst>
-                                      </p:cBhvr>
-                                      <p:to>
-                                        <p:strVal val="visible"/>
-                                      </p:to>
-                                    </p:set>
-                                    <p:animEffect transition="in" filter="fade">
-                                      <p:cBhvr>
-                                        <p:cTn id="17" dur="2000"/>
-                                        <p:tgtEl>
-                                          <p:spTgt spid="3">
-                                            <p:txEl>
-                                              <p:pRg st="2" end="2"/>
-                                            </p:txEl>
-                                          </p:spTgt>
-                                        </p:tgtEl>
-                                      </p:cBhvr>
-                                    </p:animEffect>
-                                  </p:childTnLst>
-                                </p:cTn>
-                              </p:par>
-                            </p:childTnLst>
-                          </p:cTn>
-                        </p:par>
-                      </p:childTnLst>
-                    </p:cTn>
-                  </p:par>
-                  <p:par>
-                    <p:cTn id="18" fill="hold">
-                      <p:stCondLst>
-                        <p:cond delay="indefinite"/>
-                      </p:stCondLst>
-                      <p:childTnLst>
-                        <p:par>
-                          <p:cTn id="19" fill="hold">
-                            <p:stCondLst>
-                              <p:cond delay="0"/>
-                            </p:stCondLst>
-                            <p:childTnLst>
-                              <p:par>
-                                <p:cTn id="20" presetID="10" presetClass="entr" presetSubtype="0" fill="hold" grpId="0" nodeType="clickEffect">
-                                  <p:stCondLst>
-                                    <p:cond delay="0"/>
-                                  </p:stCondLst>
-                                  <p:childTnLst>
-                                    <p:set>
-                                      <p:cBhvr>
-                                        <p:cTn id="21" dur="1" fill="hold">
-                                          <p:stCondLst>
-                                            <p:cond delay="0"/>
-                                          </p:stCondLst>
-                                        </p:cTn>
-                                        <p:tgtEl>
-                                          <p:spTgt spid="3">
-                                            <p:txEl>
-                                              <p:pRg st="3" end="3"/>
-                                            </p:txEl>
-                                          </p:spTgt>
-                                        </p:tgtEl>
-                                        <p:attrNameLst>
-                                          <p:attrName>style.visibility</p:attrName>
-                                        </p:attrNameLst>
-                                      </p:cBhvr>
-                                      <p:to>
-                                        <p:strVal val="visible"/>
-                                      </p:to>
-                                    </p:set>
-                                    <p:animEffect transition="in" filter="fade">
-                                      <p:cBhvr>
-                                        <p:cTn id="22" dur="2000"/>
-                                        <p:tgtEl>
-                                          <p:spTgt spid="3">
-                                            <p:txEl>
-                                              <p:pRg st="3" end="3"/>
-                                            </p:txEl>
-                                          </p:spTgt>
-                                        </p:tgtEl>
-                                      </p:cBhvr>
-                                    </p:animEffect>
-                                  </p:childTnLst>
-                                </p:cTn>
-                              </p:par>
-                            </p:childTnLst>
-                          </p:cTn>
-                        </p:par>
-                      </p:childTnLst>
-                    </p:cTn>
-                  </p:par>
-                  <p:par>
-                    <p:cTn id="23" fill="hold">
-                      <p:stCondLst>
-                        <p:cond delay="indefinite"/>
-                      </p:stCondLst>
-                      <p:childTnLst>
-                        <p:par>
-                          <p:cTn id="24" fill="hold">
-                            <p:stCondLst>
-                              <p:cond delay="0"/>
-                            </p:stCondLst>
-                            <p:childTnLst>
-                              <p:par>
-                                <p:cTn id="25" presetID="9" presetClass="entr" presetSubtype="0" fill="hold" grpId="0" nodeType="clickEffect">
-                                  <p:stCondLst>
-                                    <p:cond delay="0"/>
-                                  </p:stCondLst>
-                                  <p:childTnLst>
-                                    <p:set>
-                                      <p:cBhvr>
-                                        <p:cTn id="26" dur="1" fill="hold">
                                           <p:stCondLst>
                                             <p:cond delay="0"/>
                                           </p:stCondLst>
@@ -13009,7 +12463,7 @@
                                     </p:set>
                                     <p:animEffect transition="in" filter="dissolve">
                                       <p:cBhvr>
-                                        <p:cTn id="27" dur="500"/>
+                                        <p:cTn id="7" dur="500"/>
                                         <p:tgtEl>
                                           <p:spTgt spid="27"/>
                                         </p:tgtEl>
@@ -13022,20 +12476,20 @@
                           </p:cTn>
                         </p:par>
                         <p:par>
-                          <p:cTn id="28" fill="hold">
+                          <p:cTn id="8" fill="hold">
                             <p:stCondLst>
                               <p:cond delay="500"/>
                             </p:stCondLst>
                             <p:childTnLst>
                               <p:par>
-                                <p:cTn id="29" presetID="9" presetClass="entr" presetSubtype="0" fill="hold" grpId="0" nodeType="afterEffect">
+                                <p:cTn id="9" presetID="9" presetClass="entr" presetSubtype="0" fill="hold" grpId="0" nodeType="afterEffect">
                                   <p:stCondLst>
                                     <p:cond delay="500"/>
                                   </p:stCondLst>
                                   <p:childTnLst>
                                     <p:set>
                                       <p:cBhvr>
-                                        <p:cTn id="30" dur="1" fill="hold">
+                                        <p:cTn id="10" dur="1" fill="hold">
                                           <p:stCondLst>
                                             <p:cond delay="0"/>
                                           </p:stCondLst>
@@ -13053,7 +12507,7 @@
                                     </p:set>
                                     <p:animEffect transition="in" filter="dissolve">
                                       <p:cBhvr>
-                                        <p:cTn id="31" dur="500"/>
+                                        <p:cTn id="11" dur="500"/>
                                         <p:tgtEl>
                                           <p:spTgt spid="28"/>
                                         </p:tgtEl>
@@ -13066,20 +12520,20 @@
                           </p:cTn>
                         </p:par>
                         <p:par>
-                          <p:cTn id="32" fill="hold">
+                          <p:cTn id="12" fill="hold">
                             <p:stCondLst>
                               <p:cond delay="1500"/>
                             </p:stCondLst>
                             <p:childTnLst>
                               <p:par>
-                                <p:cTn id="33" presetID="22" presetClass="entr" presetSubtype="1" fill="hold" grpId="0" nodeType="afterEffect">
+                                <p:cTn id="13" presetID="22" presetClass="entr" presetSubtype="1" fill="hold" grpId="0" nodeType="afterEffect">
                                   <p:stCondLst>
                                     <p:cond delay="500"/>
                                   </p:stCondLst>
                                   <p:childTnLst>
                                     <p:set>
                                       <p:cBhvr>
-                                        <p:cTn id="34" dur="1" fill="hold">
+                                        <p:cTn id="14" dur="1" fill="hold">
                                           <p:stCondLst>
                                             <p:cond delay="0"/>
                                           </p:stCondLst>
@@ -13097,7 +12551,7 @@
                                     </p:set>
                                     <p:animEffect transition="in" filter="wipe(up)">
                                       <p:cBhvr>
-                                        <p:cTn id="35" dur="500"/>
+                                        <p:cTn id="15" dur="500"/>
                                         <p:tgtEl>
                                           <p:spTgt spid="9"/>
                                         </p:tgtEl>
@@ -13110,20 +12564,20 @@
                           </p:cTn>
                         </p:par>
                         <p:par>
-                          <p:cTn id="36" fill="hold">
+                          <p:cTn id="16" fill="hold">
                             <p:stCondLst>
                               <p:cond delay="2500"/>
                             </p:stCondLst>
                             <p:childTnLst>
                               <p:par>
-                                <p:cTn id="37" presetID="22" presetClass="entr" presetSubtype="1" fill="hold" grpId="0" nodeType="afterEffect">
+                                <p:cTn id="17" presetID="22" presetClass="entr" presetSubtype="1" fill="hold" grpId="0" nodeType="afterEffect">
                                   <p:stCondLst>
                                     <p:cond delay="500"/>
                                   </p:stCondLst>
                                   <p:childTnLst>
                                     <p:set>
                                       <p:cBhvr>
-                                        <p:cTn id="38" dur="1" fill="hold">
+                                        <p:cTn id="18" dur="1" fill="hold">
                                           <p:stCondLst>
                                             <p:cond delay="0"/>
                                           </p:stCondLst>
@@ -13141,7 +12595,7 @@
                                     </p:set>
                                     <p:animEffect transition="in" filter="wipe(up)">
                                       <p:cBhvr>
-                                        <p:cTn id="39" dur="500"/>
+                                        <p:cTn id="19" dur="500"/>
                                         <p:tgtEl>
                                           <p:spTgt spid="14"/>
                                         </p:tgtEl>
@@ -13154,20 +12608,20 @@
                           </p:cTn>
                         </p:par>
                         <p:par>
-                          <p:cTn id="40" fill="hold">
+                          <p:cTn id="20" fill="hold">
                             <p:stCondLst>
                               <p:cond delay="3500"/>
                             </p:stCondLst>
                             <p:childTnLst>
                               <p:par>
-                                <p:cTn id="41" presetID="9" presetClass="entr" presetSubtype="0" fill="hold" grpId="0" nodeType="afterEffect">
+                                <p:cTn id="21" presetID="9" presetClass="entr" presetSubtype="0" fill="hold" grpId="0" nodeType="afterEffect">
                                   <p:stCondLst>
                                     <p:cond delay="500"/>
                                   </p:stCondLst>
                                   <p:childTnLst>
                                     <p:set>
                                       <p:cBhvr>
-                                        <p:cTn id="42" dur="1" fill="hold">
+                                        <p:cTn id="22" dur="1" fill="hold">
                                           <p:stCondLst>
                                             <p:cond delay="0"/>
                                           </p:stCondLst>
@@ -13185,7 +12639,7 @@
                                     </p:set>
                                     <p:animEffect transition="in" filter="dissolve">
                                       <p:cBhvr>
-                                        <p:cTn id="43" dur="500"/>
+                                        <p:cTn id="23" dur="500"/>
                                         <p:tgtEl>
                                           <p:spTgt spid="29"/>
                                         </p:tgtEl>
@@ -13198,20 +12652,20 @@
                           </p:cTn>
                         </p:par>
                         <p:par>
-                          <p:cTn id="44" fill="hold">
+                          <p:cTn id="24" fill="hold">
                             <p:stCondLst>
                               <p:cond delay="4500"/>
                             </p:stCondLst>
                             <p:childTnLst>
                               <p:par>
-                                <p:cTn id="45" presetID="9" presetClass="entr" presetSubtype="0" fill="hold" grpId="0" nodeType="afterEffect">
+                                <p:cTn id="25" presetID="9" presetClass="entr" presetSubtype="0" fill="hold" grpId="0" nodeType="afterEffect">
                                   <p:stCondLst>
                                     <p:cond delay="500"/>
                                   </p:stCondLst>
                                   <p:childTnLst>
                                     <p:set>
                                       <p:cBhvr>
-                                        <p:cTn id="46" dur="1" fill="hold">
+                                        <p:cTn id="26" dur="1" fill="hold">
                                           <p:stCondLst>
                                             <p:cond delay="0"/>
                                           </p:stCondLst>
@@ -13229,7 +12683,7 @@
                                     </p:set>
                                     <p:animEffect transition="in" filter="dissolve">
                                       <p:cBhvr>
-                                        <p:cTn id="47" dur="500"/>
+                                        <p:cTn id="27" dur="500"/>
                                         <p:tgtEl>
                                           <p:spTgt spid="30"/>
                                         </p:tgtEl>
@@ -13242,20 +12696,20 @@
                           </p:cTn>
                         </p:par>
                         <p:par>
-                          <p:cTn id="48" fill="hold">
+                          <p:cTn id="28" fill="hold">
                             <p:stCondLst>
                               <p:cond delay="5500"/>
                             </p:stCondLst>
                             <p:childTnLst>
                               <p:par>
-                                <p:cTn id="49" presetID="22" presetClass="entr" presetSubtype="1" fill="hold" grpId="0" nodeType="afterEffect">
+                                <p:cTn id="29" presetID="22" presetClass="entr" presetSubtype="1" fill="hold" grpId="0" nodeType="afterEffect">
                                   <p:stCondLst>
                                     <p:cond delay="500"/>
                                   </p:stCondLst>
                                   <p:childTnLst>
                                     <p:set>
                                       <p:cBhvr>
-                                        <p:cTn id="50" dur="1" fill="hold">
+                                        <p:cTn id="30" dur="1" fill="hold">
                                           <p:stCondLst>
                                             <p:cond delay="0"/>
                                           </p:stCondLst>
@@ -13273,7 +12727,7 @@
                                     </p:set>
                                     <p:animEffect transition="in" filter="wipe(up)">
                                       <p:cBhvr>
-                                        <p:cTn id="51" dur="500"/>
+                                        <p:cTn id="31" dur="500"/>
                                         <p:tgtEl>
                                           <p:spTgt spid="26"/>
                                         </p:tgtEl>
@@ -13286,20 +12740,20 @@
                           </p:cTn>
                         </p:par>
                         <p:par>
-                          <p:cTn id="52" fill="hold">
+                          <p:cTn id="32" fill="hold">
                             <p:stCondLst>
                               <p:cond delay="6500"/>
                             </p:stCondLst>
                             <p:childTnLst>
                               <p:par>
-                                <p:cTn id="53" presetID="22" presetClass="entr" presetSubtype="1" fill="hold" grpId="0" nodeType="afterEffect">
+                                <p:cTn id="33" presetID="22" presetClass="entr" presetSubtype="1" fill="hold" grpId="0" nodeType="afterEffect">
                                   <p:stCondLst>
                                     <p:cond delay="500"/>
                                   </p:stCondLst>
                                   <p:childTnLst>
                                     <p:set>
                                       <p:cBhvr>
-                                        <p:cTn id="54" dur="1" fill="hold">
+                                        <p:cTn id="34" dur="1" fill="hold">
                                           <p:stCondLst>
                                             <p:cond delay="0"/>
                                           </p:stCondLst>
@@ -13317,7 +12771,7 @@
                                     </p:set>
                                     <p:animEffect transition="in" filter="wipe(up)">
                                       <p:cBhvr>
-                                        <p:cTn id="55" dur="500"/>
+                                        <p:cTn id="35" dur="500"/>
                                         <p:tgtEl>
                                           <p:spTgt spid="20"/>
                                         </p:tgtEl>
@@ -13330,20 +12784,20 @@
                           </p:cTn>
                         </p:par>
                         <p:par>
-                          <p:cTn id="56" fill="hold">
+                          <p:cTn id="36" fill="hold">
                             <p:stCondLst>
                               <p:cond delay="7500"/>
                             </p:stCondLst>
                             <p:childTnLst>
                               <p:par>
-                                <p:cTn id="57" presetID="22" presetClass="entr" presetSubtype="8" fill="hold" nodeType="afterEffect">
+                                <p:cTn id="37" presetID="22" presetClass="entr" presetSubtype="8" fill="hold" nodeType="afterEffect">
                                   <p:stCondLst>
                                     <p:cond delay="500"/>
                                   </p:stCondLst>
                                   <p:childTnLst>
                                     <p:set>
                                       <p:cBhvr>
-                                        <p:cTn id="58" dur="1" fill="hold">
+                                        <p:cTn id="38" dur="1" fill="hold">
                                           <p:stCondLst>
                                             <p:cond delay="0"/>
                                           </p:stCondLst>
@@ -13361,7 +12815,7 @@
                                     </p:set>
                                     <p:animEffect transition="in" filter="wipe(left)">
                                       <p:cBhvr>
-                                        <p:cTn id="59" dur="500"/>
+                                        <p:cTn id="39" dur="500"/>
                                         <p:tgtEl>
                                           <p:spTgt spid="8"/>
                                         </p:tgtEl>
@@ -13374,20 +12828,20 @@
                           </p:cTn>
                         </p:par>
                         <p:par>
-                          <p:cTn id="60" fill="hold">
+                          <p:cTn id="40" fill="hold">
                             <p:stCondLst>
                               <p:cond delay="8500"/>
                             </p:stCondLst>
                             <p:childTnLst>
                               <p:par>
-                                <p:cTn id="61" presetID="22" presetClass="entr" presetSubtype="8" fill="hold" nodeType="afterEffect">
+                                <p:cTn id="41" presetID="22" presetClass="entr" presetSubtype="8" fill="hold" nodeType="afterEffect">
                                   <p:stCondLst>
                                     <p:cond delay="500"/>
                                   </p:stCondLst>
                                   <p:childTnLst>
                                     <p:set>
                                       <p:cBhvr>
-                                        <p:cTn id="62" dur="1" fill="hold">
+                                        <p:cTn id="42" dur="1" fill="hold">
                                           <p:stCondLst>
                                             <p:cond delay="0"/>
                                           </p:stCondLst>
@@ -13405,7 +12859,7 @@
                                     </p:set>
                                     <p:animEffect transition="in" filter="wipe(left)">
                                       <p:cBhvr>
-                                        <p:cTn id="63" dur="500"/>
+                                        <p:cTn id="43" dur="500"/>
                                         <p:tgtEl>
                                           <p:spTgt spid="22"/>
                                         </p:tgtEl>
@@ -13418,20 +12872,20 @@
                           </p:cTn>
                         </p:par>
                         <p:par>
-                          <p:cTn id="64" fill="hold">
+                          <p:cTn id="44" fill="hold">
                             <p:stCondLst>
                               <p:cond delay="9500"/>
                             </p:stCondLst>
                             <p:childTnLst>
                               <p:par>
-                                <p:cTn id="65" presetID="22" presetClass="entr" presetSubtype="8" fill="hold" nodeType="afterEffect">
+                                <p:cTn id="45" presetID="22" presetClass="entr" presetSubtype="8" fill="hold" nodeType="afterEffect">
                                   <p:stCondLst>
                                     <p:cond delay="500"/>
                                   </p:stCondLst>
                                   <p:childTnLst>
                                     <p:set>
                                       <p:cBhvr>
-                                        <p:cTn id="66" dur="1" fill="hold">
+                                        <p:cTn id="46" dur="1" fill="hold">
                                           <p:stCondLst>
                                             <p:cond delay="0"/>
                                           </p:stCondLst>
@@ -13449,7 +12903,7 @@
                                     </p:set>
                                     <p:animEffect transition="in" filter="wipe(left)">
                                       <p:cBhvr>
-                                        <p:cTn id="67" dur="500"/>
+                                        <p:cTn id="47" dur="500"/>
                                         <p:tgtEl>
                                           <p:spTgt spid="18"/>
                                         </p:tgtEl>
@@ -13462,20 +12916,20 @@
                           </p:cTn>
                         </p:par>
                         <p:par>
-                          <p:cTn id="68" fill="hold">
+                          <p:cTn id="48" fill="hold">
                             <p:stCondLst>
                               <p:cond delay="10500"/>
                             </p:stCondLst>
                             <p:childTnLst>
                               <p:par>
-                                <p:cTn id="69" presetID="9" presetClass="entr" presetSubtype="0" fill="hold" grpId="0" nodeType="afterEffect">
+                                <p:cTn id="49" presetID="9" presetClass="entr" presetSubtype="0" fill="hold" grpId="0" nodeType="afterEffect">
                                   <p:stCondLst>
                                     <p:cond delay="500"/>
                                   </p:stCondLst>
                                   <p:childTnLst>
                                     <p:set>
                                       <p:cBhvr>
-                                        <p:cTn id="70" dur="1" fill="hold">
+                                        <p:cTn id="50" dur="1" fill="hold">
                                           <p:stCondLst>
                                             <p:cond delay="0"/>
                                           </p:stCondLst>
@@ -13493,7 +12947,7 @@
                                     </p:set>
                                     <p:animEffect transition="in" filter="dissolve">
                                       <p:cBhvr>
-                                        <p:cTn id="71" dur="500"/>
+                                        <p:cTn id="51" dur="500"/>
                                         <p:tgtEl>
                                           <p:spTgt spid="34"/>
                                         </p:tgtEl>
@@ -13506,20 +12960,20 @@
                           </p:cTn>
                         </p:par>
                         <p:par>
-                          <p:cTn id="72" fill="hold">
+                          <p:cTn id="52" fill="hold">
                             <p:stCondLst>
                               <p:cond delay="11500"/>
                             </p:stCondLst>
                             <p:childTnLst>
                               <p:par>
-                                <p:cTn id="73" presetID="22" presetClass="entr" presetSubtype="4" fill="hold" nodeType="afterEffect">
+                                <p:cTn id="53" presetID="22" presetClass="entr" presetSubtype="4" fill="hold" nodeType="afterEffect">
                                   <p:stCondLst>
                                     <p:cond delay="500"/>
                                   </p:stCondLst>
                                   <p:childTnLst>
                                     <p:set>
                                       <p:cBhvr>
-                                        <p:cTn id="74" dur="1" fill="hold">
+                                        <p:cTn id="54" dur="1" fill="hold">
                                           <p:stCondLst>
                                             <p:cond delay="0"/>
                                           </p:stCondLst>
@@ -13537,7 +12991,7 @@
                                     </p:set>
                                     <p:animEffect transition="in" filter="wipe(down)">
                                       <p:cBhvr>
-                                        <p:cTn id="75" dur="500"/>
+                                        <p:cTn id="55" dur="500"/>
                                         <p:tgtEl>
                                           <p:spTgt spid="52"/>
                                         </p:tgtEl>
@@ -13550,20 +13004,20 @@
                           </p:cTn>
                         </p:par>
                         <p:par>
-                          <p:cTn id="76" fill="hold">
+                          <p:cTn id="56" fill="hold">
                             <p:stCondLst>
                               <p:cond delay="12500"/>
                             </p:stCondLst>
                             <p:childTnLst>
                               <p:par>
-                                <p:cTn id="77" presetID="22" presetClass="entr" presetSubtype="8" fill="hold" nodeType="afterEffect">
+                                <p:cTn id="57" presetID="22" presetClass="entr" presetSubtype="8" fill="hold" nodeType="afterEffect">
                                   <p:stCondLst>
                                     <p:cond delay="500"/>
                                   </p:stCondLst>
                                   <p:childTnLst>
                                     <p:set>
                                       <p:cBhvr>
-                                        <p:cTn id="78" dur="1" fill="hold">
+                                        <p:cTn id="58" dur="1" fill="hold">
                                           <p:stCondLst>
                                             <p:cond delay="0"/>
                                           </p:stCondLst>
@@ -13581,7 +13035,7 @@
                                     </p:set>
                                     <p:animEffect transition="in" filter="wipe(left)">
                                       <p:cBhvr>
-                                        <p:cTn id="79" dur="500"/>
+                                        <p:cTn id="59" dur="500"/>
                                         <p:tgtEl>
                                           <p:spTgt spid="49"/>
                                         </p:tgtEl>
@@ -13597,26 +13051,26 @@
                     </p:cTn>
                   </p:par>
                   <p:par>
-                    <p:cTn id="80" fill="hold">
+                    <p:cTn id="60" fill="hold">
                       <p:stCondLst>
                         <p:cond delay="indefinite"/>
                       </p:stCondLst>
                       <p:childTnLst>
                         <p:par>
-                          <p:cTn id="81" fill="hold">
+                          <p:cTn id="61" fill="hold">
                             <p:stCondLst>
                               <p:cond delay="0"/>
                             </p:stCondLst>
                             <p:childTnLst>
                               <p:par>
-                                <p:cTn id="82" presetID="9" presetClass="entr" presetSubtype="0" fill="hold" nodeType="clickEffect">
+                                <p:cTn id="62" presetID="9" presetClass="entr" presetSubtype="0" fill="hold" nodeType="clickEffect">
                                   <p:stCondLst>
                                     <p:cond delay="0"/>
                                   </p:stCondLst>
                                   <p:childTnLst>
                                     <p:set>
                                       <p:cBhvr>
-                                        <p:cTn id="83" dur="1" fill="hold">
+                                        <p:cTn id="63" dur="1" fill="hold">
                                           <p:stCondLst>
                                             <p:cond delay="0"/>
                                           </p:stCondLst>
@@ -13634,7 +13088,7 @@
                                     </p:set>
                                     <p:animEffect transition="in" filter="dissolve">
                                       <p:cBhvr>
-                                        <p:cTn id="84" dur="500"/>
+                                        <p:cTn id="64" dur="500"/>
                                         <p:tgtEl>
                                           <p:spTgt spid="1026"/>
                                         </p:tgtEl>
@@ -13644,14 +13098,14 @@
                                 </p:cTn>
                               </p:par>
                               <p:par>
-                                <p:cTn id="85" presetID="63" presetClass="path" presetSubtype="0" accel="50000" decel="50000" fill="hold" nodeType="withEffect">
+                                <p:cTn id="65" presetID="63" presetClass="path" presetSubtype="0" accel="50000" decel="50000" fill="hold" nodeType="withEffect">
                                   <p:stCondLst>
                                     <p:cond delay="0"/>
                                   </p:stCondLst>
                                   <p:childTnLst>
                                     <p:animMotion origin="layout" path="M -2.22222E-6 4.84736E-6 L 0.25 4.84736E-6 " pathEditMode="relative" rAng="0" ptsTypes="AA">
                                       <p:cBhvr>
-                                        <p:cTn id="86" dur="2000" fill="hold"/>
+                                        <p:cTn id="66" dur="2000" fill="hold"/>
                                         <p:tgtEl>
                                           <p:spTgt spid="1026"/>
                                         </p:tgtEl>
@@ -13669,7 +13123,7 @@
                                         <p:cTn dur="1" fill="hold" display="0" masterRel="sameClick" afterEffect="1">
                                           <p:stCondLst>
                                             <p:cond evt="end" delay="0">
-                                              <p:tn val="85"/>
+                                              <p:tn val="65"/>
                                             </p:cond>
                                           </p:stCondLst>
                                         </p:cTn>
@@ -13694,26 +13148,26 @@
                     </p:cTn>
                   </p:par>
                   <p:par>
-                    <p:cTn id="87" fill="hold">
+                    <p:cTn id="67" fill="hold">
                       <p:stCondLst>
                         <p:cond delay="indefinite"/>
                       </p:stCondLst>
                       <p:childTnLst>
                         <p:par>
-                          <p:cTn id="88" fill="hold">
+                          <p:cTn id="68" fill="hold">
                             <p:stCondLst>
                               <p:cond delay="0"/>
                             </p:stCondLst>
                             <p:childTnLst>
                               <p:par>
-                                <p:cTn id="89" presetID="9" presetClass="entr" presetSubtype="0" fill="hold" nodeType="clickEffect">
+                                <p:cTn id="69" presetID="9" presetClass="entr" presetSubtype="0" fill="hold" nodeType="clickEffect">
                                   <p:stCondLst>
                                     <p:cond delay="0"/>
                                   </p:stCondLst>
                                   <p:childTnLst>
                                     <p:set>
                                       <p:cBhvr>
-                                        <p:cTn id="90" dur="1" fill="hold">
+                                        <p:cTn id="70" dur="1" fill="hold">
                                           <p:stCondLst>
                                             <p:cond delay="0"/>
                                           </p:stCondLst>
@@ -13731,7 +13185,7 @@
                                     </p:set>
                                     <p:animEffect transition="in" filter="dissolve">
                                       <p:cBhvr>
-                                        <p:cTn id="91" dur="500"/>
+                                        <p:cTn id="71" dur="500"/>
                                         <p:tgtEl>
                                           <p:spTgt spid="1027"/>
                                         </p:tgtEl>
@@ -13741,14 +13195,14 @@
                                 </p:cTn>
                               </p:par>
                               <p:par>
-                                <p:cTn id="92" presetID="63" presetClass="path" presetSubtype="0" accel="50000" decel="50000" fill="hold" nodeType="withEffect">
+                                <p:cTn id="72" presetID="63" presetClass="path" presetSubtype="0" accel="50000" decel="50000" fill="hold" nodeType="withEffect">
                                   <p:stCondLst>
                                     <p:cond delay="0"/>
                                   </p:stCondLst>
                                   <p:childTnLst>
                                     <p:animMotion origin="layout" path="M -1.66667E-6 -2.56244E-6 L 0.21615 -0.00694 " pathEditMode="relative" rAng="0" ptsTypes="AA">
                                       <p:cBhvr>
-                                        <p:cTn id="93" dur="2000" fill="hold"/>
+                                        <p:cTn id="73" dur="2000" fill="hold"/>
                                         <p:tgtEl>
                                           <p:spTgt spid="1027"/>
                                         </p:tgtEl>
@@ -13766,7 +13220,7 @@
                                         <p:cTn dur="1" fill="hold" display="0" masterRel="sameClick" afterEffect="1">
                                           <p:stCondLst>
                                             <p:cond evt="end" delay="0">
-                                              <p:tn val="92"/>
+                                              <p:tn val="72"/>
                                             </p:cond>
                                           </p:stCondLst>
                                         </p:cTn>
@@ -13812,7 +13266,6 @@
       </p:par>
     </p:tnLst>
     <p:bldLst>
-      <p:bldP spid="3" grpId="0" build="p"/>
       <p:bldP spid="9" grpId="0" animBg="1"/>
       <p:bldP spid="14" grpId="0" animBg="1"/>
       <p:bldP spid="20" grpId="0" animBg="1"/>
@@ -13823,6 +13276,162 @@
       <p:bldP spid="30" grpId="0" animBg="1"/>
       <p:bldP spid="34" grpId="0"/>
     </p:bldLst>
+  </p:timing>
+</p:sld>
+</file>
+
+<file path=ppt/slides/slide8.xml><?xml version="1.0" encoding="utf-8"?>
+<p:sld xmlns:a="http://schemas.openxmlformats.org/drawingml/2006/main" xmlns:r="http://schemas.openxmlformats.org/officeDocument/2006/relationships" xmlns:p="http://schemas.openxmlformats.org/presentationml/2006/main">
+  <p:cSld>
+    <p:spTree>
+      <p:nvGrpSpPr>
+        <p:cNvPr id="1" name=""/>
+        <p:cNvGrpSpPr/>
+        <p:nvPr/>
+      </p:nvGrpSpPr>
+      <p:grpSpPr>
+        <a:xfrm>
+          <a:off x="0" y="0"/>
+          <a:ext cx="0" cy="0"/>
+          <a:chOff x="0" y="0"/>
+          <a:chExt cx="0" cy="0"/>
+        </a:xfrm>
+      </p:grpSpPr>
+      <p:sp>
+        <p:nvSpPr>
+          <p:cNvPr id="2" name="1 Título"/>
+          <p:cNvSpPr>
+            <a:spLocks noGrp="1"/>
+          </p:cNvSpPr>
+          <p:nvPr>
+            <p:ph type="title"/>
+          </p:nvPr>
+        </p:nvSpPr>
+        <p:spPr>
+          <a:xfrm>
+            <a:off x="502920" y="5291162"/>
+            <a:ext cx="8183880" cy="743877"/>
+          </a:xfrm>
+        </p:spPr>
+        <p:txBody>
+          <a:bodyPr>
+            <a:normAutofit/>
+          </a:bodyPr>
+          <a:lstStyle/>
+          <a:p>
+            <a:r>
+              <a:rPr lang="es-AR" dirty="0" smtClean="0"/>
+              <a:t>Reprogramación de ruta</a:t>
+            </a:r>
+            <a:endParaRPr lang="es-AR" dirty="0"/>
+          </a:p>
+        </p:txBody>
+      </p:sp>
+      <p:sp>
+        <p:nvSpPr>
+          <p:cNvPr id="3" name="2 Marcador de contenido"/>
+          <p:cNvSpPr>
+            <a:spLocks noGrp="1"/>
+          </p:cNvSpPr>
+          <p:nvPr>
+            <p:ph idx="1"/>
+          </p:nvPr>
+        </p:nvSpPr>
+        <p:spPr>
+          <a:xfrm>
+            <a:off x="502920" y="530352"/>
+            <a:ext cx="8183880" cy="4970350"/>
+          </a:xfrm>
+        </p:spPr>
+        <p:txBody>
+          <a:bodyPr/>
+          <a:lstStyle/>
+          <a:p>
+            <a:r>
+              <a:rPr lang="es-AR" dirty="0" smtClean="0"/>
+              <a:t>Motivos de reprogramación</a:t>
+            </a:r>
+          </a:p>
+          <a:p>
+            <a:pPr lvl="1"/>
+            <a:r>
+              <a:rPr lang="es-AR" dirty="0" smtClean="0"/>
+              <a:t>Punto de operación incorrecto</a:t>
+            </a:r>
+          </a:p>
+          <a:p>
+            <a:pPr lvl="1"/>
+            <a:r>
+              <a:rPr lang="es-AR" dirty="0" smtClean="0"/>
+              <a:t>Falta de espacio</a:t>
+            </a:r>
+          </a:p>
+          <a:p>
+            <a:pPr lvl="2"/>
+            <a:r>
+              <a:rPr lang="es-AR" dirty="0" smtClean="0"/>
+              <a:t>Manejo de </a:t>
+            </a:r>
+            <a:r>
+              <a:rPr lang="es-AR" b="1" dirty="0" smtClean="0"/>
+              <a:t>sobre-carga </a:t>
+            </a:r>
+            <a:r>
+              <a:rPr lang="es-AR" dirty="0" smtClean="0"/>
+              <a:t>de un 110%</a:t>
+            </a:r>
+            <a:endParaRPr lang="es-AR" b="1" dirty="0" smtClean="0"/>
+          </a:p>
+          <a:p>
+            <a:pPr lvl="1"/>
+            <a:r>
+              <a:rPr lang="es-AR" dirty="0" smtClean="0"/>
+              <a:t>Mejor opción de traslado</a:t>
+            </a:r>
+          </a:p>
+          <a:p>
+            <a:endParaRPr lang="es-AR" dirty="0" smtClean="0"/>
+          </a:p>
+          <a:p>
+            <a:r>
+              <a:rPr lang="es-AR" dirty="0" smtClean="0"/>
+              <a:t>Criterio de selección de bultos</a:t>
+            </a:r>
+          </a:p>
+          <a:p>
+            <a:pPr lvl="1"/>
+            <a:r>
+              <a:rPr lang="es-AR" dirty="0" smtClean="0"/>
+              <a:t>Prioridad</a:t>
+            </a:r>
+          </a:p>
+          <a:p>
+            <a:pPr lvl="2"/>
+            <a:r>
+              <a:rPr lang="es-AR" dirty="0" smtClean="0"/>
+              <a:t>Fecha de entrega</a:t>
+            </a:r>
+          </a:p>
+          <a:p>
+            <a:pPr lvl="2"/>
+            <a:r>
+              <a:rPr lang="es-AR" dirty="0" smtClean="0"/>
+              <a:t>Días en tránsito</a:t>
+            </a:r>
+          </a:p>
+        </p:txBody>
+      </p:sp>
+    </p:spTree>
+  </p:cSld>
+  <p:clrMapOvr>
+    <a:masterClrMapping/>
+  </p:clrMapOvr>
+  <p:timing>
+    <p:tnLst>
+      <p:par>
+        <p:cTn id="1" dur="indefinite" restart="never" nodeType="tmRoot"/>
+      </p:par>
+    </p:tnLst>
   </p:timing>
 </p:sld>
 </file>
@@ -13882,7 +13491,133 @@
           <a:bodyPr/>
           <a:lstStyle/>
           <a:p>
-            <a:endParaRPr lang="es-AR" dirty="0"/>
+            <a:r>
+              <a:rPr lang="es-AR" dirty="0" smtClean="0"/>
+              <a:t>Seguimiento por punto de operación</a:t>
+            </a:r>
+          </a:p>
+          <a:p>
+            <a:endParaRPr lang="es-AR" dirty="0" smtClean="0"/>
+          </a:p>
+          <a:p>
+            <a:r>
+              <a:rPr lang="es-AR" dirty="0" smtClean="0"/>
+              <a:t>Consulta de pedido</a:t>
+            </a:r>
+          </a:p>
+          <a:p>
+            <a:pPr lvl="1"/>
+            <a:r>
+              <a:rPr lang="es-AR" dirty="0" smtClean="0"/>
+              <a:t>Estado</a:t>
+            </a:r>
+          </a:p>
+          <a:p>
+            <a:pPr lvl="1"/>
+            <a:r>
+              <a:rPr lang="es-AR" dirty="0" smtClean="0"/>
+              <a:t>Ubicación</a:t>
+            </a:r>
+          </a:p>
+          <a:p>
+            <a:endParaRPr lang="es-AR" dirty="0" smtClean="0"/>
+          </a:p>
+          <a:p>
+            <a:r>
+              <a:rPr lang="es-AR" dirty="0" smtClean="0"/>
+              <a:t>Limitaciones de la consulta	</a:t>
+            </a:r>
+          </a:p>
+          <a:p>
+            <a:pPr lvl="1"/>
+            <a:r>
+              <a:rPr lang="es-AR" dirty="0" smtClean="0"/>
+              <a:t>Recepción</a:t>
+            </a:r>
+            <a:r>
+              <a:rPr lang="es-AR" dirty="0"/>
+              <a:t> </a:t>
+            </a:r>
+            <a:r>
+              <a:rPr lang="es-AR" dirty="0" smtClean="0"/>
+              <a:t>de la carga</a:t>
+            </a:r>
+          </a:p>
+          <a:p>
+            <a:pPr lvl="1"/>
+            <a:r>
+              <a:rPr lang="es-AR" dirty="0" smtClean="0"/>
+              <a:t>Seguimiento en tiempo real</a:t>
+            </a:r>
+          </a:p>
+        </p:txBody>
+      </p:sp>
+      <p:sp>
+        <p:nvSpPr>
+          <p:cNvPr id="4" name="Right Brace 3"/>
+          <p:cNvSpPr/>
+          <p:nvPr/>
+        </p:nvSpPr>
+        <p:spPr>
+          <a:xfrm>
+            <a:off x="2892402" y="2041506"/>
+            <a:ext cx="219077" cy="730260"/>
+          </a:xfrm>
+          <a:prstGeom prst="rightBrace">
+            <a:avLst/>
+          </a:prstGeom>
+          <a:ln w="28575" cmpd="sng"/>
+        </p:spPr>
+        <p:style>
+          <a:lnRef idx="1">
+            <a:schemeClr val="accent1"/>
+          </a:lnRef>
+          <a:fillRef idx="0">
+            <a:schemeClr val="accent1"/>
+          </a:fillRef>
+          <a:effectRef idx="0">
+            <a:schemeClr val="accent1"/>
+          </a:effectRef>
+          <a:fontRef idx="minor">
+            <a:schemeClr val="tx1"/>
+          </a:fontRef>
+        </p:style>
+        <p:txBody>
+          <a:bodyPr rtlCol="0" anchor="ctr"/>
+          <a:lstStyle/>
+          <a:p>
+            <a:pPr algn="ctr"/>
+            <a:endParaRPr lang="en-US"/>
+          </a:p>
+        </p:txBody>
+      </p:sp>
+      <p:sp>
+        <p:nvSpPr>
+          <p:cNvPr id="5" name="TextBox 4"/>
+          <p:cNvSpPr txBox="1"/>
+          <p:nvPr/>
+        </p:nvSpPr>
+        <p:spPr>
+          <a:xfrm>
+            <a:off x="3294045" y="2215604"/>
+            <a:ext cx="904415" cy="369332"/>
+          </a:xfrm>
+          <a:prstGeom prst="rect">
+            <a:avLst/>
+          </a:prstGeom>
+          <a:noFill/>
+        </p:spPr>
+        <p:txBody>
+          <a:bodyPr wrap="square" rtlCol="0">
+            <a:spAutoFit/>
+          </a:bodyPr>
+          <a:lstStyle/>
+          <a:p>
+            <a:r>
+              <a:rPr lang="es-AR" dirty="0" smtClean="0"/>
+              <a:t>Bultos</a:t>
+            </a:r>
+            <a:endParaRPr lang="en-US" dirty="0"/>
           </a:p>
         </p:txBody>
       </p:sp>

--- a/trunk/TodoMundo/Presentación/Presentacion.pptx
+++ b/trunk/TodoMundo/Presentación/Presentacion.pptx
@@ -2,7 +2,7 @@
 <file path=ppt/presentation.xml><?xml version="1.0" encoding="utf-8"?>
 <p:presentation xmlns:a="http://schemas.openxmlformats.org/drawingml/2006/main" xmlns:r="http://schemas.openxmlformats.org/officeDocument/2006/relationships" xmlns:p="http://schemas.openxmlformats.org/presentationml/2006/main" saveSubsetFonts="1">
   <p:sldMasterIdLst>
-    <p:sldMasterId id="2147483672" r:id="rId1"/>
+    <p:sldMasterId id="2147483732" r:id="rId1"/>
   </p:sldMasterIdLst>
   <p:notesMasterIdLst>
     <p:notesMasterId r:id="rId14"/>
@@ -1781,9 +1781,9 @@
     <dgm:cxn modelId="{8D90936B-588F-4878-9F09-443FA0AB48CC}" type="presOf" srcId="{794F3E27-C02F-43EB-BB87-3BB32B972093}" destId="{F9B45773-AEDC-4709-9FD2-ED5D18B7C2C6}" srcOrd="0" destOrd="0" presId="urn:microsoft.com/office/officeart/2005/8/layout/hList3"/>
     <dgm:cxn modelId="{8AD3841A-638D-4937-84F0-2C83464B4C80}" type="presOf" srcId="{9FEDEA84-1978-4510-BEC2-46429310148C}" destId="{555023A0-0C75-4234-B56E-BE3693D1D0E4}" srcOrd="0" destOrd="3" presId="urn:microsoft.com/office/officeart/2005/8/layout/hList3"/>
     <dgm:cxn modelId="{AA9AD4E0-223E-4DEF-B9E6-31B5A6289BE9}" srcId="{9C6AE864-0578-495D-BCF5-E0F9F3FC7F3D}" destId="{724F98F4-D5C3-4B47-B47B-9CDB04924D30}" srcOrd="5" destOrd="0" parTransId="{2CD8BFD4-E7C9-4253-BA96-BD63C00DBAB9}" sibTransId="{6E9C90A7-4A3F-4937-9213-34B873542250}"/>
+    <dgm:cxn modelId="{EEBF63EB-57DD-4990-8C8C-1A7EE6F9374C}" type="presOf" srcId="{2D3E8EE7-B26E-4483-BDF5-5FE72E282F85}" destId="{B8C9D060-50A3-4A8C-8965-8D1B754D9E9B}" srcOrd="0" destOrd="5" presId="urn:microsoft.com/office/officeart/2005/8/layout/hList3"/>
+    <dgm:cxn modelId="{CA0B1D53-F5E0-4F4E-8653-AECFE568619F}" srcId="{AC594B83-455D-42D1-9659-899920411875}" destId="{C49DA879-8C74-4FD0-96F9-1DC19AAC4401}" srcOrd="3" destOrd="0" parTransId="{486587EF-3D94-4004-957E-A6137D83E578}" sibTransId="{9E813524-0DB3-474D-A032-CA374AA6E38F}"/>
     <dgm:cxn modelId="{16CFF280-2E9D-487D-BB54-A3EB344F8E90}" srcId="{9C6AE864-0578-495D-BCF5-E0F9F3FC7F3D}" destId="{9FEDEA84-1978-4510-BEC2-46429310148C}" srcOrd="2" destOrd="0" parTransId="{04712D8D-6A72-4D09-866D-FA93371A59E8}" sibTransId="{FEB71D72-F91C-4928-8C25-41CA51D95FB1}"/>
-    <dgm:cxn modelId="{CA0B1D53-F5E0-4F4E-8653-AECFE568619F}" srcId="{AC594B83-455D-42D1-9659-899920411875}" destId="{C49DA879-8C74-4FD0-96F9-1DC19AAC4401}" srcOrd="3" destOrd="0" parTransId="{486587EF-3D94-4004-957E-A6137D83E578}" sibTransId="{9E813524-0DB3-474D-A032-CA374AA6E38F}"/>
-    <dgm:cxn modelId="{EEBF63EB-57DD-4990-8C8C-1A7EE6F9374C}" type="presOf" srcId="{2D3E8EE7-B26E-4483-BDF5-5FE72E282F85}" destId="{B8C9D060-50A3-4A8C-8965-8D1B754D9E9B}" srcOrd="0" destOrd="5" presId="urn:microsoft.com/office/officeart/2005/8/layout/hList3"/>
     <dgm:cxn modelId="{7DE6609D-4060-42DD-9631-187ACE5EC15F}" srcId="{AC594B83-455D-42D1-9659-899920411875}" destId="{2D3E8EE7-B26E-4483-BDF5-5FE72E282F85}" srcOrd="4" destOrd="0" parTransId="{248E07FF-A971-4DEE-A763-E88CC9F75750}" sibTransId="{481C0EAD-B780-4D69-BD86-CA72C0E4EF49}"/>
     <dgm:cxn modelId="{0C8E655F-8877-47C4-B2B9-66AC32E11FD5}" type="presOf" srcId="{6099C24C-12A6-43F9-A726-E53080D841CF}" destId="{39AFFEE0-44E2-424A-BF6C-12DAAE1E84C5}" srcOrd="0" destOrd="0" presId="urn:microsoft.com/office/officeart/2005/8/layout/hList3"/>
     <dgm:cxn modelId="{094206E6-8835-451B-87C4-0E3816644DEF}" srcId="{8A42BD3A-8099-4EF0-8180-805BF10D20AB}" destId="{2DA4FE64-806F-4866-BA1F-FFAA2641EC78}" srcOrd="3" destOrd="0" parTransId="{F3CC7A28-90A1-4C81-9677-705399FB5237}" sibTransId="{87F26749-470D-4410-A6DF-4F0544FA552D}"/>
@@ -1806,7 +1806,7 @@
   <dgm:whole/>
   <dgm:extLst>
     <a:ext uri="http://schemas.microsoft.com/office/drawing/2008/diagram">
-      <dsp:dataModelExt xmlns:dsp="http://schemas.microsoft.com/office/drawing/2008/diagram" xmlns="" relId="rId7" minVer="http://schemas.openxmlformats.org/drawingml/2006/diagram"/>
+      <dsp:dataModelExt xmlns="" xmlns:dsp="http://schemas.microsoft.com/office/drawing/2008/diagram" relId="rId7" minVer="http://schemas.openxmlformats.org/drawingml/2006/diagram"/>
     </a:ext>
   </dgm:extLst>
 </dgm:dataModel>
@@ -4022,7 +4022,7 @@
             <a:fld id="{6B7DCFDD-9765-4942-8186-4D444FB7394B}" type="slidenum">
               <a:rPr lang="en-US" smtClean="0"/>
               <a:pPr/>
-              <a:t>‹#›</a:t>
+              <a:t>‹Nº›</a:t>
             </a:fld>
             <a:endParaRPr lang="en-US"/>
           </a:p>
@@ -4934,197 +4934,6 @@
           <a:lstStyle/>
           <a:p>
             <a:r>
-              <a:rPr lang="es-AR" dirty="0" smtClean="0"/>
-              <a:t>Carga</a:t>
-            </a:r>
-            <a:r>
-              <a:rPr lang="es-AR" baseline="0" dirty="0" smtClean="0"/>
-              <a:t> </a:t>
-            </a:r>
-            <a:r>
-              <a:rPr lang="es-AR" baseline="0" dirty="0" smtClean="0">
-                <a:sym typeface="Wingdings" pitchFamily="2" charset="2"/>
-              </a:rPr>
-              <a:t> conjunto de bultos que conforman un pedido</a:t>
-            </a:r>
-            <a:endParaRPr lang="es-AR" dirty="0" smtClean="0"/>
-          </a:p>
-          <a:p>
-            <a:r>
-              <a:rPr lang="es-AR" dirty="0" smtClean="0"/>
-              <a:t>Tipifica ( </a:t>
-            </a:r>
-            <a:r>
-              <a:rPr lang="es-AR" dirty="0" err="1" smtClean="0"/>
-              <a:t>dimension</a:t>
-            </a:r>
-            <a:r>
-              <a:rPr lang="es-AR" dirty="0" smtClean="0"/>
-              <a:t>, peso, </a:t>
-            </a:r>
-            <a:r>
-              <a:rPr lang="es-AR" dirty="0" err="1" smtClean="0"/>
-              <a:t>caracteristicas</a:t>
-            </a:r>
-            <a:r>
-              <a:rPr lang="es-AR" baseline="0" dirty="0" smtClean="0"/>
-              <a:t> ( refrigerado, </a:t>
-            </a:r>
-            <a:r>
-              <a:rPr lang="es-AR" baseline="0" dirty="0" err="1" smtClean="0"/>
-              <a:t>fragil</a:t>
-            </a:r>
-            <a:r>
-              <a:rPr lang="es-AR" baseline="0" dirty="0" smtClean="0"/>
-              <a:t>)</a:t>
-            </a:r>
-          </a:p>
-          <a:p>
-            <a:endParaRPr lang="es-AR" baseline="0" dirty="0" smtClean="0"/>
-          </a:p>
-          <a:p>
-            <a:pPr lvl="0"/>
-            <a:r>
-              <a:rPr lang="es-AR" sz="1200" kern="1200" dirty="0" smtClean="0">
-                <a:solidFill>
-                  <a:schemeClr val="tx1"/>
-                </a:solidFill>
-                <a:latin typeface="+mn-lt"/>
-                <a:ea typeface="+mn-ea"/>
-                <a:cs typeface="+mn-cs"/>
-              </a:rPr>
-              <a:t>Unidad indivisible a ser enviada.</a:t>
-            </a:r>
-          </a:p>
-          <a:p>
-            <a:pPr lvl="0"/>
-            <a:r>
-              <a:rPr lang="es-AR" sz="1200" kern="1200" dirty="0" smtClean="0">
-                <a:solidFill>
-                  <a:schemeClr val="tx1"/>
-                </a:solidFill>
-                <a:latin typeface="+mn-lt"/>
-                <a:ea typeface="+mn-ea"/>
-                <a:cs typeface="+mn-cs"/>
-              </a:rPr>
-              <a:t>Se obtiene de la división del pedido.</a:t>
-            </a:r>
-          </a:p>
-          <a:p>
-            <a:pPr lvl="0"/>
-            <a:r>
-              <a:rPr lang="es-AR" sz="1200" kern="1200" dirty="0" smtClean="0">
-                <a:solidFill>
-                  <a:schemeClr val="tx1"/>
-                </a:solidFill>
-                <a:latin typeface="+mn-lt"/>
-                <a:ea typeface="+mn-ea"/>
-                <a:cs typeface="+mn-cs"/>
-              </a:rPr>
-              <a:t>Se lo tipifica.</a:t>
-            </a:r>
-          </a:p>
-          <a:p>
-            <a:pPr lvl="0"/>
-            <a:r>
-              <a:rPr lang="es-AR" sz="1200" kern="1200" dirty="0" smtClean="0">
-                <a:solidFill>
-                  <a:schemeClr val="tx1"/>
-                </a:solidFill>
-                <a:latin typeface="+mn-lt"/>
-                <a:ea typeface="+mn-ea"/>
-                <a:cs typeface="+mn-cs"/>
-              </a:rPr>
-              <a:t>Se le calcula</a:t>
-            </a:r>
-            <a:r>
-              <a:rPr lang="es-AR" sz="1200" kern="1200" baseline="0" dirty="0" smtClean="0">
-                <a:solidFill>
-                  <a:schemeClr val="tx1"/>
-                </a:solidFill>
-                <a:latin typeface="+mn-lt"/>
-                <a:ea typeface="+mn-ea"/>
-                <a:cs typeface="+mn-cs"/>
-              </a:rPr>
-              <a:t> </a:t>
-            </a:r>
-            <a:r>
-              <a:rPr lang="es-AR" sz="1200" kern="1200" dirty="0" smtClean="0">
-                <a:solidFill>
-                  <a:schemeClr val="tx1"/>
-                </a:solidFill>
-                <a:latin typeface="+mn-lt"/>
-                <a:ea typeface="+mn-ea"/>
-                <a:cs typeface="+mn-cs"/>
-              </a:rPr>
-              <a:t>prioridad. </a:t>
-            </a:r>
-          </a:p>
-          <a:p>
-            <a:pPr lvl="0"/>
-            <a:r>
-              <a:rPr lang="es-AR" sz="1200" kern="1200" dirty="0" smtClean="0">
-                <a:solidFill>
-                  <a:schemeClr val="tx1"/>
-                </a:solidFill>
-                <a:latin typeface="+mn-lt"/>
-                <a:ea typeface="+mn-ea"/>
-                <a:cs typeface="+mn-cs"/>
-              </a:rPr>
-              <a:t>Se le asigna transporte.</a:t>
-            </a:r>
-          </a:p>
-          <a:p>
-            <a:pPr lvl="0"/>
-            <a:r>
-              <a:rPr lang="es-AR" sz="1200" kern="1200" dirty="0" smtClean="0">
-                <a:solidFill>
-                  <a:schemeClr val="tx1"/>
-                </a:solidFill>
-                <a:latin typeface="+mn-lt"/>
-                <a:ea typeface="+mn-ea"/>
-                <a:cs typeface="+mn-cs"/>
-              </a:rPr>
-              <a:t>Se lo puedo almacenar.</a:t>
-            </a:r>
-          </a:p>
-          <a:p>
-            <a:pPr lvl="0"/>
-            <a:r>
-              <a:rPr lang="es-AR" sz="1200" kern="1200" dirty="0" smtClean="0">
-                <a:solidFill>
-                  <a:schemeClr val="tx1"/>
-                </a:solidFill>
-                <a:latin typeface="+mn-lt"/>
-                <a:ea typeface="+mn-ea"/>
-                <a:cs typeface="+mn-cs"/>
-              </a:rPr>
-              <a:t>Se puede consultar la ultima</a:t>
-            </a:r>
-            <a:br>
-              <a:rPr lang="es-AR" sz="1200" kern="1200" dirty="0" smtClean="0">
-                <a:solidFill>
-                  <a:schemeClr val="tx1"/>
-                </a:solidFill>
-                <a:latin typeface="+mn-lt"/>
-                <a:ea typeface="+mn-ea"/>
-                <a:cs typeface="+mn-cs"/>
-              </a:rPr>
-            </a:br>
-            <a:r>
-              <a:rPr lang="es-AR" sz="1200" kern="1200" dirty="0" smtClean="0">
-                <a:solidFill>
-                  <a:schemeClr val="tx1"/>
-                </a:solidFill>
-                <a:latin typeface="+mn-lt"/>
-                <a:ea typeface="+mn-ea"/>
-                <a:cs typeface="+mn-cs"/>
-              </a:rPr>
-              <a:t> ubicación </a:t>
-            </a:r>
-          </a:p>
-          <a:p>
-            <a:r>
               <a:rPr lang="es-AR" sz="1200" kern="1200" dirty="0" smtClean="0">
                 <a:solidFill>
                   <a:schemeClr val="tx1"/>
@@ -5135,6 +4944,63 @@
               </a:rPr>
               <a:t> </a:t>
             </a:r>
+            <a:r>
+              <a:rPr lang="es-AR" dirty="0" smtClean="0"/>
+              <a:t>_____________________________________________________________________________________</a:t>
+            </a:r>
+          </a:p>
+          <a:p>
+            <a:r>
+              <a:rPr lang="es-AR" dirty="0" smtClean="0"/>
+              <a:t>Nosotros contamos con un pedido, en el momento que llega el pedido operaciones</a:t>
+            </a:r>
+            <a:r>
+              <a:rPr lang="es-AR" baseline="0" dirty="0" smtClean="0"/>
+              <a:t> hace la división del mismo </a:t>
+            </a:r>
+            <a:r>
+              <a:rPr lang="es-AR" baseline="0" dirty="0" err="1" smtClean="0"/>
+              <a:t>click</a:t>
+            </a:r>
+            <a:endParaRPr lang="es-AR" baseline="0" dirty="0" smtClean="0"/>
+          </a:p>
+          <a:p>
+            <a:r>
+              <a:rPr lang="es-AR" baseline="0" dirty="0" smtClean="0"/>
+              <a:t>De lo que obtenemos de esta división son bultos, esto va a ser la unidad indivisible a ser enviada que vamos a manejar.</a:t>
+            </a:r>
+          </a:p>
+          <a:p>
+            <a:r>
+              <a:rPr lang="es-AR" baseline="0" dirty="0" smtClean="0"/>
+              <a:t>En el momento que se obtiene los bultos se efectúa la clasificación de los mismos. Es aquí donde se determina en base al pedido si un bulto es frágil, requiere refrigeración, se toman las dimensiones del mismo.</a:t>
+            </a:r>
+          </a:p>
+          <a:p>
+            <a:r>
+              <a:rPr lang="es-AR" baseline="0" dirty="0" smtClean="0"/>
+              <a:t>Luego del proceso de tipificación, estos bultos van ha ser asignado a un transporte  en base a su prioridad y la disponibilidad del transporte . En caso de un </a:t>
+            </a:r>
+            <a:r>
+              <a:rPr lang="es-AR" baseline="0" dirty="0" err="1" smtClean="0"/>
+              <a:t>io</a:t>
+            </a:r>
+            <a:r>
+              <a:rPr lang="es-AR" baseline="0" dirty="0" smtClean="0"/>
+              <a:t> va a ser asignado a un almacén que van a estar asociados al punto de operación en el cual se encuentra. </a:t>
+            </a:r>
+          </a:p>
+          <a:p>
+            <a:r>
+              <a:rPr lang="es-AR" baseline="0" dirty="0" smtClean="0"/>
+              <a:t>En cuanto a la consulta  del pedido, contamos con la posibilidad de conocer el estado y ubicación del  pedido, esto se va a explicar mas adelante</a:t>
+            </a:r>
+          </a:p>
+          <a:p>
+            <a:r>
+              <a:rPr lang="es-AR" baseline="0" dirty="0" smtClean="0"/>
+              <a:t>Como mencione anteriormente en la etapa de asignación de un bulto a un transporte o un almacén los mismo cuentan con una prioridad , esto se vera con mas detenimiento cuando abordemos el tema de la reprogramación de ruta.</a:t>
+            </a:r>
           </a:p>
           <a:p>
             <a:r>
@@ -5146,10 +5012,19 @@
                 <a:ea typeface="+mn-ea"/>
                 <a:cs typeface="+mn-cs"/>
               </a:rPr>
-              <a:t>Separación de la carga en bulto.</a:t>
-            </a:r>
-          </a:p>
-          <a:p>
+              <a:t>La ventaja</a:t>
+            </a:r>
+            <a:r>
+              <a:rPr lang="es-AR" sz="1200" kern="1200" baseline="0" dirty="0" smtClean="0">
+                <a:solidFill>
+                  <a:schemeClr val="tx1"/>
+                </a:solidFill>
+                <a:latin typeface="+mn-lt"/>
+                <a:ea typeface="+mn-ea"/>
+                <a:cs typeface="+mn-cs"/>
+              </a:rPr>
+              <a:t> de usar la separación en bultos es tener </a:t>
+            </a:r>
             <a:r>
               <a:rPr lang="es-AR" sz="1200" kern="1200" dirty="0" smtClean="0">
                 <a:solidFill>
@@ -5159,10 +5034,10 @@
                 <a:ea typeface="+mn-ea"/>
                 <a:cs typeface="+mn-cs"/>
               </a:rPr>
-              <a:t>El problema que se nos presentó con las cargas es la forma  en que se éstas iban a ser transportadas. Dado que  la carga provista por el cliente puede estar conformada  de varias partes divisibles y  quizás las mismas requieran de distintos tipos de transporte o ir por caminos diferentes, una decisión que tomamos con respecto a esto  es  trabajar con unidades indivisibles, el área de operaciones(es el área que se encarga del transporte de la logística) separa la carga en </a:t>
-            </a:r>
-            <a:r>
-              <a:rPr lang="es-AR" sz="1200" b="1" kern="1200" dirty="0" smtClean="0">
+              <a:t>mayor flexibilidad a la hora de la reprogramación de la ruta, dado que resulta más fácil modificar la especificación de ruta para un bulto en particular que para toda la carga </a:t>
+            </a:r>
+            <a:r>
+              <a:rPr lang="es-AR" sz="1200" kern="1200" dirty="0" err="1" smtClean="0">
                 <a:solidFill>
                   <a:schemeClr val="tx1"/>
                 </a:solidFill>
@@ -5170,8 +5045,18 @@
                 <a:ea typeface="+mn-ea"/>
                 <a:cs typeface="+mn-cs"/>
               </a:rPr>
-              <a:t>bultos</a:t>
-            </a:r>
+              <a:t>complet</a:t>
+            </a:r>
+            <a:endParaRPr lang="es-AR" sz="1200" kern="1200" dirty="0" smtClean="0">
+              <a:solidFill>
+                <a:schemeClr val="tx1"/>
+              </a:solidFill>
+              <a:latin typeface="+mn-lt"/>
+              <a:ea typeface="+mn-ea"/>
+              <a:cs typeface="+mn-cs"/>
+            </a:endParaRPr>
+          </a:p>
+          <a:p>
             <a:r>
               <a:rPr lang="es-AR" sz="1200" kern="1200" dirty="0" smtClean="0">
                 <a:solidFill>
@@ -5181,7 +5066,7 @@
                 <a:ea typeface="+mn-ea"/>
                 <a:cs typeface="+mn-cs"/>
               </a:rPr>
-              <a:t>.  Una vez hecha esta separación se procede a clasificar las distintas partes de la carga, según las características que nos brinda el cliente emisor. A cada bulto se le asigna  una especificación de ruta, es decir los tramos por los que va a transitar el mismo. </a:t>
+              <a:t>________________________________________________________________________________________</a:t>
             </a:r>
           </a:p>
           <a:p>
@@ -5209,48 +5094,7 @@
               </a:rPr>
               <a:t> </a:t>
             </a:r>
-          </a:p>
-          <a:p>
-            <a:r>
-              <a:rPr lang="es-AR" sz="1200" kern="1200" dirty="0" smtClean="0">
-                <a:solidFill>
-                  <a:schemeClr val="tx1"/>
-                </a:solidFill>
-                <a:latin typeface="+mn-lt"/>
-                <a:ea typeface="+mn-ea"/>
-                <a:cs typeface="+mn-cs"/>
-              </a:rPr>
-              <a:t>Otro punto interesante es que los bultos poseen prioridades, lo cual se verá cuando se aborde el tema de la sobre-carga. </a:t>
-            </a:r>
-          </a:p>
-          <a:p>
-            <a:r>
-              <a:rPr lang="es-AR" sz="1200" kern="1200" dirty="0" smtClean="0">
-                <a:solidFill>
-                  <a:schemeClr val="tx1"/>
-                </a:solidFill>
-                <a:latin typeface="+mn-lt"/>
-                <a:ea typeface="+mn-ea"/>
-                <a:cs typeface="+mn-cs"/>
-              </a:rPr>
-              <a:t> </a:t>
-            </a:r>
-          </a:p>
-          <a:p>
-            <a:r>
-              <a:rPr lang="es-AR" sz="1200" kern="1200" dirty="0" smtClean="0">
-                <a:solidFill>
-                  <a:schemeClr val="tx1"/>
-                </a:solidFill>
-                <a:latin typeface="+mn-lt"/>
-                <a:ea typeface="+mn-ea"/>
-                <a:cs typeface="+mn-cs"/>
-              </a:rPr>
-              <a:t>De tratar el traslado de todos los bultos juntos y que todos tengan la misma especificación de ruta,  no resultaría para nada conveniente para el sistema dado que  llevar bultos que requieren o no refrigeración juntos, desaprovecharía capacidad en un  transporte con condicionamientos.  Otro punto que vimos a favor, es que el manejo de bultos da mayor flexibilidad a la hora de la reprogramación de la ruta, dado que resulta más fácil modificar la especificación de ruta para un bulto en particular que para toda la carga completa.</a:t>
-            </a:r>
-          </a:p>
-          <a:p>
-            <a:endParaRPr lang="es-AR" dirty="0"/>
+            <a:endParaRPr lang="es-AR" dirty="0" smtClean="0"/>
           </a:p>
         </p:txBody>
       </p:sp>
@@ -5332,6 +5176,88 @@
           </a:bodyPr>
           <a:lstStyle/>
           <a:p>
+            <a:endParaRPr lang="es-AR" dirty="0"/>
+          </a:p>
+        </p:txBody>
+      </p:sp>
+      <p:sp>
+        <p:nvSpPr>
+          <p:cNvPr id="4" name="3 Marcador de número de diapositiva"/>
+          <p:cNvSpPr>
+            <a:spLocks noGrp="1"/>
+          </p:cNvSpPr>
+          <p:nvPr>
+            <p:ph type="sldNum" sz="quarter" idx="10"/>
+          </p:nvPr>
+        </p:nvSpPr>
+        <p:spPr/>
+        <p:txBody>
+          <a:bodyPr/>
+          <a:lstStyle/>
+          <a:p>
+            <a:fld id="{6B7DCFDD-9765-4942-8186-4D444FB7394B}" type="slidenum">
+              <a:rPr lang="en-US" smtClean="0"/>
+              <a:pPr/>
+              <a:t>7</a:t>
+            </a:fld>
+            <a:endParaRPr lang="en-US"/>
+          </a:p>
+        </p:txBody>
+      </p:sp>
+    </p:spTree>
+  </p:cSld>
+  <p:clrMapOvr>
+    <a:masterClrMapping/>
+  </p:clrMapOvr>
+</p:notes>
+</file>
+
+<file path=ppt/notesSlides/notesSlide7.xml><?xml version="1.0" encoding="utf-8"?>
+<p:notes xmlns:a="http://schemas.openxmlformats.org/drawingml/2006/main" xmlns:r="http://schemas.openxmlformats.org/officeDocument/2006/relationships" xmlns:p="http://schemas.openxmlformats.org/presentationml/2006/main">
+  <p:cSld>
+    <p:spTree>
+      <p:nvGrpSpPr>
+        <p:cNvPr id="1" name=""/>
+        <p:cNvGrpSpPr/>
+        <p:nvPr/>
+      </p:nvGrpSpPr>
+      <p:grpSpPr>
+        <a:xfrm>
+          <a:off x="0" y="0"/>
+          <a:ext cx="0" cy="0"/>
+          <a:chOff x="0" y="0"/>
+          <a:chExt cx="0" cy="0"/>
+        </a:xfrm>
+      </p:grpSpPr>
+      <p:sp>
+        <p:nvSpPr>
+          <p:cNvPr id="2" name="1 Marcador de imagen de diapositiva"/>
+          <p:cNvSpPr>
+            <a:spLocks noGrp="1" noRot="1" noChangeAspect="1"/>
+          </p:cNvSpPr>
+          <p:nvPr>
+            <p:ph type="sldImg"/>
+          </p:nvPr>
+        </p:nvSpPr>
+        <p:spPr/>
+      </p:sp>
+      <p:sp>
+        <p:nvSpPr>
+          <p:cNvPr id="3" name="2 Marcador de notas"/>
+          <p:cNvSpPr>
+            <a:spLocks noGrp="1"/>
+          </p:cNvSpPr>
+          <p:nvPr>
+            <p:ph type="body" idx="1"/>
+          </p:nvPr>
+        </p:nvSpPr>
+        <p:spPr/>
+        <p:txBody>
+          <a:bodyPr>
+            <a:normAutofit/>
+          </a:bodyPr>
+          <a:lstStyle/>
+          <a:p>
             <a:r>
               <a:rPr lang="es-AR" dirty="0" smtClean="0"/>
               <a:t>DIAGRAMA DE ESTADO DE PEDIDO</a:t>
@@ -5435,7 +5361,7 @@
         </p:nvSpPr>
         <p:spPr>
           <a:xfrm>
-            <a:off x="304802" y="329185"/>
+            <a:off x="304800" y="329184"/>
             <a:ext cx="8532055" cy="6196819"/>
           </a:xfrm>
           <a:prstGeom prst="roundRect">
@@ -5519,7 +5445,7 @@
         </p:nvSpPr>
         <p:spPr>
           <a:xfrm>
-            <a:off x="418597" y="434162"/>
+            <a:off x="418596" y="434162"/>
             <a:ext cx="8306809" cy="3108960"/>
           </a:xfrm>
           <a:prstGeom prst="roundRect">
@@ -5764,7 +5690,7 @@
             <a:fld id="{DEAB1E94-6728-4D22-B98E-AC9E1765F0E2}" type="slidenum">
               <a:rPr lang="es-AR" smtClean="0"/>
               <a:pPr/>
-              <a:t>‹#›</a:t>
+              <a:t>‹Nº›</a:t>
             </a:fld>
             <a:endParaRPr lang="es-AR"/>
           </a:p>
@@ -5951,7 +5877,7 @@
             <a:fld id="{DEAB1E94-6728-4D22-B98E-AC9E1765F0E2}" type="slidenum">
               <a:rPr lang="es-AR" smtClean="0"/>
               <a:pPr/>
-              <a:t>‹#›</a:t>
+              <a:t>‹Nº›</a:t>
             </a:fld>
             <a:endParaRPr lang="es-AR"/>
           </a:p>
@@ -5994,7 +5920,7 @@
         </p:nvSpPr>
         <p:spPr>
           <a:xfrm>
-            <a:off x="6629400" y="533405"/>
+            <a:off x="6629400" y="533404"/>
             <a:ext cx="1981200" cy="5257799"/>
           </a:xfrm>
         </p:spPr>
@@ -6024,7 +5950,7 @@
         </p:nvSpPr>
         <p:spPr>
           <a:xfrm>
-            <a:off x="533400" y="533403"/>
+            <a:off x="533400" y="533402"/>
             <a:ext cx="5943600" cy="5257801"/>
           </a:xfrm>
         </p:spPr>
@@ -6138,7 +6064,7 @@
             <a:fld id="{DEAB1E94-6728-4D22-B98E-AC9E1765F0E2}" type="slidenum">
               <a:rPr lang="es-AR" smtClean="0"/>
               <a:pPr/>
-              <a:t>‹#›</a:t>
+              <a:t>‹Nº›</a:t>
             </a:fld>
             <a:endParaRPr lang="es-AR"/>
           </a:p>
@@ -6325,7 +6251,7 @@
             <a:fld id="{DEAB1E94-6728-4D22-B98E-AC9E1765F0E2}" type="slidenum">
               <a:rPr lang="es-AR" smtClean="0"/>
               <a:pPr/>
-              <a:t>‹#›</a:t>
+              <a:t>‹Nº›</a:t>
             </a:fld>
             <a:endParaRPr lang="es-AR"/>
           </a:p>
@@ -6364,7 +6290,7 @@
         </p:nvSpPr>
         <p:spPr>
           <a:xfrm>
-            <a:off x="304802" y="329185"/>
+            <a:off x="304800" y="329184"/>
             <a:ext cx="8532055" cy="6196819"/>
           </a:xfrm>
           <a:prstGeom prst="roundRect">
@@ -6448,7 +6374,7 @@
         </p:nvSpPr>
         <p:spPr>
           <a:xfrm>
-            <a:off x="418597" y="434163"/>
+            <a:off x="418596" y="434162"/>
             <a:ext cx="8306809" cy="4341329"/>
           </a:xfrm>
           <a:prstGeom prst="roundRect">
@@ -6708,7 +6634,7 @@
             <a:fld id="{DEAB1E94-6728-4D22-B98E-AC9E1765F0E2}" type="slidenum">
               <a:rPr lang="es-AR" smtClean="0"/>
               <a:pPr/>
-              <a:t>‹#›</a:t>
+              <a:t>‹Nº›</a:t>
             </a:fld>
             <a:endParaRPr lang="es-AR"/>
           </a:p>
@@ -6979,7 +6905,7 @@
             <a:fld id="{DEAB1E94-6728-4D22-B98E-AC9E1765F0E2}" type="slidenum">
               <a:rPr lang="es-AR" smtClean="0"/>
               <a:pPr/>
-              <a:t>‹#›</a:t>
+              <a:t>‹Nº›</a:t>
             </a:fld>
             <a:endParaRPr lang="es-AR"/>
           </a:p>
@@ -7366,7 +7292,7 @@
             <a:fld id="{DEAB1E94-6728-4D22-B98E-AC9E1765F0E2}" type="slidenum">
               <a:rPr lang="es-AR" smtClean="0"/>
               <a:pPr/>
-              <a:t>‹#›</a:t>
+              <a:t>‹Nº›</a:t>
             </a:fld>
             <a:endParaRPr lang="es-AR"/>
           </a:p>
@@ -7489,7 +7415,7 @@
             <a:fld id="{DEAB1E94-6728-4D22-B98E-AC9E1765F0E2}" type="slidenum">
               <a:rPr lang="es-AR" smtClean="0"/>
               <a:pPr/>
-              <a:t>‹#›</a:t>
+              <a:t>‹Nº›</a:t>
             </a:fld>
             <a:endParaRPr lang="es-AR"/>
           </a:p>
@@ -7528,7 +7454,7 @@
         </p:nvSpPr>
         <p:spPr>
           <a:xfrm>
-            <a:off x="304802" y="329185"/>
+            <a:off x="304800" y="329184"/>
             <a:ext cx="8532055" cy="6196819"/>
           </a:xfrm>
           <a:prstGeom prst="roundRect">
@@ -7671,7 +7597,7 @@
             <a:fld id="{DEAB1E94-6728-4D22-B98E-AC9E1765F0E2}" type="slidenum">
               <a:rPr lang="es-AR" smtClean="0"/>
               <a:pPr/>
-              <a:t>‹#›</a:t>
+              <a:t>‹Nº›</a:t>
             </a:fld>
             <a:endParaRPr lang="es-AR"/>
           </a:p>
@@ -7752,7 +7678,7 @@
         </p:nvSpPr>
         <p:spPr>
           <a:xfrm>
-            <a:off x="5538847" y="1447803"/>
+            <a:off x="5538847" y="1447802"/>
             <a:ext cx="2971800" cy="4206112"/>
           </a:xfrm>
         </p:spPr>
@@ -7854,7 +7780,7 @@
         </p:nvSpPr>
         <p:spPr>
           <a:xfrm>
-            <a:off x="761374" y="930145"/>
+            <a:off x="761372" y="930144"/>
             <a:ext cx="4626159" cy="4724402"/>
           </a:xfrm>
         </p:spPr>
@@ -8007,7 +7933,7 @@
             <a:fld id="{DEAB1E94-6728-4D22-B98E-AC9E1765F0E2}" type="slidenum">
               <a:rPr lang="es-AR" smtClean="0"/>
               <a:pPr/>
-              <a:t>‹#›</a:t>
+              <a:t>‹Nº›</a:t>
             </a:fld>
             <a:endParaRPr lang="es-AR"/>
           </a:p>
@@ -8046,7 +7972,7 @@
         </p:nvSpPr>
         <p:spPr>
           <a:xfrm>
-            <a:off x="304802" y="329185"/>
+            <a:off x="304800" y="329184"/>
             <a:ext cx="8532055" cy="6196819"/>
           </a:xfrm>
           <a:prstGeom prst="roundRect">
@@ -8225,7 +8151,7 @@
         </p:nvSpPr>
         <p:spPr bwMode="grayWhite">
           <a:xfrm>
-            <a:off x="6462712" y="533401"/>
+            <a:off x="6462712" y="533400"/>
             <a:ext cx="2240280" cy="4211480"/>
           </a:xfrm>
         </p:spPr>
@@ -8378,7 +8304,7 @@
             <a:fld id="{DEAB1E94-6728-4D22-B98E-AC9E1765F0E2}" type="slidenum">
               <a:rPr lang="es-AR" smtClean="0"/>
               <a:pPr/>
-              <a:t>‹#›</a:t>
+              <a:t>‹Nº›</a:t>
             </a:fld>
             <a:endParaRPr lang="es-AR"/>
           </a:p>
@@ -8467,7 +8393,7 @@
         </p:nvSpPr>
         <p:spPr>
           <a:xfrm>
-            <a:off x="304802" y="329185"/>
+            <a:off x="304800" y="329184"/>
             <a:ext cx="8532055" cy="6196819"/>
           </a:xfrm>
           <a:prstGeom prst="roundRect">
@@ -8551,7 +8477,7 @@
         </p:nvSpPr>
         <p:spPr>
           <a:xfrm>
-            <a:off x="418597" y="434162"/>
+            <a:off x="418596" y="434162"/>
             <a:ext cx="8306809" cy="5486400"/>
           </a:xfrm>
           <a:prstGeom prst="roundRect">
@@ -8726,7 +8652,7 @@
         </p:nvSpPr>
         <p:spPr>
           <a:xfrm>
-            <a:off x="3776328" y="6111876"/>
+            <a:off x="3776328" y="6111875"/>
             <a:ext cx="2286000" cy="365125"/>
           </a:xfrm>
           <a:prstGeom prst="rect">
@@ -8769,7 +8695,7 @@
         </p:nvSpPr>
         <p:spPr>
           <a:xfrm>
-            <a:off x="6062328" y="6111876"/>
+            <a:off x="6062328" y="6111875"/>
             <a:ext cx="2286000" cy="365125"/>
           </a:xfrm>
           <a:prstGeom prst="rect">
@@ -8807,7 +8733,7 @@
         </p:nvSpPr>
         <p:spPr>
           <a:xfrm>
-            <a:off x="8348328" y="6111876"/>
+            <a:off x="8348328" y="6111875"/>
             <a:ext cx="457200" cy="365125"/>
           </a:xfrm>
           <a:prstGeom prst="rect">
@@ -8832,7 +8758,7 @@
             <a:fld id="{DEAB1E94-6728-4D22-B98E-AC9E1765F0E2}" type="slidenum">
               <a:rPr lang="es-AR" smtClean="0"/>
               <a:pPr/>
-              <a:t>‹#›</a:t>
+              <a:t>‹Nº›</a:t>
             </a:fld>
             <a:endParaRPr lang="es-AR"/>
           </a:p>
@@ -8842,17 +8768,17 @@
   </p:cSld>
   <p:clrMap bg1="lt1" tx1="dk1" bg2="lt2" tx2="dk2" accent1="accent1" accent2="accent2" accent3="accent3" accent4="accent4" accent5="accent5" accent6="accent6" hlink="hlink" folHlink="folHlink"/>
   <p:sldLayoutIdLst>
-    <p:sldLayoutId id="2147483673" r:id="rId1"/>
-    <p:sldLayoutId id="2147483674" r:id="rId2"/>
-    <p:sldLayoutId id="2147483675" r:id="rId3"/>
-    <p:sldLayoutId id="2147483676" r:id="rId4"/>
-    <p:sldLayoutId id="2147483677" r:id="rId5"/>
-    <p:sldLayoutId id="2147483678" r:id="rId6"/>
-    <p:sldLayoutId id="2147483679" r:id="rId7"/>
-    <p:sldLayoutId id="2147483680" r:id="rId8"/>
-    <p:sldLayoutId id="2147483681" r:id="rId9"/>
-    <p:sldLayoutId id="2147483682" r:id="rId10"/>
-    <p:sldLayoutId id="2147483683" r:id="rId11"/>
+    <p:sldLayoutId id="2147483733" r:id="rId1"/>
+    <p:sldLayoutId id="2147483734" r:id="rId2"/>
+    <p:sldLayoutId id="2147483735" r:id="rId3"/>
+    <p:sldLayoutId id="2147483736" r:id="rId4"/>
+    <p:sldLayoutId id="2147483737" r:id="rId5"/>
+    <p:sldLayoutId id="2147483738" r:id="rId6"/>
+    <p:sldLayoutId id="2147483739" r:id="rId7"/>
+    <p:sldLayoutId id="2147483740" r:id="rId8"/>
+    <p:sldLayoutId id="2147483741" r:id="rId9"/>
+    <p:sldLayoutId id="2147483742" r:id="rId10"/>
+    <p:sldLayoutId id="2147483743" r:id="rId11"/>
   </p:sldLayoutIdLst>
   <p:txStyles>
     <p:titleStyle>
@@ -10306,7 +10232,7 @@
           </p:nvPr>
         </p:nvPicPr>
         <p:blipFill>
-          <a:blip r:embed="rId3" cstate="print">
+          <a:blip r:embed="rId4" cstate="print">
             <a:clrChange>
               <a:clrFrom>
                 <a:srgbClr val="FFFFFF"/>
@@ -10318,15 +10244,14 @@
               </a:clrTo>
             </a:clrChange>
           </a:blip>
-          <a:srcRect/>
           <a:stretch>
             <a:fillRect/>
           </a:stretch>
         </p:blipFill>
         <p:spPr bwMode="auto">
           <a:xfrm>
-            <a:off x="1249317" y="580985"/>
-            <a:ext cx="6807450" cy="4746691"/>
+            <a:off x="1623815" y="530225"/>
+            <a:ext cx="5942408" cy="4187825"/>
           </a:xfrm>
           <a:prstGeom prst="rect">
             <a:avLst/>
@@ -10349,7 +10274,7 @@
           <p:nvPr/>
         </p:nvPicPr>
         <p:blipFill>
-          <a:blip r:embed="rId4" cstate="print">
+          <a:blip r:embed="rId5" cstate="print">
             <a:clrChange>
               <a:clrFrom>
                 <a:srgbClr val="FFFFFF"/>
@@ -10392,7 +10317,7 @@
           <p:nvPr/>
         </p:nvPicPr>
         <p:blipFill>
-          <a:blip r:embed="rId5" cstate="print">
+          <a:blip r:embed="rId6" cstate="print">
             <a:clrChange>
               <a:clrFrom>
                 <a:srgbClr val="FFFFFF"/>
@@ -10435,7 +10360,7 @@
           <p:nvPr/>
         </p:nvPicPr>
         <p:blipFill>
-          <a:blip r:embed="rId6" cstate="print">
+          <a:blip r:embed="rId7" cstate="print">
             <a:clrChange>
               <a:clrFrom>
                 <a:srgbClr val="FFFFFF"/>
@@ -10478,7 +10403,7 @@
           <p:nvPr/>
         </p:nvPicPr>
         <p:blipFill>
-          <a:blip r:embed="rId7" cstate="print">
+          <a:blip r:embed="rId8" cstate="print">
             <a:clrChange>
               <a:clrFrom>
                 <a:srgbClr val="FFFFFF"/>
@@ -10513,6 +10438,9 @@
         </p:spPr>
       </p:pic>
     </p:spTree>
+    <p:custDataLst>
+      <p:tags r:id="rId1"/>
+    </p:custDataLst>
   </p:cSld>
   <p:clrMapOvr>
     <a:masterClrMapping/>
@@ -11214,13 +11142,17 @@
           <a:p>
             <a:r>
               <a:rPr lang="es-AR" dirty="0" smtClean="0"/>
-              <a:t>Unidad indivisible a ser enviada</a:t>
+              <a:t>División del pedido</a:t>
             </a:r>
           </a:p>
           <a:p>
             <a:r>
               <a:rPr lang="es-AR" dirty="0" smtClean="0"/>
-              <a:t>División del pedido</a:t>
+              <a:t>Unidad </a:t>
+            </a:r>
+            <a:r>
+              <a:rPr lang="es-AR" dirty="0" smtClean="0"/>
+              <a:t>indivisible a ser enviada</a:t>
             </a:r>
           </a:p>
           <a:p>
@@ -11228,6 +11160,7 @@
               <a:rPr lang="es-AR" dirty="0" smtClean="0"/>
               <a:t>Tipificación</a:t>
             </a:r>
+            <a:endParaRPr lang="es-AR" dirty="0" smtClean="0"/>
           </a:p>
           <a:p>
             <a:r>
@@ -11239,8 +11172,13 @@
             <a:pPr lvl="0"/>
             <a:r>
               <a:rPr lang="es-AR" dirty="0" smtClean="0"/>
-              <a:t>Consulta de ubicación</a:t>
-            </a:r>
+              <a:t>Consulta de </a:t>
+            </a:r>
+            <a:r>
+              <a:rPr lang="es-AR" dirty="0" smtClean="0"/>
+              <a:t>pedido</a:t>
+            </a:r>
+            <a:endParaRPr lang="es-AR" dirty="0" smtClean="0"/>
           </a:p>
           <a:p>
             <a:pPr lvl="0"/>
@@ -11268,7 +11206,7 @@
         </p:nvSpPr>
         <p:spPr>
           <a:xfrm>
-            <a:off x="6097598" y="2920996"/>
+            <a:off x="6096146" y="2950129"/>
             <a:ext cx="1104790" cy="369332"/>
           </a:xfrm>
           <a:prstGeom prst="rect">
@@ -11290,7 +11228,114 @@
           </a:p>
         </p:txBody>
       </p:sp>
+      <p:pic>
+        <p:nvPicPr>
+          <p:cNvPr id="22530" name="Picture 2" descr="http://www.lafepack.com/data/manipulado/limitedeapilamiento.gif"/>
+          <p:cNvPicPr>
+            <a:picLocks noChangeAspect="1" noChangeArrowheads="1"/>
+          </p:cNvPicPr>
+          <p:nvPr/>
+        </p:nvPicPr>
+        <p:blipFill>
+          <a:blip r:embed="rId4"/>
+          <a:srcRect/>
+          <a:stretch>
+            <a:fillRect/>
+          </a:stretch>
+        </p:blipFill>
+        <p:spPr bwMode="auto">
+          <a:xfrm>
+            <a:off x="5338773" y="2552688"/>
+            <a:ext cx="803286" cy="803286"/>
+          </a:xfrm>
+          <a:prstGeom prst="rect">
+            <a:avLst/>
+          </a:prstGeom>
+          <a:noFill/>
+        </p:spPr>
+      </p:pic>
+      <p:pic>
+        <p:nvPicPr>
+          <p:cNvPr id="22532" name="Picture 4" descr="http://www.lafepack.com/data/manipulado/fragil.gif"/>
+          <p:cNvPicPr>
+            <a:picLocks noChangeAspect="1" noChangeArrowheads="1"/>
+          </p:cNvPicPr>
+          <p:nvPr/>
+        </p:nvPicPr>
+        <p:blipFill>
+          <a:blip r:embed="rId5"/>
+          <a:srcRect/>
+          <a:stretch>
+            <a:fillRect/>
+          </a:stretch>
+        </p:blipFill>
+        <p:spPr bwMode="auto">
+          <a:xfrm>
+            <a:off x="7054884" y="2516175"/>
+            <a:ext cx="839799" cy="839799"/>
+          </a:xfrm>
+          <a:prstGeom prst="rect">
+            <a:avLst/>
+          </a:prstGeom>
+          <a:noFill/>
+        </p:spPr>
+      </p:pic>
+      <p:pic>
+        <p:nvPicPr>
+          <p:cNvPr id="22534" name="Picture 6" descr="http://www.lafepack.com/data/manipulado/limitesdetemperatura.gif"/>
+          <p:cNvPicPr>
+            <a:picLocks noChangeAspect="1" noChangeArrowheads="1"/>
+          </p:cNvPicPr>
+          <p:nvPr/>
+        </p:nvPicPr>
+        <p:blipFill>
+          <a:blip r:embed="rId6"/>
+          <a:srcRect/>
+          <a:stretch>
+            <a:fillRect/>
+          </a:stretch>
+        </p:blipFill>
+        <p:spPr bwMode="auto">
+          <a:xfrm>
+            <a:off x="5411799" y="4816494"/>
+            <a:ext cx="766773" cy="766773"/>
+          </a:xfrm>
+          <a:prstGeom prst="rect">
+            <a:avLst/>
+          </a:prstGeom>
+          <a:noFill/>
+        </p:spPr>
+      </p:pic>
+      <p:pic>
+        <p:nvPicPr>
+          <p:cNvPr id="22538" name="Picture 10" descr="http://www.lafepack.com/data/manipulado/protegerhumedad.gif"/>
+          <p:cNvPicPr>
+            <a:picLocks noChangeAspect="1" noChangeArrowheads="1"/>
+          </p:cNvPicPr>
+          <p:nvPr/>
+        </p:nvPicPr>
+        <p:blipFill>
+          <a:blip r:embed="rId7"/>
+          <a:srcRect/>
+          <a:stretch>
+            <a:fillRect/>
+          </a:stretch>
+        </p:blipFill>
+        <p:spPr bwMode="auto">
+          <a:xfrm>
+            <a:off x="7054884" y="4853007"/>
+            <a:ext cx="766773" cy="730260"/>
+          </a:xfrm>
+          <a:prstGeom prst="rect">
+            <a:avLst/>
+          </a:prstGeom>
+          <a:noFill/>
+        </p:spPr>
+      </p:pic>
     </p:spTree>
+    <p:custDataLst>
+      <p:tags r:id="rId1"/>
+    </p:custDataLst>
   </p:cSld>
   <p:clrMapOvr>
     <a:masterClrMapping/>
@@ -11317,207 +11362,14 @@
                             </p:stCondLst>
                             <p:childTnLst>
                               <p:par>
-                                <p:cTn id="5" presetID="9" presetClass="entr" presetSubtype="0" fill="hold" grpId="0" nodeType="clickEffect">
-                                  <p:stCondLst>
-                                    <p:cond delay="0"/>
-                                  </p:stCondLst>
-                                  <p:childTnLst>
-                                    <p:set>
-                                      <p:cBhvr>
-                                        <p:cTn id="6" dur="1" fill="hold">
-                                          <p:stCondLst>
-                                            <p:cond delay="0"/>
-                                          </p:stCondLst>
-                                        </p:cTn>
-                                        <p:tgtEl>
-                                          <p:spTgt spid="39"/>
-                                        </p:tgtEl>
-                                        <p:attrNameLst>
-                                          <p:attrName>style.visibility</p:attrName>
-                                        </p:attrNameLst>
-                                      </p:cBhvr>
-                                      <p:to>
-                                        <p:strVal val="visible"/>
-                                      </p:to>
-                                    </p:set>
-                                    <p:animEffect transition="in" filter="dissolve">
-                                      <p:cBhvr>
-                                        <p:cTn id="7" dur="500"/>
-                                        <p:tgtEl>
-                                          <p:spTgt spid="39"/>
-                                        </p:tgtEl>
-                                      </p:cBhvr>
-                                    </p:animEffect>
-                                  </p:childTnLst>
-                                </p:cTn>
-                              </p:par>
-                              <p:par>
-                                <p:cTn id="8" presetID="9" presetClass="entr" presetSubtype="0" fill="hold" grpId="2" nodeType="withEffect">
-                                  <p:stCondLst>
-                                    <p:cond delay="0"/>
-                                  </p:stCondLst>
-                                  <p:childTnLst>
-                                    <p:set>
-                                      <p:cBhvr>
-                                        <p:cTn id="9" dur="1" fill="hold">
-                                          <p:stCondLst>
-                                            <p:cond delay="0"/>
-                                          </p:stCondLst>
-                                        </p:cTn>
-                                        <p:tgtEl>
-                                          <p:spTgt spid="16"/>
-                                        </p:tgtEl>
-                                        <p:attrNameLst>
-                                          <p:attrName>style.visibility</p:attrName>
-                                        </p:attrNameLst>
-                                      </p:cBhvr>
-                                      <p:to>
-                                        <p:strVal val="visible"/>
-                                      </p:to>
-                                    </p:set>
-                                    <p:animEffect transition="in" filter="dissolve">
-                                      <p:cBhvr>
-                                        <p:cTn id="10" dur="500"/>
-                                        <p:tgtEl>
-                                          <p:spTgt spid="16"/>
-                                        </p:tgtEl>
-                                      </p:cBhvr>
-                                    </p:animEffect>
-                                  </p:childTnLst>
-                                </p:cTn>
-                              </p:par>
-                              <p:par>
-                                <p:cTn id="11" presetID="9" presetClass="entr" presetSubtype="0" fill="hold" grpId="1" nodeType="withEffect">
-                                  <p:stCondLst>
-                                    <p:cond delay="0"/>
-                                  </p:stCondLst>
-                                  <p:childTnLst>
-                                    <p:set>
-                                      <p:cBhvr>
-                                        <p:cTn id="12" dur="1" fill="hold">
-                                          <p:stCondLst>
-                                            <p:cond delay="0"/>
-                                          </p:stCondLst>
-                                        </p:cTn>
-                                        <p:tgtEl>
-                                          <p:spTgt spid="24"/>
-                                        </p:tgtEl>
-                                        <p:attrNameLst>
-                                          <p:attrName>style.visibility</p:attrName>
-                                        </p:attrNameLst>
-                                      </p:cBhvr>
-                                      <p:to>
-                                        <p:strVal val="visible"/>
-                                      </p:to>
-                                    </p:set>
-                                    <p:animEffect transition="in" filter="dissolve">
-                                      <p:cBhvr>
-                                        <p:cTn id="13" dur="500"/>
-                                        <p:tgtEl>
-                                          <p:spTgt spid="24"/>
-                                        </p:tgtEl>
-                                      </p:cBhvr>
-                                    </p:animEffect>
-                                  </p:childTnLst>
-                                </p:cTn>
-                              </p:par>
-                              <p:par>
-                                <p:cTn id="14" presetID="9" presetClass="entr" presetSubtype="0" fill="hold" grpId="1" nodeType="withEffect">
-                                  <p:stCondLst>
-                                    <p:cond delay="0"/>
-                                  </p:stCondLst>
-                                  <p:childTnLst>
-                                    <p:set>
-                                      <p:cBhvr>
-                                        <p:cTn id="15" dur="1" fill="hold">
-                                          <p:stCondLst>
-                                            <p:cond delay="0"/>
-                                          </p:stCondLst>
-                                        </p:cTn>
-                                        <p:tgtEl>
-                                          <p:spTgt spid="26"/>
-                                        </p:tgtEl>
-                                        <p:attrNameLst>
-                                          <p:attrName>style.visibility</p:attrName>
-                                        </p:attrNameLst>
-                                      </p:cBhvr>
-                                      <p:to>
-                                        <p:strVal val="visible"/>
-                                      </p:to>
-                                    </p:set>
-                                    <p:animEffect transition="in" filter="dissolve">
-                                      <p:cBhvr>
-                                        <p:cTn id="16" dur="500"/>
-                                        <p:tgtEl>
-                                          <p:spTgt spid="26"/>
-                                        </p:tgtEl>
-                                      </p:cBhvr>
-                                    </p:animEffect>
-                                  </p:childTnLst>
-                                </p:cTn>
-                              </p:par>
-                              <p:par>
-                                <p:cTn id="17" presetID="9" presetClass="entr" presetSubtype="0" fill="hold" grpId="1" nodeType="withEffect">
-                                  <p:stCondLst>
-                                    <p:cond delay="0"/>
-                                  </p:stCondLst>
-                                  <p:childTnLst>
-                                    <p:set>
-                                      <p:cBhvr>
-                                        <p:cTn id="18" dur="1" fill="hold">
-                                          <p:stCondLst>
-                                            <p:cond delay="0"/>
-                                          </p:stCondLst>
-                                        </p:cTn>
-                                        <p:tgtEl>
-                                          <p:spTgt spid="25"/>
-                                        </p:tgtEl>
-                                        <p:attrNameLst>
-                                          <p:attrName>style.visibility</p:attrName>
-                                        </p:attrNameLst>
-                                      </p:cBhvr>
-                                      <p:to>
-                                        <p:strVal val="visible"/>
-                                      </p:to>
-                                    </p:set>
-                                    <p:animEffect transition="in" filter="dissolve">
-                                      <p:cBhvr>
-                                        <p:cTn id="19" dur="500"/>
-                                        <p:tgtEl>
-                                          <p:spTgt spid="25"/>
-                                        </p:tgtEl>
-                                      </p:cBhvr>
-                                    </p:animEffect>
-                                  </p:childTnLst>
-                                </p:cTn>
-                              </p:par>
-                            </p:childTnLst>
-                          </p:cTn>
-                        </p:par>
-                      </p:childTnLst>
-                    </p:cTn>
-                  </p:par>
-                  <p:par>
-                    <p:cTn id="20" fill="hold">
-                      <p:stCondLst>
-                        <p:cond delay="indefinite"/>
-                      </p:stCondLst>
-                      <p:childTnLst>
-                        <p:par>
-                          <p:cTn id="21" fill="hold">
-                            <p:stCondLst>
-                              <p:cond delay="0"/>
-                            </p:stCondLst>
-                            <p:childTnLst>
-                              <p:par>
-                                <p:cTn id="22" presetID="22" presetClass="exit" presetSubtype="4" fill="hold" grpId="1" nodeType="clickEffect">
+                                <p:cTn id="5" presetID="22" presetClass="exit" presetSubtype="4" fill="hold" grpId="1" nodeType="clickEffect">
                                   <p:stCondLst>
                                     <p:cond delay="0"/>
                                   </p:stCondLst>
                                   <p:childTnLst>
                                     <p:animEffect transition="out" filter="wipe(down)">
                                       <p:cBhvr>
-                                        <p:cTn id="23" dur="500"/>
+                                        <p:cTn id="6" dur="500"/>
                                         <p:tgtEl>
                                           <p:spTgt spid="39"/>
                                         </p:tgtEl>
@@ -11525,7 +11377,7 @@
                                     </p:animEffect>
                                     <p:set>
                                       <p:cBhvr>
-                                        <p:cTn id="24" dur="1" fill="hold">
+                                        <p:cTn id="7" dur="1" fill="hold">
                                           <p:stCondLst>
                                             <p:cond delay="499"/>
                                           </p:stCondLst>
@@ -11545,14 +11397,14 @@
                                 </p:cTn>
                               </p:par>
                               <p:par>
-                                <p:cTn id="25" presetID="56" presetClass="path" presetSubtype="0" accel="50000" decel="50000" fill="hold" grpId="1" nodeType="withEffect">
+                                <p:cTn id="8" presetID="56" presetClass="path" presetSubtype="0" accel="50000" decel="50000" fill="hold" grpId="1" nodeType="withEffect">
                                   <p:stCondLst>
                                     <p:cond delay="0"/>
                                   </p:stCondLst>
                                   <p:childTnLst>
-                                    <p:animMotion origin="layout" path="M 1.38889E-6 2.59944E-6 L 0.08663 -0.11078 " pathEditMode="relative" rAng="0" ptsTypes="AA">
+                                    <p:animMotion origin="layout" path="M -1.94444E-6 3.75289E-6 L 0.0533 -0.12541 " pathEditMode="relative" rAng="0" ptsTypes="AA">
                                       <p:cBhvr>
-                                        <p:cTn id="26" dur="2000" fill="hold"/>
+                                        <p:cTn id="9" dur="2000" fill="hold"/>
                                         <p:tgtEl>
                                           <p:spTgt spid="16"/>
                                         </p:tgtEl>
@@ -11561,20 +11413,20 @@
                                           <p:attrName>ppt_y</p:attrName>
                                         </p:attrNameLst>
                                       </p:cBhvr>
-                                      <p:rCtr x="43" y="-56"/>
+                                      <p:rCtr x="27" y="-63"/>
                                     </p:animMotion>
                                   </p:childTnLst>
                                 </p:cTn>
                               </p:par>
                               <p:par>
-                                <p:cTn id="27" presetID="49" presetClass="path" presetSubtype="0" accel="50000" decel="50000" fill="hold" grpId="0" nodeType="withEffect">
+                                <p:cTn id="10" presetID="49" presetClass="path" presetSubtype="0" accel="50000" decel="50000" fill="hold" grpId="0" nodeType="withEffect">
                                   <p:stCondLst>
                                     <p:cond delay="0"/>
                                   </p:stCondLst>
                                   <p:childTnLst>
-                                    <p:animMotion origin="layout" path="M -1.94444E-6 -3.16374E-6 L -0.08298 -0.11054 " pathEditMode="relative" rAng="0" ptsTypes="AA">
+                                    <p:animMotion origin="layout" path="M 5.55556E-7 3.75289E-6 L -0.05747 -0.12541 " pathEditMode="relative" rAng="0" ptsTypes="AA">
                                       <p:cBhvr>
-                                        <p:cTn id="28" dur="2000" fill="hold"/>
+                                        <p:cTn id="11" dur="2000" fill="hold"/>
                                         <p:tgtEl>
                                           <p:spTgt spid="24"/>
                                         </p:tgtEl>
@@ -11583,20 +11435,20 @@
                                           <p:attrName>ppt_y</p:attrName>
                                         </p:attrNameLst>
                                       </p:cBhvr>
-                                      <p:rCtr x="-41" y="-55"/>
+                                      <p:rCtr x="-29" y="-63"/>
                                     </p:animMotion>
                                   </p:childTnLst>
                                 </p:cTn>
                               </p:par>
                               <p:par>
-                                <p:cTn id="29" presetID="56" presetClass="path" presetSubtype="0" accel="50000" decel="50000" fill="hold" grpId="0" nodeType="withEffect">
+                                <p:cTn id="12" presetID="56" presetClass="path" presetSubtype="0" accel="50000" decel="50000" fill="hold" grpId="0" nodeType="withEffect">
                                   <p:stCondLst>
                                     <p:cond delay="0"/>
                                   </p:stCondLst>
                                   <p:childTnLst>
                                     <p:animMotion origin="layout" path="M -0.05937 0.12095 L -4.44444E-6 3.14524E-6 " pathEditMode="relative" rAng="0" ptsTypes="AA">
                                       <p:cBhvr>
-                                        <p:cTn id="30" dur="2000" spd="-100000" fill="hold"/>
+                                        <p:cTn id="13" dur="2000" spd="-100000" fill="hold"/>
                                         <p:tgtEl>
                                           <p:spTgt spid="26"/>
                                         </p:tgtEl>
@@ -11611,14 +11463,14 @@
                                 </p:cTn>
                               </p:par>
                               <p:par>
-                                <p:cTn id="31" presetID="49" presetClass="path" presetSubtype="0" accel="50000" decel="50000" fill="hold" grpId="0" nodeType="withEffect">
+                                <p:cTn id="14" presetID="49" presetClass="path" presetSubtype="0" accel="50000" decel="50000" fill="hold" grpId="0" nodeType="withEffect">
                                   <p:stCondLst>
                                     <p:cond delay="0"/>
                                   </p:stCondLst>
                                   <p:childTnLst>
-                                    <p:animMotion origin="layout" path="M -0.00364 0.00555 L 0.07136 0.1265 " pathEditMode="relative" rAng="0" ptsTypes="AA">
+                                    <p:animMotion origin="layout" path="M -1.94444E-6 -2.86441E-6 L 0.0533 0.12194 " pathEditMode="relative" rAng="0" ptsTypes="AA">
                                       <p:cBhvr>
-                                        <p:cTn id="32" dur="2000" fill="hold"/>
+                                        <p:cTn id="15" dur="2000" fill="hold"/>
                                         <p:tgtEl>
                                           <p:spTgt spid="25"/>
                                         </p:tgtEl>
@@ -11627,20 +11479,20 @@
                                           <p:attrName>ppt_y</p:attrName>
                                         </p:attrNameLst>
                                       </p:cBhvr>
-                                      <p:rCtr x="38" y="60"/>
+                                      <p:rCtr x="27" y="61"/>
                                     </p:animMotion>
                                   </p:childTnLst>
                                 </p:cTn>
                               </p:par>
                               <p:par>
-                                <p:cTn id="33" presetID="3" presetClass="entr" presetSubtype="10" fill="hold" grpId="0" nodeType="withEffect">
+                                <p:cTn id="16" presetID="3" presetClass="entr" presetSubtype="10" fill="hold" grpId="0" nodeType="withEffect">
                                   <p:stCondLst>
                                     <p:cond delay="0"/>
                                   </p:stCondLst>
                                   <p:childTnLst>
                                     <p:set>
                                       <p:cBhvr>
-                                        <p:cTn id="34" dur="1" fill="hold">
+                                        <p:cTn id="17" dur="1" fill="hold">
                                           <p:stCondLst>
                                             <p:cond delay="0"/>
                                           </p:stCondLst>
@@ -11658,9 +11510,221 @@
                                     </p:set>
                                     <p:animEffect transition="in" filter="blinds(horizontal)">
                                       <p:cBhvr>
-                                        <p:cTn id="35" dur="500"/>
+                                        <p:cTn id="18" dur="500"/>
                                         <p:tgtEl>
                                           <p:spTgt spid="23"/>
+                                        </p:tgtEl>
+                                      </p:cBhvr>
+                                    </p:animEffect>
+                                  </p:childTnLst>
+                                </p:cTn>
+                              </p:par>
+                            </p:childTnLst>
+                          </p:cTn>
+                        </p:par>
+                      </p:childTnLst>
+                    </p:cTn>
+                  </p:par>
+                  <p:par>
+                    <p:cTn id="19" fill="hold">
+                      <p:stCondLst>
+                        <p:cond delay="indefinite"/>
+                      </p:stCondLst>
+                      <p:childTnLst>
+                        <p:par>
+                          <p:cTn id="20" fill="hold">
+                            <p:stCondLst>
+                              <p:cond delay="0"/>
+                            </p:stCondLst>
+                            <p:childTnLst>
+                              <p:par>
+                                <p:cTn id="21" presetID="9" presetClass="entr" presetSubtype="0" fill="hold" nodeType="clickEffect">
+                                  <p:stCondLst>
+                                    <p:cond delay="0"/>
+                                  </p:stCondLst>
+                                  <p:childTnLst>
+                                    <p:set>
+                                      <p:cBhvr>
+                                        <p:cTn id="22" dur="1" fill="hold">
+                                          <p:stCondLst>
+                                            <p:cond delay="0"/>
+                                          </p:stCondLst>
+                                        </p:cTn>
+                                        <p:tgtEl>
+                                          <p:spTgt spid="22530"/>
+                                        </p:tgtEl>
+                                        <p:attrNameLst>
+                                          <p:attrName>style.visibility</p:attrName>
+                                        </p:attrNameLst>
+                                      </p:cBhvr>
+                                      <p:to>
+                                        <p:strVal val="visible"/>
+                                      </p:to>
+                                    </p:set>
+                                    <p:animEffect transition="in" filter="dissolve">
+                                      <p:cBhvr>
+                                        <p:cTn id="23" dur="500"/>
+                                        <p:tgtEl>
+                                          <p:spTgt spid="22530"/>
+                                        </p:tgtEl>
+                                      </p:cBhvr>
+                                    </p:animEffect>
+                                  </p:childTnLst>
+                                </p:cTn>
+                              </p:par>
+                            </p:childTnLst>
+                          </p:cTn>
+                        </p:par>
+                      </p:childTnLst>
+                    </p:cTn>
+                  </p:par>
+                  <p:par>
+                    <p:cTn id="24" fill="hold">
+                      <p:stCondLst>
+                        <p:cond delay="indefinite"/>
+                      </p:stCondLst>
+                      <p:childTnLst>
+                        <p:par>
+                          <p:cTn id="25" fill="hold">
+                            <p:stCondLst>
+                              <p:cond delay="0"/>
+                            </p:stCondLst>
+                            <p:childTnLst>
+                              <p:par>
+                                <p:cTn id="26" presetID="9" presetClass="entr" presetSubtype="0" fill="hold" nodeType="clickEffect">
+                                  <p:stCondLst>
+                                    <p:cond delay="0"/>
+                                  </p:stCondLst>
+                                  <p:childTnLst>
+                                    <p:set>
+                                      <p:cBhvr>
+                                        <p:cTn id="27" dur="1" fill="hold">
+                                          <p:stCondLst>
+                                            <p:cond delay="0"/>
+                                          </p:stCondLst>
+                                        </p:cTn>
+                                        <p:tgtEl>
+                                          <p:spTgt spid="22532"/>
+                                        </p:tgtEl>
+                                        <p:attrNameLst>
+                                          <p:attrName>style.visibility</p:attrName>
+                                        </p:attrNameLst>
+                                      </p:cBhvr>
+                                      <p:to>
+                                        <p:strVal val="visible"/>
+                                      </p:to>
+                                    </p:set>
+                                    <p:animEffect transition="in" filter="dissolve">
+                                      <p:cBhvr>
+                                        <p:cTn id="28" dur="500"/>
+                                        <p:tgtEl>
+                                          <p:spTgt spid="22532"/>
+                                        </p:tgtEl>
+                                      </p:cBhvr>
+                                    </p:animEffect>
+                                  </p:childTnLst>
+                                </p:cTn>
+                              </p:par>
+                            </p:childTnLst>
+                          </p:cTn>
+                        </p:par>
+                      </p:childTnLst>
+                    </p:cTn>
+                  </p:par>
+                  <p:par>
+                    <p:cTn id="29" fill="hold">
+                      <p:stCondLst>
+                        <p:cond delay="indefinite"/>
+                      </p:stCondLst>
+                      <p:childTnLst>
+                        <p:par>
+                          <p:cTn id="30" fill="hold">
+                            <p:stCondLst>
+                              <p:cond delay="0"/>
+                            </p:stCondLst>
+                            <p:childTnLst>
+                              <p:par>
+                                <p:cTn id="31" presetID="9" presetClass="entr" presetSubtype="0" fill="hold" nodeType="clickEffect">
+                                  <p:stCondLst>
+                                    <p:cond delay="0"/>
+                                  </p:stCondLst>
+                                  <p:childTnLst>
+                                    <p:set>
+                                      <p:cBhvr>
+                                        <p:cTn id="32" dur="1" fill="hold">
+                                          <p:stCondLst>
+                                            <p:cond delay="0"/>
+                                          </p:stCondLst>
+                                        </p:cTn>
+                                        <p:tgtEl>
+                                          <p:spTgt spid="22534"/>
+                                        </p:tgtEl>
+                                        <p:attrNameLst>
+                                          <p:attrName>style.visibility</p:attrName>
+                                        </p:attrNameLst>
+                                      </p:cBhvr>
+                                      <p:to>
+                                        <p:strVal val="visible"/>
+                                      </p:to>
+                                    </p:set>
+                                    <p:animEffect transition="in" filter="dissolve">
+                                      <p:cBhvr>
+                                        <p:cTn id="33" dur="500"/>
+                                        <p:tgtEl>
+                                          <p:spTgt spid="22534"/>
+                                        </p:tgtEl>
+                                      </p:cBhvr>
+                                    </p:animEffect>
+                                  </p:childTnLst>
+                                </p:cTn>
+                              </p:par>
+                            </p:childTnLst>
+                          </p:cTn>
+                        </p:par>
+                      </p:childTnLst>
+                    </p:cTn>
+                  </p:par>
+                  <p:par>
+                    <p:cTn id="34" fill="hold">
+                      <p:stCondLst>
+                        <p:cond delay="indefinite"/>
+                      </p:stCondLst>
+                      <p:childTnLst>
+                        <p:par>
+                          <p:cTn id="35" fill="hold">
+                            <p:stCondLst>
+                              <p:cond delay="0"/>
+                            </p:stCondLst>
+                            <p:childTnLst>
+                              <p:par>
+                                <p:cTn id="36" presetID="9" presetClass="entr" presetSubtype="0" fill="hold" nodeType="clickEffect">
+                                  <p:stCondLst>
+                                    <p:cond delay="0"/>
+                                  </p:stCondLst>
+                                  <p:childTnLst>
+                                    <p:set>
+                                      <p:cBhvr>
+                                        <p:cTn id="37" dur="1" fill="hold">
+                                          <p:stCondLst>
+                                            <p:cond delay="0"/>
+                                          </p:stCondLst>
+                                        </p:cTn>
+                                        <p:tgtEl>
+                                          <p:spTgt spid="22538"/>
+                                        </p:tgtEl>
+                                        <p:attrNameLst>
+                                          <p:attrName>style.visibility</p:attrName>
+                                        </p:attrNameLst>
+                                      </p:cBhvr>
+                                      <p:to>
+                                        <p:strVal val="visible"/>
+                                      </p:to>
+                                    </p:set>
+                                    <p:animEffect transition="in" filter="dissolve">
+                                      <p:cBhvr>
+                                        <p:cTn id="38" dur="500"/>
+                                        <p:tgtEl>
+                                          <p:spTgt spid="22538"/>
                                         </p:tgtEl>
                                       </p:cBhvr>
                                     </p:animEffect>
@@ -11697,14 +11761,9 @@
     <p:bldLst>
       <p:bldP spid="23" grpId="0"/>
       <p:bldP spid="24" grpId="0" animBg="1"/>
-      <p:bldP spid="24" grpId="1" animBg="1"/>
       <p:bldP spid="25" grpId="0" animBg="1"/>
-      <p:bldP spid="25" grpId="1" animBg="1"/>
       <p:bldP spid="26" grpId="0" animBg="1"/>
-      <p:bldP spid="26" grpId="1" animBg="1"/>
       <p:bldP spid="16" grpId="1" animBg="1"/>
-      <p:bldP spid="16" grpId="2" animBg="1"/>
-      <p:bldP spid="39" grpId="0"/>
       <p:bldP spid="39" grpId="1"/>
     </p:bldLst>
   </p:timing>
@@ -12355,7 +12414,7 @@
           <p:nvPr/>
         </p:nvPicPr>
         <p:blipFill>
-          <a:blip r:embed="rId2" cstate="print"/>
+          <a:blip r:embed="rId4" cstate="print"/>
           <a:srcRect/>
           <a:stretch>
             <a:fillRect/>
@@ -12388,7 +12447,7 @@
           <p:nvPr/>
         </p:nvPicPr>
         <p:blipFill>
-          <a:blip r:embed="rId3" cstate="print"/>
+          <a:blip r:embed="rId5" cstate="print"/>
           <a:srcRect/>
           <a:stretch>
             <a:fillRect/>
@@ -12413,10 +12472,14 @@
         </p:spPr>
       </p:pic>
     </p:spTree>
+    <p:custDataLst>
+      <p:tags r:id="rId1"/>
+    </p:custDataLst>
   </p:cSld>
   <p:clrMapOvr>
     <a:masterClrMapping/>
   </p:clrMapOvr>
+  <p:transition/>
   <p:timing>
     <p:tnLst>
       <p:par>
@@ -13488,7 +13551,9 @@
         </p:nvSpPr>
         <p:spPr/>
         <p:txBody>
-          <a:bodyPr/>
+          <a:bodyPr>
+            <a:normAutofit/>
+          </a:bodyPr>
           <a:lstStyle/>
           <a:p>
             <a:r>
@@ -13634,6 +13699,24 @@
     </p:tnLst>
   </p:timing>
 </p:sld>
+</file>
+
+<file path=ppt/tags/tag1.xml><?xml version="1.0" encoding="utf-8"?>
+<p:tagLst xmlns:a="http://schemas.openxmlformats.org/drawingml/2006/main" xmlns:r="http://schemas.openxmlformats.org/officeDocument/2006/relationships" xmlns:p="http://schemas.openxmlformats.org/presentationml/2006/main">
+  <p:tag name="TIMING" val="|0.1|0.4|0.3|0.2|0.2"/>
+</p:tagLst>
+</file>
+
+<file path=ppt/tags/tag2.xml><?xml version="1.0" encoding="utf-8"?>
+<p:tagLst xmlns:a="http://schemas.openxmlformats.org/drawingml/2006/main" xmlns:r="http://schemas.openxmlformats.org/officeDocument/2006/relationships" xmlns:p="http://schemas.openxmlformats.org/presentationml/2006/main">
+  <p:tag name="TIMING" val="|0.1|0.7|0.4|0.6|0.6|0.4"/>
+</p:tagLst>
+</file>
+
+<file path=ppt/tags/tag3.xml><?xml version="1.0" encoding="utf-8"?>
+<p:tagLst xmlns:a="http://schemas.openxmlformats.org/drawingml/2006/main" xmlns:r="http://schemas.openxmlformats.org/officeDocument/2006/relationships" xmlns:p="http://schemas.openxmlformats.org/presentationml/2006/main">
+  <p:tag name="TIMING" val="|6.5|1|0.4"/>
+</p:tagLst>
 </file>
 
 <file path=ppt/theme/theme1.xml><?xml version="1.0" encoding="utf-8"?>

--- a/trunk/TodoMundo/Presentación/Presentacion.pptx
+++ b/trunk/TodoMundo/Presentación/Presentacion.pptx
@@ -1781,9 +1781,9 @@
     <dgm:cxn modelId="{8D90936B-588F-4878-9F09-443FA0AB48CC}" type="presOf" srcId="{794F3E27-C02F-43EB-BB87-3BB32B972093}" destId="{F9B45773-AEDC-4709-9FD2-ED5D18B7C2C6}" srcOrd="0" destOrd="0" presId="urn:microsoft.com/office/officeart/2005/8/layout/hList3"/>
     <dgm:cxn modelId="{8AD3841A-638D-4937-84F0-2C83464B4C80}" type="presOf" srcId="{9FEDEA84-1978-4510-BEC2-46429310148C}" destId="{555023A0-0C75-4234-B56E-BE3693D1D0E4}" srcOrd="0" destOrd="3" presId="urn:microsoft.com/office/officeart/2005/8/layout/hList3"/>
     <dgm:cxn modelId="{AA9AD4E0-223E-4DEF-B9E6-31B5A6289BE9}" srcId="{9C6AE864-0578-495D-BCF5-E0F9F3FC7F3D}" destId="{724F98F4-D5C3-4B47-B47B-9CDB04924D30}" srcOrd="5" destOrd="0" parTransId="{2CD8BFD4-E7C9-4253-BA96-BD63C00DBAB9}" sibTransId="{6E9C90A7-4A3F-4937-9213-34B873542250}"/>
+    <dgm:cxn modelId="{16CFF280-2E9D-487D-BB54-A3EB344F8E90}" srcId="{9C6AE864-0578-495D-BCF5-E0F9F3FC7F3D}" destId="{9FEDEA84-1978-4510-BEC2-46429310148C}" srcOrd="2" destOrd="0" parTransId="{04712D8D-6A72-4D09-866D-FA93371A59E8}" sibTransId="{FEB71D72-F91C-4928-8C25-41CA51D95FB1}"/>
+    <dgm:cxn modelId="{CA0B1D53-F5E0-4F4E-8653-AECFE568619F}" srcId="{AC594B83-455D-42D1-9659-899920411875}" destId="{C49DA879-8C74-4FD0-96F9-1DC19AAC4401}" srcOrd="3" destOrd="0" parTransId="{486587EF-3D94-4004-957E-A6137D83E578}" sibTransId="{9E813524-0DB3-474D-A032-CA374AA6E38F}"/>
     <dgm:cxn modelId="{EEBF63EB-57DD-4990-8C8C-1A7EE6F9374C}" type="presOf" srcId="{2D3E8EE7-B26E-4483-BDF5-5FE72E282F85}" destId="{B8C9D060-50A3-4A8C-8965-8D1B754D9E9B}" srcOrd="0" destOrd="5" presId="urn:microsoft.com/office/officeart/2005/8/layout/hList3"/>
-    <dgm:cxn modelId="{CA0B1D53-F5E0-4F4E-8653-AECFE568619F}" srcId="{AC594B83-455D-42D1-9659-899920411875}" destId="{C49DA879-8C74-4FD0-96F9-1DC19AAC4401}" srcOrd="3" destOrd="0" parTransId="{486587EF-3D94-4004-957E-A6137D83E578}" sibTransId="{9E813524-0DB3-474D-A032-CA374AA6E38F}"/>
-    <dgm:cxn modelId="{16CFF280-2E9D-487D-BB54-A3EB344F8E90}" srcId="{9C6AE864-0578-495D-BCF5-E0F9F3FC7F3D}" destId="{9FEDEA84-1978-4510-BEC2-46429310148C}" srcOrd="2" destOrd="0" parTransId="{04712D8D-6A72-4D09-866D-FA93371A59E8}" sibTransId="{FEB71D72-F91C-4928-8C25-41CA51D95FB1}"/>
     <dgm:cxn modelId="{7DE6609D-4060-42DD-9631-187ACE5EC15F}" srcId="{AC594B83-455D-42D1-9659-899920411875}" destId="{2D3E8EE7-B26E-4483-BDF5-5FE72E282F85}" srcOrd="4" destOrd="0" parTransId="{248E07FF-A971-4DEE-A763-E88CC9F75750}" sibTransId="{481C0EAD-B780-4D69-BD86-CA72C0E4EF49}"/>
     <dgm:cxn modelId="{0C8E655F-8877-47C4-B2B9-66AC32E11FD5}" type="presOf" srcId="{6099C24C-12A6-43F9-A726-E53080D841CF}" destId="{39AFFEE0-44E2-424A-BF6C-12DAAE1E84C5}" srcOrd="0" destOrd="0" presId="urn:microsoft.com/office/officeart/2005/8/layout/hList3"/>
     <dgm:cxn modelId="{094206E6-8835-451B-87C4-0E3816644DEF}" srcId="{8A42BD3A-8099-4EF0-8180-805BF10D20AB}" destId="{2DA4FE64-806F-4866-BA1F-FFAA2641EC78}" srcOrd="3" destOrd="0" parTransId="{F3CC7A28-90A1-4C81-9677-705399FB5237}" sibTransId="{87F26749-470D-4410-A6DF-4F0544FA552D}"/>
@@ -1806,7 +1806,7 @@
   <dgm:whole/>
   <dgm:extLst>
     <a:ext uri="http://schemas.microsoft.com/office/drawing/2008/diagram">
-      <dsp:dataModelExt xmlns="" xmlns:dsp="http://schemas.microsoft.com/office/drawing/2008/diagram" relId="rId7" minVer="http://schemas.openxmlformats.org/drawingml/2006/diagram"/>
+      <dsp:dataModelExt xmlns:dsp="http://schemas.microsoft.com/office/drawing/2008/diagram" xmlns="" relId="rId7" minVer="http://schemas.openxmlformats.org/drawingml/2006/diagram"/>
     </a:ext>
   </dgm:extLst>
 </dgm:dataModel>
@@ -3860,7 +3860,7 @@
             <a:fld id="{A5EEFDE4-20F3-400B-B586-D1755F1D251F}" type="datetimeFigureOut">
               <a:rPr lang="en-US" smtClean="0"/>
               <a:pPr/>
-              <a:t>12/2/2009</a:t>
+              <a:t>12/3/2009</a:t>
             </a:fld>
             <a:endParaRPr lang="en-US"/>
           </a:p>
@@ -5643,7 +5643,7 @@
             <a:fld id="{FE1C9E8C-5C2F-489A-9AA4-2270366A0013}" type="datetimeFigureOut">
               <a:rPr lang="es-AR" smtClean="0"/>
               <a:pPr/>
-              <a:t>02/12/2009</a:t>
+              <a:t>03/12/2009</a:t>
             </a:fld>
             <a:endParaRPr lang="es-AR"/>
           </a:p>
@@ -5830,7 +5830,7 @@
             <a:fld id="{FE1C9E8C-5C2F-489A-9AA4-2270366A0013}" type="datetimeFigureOut">
               <a:rPr lang="es-AR" smtClean="0"/>
               <a:pPr/>
-              <a:t>02/12/2009</a:t>
+              <a:t>03/12/2009</a:t>
             </a:fld>
             <a:endParaRPr lang="es-AR"/>
           </a:p>
@@ -6017,7 +6017,7 @@
             <a:fld id="{FE1C9E8C-5C2F-489A-9AA4-2270366A0013}" type="datetimeFigureOut">
               <a:rPr lang="es-AR" smtClean="0"/>
               <a:pPr/>
-              <a:t>02/12/2009</a:t>
+              <a:t>03/12/2009</a:t>
             </a:fld>
             <a:endParaRPr lang="es-AR"/>
           </a:p>
@@ -6204,7 +6204,7 @@
             <a:fld id="{FE1C9E8C-5C2F-489A-9AA4-2270366A0013}" type="datetimeFigureOut">
               <a:rPr lang="es-AR" smtClean="0"/>
               <a:pPr/>
-              <a:t>02/12/2009</a:t>
+              <a:t>03/12/2009</a:t>
             </a:fld>
             <a:endParaRPr lang="es-AR"/>
           </a:p>
@@ -6587,7 +6587,7 @@
             <a:fld id="{FE1C9E8C-5C2F-489A-9AA4-2270366A0013}" type="datetimeFigureOut">
               <a:rPr lang="es-AR" smtClean="0"/>
               <a:pPr/>
-              <a:t>02/12/2009</a:t>
+              <a:t>03/12/2009</a:t>
             </a:fld>
             <a:endParaRPr lang="es-AR"/>
           </a:p>
@@ -6858,7 +6858,7 @@
             <a:fld id="{FE1C9E8C-5C2F-489A-9AA4-2270366A0013}" type="datetimeFigureOut">
               <a:rPr lang="es-AR" smtClean="0"/>
               <a:pPr/>
-              <a:t>02/12/2009</a:t>
+              <a:t>03/12/2009</a:t>
             </a:fld>
             <a:endParaRPr lang="es-AR"/>
           </a:p>
@@ -7245,7 +7245,7 @@
             <a:fld id="{FE1C9E8C-5C2F-489A-9AA4-2270366A0013}" type="datetimeFigureOut">
               <a:rPr lang="es-AR" smtClean="0"/>
               <a:pPr/>
-              <a:t>02/12/2009</a:t>
+              <a:t>03/12/2009</a:t>
             </a:fld>
             <a:endParaRPr lang="es-AR"/>
           </a:p>
@@ -7368,7 +7368,7 @@
             <a:fld id="{FE1C9E8C-5C2F-489A-9AA4-2270366A0013}" type="datetimeFigureOut">
               <a:rPr lang="es-AR" smtClean="0"/>
               <a:pPr/>
-              <a:t>02/12/2009</a:t>
+              <a:t>03/12/2009</a:t>
             </a:fld>
             <a:endParaRPr lang="es-AR"/>
           </a:p>
@@ -7550,7 +7550,7 @@
             <a:fld id="{FE1C9E8C-5C2F-489A-9AA4-2270366A0013}" type="datetimeFigureOut">
               <a:rPr lang="es-AR" smtClean="0"/>
               <a:pPr/>
-              <a:t>02/12/2009</a:t>
+              <a:t>03/12/2009</a:t>
             </a:fld>
             <a:endParaRPr lang="es-AR"/>
           </a:p>
@@ -7886,7 +7886,7 @@
             <a:fld id="{FE1C9E8C-5C2F-489A-9AA4-2270366A0013}" type="datetimeFigureOut">
               <a:rPr lang="es-AR" smtClean="0"/>
               <a:pPr/>
-              <a:t>02/12/2009</a:t>
+              <a:t>03/12/2009</a:t>
             </a:fld>
             <a:endParaRPr lang="es-AR"/>
           </a:p>
@@ -8257,7 +8257,7 @@
             <a:fld id="{FE1C9E8C-5C2F-489A-9AA4-2270366A0013}" type="datetimeFigureOut">
               <a:rPr lang="es-AR" smtClean="0"/>
               <a:pPr/>
-              <a:t>02/12/2009</a:t>
+              <a:t>03/12/2009</a:t>
             </a:fld>
             <a:endParaRPr lang="es-AR"/>
           </a:p>
@@ -8677,7 +8677,7 @@
             <a:fld id="{FE1C9E8C-5C2F-489A-9AA4-2270366A0013}" type="datetimeFigureOut">
               <a:rPr lang="es-AR" smtClean="0"/>
               <a:pPr/>
-              <a:t>02/12/2009</a:t>
+              <a:t>03/12/2009</a:t>
             </a:fld>
             <a:endParaRPr lang="es-AR"/>
           </a:p>
@@ -11148,11 +11148,7 @@
           <a:p>
             <a:r>
               <a:rPr lang="es-AR" dirty="0" smtClean="0"/>
-              <a:t>Unidad </a:t>
-            </a:r>
-            <a:r>
-              <a:rPr lang="es-AR" dirty="0" smtClean="0"/>
-              <a:t>indivisible a ser enviada</a:t>
+              <a:t>Unidad indivisible a ser enviada</a:t>
             </a:r>
           </a:p>
           <a:p>
@@ -11160,7 +11156,6 @@
               <a:rPr lang="es-AR" dirty="0" smtClean="0"/>
               <a:t>Tipificación</a:t>
             </a:r>
-            <a:endParaRPr lang="es-AR" dirty="0" smtClean="0"/>
           </a:p>
           <a:p>
             <a:r>
@@ -11172,13 +11167,8 @@
             <a:pPr lvl="0"/>
             <a:r>
               <a:rPr lang="es-AR" dirty="0" smtClean="0"/>
-              <a:t>Consulta de </a:t>
-            </a:r>
-            <a:r>
-              <a:rPr lang="es-AR" dirty="0" smtClean="0"/>
-              <a:t>pedido</a:t>
-            </a:r>
-            <a:endParaRPr lang="es-AR" dirty="0" smtClean="0"/>
+              <a:t>Consulta de pedido</a:t>
+            </a:r>
           </a:p>
           <a:p>
             <a:pPr lvl="0"/>
@@ -11237,7 +11227,7 @@
           <p:nvPr/>
         </p:nvPicPr>
         <p:blipFill>
-          <a:blip r:embed="rId4"/>
+          <a:blip r:embed="rId3"/>
           <a:srcRect/>
           <a:stretch>
             <a:fillRect/>
@@ -11263,7 +11253,7 @@
           <p:nvPr/>
         </p:nvPicPr>
         <p:blipFill>
-          <a:blip r:embed="rId5"/>
+          <a:blip r:embed="rId4"/>
           <a:srcRect/>
           <a:stretch>
             <a:fillRect/>
@@ -11289,7 +11279,7 @@
           <p:nvPr/>
         </p:nvPicPr>
         <p:blipFill>
-          <a:blip r:embed="rId6"/>
+          <a:blip r:embed="rId5"/>
           <a:srcRect/>
           <a:stretch>
             <a:fillRect/>
@@ -11315,7 +11305,7 @@
           <p:nvPr/>
         </p:nvPicPr>
         <p:blipFill>
-          <a:blip r:embed="rId7"/>
+          <a:blip r:embed="rId6"/>
           <a:srcRect/>
           <a:stretch>
             <a:fillRect/>
@@ -11333,9 +11323,6 @@
         </p:spPr>
       </p:pic>
     </p:spTree>
-    <p:custDataLst>
-      <p:tags r:id="rId1"/>
-    </p:custDataLst>
   </p:cSld>
   <p:clrMapOvr>
     <a:masterClrMapping/>
@@ -11572,33 +11559,15 @@
                                   </p:childTnLst>
                                 </p:cTn>
                               </p:par>
-                            </p:childTnLst>
-                          </p:cTn>
-                        </p:par>
-                      </p:childTnLst>
-                    </p:cTn>
-                  </p:par>
-                  <p:par>
-                    <p:cTn id="24" fill="hold">
-                      <p:stCondLst>
-                        <p:cond delay="indefinite"/>
-                      </p:stCondLst>
-                      <p:childTnLst>
-                        <p:par>
-                          <p:cTn id="25" fill="hold">
-                            <p:stCondLst>
-                              <p:cond delay="0"/>
-                            </p:stCondLst>
-                            <p:childTnLst>
                               <p:par>
-                                <p:cTn id="26" presetID="9" presetClass="entr" presetSubtype="0" fill="hold" nodeType="clickEffect">
+                                <p:cTn id="24" presetID="9" presetClass="entr" presetSubtype="0" fill="hold" nodeType="withEffect">
                                   <p:stCondLst>
                                     <p:cond delay="0"/>
                                   </p:stCondLst>
                                   <p:childTnLst>
                                     <p:set>
                                       <p:cBhvr>
-                                        <p:cTn id="27" dur="1" fill="hold">
+                                        <p:cTn id="25" dur="1" fill="hold">
                                           <p:stCondLst>
                                             <p:cond delay="0"/>
                                           </p:stCondLst>
@@ -11616,7 +11585,7 @@
                                     </p:set>
                                     <p:animEffect transition="in" filter="dissolve">
                                       <p:cBhvr>
-                                        <p:cTn id="28" dur="500"/>
+                                        <p:cTn id="26" dur="500"/>
                                         <p:tgtEl>
                                           <p:spTgt spid="22532"/>
                                         </p:tgtEl>
@@ -11625,33 +11594,15 @@
                                   </p:childTnLst>
                                 </p:cTn>
                               </p:par>
-                            </p:childTnLst>
-                          </p:cTn>
-                        </p:par>
-                      </p:childTnLst>
-                    </p:cTn>
-                  </p:par>
-                  <p:par>
-                    <p:cTn id="29" fill="hold">
-                      <p:stCondLst>
-                        <p:cond delay="indefinite"/>
-                      </p:stCondLst>
-                      <p:childTnLst>
-                        <p:par>
-                          <p:cTn id="30" fill="hold">
-                            <p:stCondLst>
-                              <p:cond delay="0"/>
-                            </p:stCondLst>
-                            <p:childTnLst>
                               <p:par>
-                                <p:cTn id="31" presetID="9" presetClass="entr" presetSubtype="0" fill="hold" nodeType="clickEffect">
+                                <p:cTn id="27" presetID="9" presetClass="entr" presetSubtype="0" fill="hold" nodeType="withEffect">
                                   <p:stCondLst>
                                     <p:cond delay="0"/>
                                   </p:stCondLst>
                                   <p:childTnLst>
                                     <p:set>
                                       <p:cBhvr>
-                                        <p:cTn id="32" dur="1" fill="hold">
+                                        <p:cTn id="28" dur="1" fill="hold">
                                           <p:stCondLst>
                                             <p:cond delay="0"/>
                                           </p:stCondLst>
@@ -11669,7 +11620,7 @@
                                     </p:set>
                                     <p:animEffect transition="in" filter="dissolve">
                                       <p:cBhvr>
-                                        <p:cTn id="33" dur="500"/>
+                                        <p:cTn id="29" dur="500"/>
                                         <p:tgtEl>
                                           <p:spTgt spid="22534"/>
                                         </p:tgtEl>
@@ -11678,33 +11629,15 @@
                                   </p:childTnLst>
                                 </p:cTn>
                               </p:par>
-                            </p:childTnLst>
-                          </p:cTn>
-                        </p:par>
-                      </p:childTnLst>
-                    </p:cTn>
-                  </p:par>
-                  <p:par>
-                    <p:cTn id="34" fill="hold">
-                      <p:stCondLst>
-                        <p:cond delay="indefinite"/>
-                      </p:stCondLst>
-                      <p:childTnLst>
-                        <p:par>
-                          <p:cTn id="35" fill="hold">
-                            <p:stCondLst>
-                              <p:cond delay="0"/>
-                            </p:stCondLst>
-                            <p:childTnLst>
                               <p:par>
-                                <p:cTn id="36" presetID="9" presetClass="entr" presetSubtype="0" fill="hold" nodeType="clickEffect">
+                                <p:cTn id="30" presetID="9" presetClass="entr" presetSubtype="0" fill="hold" nodeType="withEffect">
                                   <p:stCondLst>
                                     <p:cond delay="0"/>
                                   </p:stCondLst>
                                   <p:childTnLst>
                                     <p:set>
                                       <p:cBhvr>
-                                        <p:cTn id="37" dur="1" fill="hold">
+                                        <p:cTn id="31" dur="1" fill="hold">
                                           <p:stCondLst>
                                             <p:cond delay="0"/>
                                           </p:stCondLst>
@@ -11722,7 +11655,7 @@
                                     </p:set>
                                     <p:animEffect transition="in" filter="dissolve">
                                       <p:cBhvr>
-                                        <p:cTn id="38" dur="500"/>
+                                        <p:cTn id="32" dur="500"/>
                                         <p:tgtEl>
                                           <p:spTgt spid="22538"/>
                                         </p:tgtEl>
@@ -13703,19 +13636,13 @@
 
 <file path=ppt/tags/tag1.xml><?xml version="1.0" encoding="utf-8"?>
 <p:tagLst xmlns:a="http://schemas.openxmlformats.org/drawingml/2006/main" xmlns:r="http://schemas.openxmlformats.org/officeDocument/2006/relationships" xmlns:p="http://schemas.openxmlformats.org/presentationml/2006/main">
-  <p:tag name="TIMING" val="|0.1|0.4|0.3|0.2|0.2"/>
+  <p:tag name="TIMING" val="|73.1|0.2|0.2"/>
 </p:tagLst>
 </file>
 
 <file path=ppt/tags/tag2.xml><?xml version="1.0" encoding="utf-8"?>
 <p:tagLst xmlns:a="http://schemas.openxmlformats.org/drawingml/2006/main" xmlns:r="http://schemas.openxmlformats.org/officeDocument/2006/relationships" xmlns:p="http://schemas.openxmlformats.org/presentationml/2006/main">
-  <p:tag name="TIMING" val="|0.1|0.7|0.4|0.6|0.6|0.4"/>
-</p:tagLst>
-</file>
-
-<file path=ppt/tags/tag3.xml><?xml version="1.0" encoding="utf-8"?>
-<p:tagLst xmlns:a="http://schemas.openxmlformats.org/drawingml/2006/main" xmlns:r="http://schemas.openxmlformats.org/officeDocument/2006/relationships" xmlns:p="http://schemas.openxmlformats.org/presentationml/2006/main">
-  <p:tag name="TIMING" val="|6.5|1|0.4"/>
+  <p:tag name="TIMING" val="|0.2|0.5|0.2|0.2"/>
 </p:tagLst>
 </file>
 

--- a/trunk/TodoMundo/Presentación/Presentacion.pptx
+++ b/trunk/TodoMundo/Presentación/Presentacion.pptx
@@ -4022,7 +4022,7 @@
             <a:fld id="{6B7DCFDD-9765-4942-8186-4D444FB7394B}" type="slidenum">
               <a:rPr lang="en-US" smtClean="0"/>
               <a:pPr/>
-              <a:t>‹Nº›</a:t>
+              <a:t>‹#›</a:t>
             </a:fld>
             <a:endParaRPr lang="en-US"/>
           </a:p>
@@ -5336,6 +5336,131 @@
 </p:notes>
 </file>
 
+<file path=ppt/notesSlides/notesSlide8.xml><?xml version="1.0" encoding="utf-8"?>
+<p:notes xmlns:a="http://schemas.openxmlformats.org/drawingml/2006/main" xmlns:r="http://schemas.openxmlformats.org/officeDocument/2006/relationships" xmlns:p="http://schemas.openxmlformats.org/presentationml/2006/main">
+  <p:cSld>
+    <p:spTree>
+      <p:nvGrpSpPr>
+        <p:cNvPr id="1" name=""/>
+        <p:cNvGrpSpPr/>
+        <p:nvPr/>
+      </p:nvGrpSpPr>
+      <p:grpSpPr>
+        <a:xfrm>
+          <a:off x="0" y="0"/>
+          <a:ext cx="0" cy="0"/>
+          <a:chOff x="0" y="0"/>
+          <a:chExt cx="0" cy="0"/>
+        </a:xfrm>
+      </p:grpSpPr>
+      <p:sp>
+        <p:nvSpPr>
+          <p:cNvPr id="2" name="Slide Image Placeholder 1"/>
+          <p:cNvSpPr>
+            <a:spLocks noGrp="1" noRot="1" noChangeAspect="1"/>
+          </p:cNvSpPr>
+          <p:nvPr>
+            <p:ph type="sldImg"/>
+          </p:nvPr>
+        </p:nvSpPr>
+        <p:spPr/>
+      </p:sp>
+      <p:sp>
+        <p:nvSpPr>
+          <p:cNvPr id="3" name="Notes Placeholder 2"/>
+          <p:cNvSpPr>
+            <a:spLocks noGrp="1"/>
+          </p:cNvSpPr>
+          <p:nvPr>
+            <p:ph type="body" idx="1"/>
+          </p:nvPr>
+        </p:nvSpPr>
+        <p:spPr/>
+        <p:txBody>
+          <a:bodyPr>
+            <a:normAutofit/>
+          </a:bodyPr>
+          <a:lstStyle/>
+          <a:p>
+            <a:r>
+              <a:rPr lang="es-ES" dirty="0" smtClean="0"/>
+              <a:t>Forma de trabajo ( hablar de que nos juntamos y que después cada uno trabajaba en base a lo acordado y que esto nos trajo muchos problemas, que manejábamos por mails y gracias a un repositorio y demás.. y que ahora tuvimos 2 semanas que nos encargamos de asegurarnos que todo cierre, revisamos desde el alcance hasta los estados, todo para que no haya ningún punto )</a:t>
+            </a:r>
+          </a:p>
+          <a:p>
+            <a:r>
+              <a:rPr lang="es-ES" dirty="0" smtClean="0"/>
+              <a:t>Trabajo iterativo( permanentemente tuvimos que volver atrás y modificar cosas y nunca terminábamos de corregir absolutamente todo, siempre saltaba algún detalle, al ser un trabajo grande e interconectado, un detalle en un lado implicaba reestructurar toda otra parte. )</a:t>
+            </a:r>
+          </a:p>
+          <a:p>
+            <a:r>
+              <a:rPr lang="es-ES" dirty="0" smtClean="0"/>
+              <a:t>Aprendizaje ( Obviamente a partir de estas iteraciones que tuvimos aprendimos mucho de como encarar estos tipos de problemas, como vimos por ejemplo en los casos de uso, arrancamos sin idea, creyendo que </a:t>
+            </a:r>
+            <a:r>
+              <a:rPr lang="es-ES" dirty="0" err="1" smtClean="0"/>
+              <a:t>teniamos</a:t>
+            </a:r>
+            <a:r>
+              <a:rPr lang="es-ES" dirty="0" smtClean="0"/>
+              <a:t> solo 4 casos, lo cual terminó siendo completamente mentira.. ahora tenemos </a:t>
+            </a:r>
+            <a:r>
+              <a:rPr lang="es-ES" dirty="0" err="1" smtClean="0"/>
+              <a:t>muchisimos</a:t>
+            </a:r>
+            <a:r>
+              <a:rPr lang="es-ES" dirty="0" smtClean="0"/>
+              <a:t> mas, y </a:t>
+            </a:r>
+            <a:r>
+              <a:rPr lang="es-ES" dirty="0" err="1" smtClean="0"/>
+              <a:t>asi</a:t>
+            </a:r>
+            <a:r>
+              <a:rPr lang="es-ES" dirty="0" smtClean="0"/>
+              <a:t> con todos los puntos)</a:t>
+            </a:r>
+            <a:endParaRPr lang="en-US" dirty="0" smtClean="0"/>
+          </a:p>
+          <a:p>
+            <a:endParaRPr lang="en-US" dirty="0"/>
+          </a:p>
+        </p:txBody>
+      </p:sp>
+      <p:sp>
+        <p:nvSpPr>
+          <p:cNvPr id="4" name="Slide Number Placeholder 3"/>
+          <p:cNvSpPr>
+            <a:spLocks noGrp="1"/>
+          </p:cNvSpPr>
+          <p:nvPr>
+            <p:ph type="sldNum" sz="quarter" idx="10"/>
+          </p:nvPr>
+        </p:nvSpPr>
+        <p:spPr/>
+        <p:txBody>
+          <a:bodyPr/>
+          <a:lstStyle/>
+          <a:p>
+            <a:fld id="{6B7DCFDD-9765-4942-8186-4D444FB7394B}" type="slidenum">
+              <a:rPr lang="en-US" smtClean="0"/>
+              <a:pPr/>
+              <a:t>11</a:t>
+            </a:fld>
+            <a:endParaRPr lang="en-US"/>
+          </a:p>
+        </p:txBody>
+      </p:sp>
+    </p:spTree>
+  </p:cSld>
+  <p:clrMapOvr>
+    <a:masterClrMapping/>
+  </p:clrMapOvr>
+</p:notes>
+</file>
+
 <file path=ppt/slideLayouts/slideLayout1.xml><?xml version="1.0" encoding="utf-8"?>
 <p:sldLayout xmlns:a="http://schemas.openxmlformats.org/drawingml/2006/main" xmlns:r="http://schemas.openxmlformats.org/officeDocument/2006/relationships" xmlns:p="http://schemas.openxmlformats.org/presentationml/2006/main" showMasterSp="0" type="title" preserve="1">
   <p:cSld name="Diapositiva de título">
@@ -5690,7 +5815,7 @@
             <a:fld id="{DEAB1E94-6728-4D22-B98E-AC9E1765F0E2}" type="slidenum">
               <a:rPr lang="es-AR" smtClean="0"/>
               <a:pPr/>
-              <a:t>‹Nº›</a:t>
+              <a:t>‹#›</a:t>
             </a:fld>
             <a:endParaRPr lang="es-AR"/>
           </a:p>
@@ -5877,7 +6002,7 @@
             <a:fld id="{DEAB1E94-6728-4D22-B98E-AC9E1765F0E2}" type="slidenum">
               <a:rPr lang="es-AR" smtClean="0"/>
               <a:pPr/>
-              <a:t>‹Nº›</a:t>
+              <a:t>‹#›</a:t>
             </a:fld>
             <a:endParaRPr lang="es-AR"/>
           </a:p>
@@ -6064,7 +6189,7 @@
             <a:fld id="{DEAB1E94-6728-4D22-B98E-AC9E1765F0E2}" type="slidenum">
               <a:rPr lang="es-AR" smtClean="0"/>
               <a:pPr/>
-              <a:t>‹Nº›</a:t>
+              <a:t>‹#›</a:t>
             </a:fld>
             <a:endParaRPr lang="es-AR"/>
           </a:p>
@@ -6251,7 +6376,7 @@
             <a:fld id="{DEAB1E94-6728-4D22-B98E-AC9E1765F0E2}" type="slidenum">
               <a:rPr lang="es-AR" smtClean="0"/>
               <a:pPr/>
-              <a:t>‹Nº›</a:t>
+              <a:t>‹#›</a:t>
             </a:fld>
             <a:endParaRPr lang="es-AR"/>
           </a:p>
@@ -6634,7 +6759,7 @@
             <a:fld id="{DEAB1E94-6728-4D22-B98E-AC9E1765F0E2}" type="slidenum">
               <a:rPr lang="es-AR" smtClean="0"/>
               <a:pPr/>
-              <a:t>‹Nº›</a:t>
+              <a:t>‹#›</a:t>
             </a:fld>
             <a:endParaRPr lang="es-AR"/>
           </a:p>
@@ -6905,7 +7030,7 @@
             <a:fld id="{DEAB1E94-6728-4D22-B98E-AC9E1765F0E2}" type="slidenum">
               <a:rPr lang="es-AR" smtClean="0"/>
               <a:pPr/>
-              <a:t>‹Nº›</a:t>
+              <a:t>‹#›</a:t>
             </a:fld>
             <a:endParaRPr lang="es-AR"/>
           </a:p>
@@ -7292,7 +7417,7 @@
             <a:fld id="{DEAB1E94-6728-4D22-B98E-AC9E1765F0E2}" type="slidenum">
               <a:rPr lang="es-AR" smtClean="0"/>
               <a:pPr/>
-              <a:t>‹Nº›</a:t>
+              <a:t>‹#›</a:t>
             </a:fld>
             <a:endParaRPr lang="es-AR"/>
           </a:p>
@@ -7415,7 +7540,7 @@
             <a:fld id="{DEAB1E94-6728-4D22-B98E-AC9E1765F0E2}" type="slidenum">
               <a:rPr lang="es-AR" smtClean="0"/>
               <a:pPr/>
-              <a:t>‹Nº›</a:t>
+              <a:t>‹#›</a:t>
             </a:fld>
             <a:endParaRPr lang="es-AR"/>
           </a:p>
@@ -7597,7 +7722,7 @@
             <a:fld id="{DEAB1E94-6728-4D22-B98E-AC9E1765F0E2}" type="slidenum">
               <a:rPr lang="es-AR" smtClean="0"/>
               <a:pPr/>
-              <a:t>‹Nº›</a:t>
+              <a:t>‹#›</a:t>
             </a:fld>
             <a:endParaRPr lang="es-AR"/>
           </a:p>
@@ -7933,7 +8058,7 @@
             <a:fld id="{DEAB1E94-6728-4D22-B98E-AC9E1765F0E2}" type="slidenum">
               <a:rPr lang="es-AR" smtClean="0"/>
               <a:pPr/>
-              <a:t>‹Nº›</a:t>
+              <a:t>‹#›</a:t>
             </a:fld>
             <a:endParaRPr lang="es-AR"/>
           </a:p>
@@ -8304,7 +8429,7 @@
             <a:fld id="{DEAB1E94-6728-4D22-B98E-AC9E1765F0E2}" type="slidenum">
               <a:rPr lang="es-AR" smtClean="0"/>
               <a:pPr/>
-              <a:t>‹Nº›</a:t>
+              <a:t>‹#›</a:t>
             </a:fld>
             <a:endParaRPr lang="es-AR"/>
           </a:p>
@@ -8758,7 +8883,7 @@
             <a:fld id="{DEAB1E94-6728-4D22-B98E-AC9E1765F0E2}" type="slidenum">
               <a:rPr lang="es-AR" smtClean="0"/>
               <a:pPr/>
-              <a:t>‹Nº›</a:t>
+              <a:t>‹#›</a:t>
             </a:fld>
             <a:endParaRPr lang="es-AR"/>
           </a:p>
@@ -9636,54 +9761,467 @@
       </p:grpSpPr>
       <p:sp>
         <p:nvSpPr>
-          <p:cNvPr id="2" name="1 Título"/>
-          <p:cNvSpPr>
-            <a:spLocks noGrp="1"/>
+          <p:cNvPr id="4" name="1 Título"/>
+          <p:cNvSpPr txBox="1">
+            <a:spLocks/>
           </p:cNvSpPr>
-          <p:nvPr>
-            <p:ph type="title"/>
-          </p:nvPr>
+          <p:nvPr/>
         </p:nvSpPr>
         <p:spPr>
           <a:xfrm>
-            <a:off x="482544" y="2516175"/>
+            <a:off x="519057" y="4999059"/>
             <a:ext cx="8183880" cy="1051560"/>
           </a:xfrm>
+          <a:prstGeom prst="rect">
+            <a:avLst/>
+          </a:prstGeom>
         </p:spPr>
         <p:txBody>
-          <a:bodyPr/>
+          <a:bodyPr vert="horz" anchor="b">
+            <a:normAutofit/>
+          </a:bodyPr>
           <a:lstStyle/>
           <a:p>
-            <a:pPr algn="ctr"/>
-            <a:r>
-              <a:rPr lang="es-AR" dirty="0" smtClean="0"/>
+            <a:pPr marL="0" marR="0" lvl="0" indent="0" algn="l" defTabSz="914400" rtl="0" eaLnBrk="1" fontAlgn="auto" latinLnBrk="0" hangingPunct="1">
+              <a:lnSpc>
+                <a:spcPct val="100000"/>
+              </a:lnSpc>
+              <a:spcBef>
+                <a:spcPct val="0"/>
+              </a:spcBef>
+              <a:spcAft>
+                <a:spcPts val="0"/>
+              </a:spcAft>
+              <a:buClrTx/>
+              <a:buSzTx/>
+              <a:buFontTx/>
+              <a:buNone/>
+              <a:tabLst/>
+              <a:defRPr/>
+            </a:pPr>
+            <a:r>
+              <a:rPr kumimoji="0" lang="es-AR" sz="3600" b="1" i="0" u="none" strike="noStrike" kern="1200" cap="none" spc="0" normalizeH="0" baseline="0" noProof="0" smtClean="0">
+                <a:ln>
+                  <a:noFill/>
+                </a:ln>
+                <a:solidFill>
+                  <a:schemeClr val="accent1">
+                    <a:tint val="88000"/>
+                    <a:satMod val="150000"/>
+                  </a:schemeClr>
+                </a:solidFill>
+                <a:effectLst>
+                  <a:outerShdw blurRad="53975" dist="22860" dir="5400000" algn="tl" rotWithShape="0">
+                    <a:srgbClr val="000000">
+                      <a:alpha val="55000"/>
+                    </a:srgbClr>
+                  </a:outerShdw>
+                </a:effectLst>
+                <a:uLnTx/>
+                <a:uFillTx/>
+                <a:latin typeface="+mj-lt"/>
+                <a:ea typeface="+mj-ea"/>
+                <a:cs typeface="+mj-cs"/>
+              </a:rPr>
               <a:t>Conclusiones</a:t>
             </a:r>
-            <a:endParaRPr lang="es-AR" dirty="0"/>
+            <a:endParaRPr kumimoji="0" lang="es-AR" sz="3600" b="1" i="0" u="none" strike="noStrike" kern="1200" cap="none" spc="0" normalizeH="0" baseline="0" noProof="0" dirty="0">
+              <a:ln>
+                <a:noFill/>
+              </a:ln>
+              <a:solidFill>
+                <a:schemeClr val="accent1">
+                  <a:tint val="88000"/>
+                  <a:satMod val="150000"/>
+                </a:schemeClr>
+              </a:solidFill>
+              <a:effectLst>
+                <a:outerShdw blurRad="53975" dist="22860" dir="5400000" algn="tl" rotWithShape="0">
+                  <a:srgbClr val="000000">
+                    <a:alpha val="55000"/>
+                  </a:srgbClr>
+                </a:outerShdw>
+              </a:effectLst>
+              <a:uLnTx/>
+              <a:uFillTx/>
+              <a:latin typeface="+mj-lt"/>
+              <a:ea typeface="+mj-ea"/>
+              <a:cs typeface="+mj-cs"/>
+            </a:endParaRPr>
           </a:p>
         </p:txBody>
       </p:sp>
       <p:sp>
         <p:nvSpPr>
-          <p:cNvPr id="3" name="2 Marcador de contenido"/>
-          <p:cNvSpPr>
-            <a:spLocks noGrp="1"/>
+          <p:cNvPr id="5" name="2 Marcador de contenido"/>
+          <p:cNvSpPr txBox="1">
+            <a:spLocks/>
           </p:cNvSpPr>
-          <p:nvPr>
-            <p:ph idx="1"/>
-          </p:nvPr>
+          <p:nvPr/>
         </p:nvSpPr>
         <p:spPr>
           <a:xfrm>
-            <a:off x="502920" y="530352"/>
-            <a:ext cx="8183880" cy="5308506"/>
+            <a:off x="482544" y="507960"/>
+            <a:ext cx="8183880" cy="4198995"/>
           </a:xfrm>
+          <a:prstGeom prst="rect">
+            <a:avLst/>
+          </a:prstGeom>
         </p:spPr>
         <p:txBody>
-          <a:bodyPr/>
+          <a:bodyPr vert="horz" lIns="182880" tIns="91440">
+            <a:normAutofit/>
+          </a:bodyPr>
           <a:lstStyle/>
           <a:p>
-            <a:endParaRPr lang="es-AR" dirty="0"/>
+            <a:pPr marL="265176" marR="0" lvl="0" indent="-265176" algn="l" defTabSz="914400" rtl="0" eaLnBrk="1" fontAlgn="auto" latinLnBrk="0" hangingPunct="1">
+              <a:lnSpc>
+                <a:spcPct val="100000"/>
+              </a:lnSpc>
+              <a:spcBef>
+                <a:spcPts val="250"/>
+              </a:spcBef>
+              <a:spcAft>
+                <a:spcPts val="0"/>
+              </a:spcAft>
+              <a:buClr>
+                <a:schemeClr val="accent1"/>
+              </a:buClr>
+              <a:buSzPct val="80000"/>
+              <a:buFont typeface="Wingdings 2"/>
+              <a:buChar char=""/>
+              <a:tabLst/>
+              <a:defRPr/>
+            </a:pPr>
+            <a:r>
+              <a:rPr kumimoji="0" lang="es-ES" sz="2800" b="0" i="0" u="none" strike="noStrike" kern="1200" cap="none" spc="0" normalizeH="0" baseline="0" noProof="0" dirty="0" smtClean="0">
+                <a:ln>
+                  <a:noFill/>
+                </a:ln>
+                <a:solidFill>
+                  <a:schemeClr val="tx1"/>
+                </a:solidFill>
+                <a:effectLst/>
+                <a:uLnTx/>
+                <a:uFillTx/>
+                <a:latin typeface="+mn-lt"/>
+                <a:ea typeface="+mn-ea"/>
+                <a:cs typeface="+mn-cs"/>
+              </a:rPr>
+              <a:t>Forma de trabajo</a:t>
+            </a:r>
+          </a:p>
+          <a:p>
+            <a:pPr marL="548640" marR="0" lvl="1" indent="-201168" algn="l" defTabSz="914400" rtl="0" eaLnBrk="1" fontAlgn="auto" latinLnBrk="0" hangingPunct="1">
+              <a:lnSpc>
+                <a:spcPct val="100000"/>
+              </a:lnSpc>
+              <a:spcBef>
+                <a:spcPts val="250"/>
+              </a:spcBef>
+              <a:spcAft>
+                <a:spcPts val="0"/>
+              </a:spcAft>
+              <a:buClr>
+                <a:schemeClr val="accent1"/>
+              </a:buClr>
+              <a:buSzPct val="100000"/>
+              <a:buFont typeface="Verdana"/>
+              <a:buChar char="◦"/>
+              <a:tabLst/>
+              <a:defRPr/>
+            </a:pPr>
+            <a:r>
+              <a:rPr kumimoji="0" lang="es-ES" sz="2400" b="0" i="0" u="none" strike="noStrike" kern="1200" cap="none" spc="0" normalizeH="0" baseline="0" noProof="0" dirty="0" smtClean="0">
+                <a:ln>
+                  <a:noFill/>
+                </a:ln>
+                <a:solidFill>
+                  <a:schemeClr val="tx1"/>
+                </a:solidFill>
+                <a:effectLst/>
+                <a:uLnTx/>
+                <a:uFillTx/>
+                <a:latin typeface="+mn-lt"/>
+                <a:ea typeface="+mn-ea"/>
+                <a:cs typeface="+mn-cs"/>
+              </a:rPr>
+              <a:t>Reuniones con separación de tareas.</a:t>
+            </a:r>
+          </a:p>
+          <a:p>
+            <a:pPr marL="548640" marR="0" lvl="1" indent="-201168" algn="l" defTabSz="914400" rtl="0" eaLnBrk="1" fontAlgn="auto" latinLnBrk="0" hangingPunct="1">
+              <a:lnSpc>
+                <a:spcPct val="100000"/>
+              </a:lnSpc>
+              <a:spcBef>
+                <a:spcPts val="250"/>
+              </a:spcBef>
+              <a:spcAft>
+                <a:spcPts val="0"/>
+              </a:spcAft>
+              <a:buClr>
+                <a:schemeClr val="accent1"/>
+              </a:buClr>
+              <a:buSzPct val="100000"/>
+              <a:buFont typeface="Verdana"/>
+              <a:buChar char="◦"/>
+              <a:tabLst/>
+              <a:defRPr/>
+            </a:pPr>
+            <a:r>
+              <a:rPr kumimoji="0" lang="es-ES" sz="2400" b="0" i="0" u="none" strike="noStrike" kern="1200" cap="none" spc="0" normalizeH="0" baseline="0" noProof="0" dirty="0" smtClean="0">
+                <a:ln>
+                  <a:noFill/>
+                </a:ln>
+                <a:solidFill>
+                  <a:schemeClr val="tx1"/>
+                </a:solidFill>
+                <a:effectLst/>
+                <a:uLnTx/>
+                <a:uFillTx/>
+                <a:latin typeface="+mn-lt"/>
+                <a:ea typeface="+mn-ea"/>
+                <a:cs typeface="+mn-cs"/>
+              </a:rPr>
+              <a:t>Repositorio y grupo de mail</a:t>
+            </a:r>
+          </a:p>
+          <a:p>
+            <a:pPr marL="548640" marR="0" lvl="1" indent="-201168" algn="l" defTabSz="914400" rtl="0" eaLnBrk="1" fontAlgn="auto" latinLnBrk="0" hangingPunct="1">
+              <a:lnSpc>
+                <a:spcPct val="100000"/>
+              </a:lnSpc>
+              <a:spcBef>
+                <a:spcPts val="250"/>
+              </a:spcBef>
+              <a:spcAft>
+                <a:spcPts val="0"/>
+              </a:spcAft>
+              <a:buClr>
+                <a:schemeClr val="accent1"/>
+              </a:buClr>
+              <a:buSzPct val="100000"/>
+              <a:buFont typeface="Verdana"/>
+              <a:buChar char="◦"/>
+              <a:tabLst/>
+              <a:defRPr/>
+            </a:pPr>
+            <a:r>
+              <a:rPr kumimoji="0" lang="es-ES" sz="2400" b="0" i="0" u="none" strike="noStrike" kern="1200" cap="none" spc="0" normalizeH="0" baseline="0" noProof="0" dirty="0" smtClean="0">
+                <a:ln>
+                  <a:noFill/>
+                </a:ln>
+                <a:solidFill>
+                  <a:schemeClr val="tx1"/>
+                </a:solidFill>
+                <a:effectLst/>
+                <a:uLnTx/>
+                <a:uFillTx/>
+                <a:latin typeface="+mn-lt"/>
+                <a:ea typeface="+mn-ea"/>
+                <a:cs typeface="+mn-cs"/>
+              </a:rPr>
+              <a:t>Revisión final</a:t>
+            </a:r>
+          </a:p>
+          <a:p>
+            <a:pPr marL="265176" marR="0" lvl="0" indent="-265176" algn="l" defTabSz="914400" rtl="0" eaLnBrk="1" fontAlgn="auto" latinLnBrk="0" hangingPunct="1">
+              <a:lnSpc>
+                <a:spcPct val="100000"/>
+              </a:lnSpc>
+              <a:spcBef>
+                <a:spcPts val="250"/>
+              </a:spcBef>
+              <a:spcAft>
+                <a:spcPts val="0"/>
+              </a:spcAft>
+              <a:buClr>
+                <a:schemeClr val="accent1"/>
+              </a:buClr>
+              <a:buSzPct val="80000"/>
+              <a:buFont typeface="Wingdings 2"/>
+              <a:buChar char=""/>
+              <a:tabLst/>
+              <a:defRPr/>
+            </a:pPr>
+            <a:endParaRPr kumimoji="0" lang="es-ES" sz="2800" b="0" i="0" u="none" strike="noStrike" kern="1200" cap="none" spc="0" normalizeH="0" baseline="0" noProof="0" dirty="0" smtClean="0">
+              <a:ln>
+                <a:noFill/>
+              </a:ln>
+              <a:solidFill>
+                <a:schemeClr val="tx1"/>
+              </a:solidFill>
+              <a:effectLst/>
+              <a:uLnTx/>
+              <a:uFillTx/>
+              <a:latin typeface="+mn-lt"/>
+              <a:ea typeface="+mn-ea"/>
+              <a:cs typeface="+mn-cs"/>
+            </a:endParaRPr>
+          </a:p>
+          <a:p>
+            <a:pPr marL="265176" marR="0" lvl="0" indent="-265176" algn="l" defTabSz="914400" rtl="0" eaLnBrk="1" fontAlgn="auto" latinLnBrk="0" hangingPunct="1">
+              <a:lnSpc>
+                <a:spcPct val="100000"/>
+              </a:lnSpc>
+              <a:spcBef>
+                <a:spcPts val="250"/>
+              </a:spcBef>
+              <a:spcAft>
+                <a:spcPts val="0"/>
+              </a:spcAft>
+              <a:buClr>
+                <a:schemeClr val="accent1"/>
+              </a:buClr>
+              <a:buSzPct val="80000"/>
+              <a:buFont typeface="Wingdings 2"/>
+              <a:buChar char=""/>
+              <a:tabLst/>
+              <a:defRPr/>
+            </a:pPr>
+            <a:r>
+              <a:rPr kumimoji="0" lang="es-ES" sz="2800" b="0" i="0" u="none" strike="noStrike" kern="1200" cap="none" spc="0" normalizeH="0" baseline="0" noProof="0" dirty="0" smtClean="0">
+                <a:ln>
+                  <a:noFill/>
+                </a:ln>
+                <a:solidFill>
+                  <a:schemeClr val="tx1"/>
+                </a:solidFill>
+                <a:effectLst/>
+                <a:uLnTx/>
+                <a:uFillTx/>
+                <a:latin typeface="+mn-lt"/>
+                <a:ea typeface="+mn-ea"/>
+                <a:cs typeface="+mn-cs"/>
+              </a:rPr>
+              <a:t>Trabajo iterativo</a:t>
+            </a:r>
+          </a:p>
+          <a:p>
+            <a:pPr marL="265176" marR="0" lvl="0" indent="-265176" algn="l" defTabSz="914400" rtl="0" eaLnBrk="1" fontAlgn="auto" latinLnBrk="0" hangingPunct="1">
+              <a:lnSpc>
+                <a:spcPct val="100000"/>
+              </a:lnSpc>
+              <a:spcBef>
+                <a:spcPts val="250"/>
+              </a:spcBef>
+              <a:spcAft>
+                <a:spcPts val="0"/>
+              </a:spcAft>
+              <a:buClr>
+                <a:schemeClr val="accent1"/>
+              </a:buClr>
+              <a:buSzPct val="80000"/>
+              <a:buFont typeface="Wingdings 2"/>
+              <a:buChar char=""/>
+              <a:tabLst/>
+              <a:defRPr/>
+            </a:pPr>
+            <a:endParaRPr kumimoji="0" lang="es-ES" sz="2800" b="0" i="0" u="none" strike="noStrike" kern="1200" cap="none" spc="0" normalizeH="0" baseline="0" noProof="0" dirty="0" smtClean="0">
+              <a:ln>
+                <a:noFill/>
+              </a:ln>
+              <a:solidFill>
+                <a:schemeClr val="tx1"/>
+              </a:solidFill>
+              <a:effectLst/>
+              <a:uLnTx/>
+              <a:uFillTx/>
+              <a:latin typeface="+mn-lt"/>
+              <a:ea typeface="+mn-ea"/>
+              <a:cs typeface="+mn-cs"/>
+            </a:endParaRPr>
+          </a:p>
+          <a:p>
+            <a:pPr marL="265176" marR="0" lvl="0" indent="-265176" algn="l" defTabSz="914400" rtl="0" eaLnBrk="1" fontAlgn="auto" latinLnBrk="0" hangingPunct="1">
+              <a:lnSpc>
+                <a:spcPct val="100000"/>
+              </a:lnSpc>
+              <a:spcBef>
+                <a:spcPts val="250"/>
+              </a:spcBef>
+              <a:spcAft>
+                <a:spcPts val="0"/>
+              </a:spcAft>
+              <a:buClr>
+                <a:schemeClr val="accent1"/>
+              </a:buClr>
+              <a:buSzPct val="80000"/>
+              <a:buFont typeface="Wingdings 2"/>
+              <a:buChar char=""/>
+              <a:tabLst/>
+              <a:defRPr/>
+            </a:pPr>
+            <a:r>
+              <a:rPr kumimoji="0" lang="es-ES" sz="2800" b="0" i="0" u="none" strike="noStrike" kern="1200" cap="none" spc="0" normalizeH="0" baseline="0" noProof="0" dirty="0" smtClean="0">
+                <a:ln>
+                  <a:noFill/>
+                </a:ln>
+                <a:solidFill>
+                  <a:schemeClr val="tx1"/>
+                </a:solidFill>
+                <a:effectLst/>
+                <a:uLnTx/>
+                <a:uFillTx/>
+                <a:latin typeface="+mn-lt"/>
+                <a:ea typeface="+mn-ea"/>
+                <a:cs typeface="+mn-cs"/>
+              </a:rPr>
+              <a:t>Aprendizaje</a:t>
+            </a:r>
+          </a:p>
+          <a:p>
+            <a:pPr marL="548640" marR="0" lvl="1" indent="-201168" algn="l" defTabSz="914400" rtl="0" eaLnBrk="1" fontAlgn="auto" latinLnBrk="0" hangingPunct="1">
+              <a:lnSpc>
+                <a:spcPct val="100000"/>
+              </a:lnSpc>
+              <a:spcBef>
+                <a:spcPts val="250"/>
+              </a:spcBef>
+              <a:spcAft>
+                <a:spcPts val="0"/>
+              </a:spcAft>
+              <a:buClr>
+                <a:schemeClr val="accent1"/>
+              </a:buClr>
+              <a:buSzPct val="100000"/>
+              <a:buFont typeface="Verdana"/>
+              <a:buChar char="◦"/>
+              <a:tabLst/>
+              <a:defRPr/>
+            </a:pPr>
+            <a:r>
+              <a:rPr kumimoji="0" lang="es-AR" sz="2400" b="0" i="0" u="none" strike="noStrike" kern="1200" cap="none" spc="0" normalizeH="0" baseline="0" noProof="0" dirty="0" smtClean="0">
+                <a:ln>
+                  <a:noFill/>
+                </a:ln>
+                <a:solidFill>
+                  <a:schemeClr val="tx1"/>
+                </a:solidFill>
+                <a:effectLst/>
+                <a:uLnTx/>
+                <a:uFillTx/>
+                <a:latin typeface="+mn-lt"/>
+                <a:ea typeface="+mn-ea"/>
+                <a:cs typeface="+mn-cs"/>
+              </a:rPr>
+              <a:t> Ejemplo casos de uso</a:t>
+            </a:r>
+            <a:endParaRPr kumimoji="0" lang="es-AR" sz="2400" b="0" i="0" u="none" strike="noStrike" kern="1200" cap="none" spc="0" normalizeH="0" baseline="0" noProof="0" dirty="0">
+              <a:ln>
+                <a:noFill/>
+              </a:ln>
+              <a:solidFill>
+                <a:schemeClr val="tx1"/>
+              </a:solidFill>
+              <a:effectLst/>
+              <a:uLnTx/>
+              <a:uFillTx/>
+              <a:latin typeface="+mn-lt"/>
+              <a:ea typeface="+mn-ea"/>
+              <a:cs typeface="+mn-cs"/>
+            </a:endParaRPr>
           </a:p>
         </p:txBody>
       </p:sp>
@@ -10125,7 +10663,7 @@
       </p:sp>
       <p:pic>
         <p:nvPicPr>
-          <p:cNvPr id="2051" name="Picture 3"/>
+          <p:cNvPr id="4" name="Picture 2"/>
           <p:cNvPicPr>
             <a:picLocks noChangeAspect="1" noChangeArrowheads="1"/>
           </p:cNvPicPr>
@@ -10151,8 +10689,8 @@
         </p:blipFill>
         <p:spPr bwMode="auto">
           <a:xfrm>
-            <a:off x="654102" y="434934"/>
-            <a:ext cx="7715250" cy="5440437"/>
+            <a:off x="1103265" y="434935"/>
+            <a:ext cx="6937470" cy="5476950"/>
           </a:xfrm>
           <a:prstGeom prst="rect">
             <a:avLst/>
@@ -11227,7 +11765,7 @@
           <p:nvPr/>
         </p:nvPicPr>
         <p:blipFill>
-          <a:blip r:embed="rId3"/>
+          <a:blip r:embed="rId3" cstate="print"/>
           <a:srcRect/>
           <a:stretch>
             <a:fillRect/>
@@ -11253,7 +11791,7 @@
           <p:nvPr/>
         </p:nvPicPr>
         <p:blipFill>
-          <a:blip r:embed="rId4"/>
+          <a:blip r:embed="rId4" cstate="print"/>
           <a:srcRect/>
           <a:stretch>
             <a:fillRect/>
@@ -11279,7 +11817,7 @@
           <p:nvPr/>
         </p:nvPicPr>
         <p:blipFill>
-          <a:blip r:embed="rId5"/>
+          <a:blip r:embed="rId5" cstate="print"/>
           <a:srcRect/>
           <a:stretch>
             <a:fillRect/>
@@ -11305,7 +11843,7 @@
           <p:nvPr/>
         </p:nvPicPr>
         <p:blipFill>
-          <a:blip r:embed="rId6"/>
+          <a:blip r:embed="rId6" cstate="print"/>
           <a:srcRect/>
           <a:stretch>
             <a:fillRect/>
@@ -13523,7 +14061,7 @@
           <a:p>
             <a:r>
               <a:rPr lang="es-AR" dirty="0" smtClean="0"/>
-              <a:t>Limitaciones de la consulta	</a:t>
+              <a:t>Limitaciones</a:t>
             </a:r>
           </a:p>
           <a:p>
@@ -13532,20 +14070,12 @@
               <a:rPr lang="es-AR" dirty="0" smtClean="0"/>
               <a:t>Recepción</a:t>
             </a:r>
-            <a:r>
-              <a:rPr lang="es-AR" dirty="0"/>
-              <a:t> </a:t>
-            </a:r>
+          </a:p>
+          <a:p>
+            <a:pPr lvl="1"/>
             <a:r>
               <a:rPr lang="es-AR" dirty="0" smtClean="0"/>
-              <a:t>de la carga</a:t>
-            </a:r>
-          </a:p>
-          <a:p>
-            <a:pPr lvl="1"/>
-            <a:r>
-              <a:rPr lang="es-AR" dirty="0" smtClean="0"/>
-              <a:t>Seguimiento en tiempo real</a:t>
+              <a:t>Tiempo</a:t>
             </a:r>
           </a:p>
         </p:txBody>
@@ -13619,6 +14149,92 @@
           </a:p>
         </p:txBody>
       </p:sp>
+      <p:pic>
+        <p:nvPicPr>
+          <p:cNvPr id="6" name="Picture 3"/>
+          <p:cNvPicPr>
+            <a:picLocks noChangeAspect="1" noChangeArrowheads="1"/>
+          </p:cNvPicPr>
+          <p:nvPr/>
+        </p:nvPicPr>
+        <p:blipFill>
+          <a:blip r:embed="rId3" cstate="print">
+            <a:clrChange>
+              <a:clrFrom>
+                <a:srgbClr val="FFFFFF"/>
+              </a:clrFrom>
+              <a:clrTo>
+                <a:srgbClr val="FFFFFF">
+                  <a:alpha val="0"/>
+                </a:srgbClr>
+              </a:clrTo>
+            </a:clrChange>
+          </a:blip>
+          <a:srcRect/>
+          <a:stretch>
+            <a:fillRect/>
+          </a:stretch>
+        </p:blipFill>
+        <p:spPr bwMode="auto">
+          <a:xfrm>
+            <a:off x="5192721" y="1347759"/>
+            <a:ext cx="2722354" cy="4052943"/>
+          </a:xfrm>
+          <a:prstGeom prst="rect">
+            <a:avLst/>
+          </a:prstGeom>
+          <a:noFill/>
+          <a:ln w="9525">
+            <a:noFill/>
+            <a:miter lim="800000"/>
+            <a:headEnd/>
+            <a:tailEnd/>
+          </a:ln>
+        </p:spPr>
+      </p:pic>
+      <p:pic>
+        <p:nvPicPr>
+          <p:cNvPr id="7" name="Picture 4"/>
+          <p:cNvPicPr>
+            <a:picLocks noChangeAspect="1" noChangeArrowheads="1"/>
+          </p:cNvPicPr>
+          <p:nvPr/>
+        </p:nvPicPr>
+        <p:blipFill>
+          <a:blip r:embed="rId4" cstate="print">
+            <a:clrChange>
+              <a:clrFrom>
+                <a:srgbClr val="FFFFFF"/>
+              </a:clrFrom>
+              <a:clrTo>
+                <a:srgbClr val="FFFFFF">
+                  <a:alpha val="0"/>
+                </a:srgbClr>
+              </a:clrTo>
+            </a:clrChange>
+          </a:blip>
+          <a:srcRect/>
+          <a:stretch>
+            <a:fillRect/>
+          </a:stretch>
+        </p:blipFill>
+        <p:spPr bwMode="auto">
+          <a:xfrm>
+            <a:off x="5703903" y="1238220"/>
+            <a:ext cx="2453562" cy="4197345"/>
+          </a:xfrm>
+          <a:prstGeom prst="rect">
+            <a:avLst/>
+          </a:prstGeom>
+          <a:noFill/>
+          <a:ln w="9525">
+            <a:noFill/>
+            <a:miter lim="800000"/>
+            <a:headEnd/>
+            <a:tailEnd/>
+          </a:ln>
+        </p:spPr>
+      </p:pic>
     </p:spTree>
   </p:cSld>
   <p:clrMapOvr>
@@ -13627,7 +14243,174 @@
   <p:timing>
     <p:tnLst>
       <p:par>
-        <p:cTn id="1" dur="indefinite" restart="never" nodeType="tmRoot"/>
+        <p:cTn id="1" dur="indefinite" restart="never" nodeType="tmRoot">
+          <p:childTnLst>
+            <p:seq concurrent="1" nextAc="seek">
+              <p:cTn id="2" dur="indefinite" nodeType="mainSeq">
+                <p:childTnLst>
+                  <p:par>
+                    <p:cTn id="3" fill="hold">
+                      <p:stCondLst>
+                        <p:cond delay="indefinite"/>
+                        <p:cond evt="onBegin" delay="0">
+                          <p:tn val="2"/>
+                        </p:cond>
+                      </p:stCondLst>
+                      <p:childTnLst>
+                        <p:par>
+                          <p:cTn id="4" fill="hold">
+                            <p:stCondLst>
+                              <p:cond delay="0"/>
+                            </p:stCondLst>
+                            <p:childTnLst>
+                              <p:par>
+                                <p:cTn id="5" presetID="3" presetClass="entr" presetSubtype="10" fill="hold" nodeType="withEffect">
+                                  <p:stCondLst>
+                                    <p:cond delay="0"/>
+                                  </p:stCondLst>
+                                  <p:childTnLst>
+                                    <p:set>
+                                      <p:cBhvr>
+                                        <p:cTn id="6" dur="1" fill="hold">
+                                          <p:stCondLst>
+                                            <p:cond delay="0"/>
+                                          </p:stCondLst>
+                                        </p:cTn>
+                                        <p:tgtEl>
+                                          <p:spTgt spid="6"/>
+                                        </p:tgtEl>
+                                        <p:attrNameLst>
+                                          <p:attrName>style.visibility</p:attrName>
+                                        </p:attrNameLst>
+                                      </p:cBhvr>
+                                      <p:to>
+                                        <p:strVal val="visible"/>
+                                      </p:to>
+                                    </p:set>
+                                    <p:animEffect transition="in" filter="blinds(horizontal)">
+                                      <p:cBhvr>
+                                        <p:cTn id="7" dur="500"/>
+                                        <p:tgtEl>
+                                          <p:spTgt spid="6"/>
+                                        </p:tgtEl>
+                                      </p:cBhvr>
+                                    </p:animEffect>
+                                  </p:childTnLst>
+                                </p:cTn>
+                              </p:par>
+                            </p:childTnLst>
+                          </p:cTn>
+                        </p:par>
+                      </p:childTnLst>
+                    </p:cTn>
+                  </p:par>
+                  <p:par>
+                    <p:cTn id="8" fill="hold">
+                      <p:stCondLst>
+                        <p:cond delay="indefinite"/>
+                      </p:stCondLst>
+                      <p:childTnLst>
+                        <p:par>
+                          <p:cTn id="9" fill="hold">
+                            <p:stCondLst>
+                              <p:cond delay="0"/>
+                            </p:stCondLst>
+                            <p:childTnLst>
+                              <p:par>
+                                <p:cTn id="10" presetID="3" presetClass="exit" presetSubtype="10" fill="hold" nodeType="clickEffect">
+                                  <p:stCondLst>
+                                    <p:cond delay="0"/>
+                                  </p:stCondLst>
+                                  <p:childTnLst>
+                                    <p:animEffect transition="out" filter="blinds(horizontal)">
+                                      <p:cBhvr>
+                                        <p:cTn id="11" dur="500"/>
+                                        <p:tgtEl>
+                                          <p:spTgt spid="6"/>
+                                        </p:tgtEl>
+                                      </p:cBhvr>
+                                    </p:animEffect>
+                                    <p:set>
+                                      <p:cBhvr>
+                                        <p:cTn id="12" dur="1" fill="hold">
+                                          <p:stCondLst>
+                                            <p:cond delay="499"/>
+                                          </p:stCondLst>
+                                        </p:cTn>
+                                        <p:tgtEl>
+                                          <p:spTgt spid="6"/>
+                                        </p:tgtEl>
+                                        <p:attrNameLst>
+                                          <p:attrName>style.visibility</p:attrName>
+                                        </p:attrNameLst>
+                                      </p:cBhvr>
+                                      <p:to>
+                                        <p:strVal val="hidden"/>
+                                      </p:to>
+                                    </p:set>
+                                  </p:childTnLst>
+                                </p:cTn>
+                              </p:par>
+                              <p:par>
+                                <p:cTn id="13" presetID="3" presetClass="entr" presetSubtype="10" fill="hold" nodeType="withEffect">
+                                  <p:stCondLst>
+                                    <p:cond delay="0"/>
+                                  </p:stCondLst>
+                                  <p:childTnLst>
+                                    <p:set>
+                                      <p:cBhvr>
+                                        <p:cTn id="14" dur="1" fill="hold">
+                                          <p:stCondLst>
+                                            <p:cond delay="0"/>
+                                          </p:stCondLst>
+                                        </p:cTn>
+                                        <p:tgtEl>
+                                          <p:spTgt spid="7"/>
+                                        </p:tgtEl>
+                                        <p:attrNameLst>
+                                          <p:attrName>style.visibility</p:attrName>
+                                        </p:attrNameLst>
+                                      </p:cBhvr>
+                                      <p:to>
+                                        <p:strVal val="visible"/>
+                                      </p:to>
+                                    </p:set>
+                                    <p:animEffect transition="in" filter="blinds(horizontal)">
+                                      <p:cBhvr>
+                                        <p:cTn id="15" dur="500"/>
+                                        <p:tgtEl>
+                                          <p:spTgt spid="7"/>
+                                        </p:tgtEl>
+                                      </p:cBhvr>
+                                    </p:animEffect>
+                                  </p:childTnLst>
+                                </p:cTn>
+                              </p:par>
+                            </p:childTnLst>
+                          </p:cTn>
+                        </p:par>
+                      </p:childTnLst>
+                    </p:cTn>
+                  </p:par>
+                </p:childTnLst>
+              </p:cTn>
+              <p:prevCondLst>
+                <p:cond evt="onPrev" delay="0">
+                  <p:tgtEl>
+                    <p:sldTgt/>
+                  </p:tgtEl>
+                </p:cond>
+              </p:prevCondLst>
+              <p:nextCondLst>
+                <p:cond evt="onNext" delay="0">
+                  <p:tgtEl>
+                    <p:sldTgt/>
+                  </p:tgtEl>
+                </p:cond>
+              </p:nextCondLst>
+            </p:seq>
+          </p:childTnLst>
+        </p:cTn>
       </p:par>
     </p:tnLst>
   </p:timing>
